--- a/极客时间/Web协议详解与抓包实战/images/images.pptx
+++ b/极客时间/Web协议详解与抓包实战/images/images.pptx
@@ -9,13 +9,14 @@
     <p:sldId id="257" r:id="rId3"/>
     <p:sldId id="258" r:id="rId4"/>
     <p:sldId id="259" r:id="rId5"/>
-    <p:sldId id="260" r:id="rId6"/>
-    <p:sldId id="261" r:id="rId7"/>
-    <p:sldId id="262" r:id="rId8"/>
-    <p:sldId id="263" r:id="rId9"/>
-    <p:sldId id="264" r:id="rId10"/>
-    <p:sldId id="265" r:id="rId11"/>
-    <p:sldId id="266" r:id="rId12"/>
+    <p:sldId id="267" r:id="rId6"/>
+    <p:sldId id="260" r:id="rId7"/>
+    <p:sldId id="261" r:id="rId8"/>
+    <p:sldId id="262" r:id="rId9"/>
+    <p:sldId id="263" r:id="rId10"/>
+    <p:sldId id="264" r:id="rId11"/>
+    <p:sldId id="265" r:id="rId12"/>
+    <p:sldId id="266" r:id="rId13"/>
   </p:sldIdLst>
   <p:sldSz cx="12192000" cy="6858000"/>
   <p:notesSz cx="6858000" cy="9144000"/>
@@ -155,7 +156,7 @@
           <p:cNvPr id="2" name="标题 1">
             <a:extLst>
               <a:ext uri="{FF2B5EF4-FFF2-40B4-BE49-F238E27FC236}">
-                <a16:creationId xmlns:a16="http://schemas.microsoft.com/office/drawing/2014/main" xmlns="" id="{B8F815B8-DF49-4B0B-B33C-B25532827F12}"/>
+                <a16:creationId xmlns:a16="http://schemas.microsoft.com/office/drawing/2014/main" id="{B8F815B8-DF49-4B0B-B33C-B25532827F12}"/>
               </a:ext>
             </a:extLst>
           </p:cNvPr>
@@ -192,7 +193,7 @@
           <p:cNvPr id="3" name="副标题 2">
             <a:extLst>
               <a:ext uri="{FF2B5EF4-FFF2-40B4-BE49-F238E27FC236}">
-                <a16:creationId xmlns:a16="http://schemas.microsoft.com/office/drawing/2014/main" xmlns="" id="{5F57465F-0EED-4695-B90F-BD448ABD7DA3}"/>
+                <a16:creationId xmlns:a16="http://schemas.microsoft.com/office/drawing/2014/main" id="{5F57465F-0EED-4695-B90F-BD448ABD7DA3}"/>
               </a:ext>
             </a:extLst>
           </p:cNvPr>
@@ -262,7 +263,7 @@
           <p:cNvPr id="4" name="日期占位符 3">
             <a:extLst>
               <a:ext uri="{FF2B5EF4-FFF2-40B4-BE49-F238E27FC236}">
-                <a16:creationId xmlns:a16="http://schemas.microsoft.com/office/drawing/2014/main" xmlns="" id="{939878F8-E081-44A2-9413-39BBA991E703}"/>
+                <a16:creationId xmlns:a16="http://schemas.microsoft.com/office/drawing/2014/main" id="{939878F8-E081-44A2-9413-39BBA991E703}"/>
               </a:ext>
             </a:extLst>
           </p:cNvPr>
@@ -280,7 +281,7 @@
           <a:p>
             <a:fld id="{ADEA710A-6995-4778-B422-CC9BEEDE3D6D}" type="datetimeFigureOut">
               <a:rPr lang="zh-CN" altLang="en-US" smtClean="0"/>
-              <a:t>2019/11/3</a:t>
+              <a:t>2021-04-10</a:t>
             </a:fld>
             <a:endParaRPr lang="zh-CN" altLang="en-US"/>
           </a:p>
@@ -291,7 +292,7 @@
           <p:cNvPr id="5" name="页脚占位符 4">
             <a:extLst>
               <a:ext uri="{FF2B5EF4-FFF2-40B4-BE49-F238E27FC236}">
-                <a16:creationId xmlns:a16="http://schemas.microsoft.com/office/drawing/2014/main" xmlns="" id="{E6D55441-8BA3-484E-B6CE-9EA11E1C0186}"/>
+                <a16:creationId xmlns:a16="http://schemas.microsoft.com/office/drawing/2014/main" id="{E6D55441-8BA3-484E-B6CE-9EA11E1C0186}"/>
               </a:ext>
             </a:extLst>
           </p:cNvPr>
@@ -316,7 +317,7 @@
           <p:cNvPr id="6" name="灯片编号占位符 5">
             <a:extLst>
               <a:ext uri="{FF2B5EF4-FFF2-40B4-BE49-F238E27FC236}">
-                <a16:creationId xmlns:a16="http://schemas.microsoft.com/office/drawing/2014/main" xmlns="" id="{6C2004CB-9C0B-496A-B64D-5EE0FE109C11}"/>
+                <a16:creationId xmlns:a16="http://schemas.microsoft.com/office/drawing/2014/main" id="{6C2004CB-9C0B-496A-B64D-5EE0FE109C11}"/>
               </a:ext>
             </a:extLst>
           </p:cNvPr>
@@ -375,7 +376,7 @@
           <p:cNvPr id="2" name="标题 1">
             <a:extLst>
               <a:ext uri="{FF2B5EF4-FFF2-40B4-BE49-F238E27FC236}">
-                <a16:creationId xmlns:a16="http://schemas.microsoft.com/office/drawing/2014/main" xmlns="" id="{52FCE718-2A82-4DC3-A668-97EEEBFDA1D8}"/>
+                <a16:creationId xmlns:a16="http://schemas.microsoft.com/office/drawing/2014/main" id="{52FCE718-2A82-4DC3-A668-97EEEBFDA1D8}"/>
               </a:ext>
             </a:extLst>
           </p:cNvPr>
@@ -403,7 +404,7 @@
           <p:cNvPr id="3" name="竖排文字占位符 2">
             <a:extLst>
               <a:ext uri="{FF2B5EF4-FFF2-40B4-BE49-F238E27FC236}">
-                <a16:creationId xmlns:a16="http://schemas.microsoft.com/office/drawing/2014/main" xmlns="" id="{37391FB4-54A5-4D37-8927-FC6980901201}"/>
+                <a16:creationId xmlns:a16="http://schemas.microsoft.com/office/drawing/2014/main" id="{37391FB4-54A5-4D37-8927-FC6980901201}"/>
               </a:ext>
             </a:extLst>
           </p:cNvPr>
@@ -460,7 +461,7 @@
           <p:cNvPr id="4" name="日期占位符 3">
             <a:extLst>
               <a:ext uri="{FF2B5EF4-FFF2-40B4-BE49-F238E27FC236}">
-                <a16:creationId xmlns:a16="http://schemas.microsoft.com/office/drawing/2014/main" xmlns="" id="{A3FE094A-7CEB-4693-A6E6-2938ACEDF3A4}"/>
+                <a16:creationId xmlns:a16="http://schemas.microsoft.com/office/drawing/2014/main" id="{A3FE094A-7CEB-4693-A6E6-2938ACEDF3A4}"/>
               </a:ext>
             </a:extLst>
           </p:cNvPr>
@@ -478,7 +479,7 @@
           <a:p>
             <a:fld id="{ADEA710A-6995-4778-B422-CC9BEEDE3D6D}" type="datetimeFigureOut">
               <a:rPr lang="zh-CN" altLang="en-US" smtClean="0"/>
-              <a:t>2019/11/3</a:t>
+              <a:t>2021-04-10</a:t>
             </a:fld>
             <a:endParaRPr lang="zh-CN" altLang="en-US"/>
           </a:p>
@@ -489,7 +490,7 @@
           <p:cNvPr id="5" name="页脚占位符 4">
             <a:extLst>
               <a:ext uri="{FF2B5EF4-FFF2-40B4-BE49-F238E27FC236}">
-                <a16:creationId xmlns:a16="http://schemas.microsoft.com/office/drawing/2014/main" xmlns="" id="{4A51CBBB-50FF-4EE9-A101-D641685495C7}"/>
+                <a16:creationId xmlns:a16="http://schemas.microsoft.com/office/drawing/2014/main" id="{4A51CBBB-50FF-4EE9-A101-D641685495C7}"/>
               </a:ext>
             </a:extLst>
           </p:cNvPr>
@@ -514,7 +515,7 @@
           <p:cNvPr id="6" name="灯片编号占位符 5">
             <a:extLst>
               <a:ext uri="{FF2B5EF4-FFF2-40B4-BE49-F238E27FC236}">
-                <a16:creationId xmlns:a16="http://schemas.microsoft.com/office/drawing/2014/main" xmlns="" id="{E2DCA76C-27BF-4EF5-982E-FC6837FA485B}"/>
+                <a16:creationId xmlns:a16="http://schemas.microsoft.com/office/drawing/2014/main" id="{E2DCA76C-27BF-4EF5-982E-FC6837FA485B}"/>
               </a:ext>
             </a:extLst>
           </p:cNvPr>
@@ -573,7 +574,7 @@
           <p:cNvPr id="2" name="竖排标题 1">
             <a:extLst>
               <a:ext uri="{FF2B5EF4-FFF2-40B4-BE49-F238E27FC236}">
-                <a16:creationId xmlns:a16="http://schemas.microsoft.com/office/drawing/2014/main" xmlns="" id="{B5B6634E-09CC-44EE-B1DC-E0D0EE97D76A}"/>
+                <a16:creationId xmlns:a16="http://schemas.microsoft.com/office/drawing/2014/main" id="{B5B6634E-09CC-44EE-B1DC-E0D0EE97D76A}"/>
               </a:ext>
             </a:extLst>
           </p:cNvPr>
@@ -606,7 +607,7 @@
           <p:cNvPr id="3" name="竖排文字占位符 2">
             <a:extLst>
               <a:ext uri="{FF2B5EF4-FFF2-40B4-BE49-F238E27FC236}">
-                <a16:creationId xmlns:a16="http://schemas.microsoft.com/office/drawing/2014/main" xmlns="" id="{0BD42213-381A-4CBE-8F1E-F205944039A0}"/>
+                <a16:creationId xmlns:a16="http://schemas.microsoft.com/office/drawing/2014/main" id="{0BD42213-381A-4CBE-8F1E-F205944039A0}"/>
               </a:ext>
             </a:extLst>
           </p:cNvPr>
@@ -668,7 +669,7 @@
           <p:cNvPr id="4" name="日期占位符 3">
             <a:extLst>
               <a:ext uri="{FF2B5EF4-FFF2-40B4-BE49-F238E27FC236}">
-                <a16:creationId xmlns:a16="http://schemas.microsoft.com/office/drawing/2014/main" xmlns="" id="{A2B49B90-054E-4448-9A81-81C956FC31A8}"/>
+                <a16:creationId xmlns:a16="http://schemas.microsoft.com/office/drawing/2014/main" id="{A2B49B90-054E-4448-9A81-81C956FC31A8}"/>
               </a:ext>
             </a:extLst>
           </p:cNvPr>
@@ -686,7 +687,7 @@
           <a:p>
             <a:fld id="{ADEA710A-6995-4778-B422-CC9BEEDE3D6D}" type="datetimeFigureOut">
               <a:rPr lang="zh-CN" altLang="en-US" smtClean="0"/>
-              <a:t>2019/11/3</a:t>
+              <a:t>2021-04-10</a:t>
             </a:fld>
             <a:endParaRPr lang="zh-CN" altLang="en-US"/>
           </a:p>
@@ -697,7 +698,7 @@
           <p:cNvPr id="5" name="页脚占位符 4">
             <a:extLst>
               <a:ext uri="{FF2B5EF4-FFF2-40B4-BE49-F238E27FC236}">
-                <a16:creationId xmlns:a16="http://schemas.microsoft.com/office/drawing/2014/main" xmlns="" id="{F2177ADF-714D-4B0A-B060-E20C47B844A8}"/>
+                <a16:creationId xmlns:a16="http://schemas.microsoft.com/office/drawing/2014/main" id="{F2177ADF-714D-4B0A-B060-E20C47B844A8}"/>
               </a:ext>
             </a:extLst>
           </p:cNvPr>
@@ -722,7 +723,7 @@
           <p:cNvPr id="6" name="灯片编号占位符 5">
             <a:extLst>
               <a:ext uri="{FF2B5EF4-FFF2-40B4-BE49-F238E27FC236}">
-                <a16:creationId xmlns:a16="http://schemas.microsoft.com/office/drawing/2014/main" xmlns="" id="{F2268187-4326-4931-92FF-94927D70A434}"/>
+                <a16:creationId xmlns:a16="http://schemas.microsoft.com/office/drawing/2014/main" id="{F2268187-4326-4931-92FF-94927D70A434}"/>
               </a:ext>
             </a:extLst>
           </p:cNvPr>
@@ -781,7 +782,7 @@
           <p:cNvPr id="2" name="标题 1">
             <a:extLst>
               <a:ext uri="{FF2B5EF4-FFF2-40B4-BE49-F238E27FC236}">
-                <a16:creationId xmlns:a16="http://schemas.microsoft.com/office/drawing/2014/main" xmlns="" id="{BF407102-AA9A-473B-805A-644FE5947E15}"/>
+                <a16:creationId xmlns:a16="http://schemas.microsoft.com/office/drawing/2014/main" id="{BF407102-AA9A-473B-805A-644FE5947E15}"/>
               </a:ext>
             </a:extLst>
           </p:cNvPr>
@@ -809,7 +810,7 @@
           <p:cNvPr id="3" name="内容占位符 2">
             <a:extLst>
               <a:ext uri="{FF2B5EF4-FFF2-40B4-BE49-F238E27FC236}">
-                <a16:creationId xmlns:a16="http://schemas.microsoft.com/office/drawing/2014/main" xmlns="" id="{4C5950E9-2C4F-4E66-899A-D5C619B804BA}"/>
+                <a16:creationId xmlns:a16="http://schemas.microsoft.com/office/drawing/2014/main" id="{4C5950E9-2C4F-4E66-899A-D5C619B804BA}"/>
               </a:ext>
             </a:extLst>
           </p:cNvPr>
@@ -866,7 +867,7 @@
           <p:cNvPr id="4" name="日期占位符 3">
             <a:extLst>
               <a:ext uri="{FF2B5EF4-FFF2-40B4-BE49-F238E27FC236}">
-                <a16:creationId xmlns:a16="http://schemas.microsoft.com/office/drawing/2014/main" xmlns="" id="{2E4DF987-1C87-425F-8618-AAF2D2D43E1D}"/>
+                <a16:creationId xmlns:a16="http://schemas.microsoft.com/office/drawing/2014/main" id="{2E4DF987-1C87-425F-8618-AAF2D2D43E1D}"/>
               </a:ext>
             </a:extLst>
           </p:cNvPr>
@@ -884,7 +885,7 @@
           <a:p>
             <a:fld id="{ADEA710A-6995-4778-B422-CC9BEEDE3D6D}" type="datetimeFigureOut">
               <a:rPr lang="zh-CN" altLang="en-US" smtClean="0"/>
-              <a:t>2019/11/3</a:t>
+              <a:t>2021-04-10</a:t>
             </a:fld>
             <a:endParaRPr lang="zh-CN" altLang="en-US"/>
           </a:p>
@@ -895,7 +896,7 @@
           <p:cNvPr id="5" name="页脚占位符 4">
             <a:extLst>
               <a:ext uri="{FF2B5EF4-FFF2-40B4-BE49-F238E27FC236}">
-                <a16:creationId xmlns:a16="http://schemas.microsoft.com/office/drawing/2014/main" xmlns="" id="{5F4AD500-0446-4956-AE1B-179FC4967988}"/>
+                <a16:creationId xmlns:a16="http://schemas.microsoft.com/office/drawing/2014/main" id="{5F4AD500-0446-4956-AE1B-179FC4967988}"/>
               </a:ext>
             </a:extLst>
           </p:cNvPr>
@@ -920,7 +921,7 @@
           <p:cNvPr id="6" name="灯片编号占位符 5">
             <a:extLst>
               <a:ext uri="{FF2B5EF4-FFF2-40B4-BE49-F238E27FC236}">
-                <a16:creationId xmlns:a16="http://schemas.microsoft.com/office/drawing/2014/main" xmlns="" id="{543A7AE8-D1D7-4391-8EF8-D37CEA93A666}"/>
+                <a16:creationId xmlns:a16="http://schemas.microsoft.com/office/drawing/2014/main" id="{543A7AE8-D1D7-4391-8EF8-D37CEA93A666}"/>
               </a:ext>
             </a:extLst>
           </p:cNvPr>
@@ -979,7 +980,7 @@
           <p:cNvPr id="2" name="标题 1">
             <a:extLst>
               <a:ext uri="{FF2B5EF4-FFF2-40B4-BE49-F238E27FC236}">
-                <a16:creationId xmlns:a16="http://schemas.microsoft.com/office/drawing/2014/main" xmlns="" id="{17FEC532-EF81-4B75-B606-D1088FF6974E}"/>
+                <a16:creationId xmlns:a16="http://schemas.microsoft.com/office/drawing/2014/main" id="{17FEC532-EF81-4B75-B606-D1088FF6974E}"/>
               </a:ext>
             </a:extLst>
           </p:cNvPr>
@@ -1016,7 +1017,7 @@
           <p:cNvPr id="3" name="文本占位符 2">
             <a:extLst>
               <a:ext uri="{FF2B5EF4-FFF2-40B4-BE49-F238E27FC236}">
-                <a16:creationId xmlns:a16="http://schemas.microsoft.com/office/drawing/2014/main" xmlns="" id="{B48E1E8C-375D-4D27-9E9D-035AF18D86F8}"/>
+                <a16:creationId xmlns:a16="http://schemas.microsoft.com/office/drawing/2014/main" id="{B48E1E8C-375D-4D27-9E9D-035AF18D86F8}"/>
               </a:ext>
             </a:extLst>
           </p:cNvPr>
@@ -1141,7 +1142,7 @@
           <p:cNvPr id="4" name="日期占位符 3">
             <a:extLst>
               <a:ext uri="{FF2B5EF4-FFF2-40B4-BE49-F238E27FC236}">
-                <a16:creationId xmlns:a16="http://schemas.microsoft.com/office/drawing/2014/main" xmlns="" id="{CEE2EA30-2773-4202-B49B-303B2695F2EF}"/>
+                <a16:creationId xmlns:a16="http://schemas.microsoft.com/office/drawing/2014/main" id="{CEE2EA30-2773-4202-B49B-303B2695F2EF}"/>
               </a:ext>
             </a:extLst>
           </p:cNvPr>
@@ -1159,7 +1160,7 @@
           <a:p>
             <a:fld id="{ADEA710A-6995-4778-B422-CC9BEEDE3D6D}" type="datetimeFigureOut">
               <a:rPr lang="zh-CN" altLang="en-US" smtClean="0"/>
-              <a:t>2019/11/3</a:t>
+              <a:t>2021-04-10</a:t>
             </a:fld>
             <a:endParaRPr lang="zh-CN" altLang="en-US"/>
           </a:p>
@@ -1170,7 +1171,7 @@
           <p:cNvPr id="5" name="页脚占位符 4">
             <a:extLst>
               <a:ext uri="{FF2B5EF4-FFF2-40B4-BE49-F238E27FC236}">
-                <a16:creationId xmlns:a16="http://schemas.microsoft.com/office/drawing/2014/main" xmlns="" id="{69DC956C-4F71-4FA8-A7F9-2753D8669218}"/>
+                <a16:creationId xmlns:a16="http://schemas.microsoft.com/office/drawing/2014/main" id="{69DC956C-4F71-4FA8-A7F9-2753D8669218}"/>
               </a:ext>
             </a:extLst>
           </p:cNvPr>
@@ -1195,7 +1196,7 @@
           <p:cNvPr id="6" name="灯片编号占位符 5">
             <a:extLst>
               <a:ext uri="{FF2B5EF4-FFF2-40B4-BE49-F238E27FC236}">
-                <a16:creationId xmlns:a16="http://schemas.microsoft.com/office/drawing/2014/main" xmlns="" id="{B87C5D6A-F8A3-4B89-A797-3E91397D3F30}"/>
+                <a16:creationId xmlns:a16="http://schemas.microsoft.com/office/drawing/2014/main" id="{B87C5D6A-F8A3-4B89-A797-3E91397D3F30}"/>
               </a:ext>
             </a:extLst>
           </p:cNvPr>
@@ -1254,7 +1255,7 @@
           <p:cNvPr id="2" name="标题 1">
             <a:extLst>
               <a:ext uri="{FF2B5EF4-FFF2-40B4-BE49-F238E27FC236}">
-                <a16:creationId xmlns:a16="http://schemas.microsoft.com/office/drawing/2014/main" xmlns="" id="{598BB586-5557-4FF6-82C4-1E4B9BE7DA56}"/>
+                <a16:creationId xmlns:a16="http://schemas.microsoft.com/office/drawing/2014/main" id="{598BB586-5557-4FF6-82C4-1E4B9BE7DA56}"/>
               </a:ext>
             </a:extLst>
           </p:cNvPr>
@@ -1282,7 +1283,7 @@
           <p:cNvPr id="3" name="内容占位符 2">
             <a:extLst>
               <a:ext uri="{FF2B5EF4-FFF2-40B4-BE49-F238E27FC236}">
-                <a16:creationId xmlns:a16="http://schemas.microsoft.com/office/drawing/2014/main" xmlns="" id="{EB341516-A249-4E16-BE84-89CD7B342AFC}"/>
+                <a16:creationId xmlns:a16="http://schemas.microsoft.com/office/drawing/2014/main" id="{EB341516-A249-4E16-BE84-89CD7B342AFC}"/>
               </a:ext>
             </a:extLst>
           </p:cNvPr>
@@ -1344,7 +1345,7 @@
           <p:cNvPr id="4" name="内容占位符 3">
             <a:extLst>
               <a:ext uri="{FF2B5EF4-FFF2-40B4-BE49-F238E27FC236}">
-                <a16:creationId xmlns:a16="http://schemas.microsoft.com/office/drawing/2014/main" xmlns="" id="{B78E1DFD-9BA8-4AA8-972E-FA62190D9AA7}"/>
+                <a16:creationId xmlns:a16="http://schemas.microsoft.com/office/drawing/2014/main" id="{B78E1DFD-9BA8-4AA8-972E-FA62190D9AA7}"/>
               </a:ext>
             </a:extLst>
           </p:cNvPr>
@@ -1406,7 +1407,7 @@
           <p:cNvPr id="5" name="日期占位符 4">
             <a:extLst>
               <a:ext uri="{FF2B5EF4-FFF2-40B4-BE49-F238E27FC236}">
-                <a16:creationId xmlns:a16="http://schemas.microsoft.com/office/drawing/2014/main" xmlns="" id="{D18F4BBD-3B49-4917-97BF-1A3B2CACEF51}"/>
+                <a16:creationId xmlns:a16="http://schemas.microsoft.com/office/drawing/2014/main" id="{D18F4BBD-3B49-4917-97BF-1A3B2CACEF51}"/>
               </a:ext>
             </a:extLst>
           </p:cNvPr>
@@ -1424,7 +1425,7 @@
           <a:p>
             <a:fld id="{ADEA710A-6995-4778-B422-CC9BEEDE3D6D}" type="datetimeFigureOut">
               <a:rPr lang="zh-CN" altLang="en-US" smtClean="0"/>
-              <a:t>2019/11/3</a:t>
+              <a:t>2021-04-10</a:t>
             </a:fld>
             <a:endParaRPr lang="zh-CN" altLang="en-US"/>
           </a:p>
@@ -1435,7 +1436,7 @@
           <p:cNvPr id="6" name="页脚占位符 5">
             <a:extLst>
               <a:ext uri="{FF2B5EF4-FFF2-40B4-BE49-F238E27FC236}">
-                <a16:creationId xmlns:a16="http://schemas.microsoft.com/office/drawing/2014/main" xmlns="" id="{9C6F2962-242D-40F8-BABA-96DF5371894F}"/>
+                <a16:creationId xmlns:a16="http://schemas.microsoft.com/office/drawing/2014/main" id="{9C6F2962-242D-40F8-BABA-96DF5371894F}"/>
               </a:ext>
             </a:extLst>
           </p:cNvPr>
@@ -1460,7 +1461,7 @@
           <p:cNvPr id="7" name="灯片编号占位符 6">
             <a:extLst>
               <a:ext uri="{FF2B5EF4-FFF2-40B4-BE49-F238E27FC236}">
-                <a16:creationId xmlns:a16="http://schemas.microsoft.com/office/drawing/2014/main" xmlns="" id="{E336FCBE-DD2E-4BE6-A671-576E29FF100D}"/>
+                <a16:creationId xmlns:a16="http://schemas.microsoft.com/office/drawing/2014/main" id="{E336FCBE-DD2E-4BE6-A671-576E29FF100D}"/>
               </a:ext>
             </a:extLst>
           </p:cNvPr>
@@ -1519,7 +1520,7 @@
           <p:cNvPr id="2" name="标题 1">
             <a:extLst>
               <a:ext uri="{FF2B5EF4-FFF2-40B4-BE49-F238E27FC236}">
-                <a16:creationId xmlns:a16="http://schemas.microsoft.com/office/drawing/2014/main" xmlns="" id="{7442B686-5F68-49E9-8CED-66E8B93A82B0}"/>
+                <a16:creationId xmlns:a16="http://schemas.microsoft.com/office/drawing/2014/main" id="{7442B686-5F68-49E9-8CED-66E8B93A82B0}"/>
               </a:ext>
             </a:extLst>
           </p:cNvPr>
@@ -1552,7 +1553,7 @@
           <p:cNvPr id="3" name="文本占位符 2">
             <a:extLst>
               <a:ext uri="{FF2B5EF4-FFF2-40B4-BE49-F238E27FC236}">
-                <a16:creationId xmlns:a16="http://schemas.microsoft.com/office/drawing/2014/main" xmlns="" id="{3B8F328C-FD1C-4C8C-815F-5DDFF0B5700A}"/>
+                <a16:creationId xmlns:a16="http://schemas.microsoft.com/office/drawing/2014/main" id="{3B8F328C-FD1C-4C8C-815F-5DDFF0B5700A}"/>
               </a:ext>
             </a:extLst>
           </p:cNvPr>
@@ -1623,7 +1624,7 @@
           <p:cNvPr id="4" name="内容占位符 3">
             <a:extLst>
               <a:ext uri="{FF2B5EF4-FFF2-40B4-BE49-F238E27FC236}">
-                <a16:creationId xmlns:a16="http://schemas.microsoft.com/office/drawing/2014/main" xmlns="" id="{7A42AFA9-EBE6-4653-BC62-E4D7CD0A4506}"/>
+                <a16:creationId xmlns:a16="http://schemas.microsoft.com/office/drawing/2014/main" id="{7A42AFA9-EBE6-4653-BC62-E4D7CD0A4506}"/>
               </a:ext>
             </a:extLst>
           </p:cNvPr>
@@ -1685,7 +1686,7 @@
           <p:cNvPr id="5" name="文本占位符 4">
             <a:extLst>
               <a:ext uri="{FF2B5EF4-FFF2-40B4-BE49-F238E27FC236}">
-                <a16:creationId xmlns:a16="http://schemas.microsoft.com/office/drawing/2014/main" xmlns="" id="{DECC611A-D486-4C04-B997-FB600BD478A9}"/>
+                <a16:creationId xmlns:a16="http://schemas.microsoft.com/office/drawing/2014/main" id="{DECC611A-D486-4C04-B997-FB600BD478A9}"/>
               </a:ext>
             </a:extLst>
           </p:cNvPr>
@@ -1756,7 +1757,7 @@
           <p:cNvPr id="6" name="内容占位符 5">
             <a:extLst>
               <a:ext uri="{FF2B5EF4-FFF2-40B4-BE49-F238E27FC236}">
-                <a16:creationId xmlns:a16="http://schemas.microsoft.com/office/drawing/2014/main" xmlns="" id="{B41BFB5E-4731-465B-BE28-082B3145D262}"/>
+                <a16:creationId xmlns:a16="http://schemas.microsoft.com/office/drawing/2014/main" id="{B41BFB5E-4731-465B-BE28-082B3145D262}"/>
               </a:ext>
             </a:extLst>
           </p:cNvPr>
@@ -1818,7 +1819,7 @@
           <p:cNvPr id="7" name="日期占位符 6">
             <a:extLst>
               <a:ext uri="{FF2B5EF4-FFF2-40B4-BE49-F238E27FC236}">
-                <a16:creationId xmlns:a16="http://schemas.microsoft.com/office/drawing/2014/main" xmlns="" id="{BB03EA27-AD0A-4B19-830E-6904F7A05373}"/>
+                <a16:creationId xmlns:a16="http://schemas.microsoft.com/office/drawing/2014/main" id="{BB03EA27-AD0A-4B19-830E-6904F7A05373}"/>
               </a:ext>
             </a:extLst>
           </p:cNvPr>
@@ -1836,7 +1837,7 @@
           <a:p>
             <a:fld id="{ADEA710A-6995-4778-B422-CC9BEEDE3D6D}" type="datetimeFigureOut">
               <a:rPr lang="zh-CN" altLang="en-US" smtClean="0"/>
-              <a:t>2019/11/3</a:t>
+              <a:t>2021-04-10</a:t>
             </a:fld>
             <a:endParaRPr lang="zh-CN" altLang="en-US"/>
           </a:p>
@@ -1847,7 +1848,7 @@
           <p:cNvPr id="8" name="页脚占位符 7">
             <a:extLst>
               <a:ext uri="{FF2B5EF4-FFF2-40B4-BE49-F238E27FC236}">
-                <a16:creationId xmlns:a16="http://schemas.microsoft.com/office/drawing/2014/main" xmlns="" id="{826E345F-D316-48F5-85AC-37338191B2F8}"/>
+                <a16:creationId xmlns:a16="http://schemas.microsoft.com/office/drawing/2014/main" id="{826E345F-D316-48F5-85AC-37338191B2F8}"/>
               </a:ext>
             </a:extLst>
           </p:cNvPr>
@@ -1872,7 +1873,7 @@
           <p:cNvPr id="9" name="灯片编号占位符 8">
             <a:extLst>
               <a:ext uri="{FF2B5EF4-FFF2-40B4-BE49-F238E27FC236}">
-                <a16:creationId xmlns:a16="http://schemas.microsoft.com/office/drawing/2014/main" xmlns="" id="{F5B55DB8-E7C2-4E53-A596-F5DB1D288F53}"/>
+                <a16:creationId xmlns:a16="http://schemas.microsoft.com/office/drawing/2014/main" id="{F5B55DB8-E7C2-4E53-A596-F5DB1D288F53}"/>
               </a:ext>
             </a:extLst>
           </p:cNvPr>
@@ -1931,7 +1932,7 @@
           <p:cNvPr id="2" name="标题 1">
             <a:extLst>
               <a:ext uri="{FF2B5EF4-FFF2-40B4-BE49-F238E27FC236}">
-                <a16:creationId xmlns:a16="http://schemas.microsoft.com/office/drawing/2014/main" xmlns="" id="{DB985A8F-32B0-41E4-9E1F-3228BB0DE775}"/>
+                <a16:creationId xmlns:a16="http://schemas.microsoft.com/office/drawing/2014/main" id="{DB985A8F-32B0-41E4-9E1F-3228BB0DE775}"/>
               </a:ext>
             </a:extLst>
           </p:cNvPr>
@@ -1959,7 +1960,7 @@
           <p:cNvPr id="3" name="日期占位符 2">
             <a:extLst>
               <a:ext uri="{FF2B5EF4-FFF2-40B4-BE49-F238E27FC236}">
-                <a16:creationId xmlns:a16="http://schemas.microsoft.com/office/drawing/2014/main" xmlns="" id="{DCF97AA6-2A4E-4333-8853-B2CB39F70D02}"/>
+                <a16:creationId xmlns:a16="http://schemas.microsoft.com/office/drawing/2014/main" id="{DCF97AA6-2A4E-4333-8853-B2CB39F70D02}"/>
               </a:ext>
             </a:extLst>
           </p:cNvPr>
@@ -1977,7 +1978,7 @@
           <a:p>
             <a:fld id="{ADEA710A-6995-4778-B422-CC9BEEDE3D6D}" type="datetimeFigureOut">
               <a:rPr lang="zh-CN" altLang="en-US" smtClean="0"/>
-              <a:t>2019/11/3</a:t>
+              <a:t>2021-04-10</a:t>
             </a:fld>
             <a:endParaRPr lang="zh-CN" altLang="en-US"/>
           </a:p>
@@ -1988,7 +1989,7 @@
           <p:cNvPr id="4" name="页脚占位符 3">
             <a:extLst>
               <a:ext uri="{FF2B5EF4-FFF2-40B4-BE49-F238E27FC236}">
-                <a16:creationId xmlns:a16="http://schemas.microsoft.com/office/drawing/2014/main" xmlns="" id="{568C49E5-9E19-4F81-85EE-2A264F8C9367}"/>
+                <a16:creationId xmlns:a16="http://schemas.microsoft.com/office/drawing/2014/main" id="{568C49E5-9E19-4F81-85EE-2A264F8C9367}"/>
               </a:ext>
             </a:extLst>
           </p:cNvPr>
@@ -2013,7 +2014,7 @@
           <p:cNvPr id="5" name="灯片编号占位符 4">
             <a:extLst>
               <a:ext uri="{FF2B5EF4-FFF2-40B4-BE49-F238E27FC236}">
-                <a16:creationId xmlns:a16="http://schemas.microsoft.com/office/drawing/2014/main" xmlns="" id="{1DA8D9E3-5BAF-40B0-AE51-B94A60A11B73}"/>
+                <a16:creationId xmlns:a16="http://schemas.microsoft.com/office/drawing/2014/main" id="{1DA8D9E3-5BAF-40B0-AE51-B94A60A11B73}"/>
               </a:ext>
             </a:extLst>
           </p:cNvPr>
@@ -2072,7 +2073,7 @@
           <p:cNvPr id="2" name="日期占位符 1">
             <a:extLst>
               <a:ext uri="{FF2B5EF4-FFF2-40B4-BE49-F238E27FC236}">
-                <a16:creationId xmlns:a16="http://schemas.microsoft.com/office/drawing/2014/main" xmlns="" id="{9A762A6B-3F54-4187-8920-B7AB6BF2C1ED}"/>
+                <a16:creationId xmlns:a16="http://schemas.microsoft.com/office/drawing/2014/main" id="{9A762A6B-3F54-4187-8920-B7AB6BF2C1ED}"/>
               </a:ext>
             </a:extLst>
           </p:cNvPr>
@@ -2090,7 +2091,7 @@
           <a:p>
             <a:fld id="{ADEA710A-6995-4778-B422-CC9BEEDE3D6D}" type="datetimeFigureOut">
               <a:rPr lang="zh-CN" altLang="en-US" smtClean="0"/>
-              <a:t>2019/11/3</a:t>
+              <a:t>2021-04-10</a:t>
             </a:fld>
             <a:endParaRPr lang="zh-CN" altLang="en-US"/>
           </a:p>
@@ -2101,7 +2102,7 @@
           <p:cNvPr id="3" name="页脚占位符 2">
             <a:extLst>
               <a:ext uri="{FF2B5EF4-FFF2-40B4-BE49-F238E27FC236}">
-                <a16:creationId xmlns:a16="http://schemas.microsoft.com/office/drawing/2014/main" xmlns="" id="{2908DB40-A324-473B-B8A9-EDBAC7DFA462}"/>
+                <a16:creationId xmlns:a16="http://schemas.microsoft.com/office/drawing/2014/main" id="{2908DB40-A324-473B-B8A9-EDBAC7DFA462}"/>
               </a:ext>
             </a:extLst>
           </p:cNvPr>
@@ -2126,7 +2127,7 @@
           <p:cNvPr id="4" name="灯片编号占位符 3">
             <a:extLst>
               <a:ext uri="{FF2B5EF4-FFF2-40B4-BE49-F238E27FC236}">
-                <a16:creationId xmlns:a16="http://schemas.microsoft.com/office/drawing/2014/main" xmlns="" id="{054E1AF0-64CA-4B31-B923-224872DF771D}"/>
+                <a16:creationId xmlns:a16="http://schemas.microsoft.com/office/drawing/2014/main" id="{054E1AF0-64CA-4B31-B923-224872DF771D}"/>
               </a:ext>
             </a:extLst>
           </p:cNvPr>
@@ -2185,7 +2186,7 @@
           <p:cNvPr id="2" name="标题 1">
             <a:extLst>
               <a:ext uri="{FF2B5EF4-FFF2-40B4-BE49-F238E27FC236}">
-                <a16:creationId xmlns:a16="http://schemas.microsoft.com/office/drawing/2014/main" xmlns="" id="{BCC167FE-B752-49A3-A965-A5EB37D809E2}"/>
+                <a16:creationId xmlns:a16="http://schemas.microsoft.com/office/drawing/2014/main" id="{BCC167FE-B752-49A3-A965-A5EB37D809E2}"/>
               </a:ext>
             </a:extLst>
           </p:cNvPr>
@@ -2222,7 +2223,7 @@
           <p:cNvPr id="3" name="内容占位符 2">
             <a:extLst>
               <a:ext uri="{FF2B5EF4-FFF2-40B4-BE49-F238E27FC236}">
-                <a16:creationId xmlns:a16="http://schemas.microsoft.com/office/drawing/2014/main" xmlns="" id="{EE61CBEA-6C50-45FB-85BD-B16081289F6E}"/>
+                <a16:creationId xmlns:a16="http://schemas.microsoft.com/office/drawing/2014/main" id="{EE61CBEA-6C50-45FB-85BD-B16081289F6E}"/>
               </a:ext>
             </a:extLst>
           </p:cNvPr>
@@ -2312,7 +2313,7 @@
           <p:cNvPr id="4" name="文本占位符 3">
             <a:extLst>
               <a:ext uri="{FF2B5EF4-FFF2-40B4-BE49-F238E27FC236}">
-                <a16:creationId xmlns:a16="http://schemas.microsoft.com/office/drawing/2014/main" xmlns="" id="{B10B4468-4F5F-4D8C-B48B-4C29A7475404}"/>
+                <a16:creationId xmlns:a16="http://schemas.microsoft.com/office/drawing/2014/main" id="{B10B4468-4F5F-4D8C-B48B-4C29A7475404}"/>
               </a:ext>
             </a:extLst>
           </p:cNvPr>
@@ -2383,7 +2384,7 @@
           <p:cNvPr id="5" name="日期占位符 4">
             <a:extLst>
               <a:ext uri="{FF2B5EF4-FFF2-40B4-BE49-F238E27FC236}">
-                <a16:creationId xmlns:a16="http://schemas.microsoft.com/office/drawing/2014/main" xmlns="" id="{7DED9953-30FF-4AE3-BFCA-B4459D8A164C}"/>
+                <a16:creationId xmlns:a16="http://schemas.microsoft.com/office/drawing/2014/main" id="{7DED9953-30FF-4AE3-BFCA-B4459D8A164C}"/>
               </a:ext>
             </a:extLst>
           </p:cNvPr>
@@ -2401,7 +2402,7 @@
           <a:p>
             <a:fld id="{ADEA710A-6995-4778-B422-CC9BEEDE3D6D}" type="datetimeFigureOut">
               <a:rPr lang="zh-CN" altLang="en-US" smtClean="0"/>
-              <a:t>2019/11/3</a:t>
+              <a:t>2021-04-10</a:t>
             </a:fld>
             <a:endParaRPr lang="zh-CN" altLang="en-US"/>
           </a:p>
@@ -2412,7 +2413,7 @@
           <p:cNvPr id="6" name="页脚占位符 5">
             <a:extLst>
               <a:ext uri="{FF2B5EF4-FFF2-40B4-BE49-F238E27FC236}">
-                <a16:creationId xmlns:a16="http://schemas.microsoft.com/office/drawing/2014/main" xmlns="" id="{6773569D-748E-465F-8AC9-3933D9B63D9F}"/>
+                <a16:creationId xmlns:a16="http://schemas.microsoft.com/office/drawing/2014/main" id="{6773569D-748E-465F-8AC9-3933D9B63D9F}"/>
               </a:ext>
             </a:extLst>
           </p:cNvPr>
@@ -2437,7 +2438,7 @@
           <p:cNvPr id="7" name="灯片编号占位符 6">
             <a:extLst>
               <a:ext uri="{FF2B5EF4-FFF2-40B4-BE49-F238E27FC236}">
-                <a16:creationId xmlns:a16="http://schemas.microsoft.com/office/drawing/2014/main" xmlns="" id="{D87891F1-0EC5-4475-AE78-0880348163CA}"/>
+                <a16:creationId xmlns:a16="http://schemas.microsoft.com/office/drawing/2014/main" id="{D87891F1-0EC5-4475-AE78-0880348163CA}"/>
               </a:ext>
             </a:extLst>
           </p:cNvPr>
@@ -2496,7 +2497,7 @@
           <p:cNvPr id="2" name="标题 1">
             <a:extLst>
               <a:ext uri="{FF2B5EF4-FFF2-40B4-BE49-F238E27FC236}">
-                <a16:creationId xmlns:a16="http://schemas.microsoft.com/office/drawing/2014/main" xmlns="" id="{D57E51E6-F96C-4363-A081-C80347262089}"/>
+                <a16:creationId xmlns:a16="http://schemas.microsoft.com/office/drawing/2014/main" id="{D57E51E6-F96C-4363-A081-C80347262089}"/>
               </a:ext>
             </a:extLst>
           </p:cNvPr>
@@ -2533,7 +2534,7 @@
           <p:cNvPr id="3" name="图片占位符 2">
             <a:extLst>
               <a:ext uri="{FF2B5EF4-FFF2-40B4-BE49-F238E27FC236}">
-                <a16:creationId xmlns:a16="http://schemas.microsoft.com/office/drawing/2014/main" xmlns="" id="{D5D1722E-0B14-4F7C-B9C2-C2F32BA5E9C2}"/>
+                <a16:creationId xmlns:a16="http://schemas.microsoft.com/office/drawing/2014/main" id="{D5D1722E-0B14-4F7C-B9C2-C2F32BA5E9C2}"/>
               </a:ext>
             </a:extLst>
           </p:cNvPr>
@@ -2600,7 +2601,7 @@
           <p:cNvPr id="4" name="文本占位符 3">
             <a:extLst>
               <a:ext uri="{FF2B5EF4-FFF2-40B4-BE49-F238E27FC236}">
-                <a16:creationId xmlns:a16="http://schemas.microsoft.com/office/drawing/2014/main" xmlns="" id="{653FEF97-2033-49EB-94A1-865B7303CEDC}"/>
+                <a16:creationId xmlns:a16="http://schemas.microsoft.com/office/drawing/2014/main" id="{653FEF97-2033-49EB-94A1-865B7303CEDC}"/>
               </a:ext>
             </a:extLst>
           </p:cNvPr>
@@ -2671,7 +2672,7 @@
           <p:cNvPr id="5" name="日期占位符 4">
             <a:extLst>
               <a:ext uri="{FF2B5EF4-FFF2-40B4-BE49-F238E27FC236}">
-                <a16:creationId xmlns:a16="http://schemas.microsoft.com/office/drawing/2014/main" xmlns="" id="{F918B0DE-7026-4930-90B5-F0F1D449220B}"/>
+                <a16:creationId xmlns:a16="http://schemas.microsoft.com/office/drawing/2014/main" id="{F918B0DE-7026-4930-90B5-F0F1D449220B}"/>
               </a:ext>
             </a:extLst>
           </p:cNvPr>
@@ -2689,7 +2690,7 @@
           <a:p>
             <a:fld id="{ADEA710A-6995-4778-B422-CC9BEEDE3D6D}" type="datetimeFigureOut">
               <a:rPr lang="zh-CN" altLang="en-US" smtClean="0"/>
-              <a:t>2019/11/3</a:t>
+              <a:t>2021-04-10</a:t>
             </a:fld>
             <a:endParaRPr lang="zh-CN" altLang="en-US"/>
           </a:p>
@@ -2700,7 +2701,7 @@
           <p:cNvPr id="6" name="页脚占位符 5">
             <a:extLst>
               <a:ext uri="{FF2B5EF4-FFF2-40B4-BE49-F238E27FC236}">
-                <a16:creationId xmlns:a16="http://schemas.microsoft.com/office/drawing/2014/main" xmlns="" id="{41271BF1-1B80-4520-B214-4D4BB84CFA50}"/>
+                <a16:creationId xmlns:a16="http://schemas.microsoft.com/office/drawing/2014/main" id="{41271BF1-1B80-4520-B214-4D4BB84CFA50}"/>
               </a:ext>
             </a:extLst>
           </p:cNvPr>
@@ -2725,7 +2726,7 @@
           <p:cNvPr id="7" name="灯片编号占位符 6">
             <a:extLst>
               <a:ext uri="{FF2B5EF4-FFF2-40B4-BE49-F238E27FC236}">
-                <a16:creationId xmlns:a16="http://schemas.microsoft.com/office/drawing/2014/main" xmlns="" id="{80C6728C-5063-4400-8E8F-A432FA7CA160}"/>
+                <a16:creationId xmlns:a16="http://schemas.microsoft.com/office/drawing/2014/main" id="{80C6728C-5063-4400-8E8F-A432FA7CA160}"/>
               </a:ext>
             </a:extLst>
           </p:cNvPr>
@@ -2789,7 +2790,7 @@
           <p:cNvPr id="2" name="标题占位符 1">
             <a:extLst>
               <a:ext uri="{FF2B5EF4-FFF2-40B4-BE49-F238E27FC236}">
-                <a16:creationId xmlns:a16="http://schemas.microsoft.com/office/drawing/2014/main" xmlns="" id="{90C04880-2F98-4F1E-A7B2-D04AF55D025E}"/>
+                <a16:creationId xmlns:a16="http://schemas.microsoft.com/office/drawing/2014/main" id="{90C04880-2F98-4F1E-A7B2-D04AF55D025E}"/>
               </a:ext>
             </a:extLst>
           </p:cNvPr>
@@ -2827,7 +2828,7 @@
           <p:cNvPr id="3" name="文本占位符 2">
             <a:extLst>
               <a:ext uri="{FF2B5EF4-FFF2-40B4-BE49-F238E27FC236}">
-                <a16:creationId xmlns:a16="http://schemas.microsoft.com/office/drawing/2014/main" xmlns="" id="{AFBD925E-D6A8-4180-9674-5F7E4FDAE5E8}"/>
+                <a16:creationId xmlns:a16="http://schemas.microsoft.com/office/drawing/2014/main" id="{AFBD925E-D6A8-4180-9674-5F7E4FDAE5E8}"/>
               </a:ext>
             </a:extLst>
           </p:cNvPr>
@@ -2894,7 +2895,7 @@
           <p:cNvPr id="4" name="日期占位符 3">
             <a:extLst>
               <a:ext uri="{FF2B5EF4-FFF2-40B4-BE49-F238E27FC236}">
-                <a16:creationId xmlns:a16="http://schemas.microsoft.com/office/drawing/2014/main" xmlns="" id="{0C6ED814-5595-42E3-8D8F-73391EA0454D}"/>
+                <a16:creationId xmlns:a16="http://schemas.microsoft.com/office/drawing/2014/main" id="{0C6ED814-5595-42E3-8D8F-73391EA0454D}"/>
               </a:ext>
             </a:extLst>
           </p:cNvPr>
@@ -2930,7 +2931,7 @@
           <a:p>
             <a:fld id="{ADEA710A-6995-4778-B422-CC9BEEDE3D6D}" type="datetimeFigureOut">
               <a:rPr lang="zh-CN" altLang="en-US" smtClean="0"/>
-              <a:t>2019/11/3</a:t>
+              <a:t>2021-04-10</a:t>
             </a:fld>
             <a:endParaRPr lang="zh-CN" altLang="en-US"/>
           </a:p>
@@ -2941,7 +2942,7 @@
           <p:cNvPr id="5" name="页脚占位符 4">
             <a:extLst>
               <a:ext uri="{FF2B5EF4-FFF2-40B4-BE49-F238E27FC236}">
-                <a16:creationId xmlns:a16="http://schemas.microsoft.com/office/drawing/2014/main" xmlns="" id="{F7277BBD-1E5D-4A8F-988C-BFC49DAD8BFC}"/>
+                <a16:creationId xmlns:a16="http://schemas.microsoft.com/office/drawing/2014/main" id="{F7277BBD-1E5D-4A8F-988C-BFC49DAD8BFC}"/>
               </a:ext>
             </a:extLst>
           </p:cNvPr>
@@ -2984,7 +2985,7 @@
           <p:cNvPr id="6" name="灯片编号占位符 5">
             <a:extLst>
               <a:ext uri="{FF2B5EF4-FFF2-40B4-BE49-F238E27FC236}">
-                <a16:creationId xmlns:a16="http://schemas.microsoft.com/office/drawing/2014/main" xmlns="" id="{D961B2ED-4AAD-4959-A52E-0642F67055C8}"/>
+                <a16:creationId xmlns:a16="http://schemas.microsoft.com/office/drawing/2014/main" id="{D961B2ED-4AAD-4959-A52E-0642F67055C8}"/>
               </a:ext>
             </a:extLst>
           </p:cNvPr>
@@ -3352,7 +3353,7 @@
           <p:cNvPr id="23" name="组合 22">
             <a:extLst>
               <a:ext uri="{FF2B5EF4-FFF2-40B4-BE49-F238E27FC236}">
-                <a16:creationId xmlns:a16="http://schemas.microsoft.com/office/drawing/2014/main" xmlns="" id="{205419CA-4A3E-4549-B389-F510B32189DE}"/>
+                <a16:creationId xmlns:a16="http://schemas.microsoft.com/office/drawing/2014/main" id="{205419CA-4A3E-4549-B389-F510B32189DE}"/>
               </a:ext>
             </a:extLst>
           </p:cNvPr>
@@ -3372,7 +3373,7 @@
             <p:cNvPr id="4" name="文本框 3">
               <a:extLst>
                 <a:ext uri="{FF2B5EF4-FFF2-40B4-BE49-F238E27FC236}">
-                  <a16:creationId xmlns:a16="http://schemas.microsoft.com/office/drawing/2014/main" xmlns="" id="{018BD43B-3E1B-4AD0-8197-19AFDDDB3DF7}"/>
+                  <a16:creationId xmlns:a16="http://schemas.microsoft.com/office/drawing/2014/main" id="{018BD43B-3E1B-4AD0-8197-19AFDDDB3DF7}"/>
                 </a:ext>
               </a:extLst>
             </p:cNvPr>
@@ -3452,7 +3453,7 @@
             <p:cNvPr id="6" name="矩形 5">
               <a:extLst>
                 <a:ext uri="{FF2B5EF4-FFF2-40B4-BE49-F238E27FC236}">
-                  <a16:creationId xmlns:a16="http://schemas.microsoft.com/office/drawing/2014/main" xmlns="" id="{2680BBF1-88D3-4BBA-9FD4-AA28E479CA5A}"/>
+                  <a16:creationId xmlns:a16="http://schemas.microsoft.com/office/drawing/2014/main" id="{2680BBF1-88D3-4BBA-9FD4-AA28E479CA5A}"/>
                 </a:ext>
               </a:extLst>
             </p:cNvPr>
@@ -3511,7 +3512,7 @@
             <p:cNvPr id="7" name="文本框 6">
               <a:extLst>
                 <a:ext uri="{FF2B5EF4-FFF2-40B4-BE49-F238E27FC236}">
-                  <a16:creationId xmlns:a16="http://schemas.microsoft.com/office/drawing/2014/main" xmlns="" id="{66B8428C-7A1D-4F28-82BC-2EC6201002A6}"/>
+                  <a16:creationId xmlns:a16="http://schemas.microsoft.com/office/drawing/2014/main" id="{66B8428C-7A1D-4F28-82BC-2EC6201002A6}"/>
                 </a:ext>
               </a:extLst>
             </p:cNvPr>
@@ -3591,7 +3592,7 @@
             <p:cNvPr id="8" name="矩形 7">
               <a:extLst>
                 <a:ext uri="{FF2B5EF4-FFF2-40B4-BE49-F238E27FC236}">
-                  <a16:creationId xmlns:a16="http://schemas.microsoft.com/office/drawing/2014/main" xmlns="" id="{170F6139-1CFD-4241-9A58-23902624D00E}"/>
+                  <a16:creationId xmlns:a16="http://schemas.microsoft.com/office/drawing/2014/main" id="{170F6139-1CFD-4241-9A58-23902624D00E}"/>
                 </a:ext>
               </a:extLst>
             </p:cNvPr>
@@ -3650,7 +3651,7 @@
             <p:cNvPr id="21" name="组合 20">
               <a:extLst>
                 <a:ext uri="{FF2B5EF4-FFF2-40B4-BE49-F238E27FC236}">
-                  <a16:creationId xmlns:a16="http://schemas.microsoft.com/office/drawing/2014/main" xmlns="" id="{DBEC0E5A-386A-4AA1-82F3-5462D40B081C}"/>
+                  <a16:creationId xmlns:a16="http://schemas.microsoft.com/office/drawing/2014/main" id="{DBEC0E5A-386A-4AA1-82F3-5462D40B081C}"/>
                 </a:ext>
               </a:extLst>
             </p:cNvPr>
@@ -3670,7 +3671,7 @@
               <p:cNvPr id="10" name="矩形 9">
                 <a:extLst>
                   <a:ext uri="{FF2B5EF4-FFF2-40B4-BE49-F238E27FC236}">
-                    <a16:creationId xmlns:a16="http://schemas.microsoft.com/office/drawing/2014/main" xmlns="" id="{ECED0582-7284-4C0F-8739-2043BA8B30DE}"/>
+                    <a16:creationId xmlns:a16="http://schemas.microsoft.com/office/drawing/2014/main" id="{ECED0582-7284-4C0F-8739-2043BA8B30DE}"/>
                   </a:ext>
                 </a:extLst>
               </p:cNvPr>
@@ -3729,7 +3730,7 @@
               <p:cNvPr id="11" name="矩形 10">
                 <a:extLst>
                   <a:ext uri="{FF2B5EF4-FFF2-40B4-BE49-F238E27FC236}">
-                    <a16:creationId xmlns:a16="http://schemas.microsoft.com/office/drawing/2014/main" xmlns="" id="{161C7622-3EBF-4926-BBA3-A2504AC7D8EE}"/>
+                    <a16:creationId xmlns:a16="http://schemas.microsoft.com/office/drawing/2014/main" id="{161C7622-3EBF-4926-BBA3-A2504AC7D8EE}"/>
                   </a:ext>
                 </a:extLst>
               </p:cNvPr>
@@ -3788,7 +3789,7 @@
               <p:cNvPr id="14" name="矩形 13">
                 <a:extLst>
                   <a:ext uri="{FF2B5EF4-FFF2-40B4-BE49-F238E27FC236}">
-                    <a16:creationId xmlns:a16="http://schemas.microsoft.com/office/drawing/2014/main" xmlns="" id="{7B56D26F-6DBD-4418-968F-537C58AA8864}"/>
+                    <a16:creationId xmlns:a16="http://schemas.microsoft.com/office/drawing/2014/main" id="{7B56D26F-6DBD-4418-968F-537C58AA8864}"/>
                   </a:ext>
                 </a:extLst>
               </p:cNvPr>
@@ -3847,7 +3848,7 @@
               <p:cNvPr id="16" name="矩形 15">
                 <a:extLst>
                   <a:ext uri="{FF2B5EF4-FFF2-40B4-BE49-F238E27FC236}">
-                    <a16:creationId xmlns:a16="http://schemas.microsoft.com/office/drawing/2014/main" xmlns="" id="{AE1B9EF5-BC88-4E5F-9B80-8CDDCE669AA2}"/>
+                    <a16:creationId xmlns:a16="http://schemas.microsoft.com/office/drawing/2014/main" id="{AE1B9EF5-BC88-4E5F-9B80-8CDDCE669AA2}"/>
                   </a:ext>
                 </a:extLst>
               </p:cNvPr>
@@ -3906,7 +3907,7 @@
               <p:cNvPr id="17" name="矩形 16">
                 <a:extLst>
                   <a:ext uri="{FF2B5EF4-FFF2-40B4-BE49-F238E27FC236}">
-                    <a16:creationId xmlns:a16="http://schemas.microsoft.com/office/drawing/2014/main" xmlns="" id="{624738AE-012E-4333-A65B-05BFDEAF5C2F}"/>
+                    <a16:creationId xmlns:a16="http://schemas.microsoft.com/office/drawing/2014/main" id="{624738AE-012E-4333-A65B-05BFDEAF5C2F}"/>
                   </a:ext>
                 </a:extLst>
               </p:cNvPr>
@@ -3965,7 +3966,7 @@
               <p:cNvPr id="18" name="矩形 17">
                 <a:extLst>
                   <a:ext uri="{FF2B5EF4-FFF2-40B4-BE49-F238E27FC236}">
-                    <a16:creationId xmlns:a16="http://schemas.microsoft.com/office/drawing/2014/main" xmlns="" id="{03813061-EE47-4D00-98D8-AA9A613E9464}"/>
+                    <a16:creationId xmlns:a16="http://schemas.microsoft.com/office/drawing/2014/main" id="{03813061-EE47-4D00-98D8-AA9A613E9464}"/>
                   </a:ext>
                 </a:extLst>
               </p:cNvPr>
@@ -4024,7 +4025,7 @@
               <p:cNvPr id="20" name="矩形 19">
                 <a:extLst>
                   <a:ext uri="{FF2B5EF4-FFF2-40B4-BE49-F238E27FC236}">
-                    <a16:creationId xmlns:a16="http://schemas.microsoft.com/office/drawing/2014/main" xmlns="" id="{A8C0EDB8-CCB4-43A6-A92F-EFE34F73A4DB}"/>
+                    <a16:creationId xmlns:a16="http://schemas.microsoft.com/office/drawing/2014/main" id="{A8C0EDB8-CCB4-43A6-A92F-EFE34F73A4DB}"/>
                   </a:ext>
                 </a:extLst>
               </p:cNvPr>
@@ -4084,7 +4085,7 @@
             <p:cNvPr id="22" name="矩形 21">
               <a:extLst>
                 <a:ext uri="{FF2B5EF4-FFF2-40B4-BE49-F238E27FC236}">
-                  <a16:creationId xmlns:a16="http://schemas.microsoft.com/office/drawing/2014/main" xmlns="" id="{D13E66B4-79F9-4D82-A76B-10B2BA4B39AE}"/>
+                  <a16:creationId xmlns:a16="http://schemas.microsoft.com/office/drawing/2014/main" id="{D13E66B4-79F9-4D82-A76B-10B2BA4B39AE}"/>
                 </a:ext>
               </a:extLst>
             </p:cNvPr>
@@ -4165,6 +4166,1687 @@
       </p:grpSpPr>
       <p:grpSp>
         <p:nvGrpSpPr>
+          <p:cNvPr id="64" name="组合 63"/>
+          <p:cNvGrpSpPr/>
+          <p:nvPr/>
+        </p:nvGrpSpPr>
+        <p:grpSpPr>
+          <a:xfrm>
+            <a:off x="721810" y="261248"/>
+            <a:ext cx="8292909" cy="6264555"/>
+            <a:chOff x="721810" y="261248"/>
+            <a:chExt cx="8292909" cy="6264555"/>
+          </a:xfrm>
+        </p:grpSpPr>
+        <p:grpSp>
+          <p:nvGrpSpPr>
+            <p:cNvPr id="59" name="组合 58"/>
+            <p:cNvGrpSpPr/>
+            <p:nvPr/>
+          </p:nvGrpSpPr>
+          <p:grpSpPr>
+            <a:xfrm>
+              <a:off x="721810" y="1984504"/>
+              <a:ext cx="3172763" cy="2888992"/>
+              <a:chOff x="426389" y="492871"/>
+              <a:chExt cx="3172763" cy="2888992"/>
+            </a:xfrm>
+          </p:grpSpPr>
+          <p:sp>
+            <p:nvSpPr>
+              <p:cNvPr id="4" name="矩形 3">
+                <a:extLst>
+                  <a:ext uri="{FF2B5EF4-FFF2-40B4-BE49-F238E27FC236}">
+                    <a16:creationId xmlns:a16="http://schemas.microsoft.com/office/drawing/2014/main" id="{2680BBF1-88D3-4BBA-9FD4-AA28E479CA5A}"/>
+                  </a:ext>
+                </a:extLst>
+              </p:cNvPr>
+              <p:cNvSpPr/>
+              <p:nvPr/>
+            </p:nvSpPr>
+            <p:spPr>
+              <a:xfrm>
+                <a:off x="1465220" y="492871"/>
+                <a:ext cx="1137304" cy="443060"/>
+              </a:xfrm>
+              <a:prstGeom prst="rect">
+                <a:avLst/>
+              </a:prstGeom>
+              <a:noFill/>
+              <a:ln w="19050">
+                <a:solidFill>
+                  <a:srgbClr val="0070C0"/>
+                </a:solidFill>
+              </a:ln>
+            </p:spPr>
+            <p:style>
+              <a:lnRef idx="2">
+                <a:schemeClr val="accent1">
+                  <a:shade val="50000"/>
+                </a:schemeClr>
+              </a:lnRef>
+              <a:fillRef idx="1">
+                <a:schemeClr val="accent1"/>
+              </a:fillRef>
+              <a:effectRef idx="0">
+                <a:schemeClr val="accent1"/>
+              </a:effectRef>
+              <a:fontRef idx="minor">
+                <a:schemeClr val="lt1"/>
+              </a:fontRef>
+            </p:style>
+            <p:txBody>
+              <a:bodyPr rtlCol="0" anchor="ctr"/>
+              <a:lstStyle/>
+              <a:p>
+                <a:pPr algn="ctr"/>
+                <a:r>
+                  <a:rPr lang="zh-CN" altLang="en-US" dirty="0">
+                    <a:solidFill>
+                      <a:schemeClr val="tx1"/>
+                    </a:solidFill>
+                  </a:rPr>
+                  <a:t>客户端</a:t>
+                </a:r>
+              </a:p>
+            </p:txBody>
+          </p:sp>
+          <p:sp>
+            <p:nvSpPr>
+              <p:cNvPr id="5" name="矩形 4">
+                <a:extLst>
+                  <a:ext uri="{FF2B5EF4-FFF2-40B4-BE49-F238E27FC236}">
+                    <a16:creationId xmlns:a16="http://schemas.microsoft.com/office/drawing/2014/main" id="{2680BBF1-88D3-4BBA-9FD4-AA28E479CA5A}"/>
+                  </a:ext>
+                </a:extLst>
+              </p:cNvPr>
+              <p:cNvSpPr/>
+              <p:nvPr/>
+            </p:nvSpPr>
+            <p:spPr>
+              <a:xfrm>
+                <a:off x="1029123" y="1729722"/>
+                <a:ext cx="2009498" cy="443060"/>
+              </a:xfrm>
+              <a:prstGeom prst="rect">
+                <a:avLst/>
+              </a:prstGeom>
+              <a:noFill/>
+              <a:ln w="19050">
+                <a:solidFill>
+                  <a:srgbClr val="0070C0"/>
+                </a:solidFill>
+              </a:ln>
+            </p:spPr>
+            <p:style>
+              <a:lnRef idx="2">
+                <a:schemeClr val="accent1">
+                  <a:shade val="50000"/>
+                </a:schemeClr>
+              </a:lnRef>
+              <a:fillRef idx="1">
+                <a:schemeClr val="accent1"/>
+              </a:fillRef>
+              <a:effectRef idx="0">
+                <a:schemeClr val="accent1"/>
+              </a:effectRef>
+              <a:fontRef idx="minor">
+                <a:schemeClr val="lt1"/>
+              </a:fontRef>
+            </p:style>
+            <p:txBody>
+              <a:bodyPr rtlCol="0" anchor="ctr"/>
+              <a:lstStyle/>
+              <a:p>
+                <a:pPr algn="ctr"/>
+                <a:r>
+                  <a:rPr lang="zh-CN" altLang="en-US" dirty="0">
+                    <a:solidFill>
+                      <a:schemeClr val="tx1"/>
+                    </a:solidFill>
+                  </a:rPr>
+                  <a:t>负载均衡</a:t>
+                </a:r>
+              </a:p>
+            </p:txBody>
+          </p:sp>
+          <p:sp>
+            <p:nvSpPr>
+              <p:cNvPr id="6" name="矩形 5">
+                <a:extLst>
+                  <a:ext uri="{FF2B5EF4-FFF2-40B4-BE49-F238E27FC236}">
+                    <a16:creationId xmlns:a16="http://schemas.microsoft.com/office/drawing/2014/main" id="{2680BBF1-88D3-4BBA-9FD4-AA28E479CA5A}"/>
+                  </a:ext>
+                </a:extLst>
+              </p:cNvPr>
+              <p:cNvSpPr/>
+              <p:nvPr/>
+            </p:nvSpPr>
+            <p:spPr>
+              <a:xfrm>
+                <a:off x="426389" y="2938803"/>
+                <a:ext cx="1388342" cy="443060"/>
+              </a:xfrm>
+              <a:prstGeom prst="rect">
+                <a:avLst/>
+              </a:prstGeom>
+              <a:noFill/>
+              <a:ln w="19050">
+                <a:solidFill>
+                  <a:srgbClr val="0070C0"/>
+                </a:solidFill>
+              </a:ln>
+            </p:spPr>
+            <p:style>
+              <a:lnRef idx="2">
+                <a:schemeClr val="accent1">
+                  <a:shade val="50000"/>
+                </a:schemeClr>
+              </a:lnRef>
+              <a:fillRef idx="1">
+                <a:schemeClr val="accent1"/>
+              </a:fillRef>
+              <a:effectRef idx="0">
+                <a:schemeClr val="accent1"/>
+              </a:effectRef>
+              <a:fontRef idx="minor">
+                <a:schemeClr val="lt1"/>
+              </a:fontRef>
+            </p:style>
+            <p:txBody>
+              <a:bodyPr rtlCol="0" anchor="ctr"/>
+              <a:lstStyle/>
+              <a:p>
+                <a:pPr algn="ctr"/>
+                <a:r>
+                  <a:rPr lang="en-US" altLang="zh-CN" dirty="0">
+                    <a:solidFill>
+                      <a:schemeClr val="tx1"/>
+                    </a:solidFill>
+                  </a:rPr>
+                  <a:t>HttpServer1</a:t>
+                </a:r>
+                <a:endParaRPr lang="zh-CN" altLang="en-US" dirty="0">
+                  <a:solidFill>
+                    <a:schemeClr val="tx1"/>
+                  </a:solidFill>
+                </a:endParaRPr>
+              </a:p>
+            </p:txBody>
+          </p:sp>
+          <p:sp>
+            <p:nvSpPr>
+              <p:cNvPr id="7" name="矩形 6">
+                <a:extLst>
+                  <a:ext uri="{FF2B5EF4-FFF2-40B4-BE49-F238E27FC236}">
+                    <a16:creationId xmlns:a16="http://schemas.microsoft.com/office/drawing/2014/main" id="{2680BBF1-88D3-4BBA-9FD4-AA28E479CA5A}"/>
+                  </a:ext>
+                </a:extLst>
+              </p:cNvPr>
+              <p:cNvSpPr/>
+              <p:nvPr/>
+            </p:nvSpPr>
+            <p:spPr>
+              <a:xfrm>
+                <a:off x="2222696" y="2938803"/>
+                <a:ext cx="1376456" cy="443060"/>
+              </a:xfrm>
+              <a:prstGeom prst="rect">
+                <a:avLst/>
+              </a:prstGeom>
+              <a:noFill/>
+              <a:ln w="19050">
+                <a:solidFill>
+                  <a:srgbClr val="0070C0"/>
+                </a:solidFill>
+              </a:ln>
+            </p:spPr>
+            <p:style>
+              <a:lnRef idx="2">
+                <a:schemeClr val="accent1">
+                  <a:shade val="50000"/>
+                </a:schemeClr>
+              </a:lnRef>
+              <a:fillRef idx="1">
+                <a:schemeClr val="accent1"/>
+              </a:fillRef>
+              <a:effectRef idx="0">
+                <a:schemeClr val="accent1"/>
+              </a:effectRef>
+              <a:fontRef idx="minor">
+                <a:schemeClr val="lt1"/>
+              </a:fontRef>
+            </p:style>
+            <p:txBody>
+              <a:bodyPr rtlCol="0" anchor="ctr"/>
+              <a:lstStyle/>
+              <a:p>
+                <a:pPr algn="ctr"/>
+                <a:r>
+                  <a:rPr lang="en-US" altLang="zh-CN" dirty="0">
+                    <a:solidFill>
+                      <a:schemeClr val="tx1"/>
+                    </a:solidFill>
+                  </a:rPr>
+                  <a:t>HttpServer2</a:t>
+                </a:r>
+                <a:endParaRPr lang="zh-CN" altLang="en-US" dirty="0">
+                  <a:solidFill>
+                    <a:schemeClr val="tx1"/>
+                  </a:solidFill>
+                </a:endParaRPr>
+              </a:p>
+            </p:txBody>
+          </p:sp>
+          <p:sp>
+            <p:nvSpPr>
+              <p:cNvPr id="8" name="文本框 7"/>
+              <p:cNvSpPr txBox="1"/>
+              <p:nvPr/>
+            </p:nvSpPr>
+            <p:spPr>
+              <a:xfrm>
+                <a:off x="984738" y="1127729"/>
+                <a:ext cx="1139483" cy="369332"/>
+              </a:xfrm>
+              <a:prstGeom prst="rect">
+                <a:avLst/>
+              </a:prstGeom>
+              <a:noFill/>
+            </p:spPr>
+            <p:txBody>
+              <a:bodyPr wrap="square" rtlCol="0">
+                <a:spAutoFit/>
+              </a:bodyPr>
+              <a:lstStyle/>
+              <a:p>
+                <a:r>
+                  <a:rPr lang="zh-CN" altLang="en-US" dirty="0"/>
+                  <a:t>请求</a:t>
+                </a:r>
+                <a:r>
+                  <a:rPr lang="en-US" altLang="zh-CN" dirty="0"/>
+                  <a:t>1</a:t>
+                </a:r>
+                <a:endParaRPr lang="zh-CN" altLang="en-US" dirty="0"/>
+              </a:p>
+            </p:txBody>
+          </p:sp>
+          <p:sp>
+            <p:nvSpPr>
+              <p:cNvPr id="9" name="文本框 8"/>
+              <p:cNvSpPr txBox="1"/>
+              <p:nvPr/>
+            </p:nvSpPr>
+            <p:spPr>
+              <a:xfrm>
+                <a:off x="2375259" y="1132559"/>
+                <a:ext cx="1139483" cy="369332"/>
+              </a:xfrm>
+              <a:prstGeom prst="rect">
+                <a:avLst/>
+              </a:prstGeom>
+              <a:noFill/>
+            </p:spPr>
+            <p:txBody>
+              <a:bodyPr wrap="square" rtlCol="0">
+                <a:spAutoFit/>
+              </a:bodyPr>
+              <a:lstStyle/>
+              <a:p>
+                <a:r>
+                  <a:rPr lang="zh-CN" altLang="en-US" dirty="0"/>
+                  <a:t>请求</a:t>
+                </a:r>
+                <a:r>
+                  <a:rPr lang="en-US" altLang="zh-CN" dirty="0"/>
+                  <a:t>2</a:t>
+                </a:r>
+                <a:endParaRPr lang="zh-CN" altLang="en-US" dirty="0"/>
+              </a:p>
+            </p:txBody>
+          </p:sp>
+          <p:cxnSp>
+            <p:nvCxnSpPr>
+              <p:cNvPr id="12" name="直接箭头连接符 11">
+                <a:extLst>
+                  <a:ext uri="{FF2B5EF4-FFF2-40B4-BE49-F238E27FC236}">
+                    <a16:creationId xmlns:a16="http://schemas.microsoft.com/office/drawing/2014/main" id="{0F0E5BFD-70B5-46B0-9C4E-6BD5536E6918}"/>
+                  </a:ext>
+                </a:extLst>
+              </p:cNvPr>
+              <p:cNvCxnSpPr>
+                <a:cxnSpLocks/>
+              </p:cNvCxnSpPr>
+              <p:nvPr/>
+            </p:nvCxnSpPr>
+            <p:spPr>
+              <a:xfrm>
+                <a:off x="1716258" y="2172782"/>
+                <a:ext cx="0" cy="763244"/>
+              </a:xfrm>
+              <a:prstGeom prst="straightConnector1">
+                <a:avLst/>
+              </a:prstGeom>
+              <a:ln w="28575">
+                <a:solidFill>
+                  <a:srgbClr val="FF0000"/>
+                </a:solidFill>
+                <a:headEnd type="none" w="med" len="med"/>
+                <a:tailEnd type="arrow" w="med" len="med"/>
+              </a:ln>
+            </p:spPr>
+            <p:style>
+              <a:lnRef idx="1">
+                <a:schemeClr val="accent1"/>
+              </a:lnRef>
+              <a:fillRef idx="0">
+                <a:schemeClr val="accent1"/>
+              </a:fillRef>
+              <a:effectRef idx="0">
+                <a:schemeClr val="accent1"/>
+              </a:effectRef>
+              <a:fontRef idx="minor">
+                <a:schemeClr val="tx1"/>
+              </a:fontRef>
+            </p:style>
+          </p:cxnSp>
+          <p:cxnSp>
+            <p:nvCxnSpPr>
+              <p:cNvPr id="15" name="直接箭头连接符 14">
+                <a:extLst>
+                  <a:ext uri="{FF2B5EF4-FFF2-40B4-BE49-F238E27FC236}">
+                    <a16:creationId xmlns:a16="http://schemas.microsoft.com/office/drawing/2014/main" id="{0F0E5BFD-70B5-46B0-9C4E-6BD5536E6918}"/>
+                  </a:ext>
+                </a:extLst>
+              </p:cNvPr>
+              <p:cNvCxnSpPr>
+                <a:cxnSpLocks/>
+              </p:cNvCxnSpPr>
+              <p:nvPr/>
+            </p:nvCxnSpPr>
+            <p:spPr>
+              <a:xfrm>
+                <a:off x="2363372" y="2172782"/>
+                <a:ext cx="0" cy="763244"/>
+              </a:xfrm>
+              <a:prstGeom prst="straightConnector1">
+                <a:avLst/>
+              </a:prstGeom>
+              <a:ln w="28575">
+                <a:solidFill>
+                  <a:srgbClr val="00B050"/>
+                </a:solidFill>
+                <a:headEnd type="none" w="med" len="med"/>
+                <a:tailEnd type="arrow" w="med" len="med"/>
+              </a:ln>
+            </p:spPr>
+            <p:style>
+              <a:lnRef idx="1">
+                <a:schemeClr val="accent1"/>
+              </a:lnRef>
+              <a:fillRef idx="0">
+                <a:schemeClr val="accent1"/>
+              </a:fillRef>
+              <a:effectRef idx="0">
+                <a:schemeClr val="accent1"/>
+              </a:effectRef>
+              <a:fontRef idx="minor">
+                <a:schemeClr val="tx1"/>
+              </a:fontRef>
+            </p:style>
+          </p:cxnSp>
+          <p:cxnSp>
+            <p:nvCxnSpPr>
+              <p:cNvPr id="42" name="直接箭头连接符 41">
+                <a:extLst>
+                  <a:ext uri="{FF2B5EF4-FFF2-40B4-BE49-F238E27FC236}">
+                    <a16:creationId xmlns:a16="http://schemas.microsoft.com/office/drawing/2014/main" id="{0F0E5BFD-70B5-46B0-9C4E-6BD5536E6918}"/>
+                  </a:ext>
+                </a:extLst>
+              </p:cNvPr>
+              <p:cNvCxnSpPr>
+                <a:cxnSpLocks/>
+              </p:cNvCxnSpPr>
+              <p:nvPr/>
+            </p:nvCxnSpPr>
+            <p:spPr>
+              <a:xfrm>
+                <a:off x="1716258" y="957257"/>
+                <a:ext cx="0" cy="763244"/>
+              </a:xfrm>
+              <a:prstGeom prst="straightConnector1">
+                <a:avLst/>
+              </a:prstGeom>
+              <a:ln w="28575">
+                <a:solidFill>
+                  <a:srgbClr val="FF0000"/>
+                </a:solidFill>
+                <a:headEnd type="none" w="med" len="med"/>
+                <a:tailEnd type="arrow" w="med" len="med"/>
+              </a:ln>
+            </p:spPr>
+            <p:style>
+              <a:lnRef idx="1">
+                <a:schemeClr val="accent1"/>
+              </a:lnRef>
+              <a:fillRef idx="0">
+                <a:schemeClr val="accent1"/>
+              </a:fillRef>
+              <a:effectRef idx="0">
+                <a:schemeClr val="accent1"/>
+              </a:effectRef>
+              <a:fontRef idx="minor">
+                <a:schemeClr val="tx1"/>
+              </a:fontRef>
+            </p:style>
+          </p:cxnSp>
+          <p:cxnSp>
+            <p:nvCxnSpPr>
+              <p:cNvPr id="43" name="直接箭头连接符 42">
+                <a:extLst>
+                  <a:ext uri="{FF2B5EF4-FFF2-40B4-BE49-F238E27FC236}">
+                    <a16:creationId xmlns:a16="http://schemas.microsoft.com/office/drawing/2014/main" id="{0F0E5BFD-70B5-46B0-9C4E-6BD5536E6918}"/>
+                  </a:ext>
+                </a:extLst>
+              </p:cNvPr>
+              <p:cNvCxnSpPr>
+                <a:cxnSpLocks/>
+              </p:cNvCxnSpPr>
+              <p:nvPr/>
+            </p:nvCxnSpPr>
+            <p:spPr>
+              <a:xfrm>
+                <a:off x="2363372" y="957257"/>
+                <a:ext cx="0" cy="763244"/>
+              </a:xfrm>
+              <a:prstGeom prst="straightConnector1">
+                <a:avLst/>
+              </a:prstGeom>
+              <a:ln w="28575">
+                <a:solidFill>
+                  <a:srgbClr val="00B050"/>
+                </a:solidFill>
+                <a:headEnd type="none" w="med" len="med"/>
+                <a:tailEnd type="arrow" w="med" len="med"/>
+              </a:ln>
+            </p:spPr>
+            <p:style>
+              <a:lnRef idx="1">
+                <a:schemeClr val="accent1"/>
+              </a:lnRef>
+              <a:fillRef idx="0">
+                <a:schemeClr val="accent1"/>
+              </a:fillRef>
+              <a:effectRef idx="0">
+                <a:schemeClr val="accent1"/>
+              </a:effectRef>
+              <a:fontRef idx="minor">
+                <a:schemeClr val="tx1"/>
+              </a:fontRef>
+            </p:style>
+          </p:cxnSp>
+        </p:grpSp>
+        <p:grpSp>
+          <p:nvGrpSpPr>
+            <p:cNvPr id="58" name="组合 57"/>
+            <p:cNvGrpSpPr/>
+            <p:nvPr/>
+          </p:nvGrpSpPr>
+          <p:grpSpPr>
+            <a:xfrm>
+              <a:off x="5755863" y="1168120"/>
+              <a:ext cx="3258856" cy="5357683"/>
+              <a:chOff x="4897734" y="492871"/>
+              <a:chExt cx="3258856" cy="5357683"/>
+            </a:xfrm>
+          </p:grpSpPr>
+          <p:sp>
+            <p:nvSpPr>
+              <p:cNvPr id="16" name="矩形 15">
+                <a:extLst>
+                  <a:ext uri="{FF2B5EF4-FFF2-40B4-BE49-F238E27FC236}">
+                    <a16:creationId xmlns:a16="http://schemas.microsoft.com/office/drawing/2014/main" id="{2680BBF1-88D3-4BBA-9FD4-AA28E479CA5A}"/>
+                  </a:ext>
+                </a:extLst>
+              </p:cNvPr>
+              <p:cNvSpPr/>
+              <p:nvPr/>
+            </p:nvSpPr>
+            <p:spPr>
+              <a:xfrm>
+                <a:off x="5924679" y="492871"/>
+                <a:ext cx="1137304" cy="443060"/>
+              </a:xfrm>
+              <a:prstGeom prst="rect">
+                <a:avLst/>
+              </a:prstGeom>
+              <a:noFill/>
+              <a:ln w="19050">
+                <a:solidFill>
+                  <a:srgbClr val="0070C0"/>
+                </a:solidFill>
+              </a:ln>
+            </p:spPr>
+            <p:style>
+              <a:lnRef idx="2">
+                <a:schemeClr val="accent1">
+                  <a:shade val="50000"/>
+                </a:schemeClr>
+              </a:lnRef>
+              <a:fillRef idx="1">
+                <a:schemeClr val="accent1"/>
+              </a:fillRef>
+              <a:effectRef idx="0">
+                <a:schemeClr val="accent1"/>
+              </a:effectRef>
+              <a:fontRef idx="minor">
+                <a:schemeClr val="lt1"/>
+              </a:fontRef>
+            </p:style>
+            <p:txBody>
+              <a:bodyPr rtlCol="0" anchor="ctr"/>
+              <a:lstStyle/>
+              <a:p>
+                <a:pPr algn="ctr"/>
+                <a:r>
+                  <a:rPr lang="zh-CN" altLang="en-US" dirty="0">
+                    <a:solidFill>
+                      <a:schemeClr val="tx1"/>
+                    </a:solidFill>
+                  </a:rPr>
+                  <a:t>客户端</a:t>
+                </a:r>
+              </a:p>
+            </p:txBody>
+          </p:sp>
+          <p:sp>
+            <p:nvSpPr>
+              <p:cNvPr id="17" name="矩形 16">
+                <a:extLst>
+                  <a:ext uri="{FF2B5EF4-FFF2-40B4-BE49-F238E27FC236}">
+                    <a16:creationId xmlns:a16="http://schemas.microsoft.com/office/drawing/2014/main" id="{2680BBF1-88D3-4BBA-9FD4-AA28E479CA5A}"/>
+                  </a:ext>
+                </a:extLst>
+              </p:cNvPr>
+              <p:cNvSpPr/>
+              <p:nvPr/>
+            </p:nvSpPr>
+            <p:spPr>
+              <a:xfrm>
+                <a:off x="5488582" y="1747017"/>
+                <a:ext cx="2009498" cy="443060"/>
+              </a:xfrm>
+              <a:prstGeom prst="rect">
+                <a:avLst/>
+              </a:prstGeom>
+              <a:noFill/>
+              <a:ln w="19050">
+                <a:solidFill>
+                  <a:srgbClr val="0070C0"/>
+                </a:solidFill>
+              </a:ln>
+            </p:spPr>
+            <p:style>
+              <a:lnRef idx="2">
+                <a:schemeClr val="accent1">
+                  <a:shade val="50000"/>
+                </a:schemeClr>
+              </a:lnRef>
+              <a:fillRef idx="1">
+                <a:schemeClr val="accent1"/>
+              </a:fillRef>
+              <a:effectRef idx="0">
+                <a:schemeClr val="accent1"/>
+              </a:effectRef>
+              <a:fontRef idx="minor">
+                <a:schemeClr val="lt1"/>
+              </a:fontRef>
+            </p:style>
+            <p:txBody>
+              <a:bodyPr rtlCol="0" anchor="ctr"/>
+              <a:lstStyle/>
+              <a:p>
+                <a:pPr algn="ctr"/>
+                <a:r>
+                  <a:rPr lang="zh-CN" altLang="en-US" dirty="0">
+                    <a:solidFill>
+                      <a:schemeClr val="tx1"/>
+                    </a:solidFill>
+                  </a:rPr>
+                  <a:t>负载均衡</a:t>
+                </a:r>
+              </a:p>
+            </p:txBody>
+          </p:sp>
+          <p:sp>
+            <p:nvSpPr>
+              <p:cNvPr id="18" name="矩形 17">
+                <a:extLst>
+                  <a:ext uri="{FF2B5EF4-FFF2-40B4-BE49-F238E27FC236}">
+                    <a16:creationId xmlns:a16="http://schemas.microsoft.com/office/drawing/2014/main" id="{2680BBF1-88D3-4BBA-9FD4-AA28E479CA5A}"/>
+                  </a:ext>
+                </a:extLst>
+              </p:cNvPr>
+              <p:cNvSpPr/>
+              <p:nvPr/>
+            </p:nvSpPr>
+            <p:spPr>
+              <a:xfrm>
+                <a:off x="4897734" y="2995201"/>
+                <a:ext cx="1474928" cy="774224"/>
+              </a:xfrm>
+              <a:prstGeom prst="rect">
+                <a:avLst/>
+              </a:prstGeom>
+              <a:noFill/>
+              <a:ln w="19050">
+                <a:solidFill>
+                  <a:srgbClr val="0070C0"/>
+                </a:solidFill>
+              </a:ln>
+            </p:spPr>
+            <p:style>
+              <a:lnRef idx="2">
+                <a:schemeClr val="accent1">
+                  <a:shade val="50000"/>
+                </a:schemeClr>
+              </a:lnRef>
+              <a:fillRef idx="1">
+                <a:schemeClr val="accent1"/>
+              </a:fillRef>
+              <a:effectRef idx="0">
+                <a:schemeClr val="accent1"/>
+              </a:effectRef>
+              <a:fontRef idx="minor">
+                <a:schemeClr val="lt1"/>
+              </a:fontRef>
+            </p:style>
+            <p:txBody>
+              <a:bodyPr rtlCol="0" anchor="ctr"/>
+              <a:lstStyle/>
+              <a:p>
+                <a:pPr algn="ctr"/>
+                <a:r>
+                  <a:rPr lang="en-US" altLang="zh-CN" dirty="0" err="1">
+                    <a:solidFill>
+                      <a:schemeClr val="tx1"/>
+                    </a:solidFill>
+                  </a:rPr>
+                  <a:t>WebSocket</a:t>
+                </a:r>
+                <a:endParaRPr lang="en-US" altLang="zh-CN" dirty="0">
+                  <a:solidFill>
+                    <a:schemeClr val="tx1"/>
+                  </a:solidFill>
+                </a:endParaRPr>
+              </a:p>
+              <a:p>
+                <a:pPr algn="ctr"/>
+                <a:r>
+                  <a:rPr lang="zh-CN" altLang="en-US" dirty="0">
+                    <a:solidFill>
+                      <a:schemeClr val="tx1"/>
+                    </a:solidFill>
+                  </a:rPr>
+                  <a:t>接入 </a:t>
+                </a:r>
+                <a:r>
+                  <a:rPr lang="en-US" altLang="zh-CN" dirty="0">
+                    <a:solidFill>
+                      <a:schemeClr val="tx1"/>
+                    </a:solidFill>
+                  </a:rPr>
+                  <a:t>Server1</a:t>
+                </a:r>
+                <a:endParaRPr lang="zh-CN" altLang="en-US" dirty="0">
+                  <a:solidFill>
+                    <a:schemeClr val="tx1"/>
+                  </a:solidFill>
+                </a:endParaRPr>
+              </a:p>
+            </p:txBody>
+          </p:sp>
+          <p:sp>
+            <p:nvSpPr>
+              <p:cNvPr id="20" name="文本框 19"/>
+              <p:cNvSpPr txBox="1"/>
+              <p:nvPr/>
+            </p:nvSpPr>
+            <p:spPr>
+              <a:xfrm>
+                <a:off x="5707121" y="1000148"/>
+                <a:ext cx="1139483" cy="369332"/>
+              </a:xfrm>
+              <a:prstGeom prst="rect">
+                <a:avLst/>
+              </a:prstGeom>
+              <a:noFill/>
+            </p:spPr>
+            <p:txBody>
+              <a:bodyPr wrap="square" rtlCol="0">
+                <a:spAutoFit/>
+              </a:bodyPr>
+              <a:lstStyle/>
+              <a:p>
+                <a:r>
+                  <a:rPr lang="zh-CN" altLang="en-US" dirty="0"/>
+                  <a:t>请求</a:t>
+                </a:r>
+                <a:r>
+                  <a:rPr lang="en-US" altLang="zh-CN" dirty="0"/>
+                  <a:t>1</a:t>
+                </a:r>
+                <a:endParaRPr lang="zh-CN" altLang="en-US" dirty="0"/>
+              </a:p>
+            </p:txBody>
+          </p:sp>
+          <p:sp>
+            <p:nvSpPr>
+              <p:cNvPr id="21" name="文本框 20"/>
+              <p:cNvSpPr txBox="1"/>
+              <p:nvPr/>
+            </p:nvSpPr>
+            <p:spPr>
+              <a:xfrm>
+                <a:off x="5699597" y="1263808"/>
+                <a:ext cx="1139483" cy="369332"/>
+              </a:xfrm>
+              <a:prstGeom prst="rect">
+                <a:avLst/>
+              </a:prstGeom>
+              <a:noFill/>
+            </p:spPr>
+            <p:txBody>
+              <a:bodyPr wrap="square" rtlCol="0">
+                <a:spAutoFit/>
+              </a:bodyPr>
+              <a:lstStyle/>
+              <a:p>
+                <a:r>
+                  <a:rPr lang="zh-CN" altLang="en-US" dirty="0"/>
+                  <a:t>请求</a:t>
+                </a:r>
+                <a:r>
+                  <a:rPr lang="en-US" altLang="zh-CN" dirty="0"/>
+                  <a:t>2</a:t>
+                </a:r>
+                <a:endParaRPr lang="zh-CN" altLang="en-US" dirty="0"/>
+              </a:p>
+            </p:txBody>
+          </p:sp>
+          <p:sp>
+            <p:nvSpPr>
+              <p:cNvPr id="26" name="文本框 25"/>
+              <p:cNvSpPr txBox="1"/>
+              <p:nvPr/>
+            </p:nvSpPr>
+            <p:spPr>
+              <a:xfrm>
+                <a:off x="5167697" y="2382948"/>
+                <a:ext cx="1139483" cy="369332"/>
+              </a:xfrm>
+              <a:prstGeom prst="rect">
+                <a:avLst/>
+              </a:prstGeom>
+              <a:noFill/>
+            </p:spPr>
+            <p:txBody>
+              <a:bodyPr wrap="square" rtlCol="0">
+                <a:spAutoFit/>
+              </a:bodyPr>
+              <a:lstStyle/>
+              <a:p>
+                <a:r>
+                  <a:rPr lang="zh-CN" altLang="en-US" dirty="0"/>
+                  <a:t>请求</a:t>
+                </a:r>
+                <a:r>
+                  <a:rPr lang="en-US" altLang="zh-CN" dirty="0"/>
+                  <a:t>1</a:t>
+                </a:r>
+                <a:endParaRPr lang="zh-CN" altLang="en-US" dirty="0"/>
+              </a:p>
+            </p:txBody>
+          </p:sp>
+          <p:sp>
+            <p:nvSpPr>
+              <p:cNvPr id="27" name="文本框 26"/>
+              <p:cNvSpPr txBox="1"/>
+              <p:nvPr/>
+            </p:nvSpPr>
+            <p:spPr>
+              <a:xfrm>
+                <a:off x="6975068" y="2363893"/>
+                <a:ext cx="1139483" cy="369332"/>
+              </a:xfrm>
+              <a:prstGeom prst="rect">
+                <a:avLst/>
+              </a:prstGeom>
+              <a:noFill/>
+            </p:spPr>
+            <p:txBody>
+              <a:bodyPr wrap="square" rtlCol="0">
+                <a:spAutoFit/>
+              </a:bodyPr>
+              <a:lstStyle/>
+              <a:p>
+                <a:r>
+                  <a:rPr lang="zh-CN" altLang="en-US" dirty="0"/>
+                  <a:t>请求</a:t>
+                </a:r>
+                <a:r>
+                  <a:rPr lang="en-US" altLang="zh-CN" dirty="0"/>
+                  <a:t>2</a:t>
+                </a:r>
+                <a:endParaRPr lang="zh-CN" altLang="en-US" dirty="0"/>
+              </a:p>
+            </p:txBody>
+          </p:sp>
+          <p:sp>
+            <p:nvSpPr>
+              <p:cNvPr id="28" name="矩形 27">
+                <a:extLst>
+                  <a:ext uri="{FF2B5EF4-FFF2-40B4-BE49-F238E27FC236}">
+                    <a16:creationId xmlns:a16="http://schemas.microsoft.com/office/drawing/2014/main" id="{2680BBF1-88D3-4BBA-9FD4-AA28E479CA5A}"/>
+                  </a:ext>
+                </a:extLst>
+              </p:cNvPr>
+              <p:cNvSpPr/>
+              <p:nvPr/>
+            </p:nvSpPr>
+            <p:spPr>
+              <a:xfrm>
+                <a:off x="6681662" y="2995201"/>
+                <a:ext cx="1474928" cy="774224"/>
+              </a:xfrm>
+              <a:prstGeom prst="rect">
+                <a:avLst/>
+              </a:prstGeom>
+              <a:noFill/>
+              <a:ln w="19050">
+                <a:solidFill>
+                  <a:srgbClr val="0070C0"/>
+                </a:solidFill>
+              </a:ln>
+            </p:spPr>
+            <p:style>
+              <a:lnRef idx="2">
+                <a:schemeClr val="accent1">
+                  <a:shade val="50000"/>
+                </a:schemeClr>
+              </a:lnRef>
+              <a:fillRef idx="1">
+                <a:schemeClr val="accent1"/>
+              </a:fillRef>
+              <a:effectRef idx="0">
+                <a:schemeClr val="accent1"/>
+              </a:effectRef>
+              <a:fontRef idx="minor">
+                <a:schemeClr val="lt1"/>
+              </a:fontRef>
+            </p:style>
+            <p:txBody>
+              <a:bodyPr rtlCol="0" anchor="ctr"/>
+              <a:lstStyle/>
+              <a:p>
+                <a:pPr algn="ctr"/>
+                <a:r>
+                  <a:rPr lang="en-US" altLang="zh-CN" dirty="0" err="1">
+                    <a:solidFill>
+                      <a:schemeClr val="tx1"/>
+                    </a:solidFill>
+                  </a:rPr>
+                  <a:t>WebSocket</a:t>
+                </a:r>
+                <a:endParaRPr lang="en-US" altLang="zh-CN" dirty="0">
+                  <a:solidFill>
+                    <a:schemeClr val="tx1"/>
+                  </a:solidFill>
+                </a:endParaRPr>
+              </a:p>
+              <a:p>
+                <a:pPr algn="ctr"/>
+                <a:r>
+                  <a:rPr lang="zh-CN" altLang="en-US" dirty="0">
+                    <a:solidFill>
+                      <a:schemeClr val="tx1"/>
+                    </a:solidFill>
+                  </a:rPr>
+                  <a:t>接入 </a:t>
+                </a:r>
+                <a:r>
+                  <a:rPr lang="en-US" altLang="zh-CN" dirty="0">
+                    <a:solidFill>
+                      <a:schemeClr val="tx1"/>
+                    </a:solidFill>
+                  </a:rPr>
+                  <a:t>Server2</a:t>
+                </a:r>
+                <a:endParaRPr lang="zh-CN" altLang="en-US" dirty="0">
+                  <a:solidFill>
+                    <a:schemeClr val="tx1"/>
+                  </a:solidFill>
+                </a:endParaRPr>
+              </a:p>
+            </p:txBody>
+          </p:sp>
+          <p:sp>
+            <p:nvSpPr>
+              <p:cNvPr id="29" name="矩形 28">
+                <a:extLst>
+                  <a:ext uri="{FF2B5EF4-FFF2-40B4-BE49-F238E27FC236}">
+                    <a16:creationId xmlns:a16="http://schemas.microsoft.com/office/drawing/2014/main" id="{2680BBF1-88D3-4BBA-9FD4-AA28E479CA5A}"/>
+                  </a:ext>
+                </a:extLst>
+              </p:cNvPr>
+              <p:cNvSpPr/>
+              <p:nvPr/>
+            </p:nvSpPr>
+            <p:spPr>
+              <a:xfrm>
+                <a:off x="5535311" y="4210847"/>
+                <a:ext cx="2009498" cy="443060"/>
+              </a:xfrm>
+              <a:prstGeom prst="rect">
+                <a:avLst/>
+              </a:prstGeom>
+              <a:noFill/>
+              <a:ln w="19050">
+                <a:solidFill>
+                  <a:srgbClr val="0070C0"/>
+                </a:solidFill>
+              </a:ln>
+            </p:spPr>
+            <p:style>
+              <a:lnRef idx="2">
+                <a:schemeClr val="accent1">
+                  <a:shade val="50000"/>
+                </a:schemeClr>
+              </a:lnRef>
+              <a:fillRef idx="1">
+                <a:schemeClr val="accent1"/>
+              </a:fillRef>
+              <a:effectRef idx="0">
+                <a:schemeClr val="accent1"/>
+              </a:effectRef>
+              <a:fontRef idx="minor">
+                <a:schemeClr val="lt1"/>
+              </a:fontRef>
+            </p:style>
+            <p:txBody>
+              <a:bodyPr rtlCol="0" anchor="ctr"/>
+              <a:lstStyle/>
+              <a:p>
+                <a:pPr algn="ctr"/>
+                <a:r>
+                  <a:rPr lang="zh-CN" altLang="en-US" dirty="0">
+                    <a:solidFill>
+                      <a:schemeClr val="tx1"/>
+                    </a:solidFill>
+                  </a:rPr>
+                  <a:t>消息分发系统</a:t>
+                </a:r>
+              </a:p>
+            </p:txBody>
+          </p:sp>
+          <p:cxnSp>
+            <p:nvCxnSpPr>
+              <p:cNvPr id="44" name="直接箭头连接符 43">
+                <a:extLst>
+                  <a:ext uri="{FF2B5EF4-FFF2-40B4-BE49-F238E27FC236}">
+                    <a16:creationId xmlns:a16="http://schemas.microsoft.com/office/drawing/2014/main" id="{0F0E5BFD-70B5-46B0-9C4E-6BD5536E6918}"/>
+                  </a:ext>
+                </a:extLst>
+              </p:cNvPr>
+              <p:cNvCxnSpPr>
+                <a:cxnSpLocks/>
+              </p:cNvCxnSpPr>
+              <p:nvPr/>
+            </p:nvCxnSpPr>
+            <p:spPr>
+              <a:xfrm>
+                <a:off x="6485207" y="966478"/>
+                <a:ext cx="0" cy="763244"/>
+              </a:xfrm>
+              <a:prstGeom prst="straightConnector1">
+                <a:avLst/>
+              </a:prstGeom>
+              <a:ln w="28575">
+                <a:solidFill>
+                  <a:srgbClr val="00B050"/>
+                </a:solidFill>
+                <a:headEnd type="none" w="med" len="med"/>
+                <a:tailEnd type="arrow" w="med" len="med"/>
+              </a:ln>
+            </p:spPr>
+            <p:style>
+              <a:lnRef idx="1">
+                <a:schemeClr val="accent1"/>
+              </a:lnRef>
+              <a:fillRef idx="0">
+                <a:schemeClr val="accent1"/>
+              </a:fillRef>
+              <a:effectRef idx="0">
+                <a:schemeClr val="accent1"/>
+              </a:effectRef>
+              <a:fontRef idx="minor">
+                <a:schemeClr val="tx1"/>
+              </a:fontRef>
+            </p:style>
+          </p:cxnSp>
+          <p:cxnSp>
+            <p:nvCxnSpPr>
+              <p:cNvPr id="45" name="直接箭头连接符 44">
+                <a:extLst>
+                  <a:ext uri="{FF2B5EF4-FFF2-40B4-BE49-F238E27FC236}">
+                    <a16:creationId xmlns:a16="http://schemas.microsoft.com/office/drawing/2014/main" id="{0F0E5BFD-70B5-46B0-9C4E-6BD5536E6918}"/>
+                  </a:ext>
+                </a:extLst>
+              </p:cNvPr>
+              <p:cNvCxnSpPr>
+                <a:cxnSpLocks/>
+              </p:cNvCxnSpPr>
+              <p:nvPr/>
+            </p:nvCxnSpPr>
+            <p:spPr>
+              <a:xfrm>
+                <a:off x="7003368" y="2190077"/>
+                <a:ext cx="0" cy="781919"/>
+              </a:xfrm>
+              <a:prstGeom prst="straightConnector1">
+                <a:avLst/>
+              </a:prstGeom>
+              <a:ln w="28575">
+                <a:solidFill>
+                  <a:srgbClr val="00B050"/>
+                </a:solidFill>
+                <a:headEnd type="none" w="med" len="med"/>
+                <a:tailEnd type="arrow" w="med" len="med"/>
+              </a:ln>
+            </p:spPr>
+            <p:style>
+              <a:lnRef idx="1">
+                <a:schemeClr val="accent1"/>
+              </a:lnRef>
+              <a:fillRef idx="0">
+                <a:schemeClr val="accent1"/>
+              </a:fillRef>
+              <a:effectRef idx="0">
+                <a:schemeClr val="accent1"/>
+              </a:effectRef>
+              <a:fontRef idx="minor">
+                <a:schemeClr val="tx1"/>
+              </a:fontRef>
+            </p:style>
+          </p:cxnSp>
+          <p:cxnSp>
+            <p:nvCxnSpPr>
+              <p:cNvPr id="46" name="直接箭头连接符 45">
+                <a:extLst>
+                  <a:ext uri="{FF2B5EF4-FFF2-40B4-BE49-F238E27FC236}">
+                    <a16:creationId xmlns:a16="http://schemas.microsoft.com/office/drawing/2014/main" id="{0F0E5BFD-70B5-46B0-9C4E-6BD5536E6918}"/>
+                  </a:ext>
+                </a:extLst>
+              </p:cNvPr>
+              <p:cNvCxnSpPr>
+                <a:cxnSpLocks/>
+              </p:cNvCxnSpPr>
+              <p:nvPr/>
+            </p:nvCxnSpPr>
+            <p:spPr>
+              <a:xfrm>
+                <a:off x="5891856" y="2208752"/>
+                <a:ext cx="0" cy="763244"/>
+              </a:xfrm>
+              <a:prstGeom prst="straightConnector1">
+                <a:avLst/>
+              </a:prstGeom>
+              <a:ln w="28575">
+                <a:solidFill>
+                  <a:srgbClr val="FF0000"/>
+                </a:solidFill>
+                <a:headEnd type="none" w="med" len="med"/>
+                <a:tailEnd type="arrow" w="med" len="med"/>
+              </a:ln>
+            </p:spPr>
+            <p:style>
+              <a:lnRef idx="1">
+                <a:schemeClr val="accent1"/>
+              </a:lnRef>
+              <a:fillRef idx="0">
+                <a:schemeClr val="accent1"/>
+              </a:fillRef>
+              <a:effectRef idx="0">
+                <a:schemeClr val="accent1"/>
+              </a:effectRef>
+              <a:fontRef idx="minor">
+                <a:schemeClr val="tx1"/>
+              </a:fontRef>
+            </p:style>
+          </p:cxnSp>
+          <p:cxnSp>
+            <p:nvCxnSpPr>
+              <p:cNvPr id="48" name="直接箭头连接符 47">
+                <a:extLst>
+                  <a:ext uri="{FF2B5EF4-FFF2-40B4-BE49-F238E27FC236}">
+                    <a16:creationId xmlns:a16="http://schemas.microsoft.com/office/drawing/2014/main" id="{0F0E5BFD-70B5-46B0-9C4E-6BD5536E6918}"/>
+                  </a:ext>
+                </a:extLst>
+              </p:cNvPr>
+              <p:cNvCxnSpPr>
+                <a:cxnSpLocks/>
+              </p:cNvCxnSpPr>
+              <p:nvPr/>
+            </p:nvCxnSpPr>
+            <p:spPr>
+              <a:xfrm>
+                <a:off x="7003368" y="3769425"/>
+                <a:ext cx="0" cy="422747"/>
+              </a:xfrm>
+              <a:prstGeom prst="straightConnector1">
+                <a:avLst/>
+              </a:prstGeom>
+              <a:ln w="28575">
+                <a:solidFill>
+                  <a:srgbClr val="00B050"/>
+                </a:solidFill>
+                <a:headEnd type="none" w="med" len="med"/>
+                <a:tailEnd type="arrow" w="med" len="med"/>
+              </a:ln>
+            </p:spPr>
+            <p:style>
+              <a:lnRef idx="1">
+                <a:schemeClr val="accent1"/>
+              </a:lnRef>
+              <a:fillRef idx="0">
+                <a:schemeClr val="accent1"/>
+              </a:fillRef>
+              <a:effectRef idx="0">
+                <a:schemeClr val="accent1"/>
+              </a:effectRef>
+              <a:fontRef idx="minor">
+                <a:schemeClr val="tx1"/>
+              </a:fontRef>
+            </p:style>
+          </p:cxnSp>
+          <p:cxnSp>
+            <p:nvCxnSpPr>
+              <p:cNvPr id="49" name="直接箭头连接符 48">
+                <a:extLst>
+                  <a:ext uri="{FF2B5EF4-FFF2-40B4-BE49-F238E27FC236}">
+                    <a16:creationId xmlns:a16="http://schemas.microsoft.com/office/drawing/2014/main" id="{0F0E5BFD-70B5-46B0-9C4E-6BD5536E6918}"/>
+                  </a:ext>
+                </a:extLst>
+              </p:cNvPr>
+              <p:cNvCxnSpPr>
+                <a:cxnSpLocks/>
+              </p:cNvCxnSpPr>
+              <p:nvPr/>
+            </p:nvCxnSpPr>
+            <p:spPr>
+              <a:xfrm>
+                <a:off x="5891856" y="3788100"/>
+                <a:ext cx="0" cy="404072"/>
+              </a:xfrm>
+              <a:prstGeom prst="straightConnector1">
+                <a:avLst/>
+              </a:prstGeom>
+              <a:ln w="28575">
+                <a:solidFill>
+                  <a:srgbClr val="FF0000"/>
+                </a:solidFill>
+                <a:headEnd type="none" w="med" len="med"/>
+                <a:tailEnd type="arrow" w="med" len="med"/>
+              </a:ln>
+            </p:spPr>
+            <p:style>
+              <a:lnRef idx="1">
+                <a:schemeClr val="accent1"/>
+              </a:lnRef>
+              <a:fillRef idx="0">
+                <a:schemeClr val="accent1"/>
+              </a:fillRef>
+              <a:effectRef idx="0">
+                <a:schemeClr val="accent1"/>
+              </a:effectRef>
+              <a:fontRef idx="minor">
+                <a:schemeClr val="tx1"/>
+              </a:fontRef>
+            </p:style>
+          </p:cxnSp>
+          <p:sp>
+            <p:nvSpPr>
+              <p:cNvPr id="50" name="矩形 49">
+                <a:extLst>
+                  <a:ext uri="{FF2B5EF4-FFF2-40B4-BE49-F238E27FC236}">
+                    <a16:creationId xmlns:a16="http://schemas.microsoft.com/office/drawing/2014/main" id="{2680BBF1-88D3-4BBA-9FD4-AA28E479CA5A}"/>
+                  </a:ext>
+                </a:extLst>
+              </p:cNvPr>
+              <p:cNvSpPr/>
+              <p:nvPr/>
+            </p:nvSpPr>
+            <p:spPr>
+              <a:xfrm>
+                <a:off x="4897734" y="5076330"/>
+                <a:ext cx="1474928" cy="774224"/>
+              </a:xfrm>
+              <a:prstGeom prst="rect">
+                <a:avLst/>
+              </a:prstGeom>
+              <a:noFill/>
+              <a:ln w="19050">
+                <a:solidFill>
+                  <a:srgbClr val="0070C0"/>
+                </a:solidFill>
+              </a:ln>
+            </p:spPr>
+            <p:style>
+              <a:lnRef idx="2">
+                <a:schemeClr val="accent1">
+                  <a:shade val="50000"/>
+                </a:schemeClr>
+              </a:lnRef>
+              <a:fillRef idx="1">
+                <a:schemeClr val="accent1"/>
+              </a:fillRef>
+              <a:effectRef idx="0">
+                <a:schemeClr val="accent1"/>
+              </a:effectRef>
+              <a:fontRef idx="minor">
+                <a:schemeClr val="lt1"/>
+              </a:fontRef>
+            </p:style>
+            <p:txBody>
+              <a:bodyPr rtlCol="0" anchor="ctr"/>
+              <a:lstStyle/>
+              <a:p>
+                <a:pPr algn="ctr"/>
+                <a:r>
+                  <a:rPr lang="en-US" altLang="zh-CN" dirty="0" err="1">
+                    <a:solidFill>
+                      <a:schemeClr val="tx1"/>
+                    </a:solidFill>
+                  </a:rPr>
+                  <a:t>WebSocket</a:t>
+                </a:r>
+                <a:endParaRPr lang="en-US" altLang="zh-CN" dirty="0">
+                  <a:solidFill>
+                    <a:schemeClr val="tx1"/>
+                  </a:solidFill>
+                </a:endParaRPr>
+              </a:p>
+              <a:p>
+                <a:pPr algn="ctr"/>
+                <a:r>
+                  <a:rPr lang="zh-CN" altLang="en-US" dirty="0">
+                    <a:solidFill>
+                      <a:schemeClr val="tx1"/>
+                    </a:solidFill>
+                  </a:rPr>
+                  <a:t>实现 </a:t>
+                </a:r>
+                <a:r>
+                  <a:rPr lang="en-US" altLang="zh-CN" dirty="0">
+                    <a:solidFill>
+                      <a:schemeClr val="tx1"/>
+                    </a:solidFill>
+                  </a:rPr>
+                  <a:t>Server1</a:t>
+                </a:r>
+                <a:endParaRPr lang="zh-CN" altLang="en-US" dirty="0">
+                  <a:solidFill>
+                    <a:schemeClr val="tx1"/>
+                  </a:solidFill>
+                </a:endParaRPr>
+              </a:p>
+            </p:txBody>
+          </p:sp>
+          <p:sp>
+            <p:nvSpPr>
+              <p:cNvPr id="51" name="矩形 50">
+                <a:extLst>
+                  <a:ext uri="{FF2B5EF4-FFF2-40B4-BE49-F238E27FC236}">
+                    <a16:creationId xmlns:a16="http://schemas.microsoft.com/office/drawing/2014/main" id="{2680BBF1-88D3-4BBA-9FD4-AA28E479CA5A}"/>
+                  </a:ext>
+                </a:extLst>
+              </p:cNvPr>
+              <p:cNvSpPr/>
+              <p:nvPr/>
+            </p:nvSpPr>
+            <p:spPr>
+              <a:xfrm>
+                <a:off x="6681662" y="5076330"/>
+                <a:ext cx="1474928" cy="774224"/>
+              </a:xfrm>
+              <a:prstGeom prst="rect">
+                <a:avLst/>
+              </a:prstGeom>
+              <a:noFill/>
+              <a:ln w="19050">
+                <a:solidFill>
+                  <a:srgbClr val="0070C0"/>
+                </a:solidFill>
+              </a:ln>
+            </p:spPr>
+            <p:style>
+              <a:lnRef idx="2">
+                <a:schemeClr val="accent1">
+                  <a:shade val="50000"/>
+                </a:schemeClr>
+              </a:lnRef>
+              <a:fillRef idx="1">
+                <a:schemeClr val="accent1"/>
+              </a:fillRef>
+              <a:effectRef idx="0">
+                <a:schemeClr val="accent1"/>
+              </a:effectRef>
+              <a:fontRef idx="minor">
+                <a:schemeClr val="lt1"/>
+              </a:fontRef>
+            </p:style>
+            <p:txBody>
+              <a:bodyPr rtlCol="0" anchor="ctr"/>
+              <a:lstStyle/>
+              <a:p>
+                <a:pPr algn="ctr"/>
+                <a:r>
+                  <a:rPr lang="en-US" altLang="zh-CN" dirty="0" err="1">
+                    <a:solidFill>
+                      <a:schemeClr val="tx1"/>
+                    </a:solidFill>
+                  </a:rPr>
+                  <a:t>WebSocket</a:t>
+                </a:r>
+                <a:endParaRPr lang="en-US" altLang="zh-CN" dirty="0">
+                  <a:solidFill>
+                    <a:schemeClr val="tx1"/>
+                  </a:solidFill>
+                </a:endParaRPr>
+              </a:p>
+              <a:p>
+                <a:pPr algn="ctr"/>
+                <a:r>
+                  <a:rPr lang="zh-CN" altLang="en-US" dirty="0">
+                    <a:solidFill>
+                      <a:schemeClr val="tx1"/>
+                    </a:solidFill>
+                  </a:rPr>
+                  <a:t>实现 </a:t>
+                </a:r>
+                <a:r>
+                  <a:rPr lang="en-US" altLang="zh-CN" dirty="0">
+                    <a:solidFill>
+                      <a:schemeClr val="tx1"/>
+                    </a:solidFill>
+                  </a:rPr>
+                  <a:t>Server2</a:t>
+                </a:r>
+                <a:endParaRPr lang="zh-CN" altLang="en-US" dirty="0">
+                  <a:solidFill>
+                    <a:schemeClr val="tx1"/>
+                  </a:solidFill>
+                </a:endParaRPr>
+              </a:p>
+            </p:txBody>
+          </p:sp>
+          <p:cxnSp>
+            <p:nvCxnSpPr>
+              <p:cNvPr id="56" name="直接箭头连接符 55">
+                <a:extLst>
+                  <a:ext uri="{FF2B5EF4-FFF2-40B4-BE49-F238E27FC236}">
+                    <a16:creationId xmlns:a16="http://schemas.microsoft.com/office/drawing/2014/main" id="{0F0E5BFD-70B5-46B0-9C4E-6BD5536E6918}"/>
+                  </a:ext>
+                </a:extLst>
+              </p:cNvPr>
+              <p:cNvCxnSpPr>
+                <a:cxnSpLocks/>
+              </p:cNvCxnSpPr>
+              <p:nvPr/>
+            </p:nvCxnSpPr>
+            <p:spPr>
+              <a:xfrm>
+                <a:off x="7003368" y="4653907"/>
+                <a:ext cx="0" cy="422747"/>
+              </a:xfrm>
+              <a:prstGeom prst="straightConnector1">
+                <a:avLst/>
+              </a:prstGeom>
+              <a:ln w="28575">
+                <a:solidFill>
+                  <a:srgbClr val="00B050"/>
+                </a:solidFill>
+                <a:headEnd type="none" w="med" len="med"/>
+                <a:tailEnd type="arrow" w="med" len="med"/>
+              </a:ln>
+            </p:spPr>
+            <p:style>
+              <a:lnRef idx="1">
+                <a:schemeClr val="accent1"/>
+              </a:lnRef>
+              <a:fillRef idx="0">
+                <a:schemeClr val="accent1"/>
+              </a:fillRef>
+              <a:effectRef idx="0">
+                <a:schemeClr val="accent1"/>
+              </a:effectRef>
+              <a:fontRef idx="minor">
+                <a:schemeClr val="tx1"/>
+              </a:fontRef>
+            </p:style>
+          </p:cxnSp>
+          <p:cxnSp>
+            <p:nvCxnSpPr>
+              <p:cNvPr id="57" name="直接箭头连接符 56">
+                <a:extLst>
+                  <a:ext uri="{FF2B5EF4-FFF2-40B4-BE49-F238E27FC236}">
+                    <a16:creationId xmlns:a16="http://schemas.microsoft.com/office/drawing/2014/main" id="{0F0E5BFD-70B5-46B0-9C4E-6BD5536E6918}"/>
+                  </a:ext>
+                </a:extLst>
+              </p:cNvPr>
+              <p:cNvCxnSpPr>
+                <a:cxnSpLocks/>
+              </p:cNvCxnSpPr>
+              <p:nvPr/>
+            </p:nvCxnSpPr>
+            <p:spPr>
+              <a:xfrm>
+                <a:off x="5891856" y="4672582"/>
+                <a:ext cx="0" cy="404072"/>
+              </a:xfrm>
+              <a:prstGeom prst="straightConnector1">
+                <a:avLst/>
+              </a:prstGeom>
+              <a:ln w="28575">
+                <a:solidFill>
+                  <a:srgbClr val="FF0000"/>
+                </a:solidFill>
+                <a:headEnd type="none" w="med" len="med"/>
+                <a:tailEnd type="arrow" w="med" len="med"/>
+              </a:ln>
+            </p:spPr>
+            <p:style>
+              <a:lnRef idx="1">
+                <a:schemeClr val="accent1"/>
+              </a:lnRef>
+              <a:fillRef idx="0">
+                <a:schemeClr val="accent1"/>
+              </a:fillRef>
+              <a:effectRef idx="0">
+                <a:schemeClr val="accent1"/>
+              </a:effectRef>
+              <a:fontRef idx="minor">
+                <a:schemeClr val="tx1"/>
+              </a:fontRef>
+            </p:style>
+          </p:cxnSp>
+        </p:grpSp>
+        <p:sp>
+          <p:nvSpPr>
+            <p:cNvPr id="62" name="矩形 61">
+              <a:extLst>
+                <a:ext uri="{FF2B5EF4-FFF2-40B4-BE49-F238E27FC236}">
+                  <a16:creationId xmlns:a16="http://schemas.microsoft.com/office/drawing/2014/main" id="{2680BBF1-88D3-4BBA-9FD4-AA28E479CA5A}"/>
+                </a:ext>
+              </a:extLst>
+            </p:cNvPr>
+            <p:cNvSpPr/>
+            <p:nvPr/>
+          </p:nvSpPr>
+          <p:spPr>
+            <a:xfrm>
+              <a:off x="6253237" y="261248"/>
+              <a:ext cx="2196445" cy="443060"/>
+            </a:xfrm>
+            <a:prstGeom prst="rect">
+              <a:avLst/>
+            </a:prstGeom>
+            <a:solidFill>
+              <a:srgbClr val="00B0F0"/>
+            </a:solidFill>
+            <a:ln w="19050">
+              <a:solidFill>
+                <a:srgbClr val="0070C0"/>
+              </a:solidFill>
+            </a:ln>
+          </p:spPr>
+          <p:style>
+            <a:lnRef idx="2">
+              <a:schemeClr val="accent1">
+                <a:shade val="50000"/>
+              </a:schemeClr>
+            </a:lnRef>
+            <a:fillRef idx="1">
+              <a:schemeClr val="accent1"/>
+            </a:fillRef>
+            <a:effectRef idx="0">
+              <a:schemeClr val="accent1"/>
+            </a:effectRef>
+            <a:fontRef idx="minor">
+              <a:schemeClr val="lt1"/>
+            </a:fontRef>
+          </p:style>
+          <p:txBody>
+            <a:bodyPr rtlCol="0" anchor="ctr"/>
+            <a:lstStyle/>
+            <a:p>
+              <a:pPr algn="ctr"/>
+              <a:r>
+                <a:rPr lang="en-US" altLang="zh-CN" dirty="0" err="1">
+                  <a:solidFill>
+                    <a:schemeClr val="tx1"/>
+                  </a:solidFill>
+                </a:rPr>
+                <a:t>WebSocket</a:t>
+              </a:r>
+              <a:endParaRPr lang="zh-CN" altLang="en-US" dirty="0">
+                <a:solidFill>
+                  <a:schemeClr val="tx1"/>
+                </a:solidFill>
+              </a:endParaRPr>
+            </a:p>
+          </p:txBody>
+        </p:sp>
+        <p:sp>
+          <p:nvSpPr>
+            <p:cNvPr id="63" name="矩形 62">
+              <a:extLst>
+                <a:ext uri="{FF2B5EF4-FFF2-40B4-BE49-F238E27FC236}">
+                  <a16:creationId xmlns:a16="http://schemas.microsoft.com/office/drawing/2014/main" id="{2680BBF1-88D3-4BBA-9FD4-AA28E479CA5A}"/>
+                </a:ext>
+              </a:extLst>
+            </p:cNvPr>
+            <p:cNvSpPr/>
+            <p:nvPr/>
+          </p:nvSpPr>
+          <p:spPr>
+            <a:xfrm>
+              <a:off x="1321419" y="1102860"/>
+              <a:ext cx="2196445" cy="443060"/>
+            </a:xfrm>
+            <a:prstGeom prst="rect">
+              <a:avLst/>
+            </a:prstGeom>
+            <a:solidFill>
+              <a:srgbClr val="00B0F0"/>
+            </a:solidFill>
+            <a:ln w="19050">
+              <a:solidFill>
+                <a:srgbClr val="0070C0"/>
+              </a:solidFill>
+            </a:ln>
+          </p:spPr>
+          <p:style>
+            <a:lnRef idx="2">
+              <a:schemeClr val="accent1">
+                <a:shade val="50000"/>
+              </a:schemeClr>
+            </a:lnRef>
+            <a:fillRef idx="1">
+              <a:schemeClr val="accent1"/>
+            </a:fillRef>
+            <a:effectRef idx="0">
+              <a:schemeClr val="accent1"/>
+            </a:effectRef>
+            <a:fontRef idx="minor">
+              <a:schemeClr val="lt1"/>
+            </a:fontRef>
+          </p:style>
+          <p:txBody>
+            <a:bodyPr rtlCol="0" anchor="ctr"/>
+            <a:lstStyle/>
+            <a:p>
+              <a:pPr algn="ctr"/>
+              <a:r>
+                <a:rPr lang="en-US" altLang="zh-CN" dirty="0">
+                  <a:solidFill>
+                    <a:schemeClr val="tx1"/>
+                  </a:solidFill>
+                </a:rPr>
+                <a:t>HTTP</a:t>
+              </a:r>
+              <a:endParaRPr lang="zh-CN" altLang="en-US" dirty="0">
+                <a:solidFill>
+                  <a:schemeClr val="tx1"/>
+                </a:solidFill>
+              </a:endParaRPr>
+            </a:p>
+          </p:txBody>
+        </p:sp>
+      </p:grpSp>
+    </p:spTree>
+    <p:extLst>
+      <p:ext uri="{BB962C8B-B14F-4D97-AF65-F5344CB8AC3E}">
+        <p14:creationId xmlns:p14="http://schemas.microsoft.com/office/powerpoint/2010/main" val="2858293147"/>
+      </p:ext>
+    </p:extLst>
+  </p:cSld>
+  <p:clrMapOvr>
+    <a:masterClrMapping/>
+  </p:clrMapOvr>
+</p:sld>
+</file>
+
+<file path=ppt/slides/slide11.xml><?xml version="1.0" encoding="utf-8"?>
+<p:sld xmlns:a="http://schemas.openxmlformats.org/drawingml/2006/main" xmlns:r="http://schemas.openxmlformats.org/officeDocument/2006/relationships" xmlns:p="http://schemas.openxmlformats.org/presentationml/2006/main">
+  <p:cSld>
+    <p:spTree>
+      <p:nvGrpSpPr>
+        <p:cNvPr id="1" name=""/>
+        <p:cNvGrpSpPr/>
+        <p:nvPr/>
+      </p:nvGrpSpPr>
+      <p:grpSpPr>
+        <a:xfrm>
+          <a:off x="0" y="0"/>
+          <a:ext cx="0" cy="0"/>
+          <a:chOff x="0" y="0"/>
+          <a:chExt cx="0" cy="0"/>
+        </a:xfrm>
+      </p:grpSpPr>
+      <p:grpSp>
+        <p:nvGrpSpPr>
           <p:cNvPr id="14" name="组合 13"/>
           <p:cNvGrpSpPr/>
           <p:nvPr/>
@@ -4212,7 +5894,7 @@
             <p:cNvPr id="5" name="矩形 4">
               <a:extLst>
                 <a:ext uri="{FF2B5EF4-FFF2-40B4-BE49-F238E27FC236}">
-                  <a16:creationId xmlns:a16="http://schemas.microsoft.com/office/drawing/2014/main" xmlns="" id="{4AF3FF26-0E6B-4B9C-A30F-C3F3CEAB8867}"/>
+                  <a16:creationId xmlns:a16="http://schemas.microsoft.com/office/drawing/2014/main" id="{4AF3FF26-0E6B-4B9C-A30F-C3F3CEAB8867}"/>
                 </a:ext>
               </a:extLst>
             </p:cNvPr>
@@ -4253,18 +5935,18 @@
             <a:p>
               <a:pPr algn="ctr"/>
               <a:r>
-                <a:rPr lang="en-US" altLang="zh-CN" sz="2400" dirty="0" smtClean="0"/>
+                <a:rPr lang="en-US" altLang="zh-CN" sz="2400" dirty="0"/>
                 <a:t>FIN=0</a:t>
               </a:r>
             </a:p>
             <a:p>
               <a:pPr algn="ctr"/>
               <a:r>
-                <a:rPr lang="en-US" altLang="zh-CN" sz="2000" dirty="0" smtClean="0"/>
+                <a:rPr lang="en-US" altLang="zh-CN" sz="2000" dirty="0"/>
                 <a:t>op=</a:t>
               </a:r>
               <a:r>
-                <a:rPr lang="en-US" altLang="zh-CN" sz="2000" dirty="0" smtClean="0">
+                <a:rPr lang="en-US" altLang="zh-CN" sz="2000" dirty="0">
                   <a:solidFill>
                     <a:srgbClr val="FF0000"/>
                   </a:solidFill>
@@ -4284,7 +5966,7 @@
             <p:cNvPr id="6" name="矩形 5">
               <a:extLst>
                 <a:ext uri="{FF2B5EF4-FFF2-40B4-BE49-F238E27FC236}">
-                  <a16:creationId xmlns:a16="http://schemas.microsoft.com/office/drawing/2014/main" xmlns="" id="{4AF3FF26-0E6B-4B9C-A30F-C3F3CEAB8867}"/>
+                  <a16:creationId xmlns:a16="http://schemas.microsoft.com/office/drawing/2014/main" id="{4AF3FF26-0E6B-4B9C-A30F-C3F3CEAB8867}"/>
                 </a:ext>
               </a:extLst>
             </p:cNvPr>
@@ -4325,14 +6007,14 @@
             <a:p>
               <a:pPr algn="ctr"/>
               <a:r>
-                <a:rPr lang="en-US" altLang="zh-CN" sz="2400" dirty="0" smtClean="0"/>
+                <a:rPr lang="en-US" altLang="zh-CN" sz="2400" dirty="0"/>
                 <a:t>FIN=0</a:t>
               </a:r>
             </a:p>
             <a:p>
               <a:pPr algn="ctr"/>
               <a:r>
-                <a:rPr lang="en-US" altLang="zh-CN" sz="2000" dirty="0" smtClean="0"/>
+                <a:rPr lang="en-US" altLang="zh-CN" sz="2000" dirty="0"/>
                 <a:t>op=0</a:t>
               </a:r>
               <a:endParaRPr lang="zh-CN" altLang="en-US" sz="2000" dirty="0">
@@ -4348,7 +6030,7 @@
             <p:cNvPr id="7" name="矩形 6">
               <a:extLst>
                 <a:ext uri="{FF2B5EF4-FFF2-40B4-BE49-F238E27FC236}">
-                  <a16:creationId xmlns:a16="http://schemas.microsoft.com/office/drawing/2014/main" xmlns="" id="{4AF3FF26-0E6B-4B9C-A30F-C3F3CEAB8867}"/>
+                  <a16:creationId xmlns:a16="http://schemas.microsoft.com/office/drawing/2014/main" id="{4AF3FF26-0E6B-4B9C-A30F-C3F3CEAB8867}"/>
                 </a:ext>
               </a:extLst>
             </p:cNvPr>
@@ -4394,14 +6076,14 @@
             <a:p>
               <a:pPr algn="ctr"/>
               <a:r>
-                <a:rPr lang="en-US" altLang="zh-CN" sz="2400" dirty="0" smtClean="0"/>
+                <a:rPr lang="en-US" altLang="zh-CN" sz="2400" dirty="0"/>
                 <a:t>FIN=0</a:t>
               </a:r>
             </a:p>
             <a:p>
               <a:pPr algn="ctr"/>
               <a:r>
-                <a:rPr lang="en-US" altLang="zh-CN" sz="2000" dirty="0" smtClean="0"/>
+                <a:rPr lang="en-US" altLang="zh-CN" sz="2000" dirty="0"/>
                 <a:t>op=A</a:t>
               </a:r>
               <a:endParaRPr lang="zh-CN" altLang="en-US" sz="2000" dirty="0">
@@ -4417,7 +6099,7 @@
             <p:cNvPr id="8" name="矩形 7">
               <a:extLst>
                 <a:ext uri="{FF2B5EF4-FFF2-40B4-BE49-F238E27FC236}">
-                  <a16:creationId xmlns:a16="http://schemas.microsoft.com/office/drawing/2014/main" xmlns="" id="{4AF3FF26-0E6B-4B9C-A30F-C3F3CEAB8867}"/>
+                  <a16:creationId xmlns:a16="http://schemas.microsoft.com/office/drawing/2014/main" id="{4AF3FF26-0E6B-4B9C-A30F-C3F3CEAB8867}"/>
                 </a:ext>
               </a:extLst>
             </p:cNvPr>
@@ -4458,7 +6140,7 @@
             <a:p>
               <a:pPr algn="ctr"/>
               <a:r>
-                <a:rPr lang="en-US" altLang="zh-CN" sz="2400" dirty="0" smtClean="0"/>
+                <a:rPr lang="en-US" altLang="zh-CN" sz="2400" dirty="0"/>
                 <a:t>FIN=0</a:t>
               </a:r>
             </a:p>
@@ -4466,11 +6148,7 @@
               <a:pPr algn="ctr"/>
               <a:r>
                 <a:rPr lang="en-US" altLang="zh-CN" sz="2000" dirty="0"/>
-                <a:t>o</a:t>
-              </a:r>
-              <a:r>
-                <a:rPr lang="en-US" altLang="zh-CN" sz="2000" dirty="0" smtClean="0"/>
-                <a:t>p=0</a:t>
+                <a:t>op=0</a:t>
               </a:r>
               <a:endParaRPr lang="zh-CN" altLang="en-US" sz="2000" dirty="0">
                 <a:solidFill>
@@ -4485,7 +6163,7 @@
             <p:cNvPr id="10" name="矩形 9">
               <a:extLst>
                 <a:ext uri="{FF2B5EF4-FFF2-40B4-BE49-F238E27FC236}">
-                  <a16:creationId xmlns:a16="http://schemas.microsoft.com/office/drawing/2014/main" xmlns="" id="{4AF3FF26-0E6B-4B9C-A30F-C3F3CEAB8867}"/>
+                  <a16:creationId xmlns:a16="http://schemas.microsoft.com/office/drawing/2014/main" id="{4AF3FF26-0E6B-4B9C-A30F-C3F3CEAB8867}"/>
                 </a:ext>
               </a:extLst>
             </p:cNvPr>
@@ -4526,7 +6204,7 @@
             <a:p>
               <a:pPr algn="ctr"/>
               <a:r>
-                <a:rPr lang="en-US" altLang="zh-CN" sz="2400" dirty="0" smtClean="0"/>
+                <a:rPr lang="en-US" altLang="zh-CN" sz="2400" dirty="0"/>
                 <a:t>FIN=0</a:t>
               </a:r>
             </a:p>
@@ -4534,11 +6212,7 @@
               <a:pPr algn="ctr"/>
               <a:r>
                 <a:rPr lang="en-US" altLang="zh-CN" sz="2000" dirty="0"/>
-                <a:t>o</a:t>
-              </a:r>
-              <a:r>
-                <a:rPr lang="en-US" altLang="zh-CN" sz="2000" dirty="0" smtClean="0"/>
-                <a:t>p&gt;0</a:t>
+                <a:t>op&gt;0</a:t>
               </a:r>
               <a:endParaRPr lang="zh-CN" altLang="en-US" sz="2000" dirty="0">
                 <a:solidFill>
@@ -4617,22 +6291,21 @@
             <a:lstStyle/>
             <a:p>
               <a:r>
-                <a:rPr lang="en-US" altLang="zh-CN" dirty="0" smtClean="0"/>
+                <a:rPr lang="en-US" altLang="zh-CN" dirty="0"/>
                 <a:t>1 </a:t>
               </a:r>
               <a:r>
-                <a:rPr lang="zh-CN" altLang="en-US" dirty="0" smtClean="0"/>
+                <a:rPr lang="zh-CN" altLang="en-US" dirty="0"/>
                 <a:t>条消息由 </a:t>
               </a:r>
               <a:r>
-                <a:rPr lang="en-US" altLang="zh-CN" dirty="0" smtClean="0"/>
+                <a:rPr lang="en-US" altLang="zh-CN" dirty="0"/>
                 <a:t>1 </a:t>
               </a:r>
               <a:r>
-                <a:rPr lang="zh-CN" altLang="en-US" dirty="0" smtClean="0"/>
+                <a:rPr lang="zh-CN" altLang="en-US" dirty="0"/>
                 <a:t>个或者多个数据帧构成</a:t>
               </a:r>
-              <a:endParaRPr lang="zh-CN" altLang="en-US" dirty="0"/>
             </a:p>
           </p:txBody>
         </p:sp>
@@ -4659,22 +6332,21 @@
             <a:lstStyle/>
             <a:p>
               <a:r>
-                <a:rPr lang="en-US" altLang="zh-CN" dirty="0" smtClean="0"/>
+                <a:rPr lang="en-US" altLang="zh-CN" dirty="0"/>
                 <a:t>1 </a:t>
               </a:r>
               <a:r>
-                <a:rPr lang="zh-CN" altLang="en-US" dirty="0" smtClean="0"/>
+                <a:rPr lang="zh-CN" altLang="en-US" dirty="0"/>
                 <a:t>条消息由 </a:t>
               </a:r>
               <a:r>
-                <a:rPr lang="en-US" altLang="zh-CN" dirty="0" smtClean="0"/>
+                <a:rPr lang="en-US" altLang="zh-CN" dirty="0"/>
                 <a:t>1 </a:t>
               </a:r>
               <a:r>
-                <a:rPr lang="zh-CN" altLang="en-US" dirty="0" smtClean="0"/>
+                <a:rPr lang="zh-CN" altLang="en-US" dirty="0"/>
                 <a:t>个数据帧构成</a:t>
               </a:r>
-              <a:endParaRPr lang="zh-CN" altLang="en-US" dirty="0"/>
             </a:p>
           </p:txBody>
         </p:sp>
@@ -4692,7 +6364,7 @@
 </p:sld>
 </file>
 
-<file path=ppt/slides/slide11.xml><?xml version="1.0" encoding="utf-8"?>
+<file path=ppt/slides/slide12.xml><?xml version="1.0" encoding="utf-8"?>
 <p:sld xmlns:a="http://schemas.openxmlformats.org/drawingml/2006/main" xmlns:r="http://schemas.openxmlformats.org/officeDocument/2006/relationships" xmlns:p="http://schemas.openxmlformats.org/presentationml/2006/main">
   <p:cSld>
     <p:spTree>
@@ -4728,7 +6400,7 @@
             <p:cNvPr id="4" name="矩形 3">
               <a:extLst>
                 <a:ext uri="{FF2B5EF4-FFF2-40B4-BE49-F238E27FC236}">
-                  <a16:creationId xmlns:a16="http://schemas.microsoft.com/office/drawing/2014/main" xmlns="" id="{4AF3FF26-0E6B-4B9C-A30F-C3F3CEAB8867}"/>
+                  <a16:creationId xmlns:a16="http://schemas.microsoft.com/office/drawing/2014/main" id="{4AF3FF26-0E6B-4B9C-A30F-C3F3CEAB8867}"/>
                 </a:ext>
               </a:extLst>
             </p:cNvPr>
@@ -4773,18 +6445,13 @@
             <a:p>
               <a:pPr algn="ctr"/>
               <a:r>
-                <a:rPr lang="zh-CN" altLang="en-US" sz="2800" dirty="0" smtClean="0">
+                <a:rPr lang="zh-CN" altLang="en-US" sz="2800" dirty="0">
                   <a:solidFill>
                     <a:schemeClr val="bg1"/>
                   </a:solidFill>
                 </a:rPr>
                 <a:t>恶意页面</a:t>
               </a:r>
-              <a:endParaRPr lang="zh-CN" altLang="en-US" sz="2800" dirty="0">
-                <a:solidFill>
-                  <a:schemeClr val="bg1"/>
-                </a:solidFill>
-              </a:endParaRPr>
             </a:p>
           </p:txBody>
         </p:sp>
@@ -4793,7 +6460,7 @@
             <p:cNvPr id="5" name="矩形 4">
               <a:extLst>
                 <a:ext uri="{FF2B5EF4-FFF2-40B4-BE49-F238E27FC236}">
-                  <a16:creationId xmlns:a16="http://schemas.microsoft.com/office/drawing/2014/main" xmlns="" id="{4AF3FF26-0E6B-4B9C-A30F-C3F3CEAB8867}"/>
+                  <a16:creationId xmlns:a16="http://schemas.microsoft.com/office/drawing/2014/main" id="{4AF3FF26-0E6B-4B9C-A30F-C3F3CEAB8867}"/>
                 </a:ext>
               </a:extLst>
             </p:cNvPr>
@@ -4838,18 +6505,13 @@
             <a:p>
               <a:pPr algn="ctr"/>
               <a:r>
-                <a:rPr lang="zh-CN" altLang="en-US" sz="2800" dirty="0" smtClean="0">
+                <a:rPr lang="zh-CN" altLang="en-US" sz="2800" dirty="0">
                   <a:solidFill>
                     <a:schemeClr val="bg1"/>
                   </a:solidFill>
                 </a:rPr>
                 <a:t>正常浏览器</a:t>
               </a:r>
-              <a:endParaRPr lang="zh-CN" altLang="en-US" sz="2800" dirty="0">
-                <a:solidFill>
-                  <a:schemeClr val="bg1"/>
-                </a:solidFill>
-              </a:endParaRPr>
             </a:p>
           </p:txBody>
         </p:sp>
@@ -4858,7 +6520,7 @@
             <p:cNvPr id="6" name="直接箭头连接符 5">
               <a:extLst>
                 <a:ext uri="{FF2B5EF4-FFF2-40B4-BE49-F238E27FC236}">
-                  <a16:creationId xmlns:a16="http://schemas.microsoft.com/office/drawing/2014/main" xmlns="" id="{0F0E5BFD-70B5-46B0-9C4E-6BD5536E6918}"/>
+                  <a16:creationId xmlns:a16="http://schemas.microsoft.com/office/drawing/2014/main" id="{0F0E5BFD-70B5-46B0-9C4E-6BD5536E6918}"/>
                 </a:ext>
               </a:extLst>
             </p:cNvPr>
@@ -4903,7 +6565,7 @@
             <p:cNvPr id="7" name="矩形 6">
               <a:extLst>
                 <a:ext uri="{FF2B5EF4-FFF2-40B4-BE49-F238E27FC236}">
-                  <a16:creationId xmlns:a16="http://schemas.microsoft.com/office/drawing/2014/main" xmlns="" id="{4AF3FF26-0E6B-4B9C-A30F-C3F3CEAB8867}"/>
+                  <a16:creationId xmlns:a16="http://schemas.microsoft.com/office/drawing/2014/main" id="{4AF3FF26-0E6B-4B9C-A30F-C3F3CEAB8867}"/>
                 </a:ext>
               </a:extLst>
             </p:cNvPr>
@@ -4953,18 +6615,13 @@
             <a:p>
               <a:pPr algn="ctr"/>
               <a:r>
-                <a:rPr lang="zh-CN" altLang="en-US" sz="2800" dirty="0" smtClean="0">
+                <a:rPr lang="zh-CN" altLang="en-US" sz="2800" dirty="0">
                   <a:solidFill>
                     <a:schemeClr val="bg1"/>
                   </a:solidFill>
                 </a:rPr>
                 <a:t>实现不当的代理服务器</a:t>
               </a:r>
-              <a:endParaRPr lang="zh-CN" altLang="en-US" sz="2800" dirty="0">
-                <a:solidFill>
-                  <a:schemeClr val="bg1"/>
-                </a:solidFill>
-              </a:endParaRPr>
             </a:p>
           </p:txBody>
         </p:sp>
@@ -4973,7 +6630,7 @@
             <p:cNvPr id="8" name="矩形 7">
               <a:extLst>
                 <a:ext uri="{FF2B5EF4-FFF2-40B4-BE49-F238E27FC236}">
-                  <a16:creationId xmlns:a16="http://schemas.microsoft.com/office/drawing/2014/main" xmlns="" id="{4AF3FF26-0E6B-4B9C-A30F-C3F3CEAB8867}"/>
+                  <a16:creationId xmlns:a16="http://schemas.microsoft.com/office/drawing/2014/main" id="{4AF3FF26-0E6B-4B9C-A30F-C3F3CEAB8867}"/>
                 </a:ext>
               </a:extLst>
             </p:cNvPr>
@@ -5018,18 +6675,13 @@
             <a:p>
               <a:pPr algn="ctr"/>
               <a:r>
-                <a:rPr lang="zh-CN" altLang="en-US" sz="2800" dirty="0" smtClean="0">
+                <a:rPr lang="zh-CN" altLang="en-US" sz="2800" dirty="0">
                   <a:solidFill>
                     <a:schemeClr val="bg1"/>
                   </a:solidFill>
                 </a:rPr>
                 <a:t>恶意服务器</a:t>
               </a:r>
-              <a:endParaRPr lang="zh-CN" altLang="en-US" sz="2800" dirty="0">
-                <a:solidFill>
-                  <a:schemeClr val="bg1"/>
-                </a:solidFill>
-              </a:endParaRPr>
             </a:p>
           </p:txBody>
         </p:sp>
@@ -5038,7 +6690,7 @@
             <p:cNvPr id="12" name="直接箭头连接符 11">
               <a:extLst>
                 <a:ext uri="{FF2B5EF4-FFF2-40B4-BE49-F238E27FC236}">
-                  <a16:creationId xmlns:a16="http://schemas.microsoft.com/office/drawing/2014/main" xmlns="" id="{0F0E5BFD-70B5-46B0-9C4E-6BD5536E6918}"/>
+                  <a16:creationId xmlns:a16="http://schemas.microsoft.com/office/drawing/2014/main" id="{0F0E5BFD-70B5-46B0-9C4E-6BD5536E6918}"/>
                 </a:ext>
               </a:extLst>
             </p:cNvPr>
@@ -5083,7 +6735,7 @@
             <p:cNvPr id="17" name="直接箭头连接符 16">
               <a:extLst>
                 <a:ext uri="{FF2B5EF4-FFF2-40B4-BE49-F238E27FC236}">
-                  <a16:creationId xmlns:a16="http://schemas.microsoft.com/office/drawing/2014/main" xmlns="" id="{0F0E5BFD-70B5-46B0-9C4E-6BD5536E6918}"/>
+                  <a16:creationId xmlns:a16="http://schemas.microsoft.com/office/drawing/2014/main" id="{0F0E5BFD-70B5-46B0-9C4E-6BD5536E6918}"/>
                 </a:ext>
               </a:extLst>
             </p:cNvPr>
@@ -5128,7 +6780,7 @@
             <p:cNvPr id="18" name="直接箭头连接符 17">
               <a:extLst>
                 <a:ext uri="{FF2B5EF4-FFF2-40B4-BE49-F238E27FC236}">
-                  <a16:creationId xmlns:a16="http://schemas.microsoft.com/office/drawing/2014/main" xmlns="" id="{0F0E5BFD-70B5-46B0-9C4E-6BD5536E6918}"/>
+                  <a16:creationId xmlns:a16="http://schemas.microsoft.com/office/drawing/2014/main" id="{0F0E5BFD-70B5-46B0-9C4E-6BD5536E6918}"/>
                 </a:ext>
               </a:extLst>
             </p:cNvPr>
@@ -5173,7 +6825,7 @@
             <p:cNvPr id="19" name="直接箭头连接符 18">
               <a:extLst>
                 <a:ext uri="{FF2B5EF4-FFF2-40B4-BE49-F238E27FC236}">
-                  <a16:creationId xmlns:a16="http://schemas.microsoft.com/office/drawing/2014/main" xmlns="" id="{0F0E5BFD-70B5-46B0-9C4E-6BD5536E6918}"/>
+                  <a16:creationId xmlns:a16="http://schemas.microsoft.com/office/drawing/2014/main" id="{0F0E5BFD-70B5-46B0-9C4E-6BD5536E6918}"/>
                 </a:ext>
               </a:extLst>
             </p:cNvPr>
@@ -5218,7 +6870,7 @@
             <p:cNvPr id="20" name="直接箭头连接符 19">
               <a:extLst>
                 <a:ext uri="{FF2B5EF4-FFF2-40B4-BE49-F238E27FC236}">
-                  <a16:creationId xmlns:a16="http://schemas.microsoft.com/office/drawing/2014/main" xmlns="" id="{0F0E5BFD-70B5-46B0-9C4E-6BD5536E6918}"/>
+                  <a16:creationId xmlns:a16="http://schemas.microsoft.com/office/drawing/2014/main" id="{0F0E5BFD-70B5-46B0-9C4E-6BD5536E6918}"/>
                 </a:ext>
               </a:extLst>
             </p:cNvPr>
@@ -5281,22 +6933,21 @@
             <a:lstStyle/>
             <a:p>
               <a:r>
-                <a:rPr lang="en-US" altLang="zh-CN" dirty="0" smtClean="0"/>
+                <a:rPr lang="en-US" altLang="zh-CN" dirty="0"/>
                 <a:t>1. </a:t>
               </a:r>
               <a:r>
-                <a:rPr lang="en-US" altLang="zh-CN" dirty="0" err="1" smtClean="0"/>
+                <a:rPr lang="en-US" altLang="zh-CN" dirty="0" err="1"/>
                 <a:t>WebSocket</a:t>
               </a:r>
               <a:r>
-                <a:rPr lang="en-US" altLang="zh-CN" dirty="0" smtClean="0"/>
+                <a:rPr lang="en-US" altLang="zh-CN" dirty="0"/>
                 <a:t> </a:t>
               </a:r>
               <a:r>
-                <a:rPr lang="zh-CN" altLang="en-US" dirty="0" smtClean="0"/>
+                <a:rPr lang="zh-CN" altLang="en-US" dirty="0"/>
                 <a:t>握手</a:t>
               </a:r>
-              <a:endParaRPr lang="zh-CN" altLang="en-US" dirty="0"/>
             </a:p>
           </p:txBody>
         </p:sp>
@@ -5323,14 +6974,13 @@
             <a:lstStyle/>
             <a:p>
               <a:r>
-                <a:rPr lang="en-US" altLang="zh-CN" dirty="0" smtClean="0"/>
+                <a:rPr lang="en-US" altLang="zh-CN" dirty="0"/>
                 <a:t>4. </a:t>
               </a:r>
               <a:r>
-                <a:rPr lang="zh-CN" altLang="en-US" dirty="0" smtClean="0"/>
+                <a:rPr lang="zh-CN" altLang="en-US" dirty="0"/>
                 <a:t>伪造请求</a:t>
               </a:r>
-              <a:endParaRPr lang="zh-CN" altLang="en-US" dirty="0"/>
             </a:p>
           </p:txBody>
         </p:sp>
@@ -5357,22 +7007,21 @@
             <a:lstStyle/>
             <a:p>
               <a:r>
-                <a:rPr lang="en-US" altLang="zh-CN" dirty="0" smtClean="0"/>
+                <a:rPr lang="en-US" altLang="zh-CN" dirty="0"/>
                 <a:t>3. </a:t>
               </a:r>
               <a:r>
-                <a:rPr lang="zh-CN" altLang="en-US" dirty="0" smtClean="0"/>
+                <a:rPr lang="zh-CN" altLang="en-US" dirty="0"/>
                 <a:t>伪造 </a:t>
               </a:r>
               <a:r>
-                <a:rPr lang="en-US" altLang="zh-CN" dirty="0" smtClean="0"/>
+                <a:rPr lang="en-US" altLang="zh-CN" dirty="0"/>
                 <a:t>HTTP GET </a:t>
               </a:r>
               <a:r>
-                <a:rPr lang="zh-CN" altLang="en-US" dirty="0" smtClean="0"/>
+                <a:rPr lang="zh-CN" altLang="en-US" dirty="0"/>
                 <a:t>请求，目标是被攻击服务器</a:t>
               </a:r>
-              <a:endParaRPr lang="zh-CN" altLang="en-US" dirty="0"/>
             </a:p>
           </p:txBody>
         </p:sp>
@@ -5399,22 +7048,21 @@
             <a:lstStyle/>
             <a:p>
               <a:r>
-                <a:rPr lang="en-US" altLang="zh-CN" dirty="0" smtClean="0"/>
+                <a:rPr lang="en-US" altLang="zh-CN" dirty="0"/>
                 <a:t>2. </a:t>
               </a:r>
               <a:r>
-                <a:rPr lang="en-US" altLang="zh-CN" dirty="0" err="1" smtClean="0"/>
+                <a:rPr lang="en-US" altLang="zh-CN" dirty="0" err="1"/>
                 <a:t>WebSocket</a:t>
               </a:r>
               <a:r>
-                <a:rPr lang="en-US" altLang="zh-CN" dirty="0" smtClean="0"/>
+                <a:rPr lang="en-US" altLang="zh-CN" dirty="0"/>
                 <a:t> </a:t>
               </a:r>
               <a:r>
-                <a:rPr lang="zh-CN" altLang="en-US" dirty="0" smtClean="0"/>
+                <a:rPr lang="zh-CN" altLang="en-US" dirty="0"/>
                 <a:t>握手</a:t>
               </a:r>
-              <a:endParaRPr lang="zh-CN" altLang="en-US" dirty="0"/>
             </a:p>
           </p:txBody>
         </p:sp>
@@ -5441,14 +7089,13 @@
             <a:lstStyle/>
             <a:p>
               <a:r>
-                <a:rPr lang="en-US" altLang="zh-CN" dirty="0" smtClean="0"/>
+                <a:rPr lang="en-US" altLang="zh-CN" dirty="0"/>
                 <a:t>7. </a:t>
               </a:r>
               <a:r>
-                <a:rPr lang="zh-CN" altLang="en-US" dirty="0" smtClean="0"/>
+                <a:rPr lang="zh-CN" altLang="en-US" dirty="0"/>
                 <a:t>返回</a:t>
               </a:r>
-              <a:endParaRPr lang="zh-CN" altLang="en-US" dirty="0"/>
             </a:p>
           </p:txBody>
         </p:sp>
@@ -5475,14 +7122,13 @@
             <a:lstStyle/>
             <a:p>
               <a:r>
-                <a:rPr lang="en-US" altLang="zh-CN" dirty="0" smtClean="0"/>
+                <a:rPr lang="en-US" altLang="zh-CN" dirty="0"/>
                 <a:t>8. </a:t>
               </a:r>
               <a:r>
-                <a:rPr lang="zh-CN" altLang="en-US" dirty="0" smtClean="0"/>
+                <a:rPr lang="zh-CN" altLang="en-US" dirty="0"/>
                 <a:t>访问资源</a:t>
               </a:r>
-              <a:endParaRPr lang="zh-CN" altLang="en-US" dirty="0"/>
             </a:p>
           </p:txBody>
         </p:sp>
@@ -5509,14 +7155,13 @@
             <a:lstStyle/>
             <a:p>
               <a:r>
-                <a:rPr lang="en-US" altLang="zh-CN" dirty="0" smtClean="0"/>
+                <a:rPr lang="en-US" altLang="zh-CN" dirty="0"/>
                 <a:t>10. </a:t>
               </a:r>
               <a:r>
-                <a:rPr lang="zh-CN" altLang="en-US" dirty="0" smtClean="0"/>
+                <a:rPr lang="zh-CN" altLang="en-US" dirty="0"/>
                 <a:t>获取伪造信息</a:t>
               </a:r>
-              <a:endParaRPr lang="zh-CN" altLang="en-US" dirty="0"/>
             </a:p>
           </p:txBody>
         </p:sp>
@@ -5525,7 +7170,7 @@
             <p:cNvPr id="35" name="直接箭头连接符 34">
               <a:extLst>
                 <a:ext uri="{FF2B5EF4-FFF2-40B4-BE49-F238E27FC236}">
-                  <a16:creationId xmlns:a16="http://schemas.microsoft.com/office/drawing/2014/main" xmlns="" id="{0F0E5BFD-70B5-46B0-9C4E-6BD5536E6918}"/>
+                  <a16:creationId xmlns:a16="http://schemas.microsoft.com/office/drawing/2014/main" id="{0F0E5BFD-70B5-46B0-9C4E-6BD5536E6918}"/>
                 </a:ext>
               </a:extLst>
             </p:cNvPr>
@@ -5570,7 +7215,7 @@
             <p:cNvPr id="36" name="矩形 35">
               <a:extLst>
                 <a:ext uri="{FF2B5EF4-FFF2-40B4-BE49-F238E27FC236}">
-                  <a16:creationId xmlns:a16="http://schemas.microsoft.com/office/drawing/2014/main" xmlns="" id="{4AF3FF26-0E6B-4B9C-A30F-C3F3CEAB8867}"/>
+                  <a16:creationId xmlns:a16="http://schemas.microsoft.com/office/drawing/2014/main" id="{4AF3FF26-0E6B-4B9C-A30F-C3F3CEAB8867}"/>
                 </a:ext>
               </a:extLst>
             </p:cNvPr>
@@ -5615,18 +7260,13 @@
             <a:p>
               <a:pPr algn="ctr"/>
               <a:r>
-                <a:rPr lang="zh-CN" altLang="en-US" sz="2800" dirty="0" smtClean="0">
+                <a:rPr lang="zh-CN" altLang="en-US" sz="2800" dirty="0">
                   <a:solidFill>
                     <a:schemeClr val="bg1"/>
                   </a:solidFill>
                 </a:rPr>
                 <a:t>缓存</a:t>
               </a:r>
-              <a:endParaRPr lang="zh-CN" altLang="en-US" sz="2800" dirty="0">
-                <a:solidFill>
-                  <a:schemeClr val="bg1"/>
-                </a:solidFill>
-              </a:endParaRPr>
             </a:p>
           </p:txBody>
         </p:sp>
@@ -5653,14 +7293,13 @@
             <a:lstStyle/>
             <a:p>
               <a:r>
-                <a:rPr lang="en-US" altLang="zh-CN" dirty="0" smtClean="0"/>
+                <a:rPr lang="en-US" altLang="zh-CN" dirty="0"/>
                 <a:t>6. </a:t>
               </a:r>
               <a:r>
-                <a:rPr lang="zh-CN" altLang="en-US" dirty="0" smtClean="0"/>
+                <a:rPr lang="zh-CN" altLang="en-US" dirty="0"/>
                 <a:t>缓存响应实际属于被攻击者</a:t>
               </a:r>
-              <a:endParaRPr lang="zh-CN" altLang="en-US" dirty="0"/>
             </a:p>
           </p:txBody>
         </p:sp>
@@ -5687,14 +7326,13 @@
             <a:lstStyle/>
             <a:p>
               <a:r>
-                <a:rPr lang="en-US" altLang="zh-CN" dirty="0" smtClean="0"/>
+                <a:rPr lang="en-US" altLang="zh-CN" dirty="0"/>
                 <a:t>9. </a:t>
               </a:r>
               <a:r>
-                <a:rPr lang="zh-CN" altLang="en-US" dirty="0" smtClean="0"/>
+                <a:rPr lang="zh-CN" altLang="en-US" dirty="0"/>
                 <a:t>发现缓存后，返回伪造响应</a:t>
               </a:r>
-              <a:endParaRPr lang="zh-CN" altLang="en-US" dirty="0"/>
             </a:p>
           </p:txBody>
         </p:sp>
@@ -5721,21 +7359,20 @@
             <a:lstStyle/>
             <a:p>
               <a:r>
-                <a:rPr lang="en-US" altLang="zh-CN" dirty="0" smtClean="0"/>
+                <a:rPr lang="en-US" altLang="zh-CN" dirty="0"/>
                 <a:t>5. </a:t>
               </a:r>
               <a:r>
-                <a:rPr lang="zh-CN" altLang="en-US" dirty="0" smtClean="0"/>
+                <a:rPr lang="zh-CN" altLang="en-US" dirty="0"/>
                 <a:t>伪造被攻击</a:t>
               </a:r>
-              <a:endParaRPr lang="en-US" altLang="zh-CN" dirty="0" smtClean="0"/>
+              <a:endParaRPr lang="en-US" altLang="zh-CN" dirty="0"/>
             </a:p>
             <a:p>
               <a:r>
-                <a:rPr lang="zh-CN" altLang="en-US" dirty="0" smtClean="0"/>
+                <a:rPr lang="zh-CN" altLang="en-US" dirty="0"/>
                 <a:t>服务的响应</a:t>
               </a:r>
-              <a:endParaRPr lang="zh-CN" altLang="en-US" dirty="0"/>
             </a:p>
           </p:txBody>
         </p:sp>
@@ -5744,7 +7381,7 @@
             <p:cNvPr id="40" name="矩形 39">
               <a:extLst>
                 <a:ext uri="{FF2B5EF4-FFF2-40B4-BE49-F238E27FC236}">
-                  <a16:creationId xmlns:a16="http://schemas.microsoft.com/office/drawing/2014/main" xmlns="" id="{4AF3FF26-0E6B-4B9C-A30F-C3F3CEAB8867}"/>
+                  <a16:creationId xmlns:a16="http://schemas.microsoft.com/office/drawing/2014/main" id="{4AF3FF26-0E6B-4B9C-A30F-C3F3CEAB8867}"/>
                 </a:ext>
               </a:extLst>
             </p:cNvPr>
@@ -5789,18 +7426,13 @@
             <a:p>
               <a:pPr algn="ctr"/>
               <a:r>
-                <a:rPr lang="zh-CN" altLang="en-US" sz="2800" dirty="0" smtClean="0">
+                <a:rPr lang="zh-CN" altLang="en-US" sz="2800" dirty="0">
                   <a:solidFill>
                     <a:schemeClr val="bg1"/>
                   </a:solidFill>
                 </a:rPr>
                 <a:t>被攻击服务器</a:t>
               </a:r>
-              <a:endParaRPr lang="zh-CN" altLang="en-US" sz="2800" dirty="0">
-                <a:solidFill>
-                  <a:schemeClr val="bg1"/>
-                </a:solidFill>
-              </a:endParaRPr>
             </a:p>
           </p:txBody>
         </p:sp>
@@ -5809,7 +7441,7 @@
             <p:cNvPr id="41" name="矩形 40">
               <a:extLst>
                 <a:ext uri="{FF2B5EF4-FFF2-40B4-BE49-F238E27FC236}">
-                  <a16:creationId xmlns:a16="http://schemas.microsoft.com/office/drawing/2014/main" xmlns="" id="{4AF3FF26-0E6B-4B9C-A30F-C3F3CEAB8867}"/>
+                  <a16:creationId xmlns:a16="http://schemas.microsoft.com/office/drawing/2014/main" id="{4AF3FF26-0E6B-4B9C-A30F-C3F3CEAB8867}"/>
                 </a:ext>
               </a:extLst>
             </p:cNvPr>
@@ -5858,7 +7490,7 @@
             <a:lstStyle/>
             <a:p>
               <a:r>
-                <a:rPr lang="zh-CN" altLang="en-US" dirty="0" smtClean="0">
+                <a:rPr lang="zh-CN" altLang="en-US" dirty="0">
                   <a:solidFill>
                     <a:schemeClr val="bg1"/>
                   </a:solidFill>
@@ -5866,7 +7498,7 @@
                 <a:t>代理服务器误以为 </a:t>
               </a:r>
               <a:r>
-                <a:rPr lang="en-US" altLang="zh-CN" dirty="0" err="1" smtClean="0">
+                <a:rPr lang="en-US" altLang="zh-CN" dirty="0" err="1">
                   <a:solidFill>
                     <a:schemeClr val="bg1"/>
                   </a:solidFill>
@@ -5874,7 +7506,7 @@
                 <a:t>WebSocket</a:t>
               </a:r>
               <a:r>
-                <a:rPr lang="en-US" altLang="zh-CN" dirty="0" smtClean="0">
+                <a:rPr lang="en-US" altLang="zh-CN" dirty="0">
                   <a:solidFill>
                     <a:schemeClr val="bg1"/>
                   </a:solidFill>
@@ -5882,7 +7514,7 @@
                 <a:t> </a:t>
               </a:r>
               <a:r>
-                <a:rPr lang="zh-CN" altLang="en-US" dirty="0" smtClean="0">
+                <a:rPr lang="zh-CN" altLang="en-US" dirty="0">
                   <a:solidFill>
                     <a:schemeClr val="bg1"/>
                   </a:solidFill>
@@ -5890,7 +7522,7 @@
                 <a:t>连接的是 </a:t>
               </a:r>
               <a:r>
-                <a:rPr lang="en-US" altLang="zh-CN" dirty="0" smtClean="0">
+                <a:rPr lang="en-US" altLang="zh-CN" dirty="0">
                   <a:solidFill>
                     <a:schemeClr val="bg1"/>
                   </a:solidFill>
@@ -5898,7 +7530,7 @@
                 <a:t>HTTP </a:t>
               </a:r>
               <a:r>
-                <a:rPr lang="zh-CN" altLang="en-US" dirty="0" smtClean="0">
+                <a:rPr lang="zh-CN" altLang="en-US" dirty="0">
                   <a:solidFill>
                     <a:schemeClr val="bg1"/>
                   </a:solidFill>
@@ -5906,7 +7538,7 @@
                 <a:t>连接，故 </a:t>
               </a:r>
               <a:r>
-                <a:rPr lang="en-US" altLang="zh-CN" dirty="0" smtClean="0">
+                <a:rPr lang="en-US" altLang="zh-CN" dirty="0">
                   <a:solidFill>
                     <a:schemeClr val="bg1"/>
                   </a:solidFill>
@@ -5914,7 +7546,7 @@
                 <a:t>1</a:t>
               </a:r>
               <a:r>
-                <a:rPr lang="zh-CN" altLang="en-US" dirty="0" smtClean="0">
+                <a:rPr lang="zh-CN" altLang="en-US" dirty="0">
                   <a:solidFill>
                     <a:schemeClr val="bg1"/>
                   </a:solidFill>
@@ -5922,7 +7554,7 @@
                 <a:t>、</a:t>
               </a:r>
               <a:r>
-                <a:rPr lang="en-US" altLang="zh-CN" dirty="0" smtClean="0">
+                <a:rPr lang="en-US" altLang="zh-CN" dirty="0">
                   <a:solidFill>
                     <a:schemeClr val="bg1"/>
                   </a:solidFill>
@@ -5930,7 +7562,7 @@
                 <a:t>3 </a:t>
               </a:r>
               <a:r>
-                <a:rPr lang="zh-CN" altLang="en-US" dirty="0" smtClean="0">
+                <a:rPr lang="zh-CN" altLang="en-US" dirty="0">
                   <a:solidFill>
                     <a:schemeClr val="bg1"/>
                   </a:solidFill>
@@ -5938,7 +7570,7 @@
                 <a:t>误认为是 </a:t>
               </a:r>
               <a:r>
-                <a:rPr lang="en-US" altLang="zh-CN" dirty="0" smtClean="0">
+                <a:rPr lang="en-US" altLang="zh-CN" dirty="0">
                   <a:solidFill>
                     <a:schemeClr val="bg1"/>
                   </a:solidFill>
@@ -5946,7 +7578,7 @@
                 <a:t>2  </a:t>
               </a:r>
               <a:r>
-                <a:rPr lang="zh-CN" altLang="en-US" dirty="0" smtClean="0">
+                <a:rPr lang="zh-CN" altLang="en-US" dirty="0">
                   <a:solidFill>
                     <a:schemeClr val="bg1"/>
                   </a:solidFill>
@@ -5954,7 +7586,7 @@
                 <a:t>个</a:t>
               </a:r>
               <a:r>
-                <a:rPr lang="en-US" altLang="zh-CN" dirty="0" smtClean="0">
+                <a:rPr lang="en-US" altLang="zh-CN" dirty="0">
                   <a:solidFill>
                     <a:schemeClr val="bg1"/>
                   </a:solidFill>
@@ -5962,18 +7594,13 @@
                 <a:t>HTTP </a:t>
               </a:r>
               <a:r>
-                <a:rPr lang="zh-CN" altLang="en-US" dirty="0" smtClean="0">
+                <a:rPr lang="zh-CN" altLang="en-US" dirty="0">
                   <a:solidFill>
                     <a:schemeClr val="bg1"/>
                   </a:solidFill>
                 </a:rPr>
                 <a:t>请求，但复用同一个连接</a:t>
               </a:r>
-              <a:endParaRPr lang="zh-CN" altLang="en-US" dirty="0">
-                <a:solidFill>
-                  <a:schemeClr val="bg1"/>
-                </a:solidFill>
-              </a:endParaRPr>
             </a:p>
           </p:txBody>
         </p:sp>
@@ -6013,7 +7640,7 @@
           <p:cNvPr id="65" name="组合 64">
             <a:extLst>
               <a:ext uri="{FF2B5EF4-FFF2-40B4-BE49-F238E27FC236}">
-                <a16:creationId xmlns:a16="http://schemas.microsoft.com/office/drawing/2014/main" xmlns="" id="{95DF7B5A-93A3-4D70-B122-CF5A0124FECF}"/>
+                <a16:creationId xmlns:a16="http://schemas.microsoft.com/office/drawing/2014/main" id="{95DF7B5A-93A3-4D70-B122-CF5A0124FECF}"/>
               </a:ext>
             </a:extLst>
           </p:cNvPr>
@@ -6033,7 +7660,7 @@
             <p:cNvPr id="4" name="矩形 3">
               <a:extLst>
                 <a:ext uri="{FF2B5EF4-FFF2-40B4-BE49-F238E27FC236}">
-                  <a16:creationId xmlns:a16="http://schemas.microsoft.com/office/drawing/2014/main" xmlns="" id="{6E527487-3D21-4D51-A1E2-3621A761061F}"/>
+                  <a16:creationId xmlns:a16="http://schemas.microsoft.com/office/drawing/2014/main" id="{6E527487-3D21-4D51-A1E2-3621A761061F}"/>
                 </a:ext>
               </a:extLst>
             </p:cNvPr>
@@ -6086,7 +7713,7 @@
             <p:cNvPr id="5" name="文本框 4">
               <a:extLst>
                 <a:ext uri="{FF2B5EF4-FFF2-40B4-BE49-F238E27FC236}">
-                  <a16:creationId xmlns:a16="http://schemas.microsoft.com/office/drawing/2014/main" xmlns="" id="{39663BC4-13A0-4E8C-B2D8-27204F42909E}"/>
+                  <a16:creationId xmlns:a16="http://schemas.microsoft.com/office/drawing/2014/main" id="{39663BC4-13A0-4E8C-B2D8-27204F42909E}"/>
                 </a:ext>
               </a:extLst>
             </p:cNvPr>
@@ -6123,7 +7750,7 @@
             <p:cNvPr id="6" name="矩形 5">
               <a:extLst>
                 <a:ext uri="{FF2B5EF4-FFF2-40B4-BE49-F238E27FC236}">
-                  <a16:creationId xmlns:a16="http://schemas.microsoft.com/office/drawing/2014/main" xmlns="" id="{32DB1F98-6577-42EC-AA81-61E9604178B2}"/>
+                  <a16:creationId xmlns:a16="http://schemas.microsoft.com/office/drawing/2014/main" id="{32DB1F98-6577-42EC-AA81-61E9604178B2}"/>
                 </a:ext>
               </a:extLst>
             </p:cNvPr>
@@ -6176,7 +7803,7 @@
             <p:cNvPr id="10" name="矩形 9">
               <a:extLst>
                 <a:ext uri="{FF2B5EF4-FFF2-40B4-BE49-F238E27FC236}">
-                  <a16:creationId xmlns:a16="http://schemas.microsoft.com/office/drawing/2014/main" xmlns="" id="{45A5E8ED-235D-4BD4-9E5F-323E4DFA3FF3}"/>
+                  <a16:creationId xmlns:a16="http://schemas.microsoft.com/office/drawing/2014/main" id="{45A5E8ED-235D-4BD4-9E5F-323E4DFA3FF3}"/>
                 </a:ext>
               </a:extLst>
             </p:cNvPr>
@@ -6229,7 +7856,7 @@
             <p:cNvPr id="11" name="矩形 10">
               <a:extLst>
                 <a:ext uri="{FF2B5EF4-FFF2-40B4-BE49-F238E27FC236}">
-                  <a16:creationId xmlns:a16="http://schemas.microsoft.com/office/drawing/2014/main" xmlns="" id="{8D0DA042-E727-4595-A0AD-C7EA4A57407F}"/>
+                  <a16:creationId xmlns:a16="http://schemas.microsoft.com/office/drawing/2014/main" id="{8D0DA042-E727-4595-A0AD-C7EA4A57407F}"/>
                 </a:ext>
               </a:extLst>
             </p:cNvPr>
@@ -6282,7 +7909,7 @@
             <p:cNvPr id="12" name="矩形 11">
               <a:extLst>
                 <a:ext uri="{FF2B5EF4-FFF2-40B4-BE49-F238E27FC236}">
-                  <a16:creationId xmlns:a16="http://schemas.microsoft.com/office/drawing/2014/main" xmlns="" id="{97BB04C4-9EEE-480A-8D34-AE3004DBE1C5}"/>
+                  <a16:creationId xmlns:a16="http://schemas.microsoft.com/office/drawing/2014/main" id="{97BB04C4-9EEE-480A-8D34-AE3004DBE1C5}"/>
                 </a:ext>
               </a:extLst>
             </p:cNvPr>
@@ -6338,7 +7965,7 @@
             <p:cNvPr id="13" name="矩形 12">
               <a:extLst>
                 <a:ext uri="{FF2B5EF4-FFF2-40B4-BE49-F238E27FC236}">
-                  <a16:creationId xmlns:a16="http://schemas.microsoft.com/office/drawing/2014/main" xmlns="" id="{688CE40E-F272-4098-82A8-1BE08AC9136D}"/>
+                  <a16:creationId xmlns:a16="http://schemas.microsoft.com/office/drawing/2014/main" id="{688CE40E-F272-4098-82A8-1BE08AC9136D}"/>
                 </a:ext>
               </a:extLst>
             </p:cNvPr>
@@ -6394,7 +8021,7 @@
             <p:cNvPr id="14" name="矩形 13">
               <a:extLst>
                 <a:ext uri="{FF2B5EF4-FFF2-40B4-BE49-F238E27FC236}">
-                  <a16:creationId xmlns:a16="http://schemas.microsoft.com/office/drawing/2014/main" xmlns="" id="{7EA1C636-13CE-48BC-96F3-D2FC0EFD8AFA}"/>
+                  <a16:creationId xmlns:a16="http://schemas.microsoft.com/office/drawing/2014/main" id="{7EA1C636-13CE-48BC-96F3-D2FC0EFD8AFA}"/>
                 </a:ext>
               </a:extLst>
             </p:cNvPr>
@@ -6449,7 +8076,7 @@
             <p:cNvPr id="15" name="矩形 14">
               <a:extLst>
                 <a:ext uri="{FF2B5EF4-FFF2-40B4-BE49-F238E27FC236}">
-                  <a16:creationId xmlns:a16="http://schemas.microsoft.com/office/drawing/2014/main" xmlns="" id="{8189C52C-7958-4359-8A66-80AE34038E11}"/>
+                  <a16:creationId xmlns:a16="http://schemas.microsoft.com/office/drawing/2014/main" id="{8189C52C-7958-4359-8A66-80AE34038E11}"/>
                 </a:ext>
               </a:extLst>
             </p:cNvPr>
@@ -6504,7 +8131,7 @@
             <p:cNvPr id="17" name="矩形 16">
               <a:extLst>
                 <a:ext uri="{FF2B5EF4-FFF2-40B4-BE49-F238E27FC236}">
-                  <a16:creationId xmlns:a16="http://schemas.microsoft.com/office/drawing/2014/main" xmlns="" id="{FDB47380-5D04-490F-BD72-EAAC1DDD4AB0}"/>
+                  <a16:creationId xmlns:a16="http://schemas.microsoft.com/office/drawing/2014/main" id="{FDB47380-5D04-490F-BD72-EAAC1DDD4AB0}"/>
                 </a:ext>
               </a:extLst>
             </p:cNvPr>
@@ -6557,7 +8184,7 @@
             <p:cNvPr id="18" name="文本框 17">
               <a:extLst>
                 <a:ext uri="{FF2B5EF4-FFF2-40B4-BE49-F238E27FC236}">
-                  <a16:creationId xmlns:a16="http://schemas.microsoft.com/office/drawing/2014/main" xmlns="" id="{5DE75FEB-653D-47E6-9B6C-30AE105A5B25}"/>
+                  <a16:creationId xmlns:a16="http://schemas.microsoft.com/office/drawing/2014/main" id="{5DE75FEB-653D-47E6-9B6C-30AE105A5B25}"/>
                 </a:ext>
               </a:extLst>
             </p:cNvPr>
@@ -6594,7 +8221,7 @@
             <p:cNvPr id="19" name="矩形 18">
               <a:extLst>
                 <a:ext uri="{FF2B5EF4-FFF2-40B4-BE49-F238E27FC236}">
-                  <a16:creationId xmlns:a16="http://schemas.microsoft.com/office/drawing/2014/main" xmlns="" id="{0E06B7FB-EBBA-453B-9444-02D9154DFAAD}"/>
+                  <a16:creationId xmlns:a16="http://schemas.microsoft.com/office/drawing/2014/main" id="{0E06B7FB-EBBA-453B-9444-02D9154DFAAD}"/>
                 </a:ext>
               </a:extLst>
             </p:cNvPr>
@@ -6647,7 +8274,7 @@
             <p:cNvPr id="22" name="矩形 21">
               <a:extLst>
                 <a:ext uri="{FF2B5EF4-FFF2-40B4-BE49-F238E27FC236}">
-                  <a16:creationId xmlns:a16="http://schemas.microsoft.com/office/drawing/2014/main" xmlns="" id="{EDFFDF05-7FDE-4195-931F-F7E08A653D40}"/>
+                  <a16:creationId xmlns:a16="http://schemas.microsoft.com/office/drawing/2014/main" id="{EDFFDF05-7FDE-4195-931F-F7E08A653D40}"/>
                 </a:ext>
               </a:extLst>
             </p:cNvPr>
@@ -6703,7 +8330,7 @@
             <p:cNvPr id="23" name="矩形 22">
               <a:extLst>
                 <a:ext uri="{FF2B5EF4-FFF2-40B4-BE49-F238E27FC236}">
-                  <a16:creationId xmlns:a16="http://schemas.microsoft.com/office/drawing/2014/main" xmlns="" id="{FE6A6A6B-E983-4A55-A8D6-35CC24B379E2}"/>
+                  <a16:creationId xmlns:a16="http://schemas.microsoft.com/office/drawing/2014/main" id="{FE6A6A6B-E983-4A55-A8D6-35CC24B379E2}"/>
                 </a:ext>
               </a:extLst>
             </p:cNvPr>
@@ -6759,7 +8386,7 @@
             <p:cNvPr id="25" name="矩形 24">
               <a:extLst>
                 <a:ext uri="{FF2B5EF4-FFF2-40B4-BE49-F238E27FC236}">
-                  <a16:creationId xmlns:a16="http://schemas.microsoft.com/office/drawing/2014/main" xmlns="" id="{9E531E16-A5E0-4BA0-9CC9-5B7A52B205B5}"/>
+                  <a16:creationId xmlns:a16="http://schemas.microsoft.com/office/drawing/2014/main" id="{9E531E16-A5E0-4BA0-9CC9-5B7A52B205B5}"/>
                 </a:ext>
               </a:extLst>
             </p:cNvPr>
@@ -6821,7 +8448,7 @@
             <p:cNvPr id="26" name="矩形 25">
               <a:extLst>
                 <a:ext uri="{FF2B5EF4-FFF2-40B4-BE49-F238E27FC236}">
-                  <a16:creationId xmlns:a16="http://schemas.microsoft.com/office/drawing/2014/main" xmlns="" id="{D5DD4870-1FE6-441C-8CB0-1E5619E97981}"/>
+                  <a16:creationId xmlns:a16="http://schemas.microsoft.com/office/drawing/2014/main" id="{D5DD4870-1FE6-441C-8CB0-1E5619E97981}"/>
                 </a:ext>
               </a:extLst>
             </p:cNvPr>
@@ -6874,7 +8501,7 @@
             <p:cNvPr id="27" name="文本框 26">
               <a:extLst>
                 <a:ext uri="{FF2B5EF4-FFF2-40B4-BE49-F238E27FC236}">
-                  <a16:creationId xmlns:a16="http://schemas.microsoft.com/office/drawing/2014/main" xmlns="" id="{292E6812-E163-49FA-A967-1BDA1416EB0D}"/>
+                  <a16:creationId xmlns:a16="http://schemas.microsoft.com/office/drawing/2014/main" id="{292E6812-E163-49FA-A967-1BDA1416EB0D}"/>
                 </a:ext>
               </a:extLst>
             </p:cNvPr>
@@ -6911,7 +8538,7 @@
             <p:cNvPr id="28" name="矩形 27">
               <a:extLst>
                 <a:ext uri="{FF2B5EF4-FFF2-40B4-BE49-F238E27FC236}">
-                  <a16:creationId xmlns:a16="http://schemas.microsoft.com/office/drawing/2014/main" xmlns="" id="{6175F4E3-1520-4653-B33A-D448BBCB11A1}"/>
+                  <a16:creationId xmlns:a16="http://schemas.microsoft.com/office/drawing/2014/main" id="{6175F4E3-1520-4653-B33A-D448BBCB11A1}"/>
                 </a:ext>
               </a:extLst>
             </p:cNvPr>
@@ -6964,7 +8591,7 @@
             <p:cNvPr id="31" name="矩形 30">
               <a:extLst>
                 <a:ext uri="{FF2B5EF4-FFF2-40B4-BE49-F238E27FC236}">
-                  <a16:creationId xmlns:a16="http://schemas.microsoft.com/office/drawing/2014/main" xmlns="" id="{EDB86366-09A2-473E-BBB6-E41E367D7EB1}"/>
+                  <a16:creationId xmlns:a16="http://schemas.microsoft.com/office/drawing/2014/main" id="{EDB86366-09A2-473E-BBB6-E41E367D7EB1}"/>
                 </a:ext>
               </a:extLst>
             </p:cNvPr>
@@ -7020,7 +8647,7 @@
             <p:cNvPr id="32" name="矩形 31">
               <a:extLst>
                 <a:ext uri="{FF2B5EF4-FFF2-40B4-BE49-F238E27FC236}">
-                  <a16:creationId xmlns:a16="http://schemas.microsoft.com/office/drawing/2014/main" xmlns="" id="{B42F1928-6BE6-4C35-89B4-DBC52ADB96E3}"/>
+                  <a16:creationId xmlns:a16="http://schemas.microsoft.com/office/drawing/2014/main" id="{B42F1928-6BE6-4C35-89B4-DBC52ADB96E3}"/>
                 </a:ext>
               </a:extLst>
             </p:cNvPr>
@@ -7076,7 +8703,7 @@
             <p:cNvPr id="38" name="矩形 37">
               <a:extLst>
                 <a:ext uri="{FF2B5EF4-FFF2-40B4-BE49-F238E27FC236}">
-                  <a16:creationId xmlns:a16="http://schemas.microsoft.com/office/drawing/2014/main" xmlns="" id="{85E9804F-32C9-41DF-BC3C-7F6380989EC4}"/>
+                  <a16:creationId xmlns:a16="http://schemas.microsoft.com/office/drawing/2014/main" id="{85E9804F-32C9-41DF-BC3C-7F6380989EC4}"/>
                 </a:ext>
               </a:extLst>
             </p:cNvPr>
@@ -7132,7 +8759,7 @@
             <p:cNvPr id="39" name="矩形 38">
               <a:extLst>
                 <a:ext uri="{FF2B5EF4-FFF2-40B4-BE49-F238E27FC236}">
-                  <a16:creationId xmlns:a16="http://schemas.microsoft.com/office/drawing/2014/main" xmlns="" id="{B2E735C6-F256-4629-90CF-82CB0EB32C66}"/>
+                  <a16:creationId xmlns:a16="http://schemas.microsoft.com/office/drawing/2014/main" id="{B2E735C6-F256-4629-90CF-82CB0EB32C66}"/>
                 </a:ext>
               </a:extLst>
             </p:cNvPr>
@@ -7188,7 +8815,7 @@
             <p:cNvPr id="40" name="矩形 39">
               <a:extLst>
                 <a:ext uri="{FF2B5EF4-FFF2-40B4-BE49-F238E27FC236}">
-                  <a16:creationId xmlns:a16="http://schemas.microsoft.com/office/drawing/2014/main" xmlns="" id="{60224018-C5EE-42B1-BB1C-BB4CBAE3BC26}"/>
+                  <a16:creationId xmlns:a16="http://schemas.microsoft.com/office/drawing/2014/main" id="{60224018-C5EE-42B1-BB1C-BB4CBAE3BC26}"/>
                 </a:ext>
               </a:extLst>
             </p:cNvPr>
@@ -7244,7 +8871,7 @@
             <p:cNvPr id="41" name="矩形 40">
               <a:extLst>
                 <a:ext uri="{FF2B5EF4-FFF2-40B4-BE49-F238E27FC236}">
-                  <a16:creationId xmlns:a16="http://schemas.microsoft.com/office/drawing/2014/main" xmlns="" id="{57D12844-AEF6-4A44-9342-AFA61703E3D0}"/>
+                  <a16:creationId xmlns:a16="http://schemas.microsoft.com/office/drawing/2014/main" id="{57D12844-AEF6-4A44-9342-AFA61703E3D0}"/>
                 </a:ext>
               </a:extLst>
             </p:cNvPr>
@@ -7299,7 +8926,7 @@
             <p:cNvPr id="50" name="矩形 49">
               <a:extLst>
                 <a:ext uri="{FF2B5EF4-FFF2-40B4-BE49-F238E27FC236}">
-                  <a16:creationId xmlns:a16="http://schemas.microsoft.com/office/drawing/2014/main" xmlns="" id="{0CB2B842-E6D2-489D-810C-82ECF1F8C904}"/>
+                  <a16:creationId xmlns:a16="http://schemas.microsoft.com/office/drawing/2014/main" id="{0CB2B842-E6D2-489D-810C-82ECF1F8C904}"/>
                 </a:ext>
               </a:extLst>
             </p:cNvPr>
@@ -7355,7 +8982,7 @@
             <p:cNvPr id="56" name="矩形 55">
               <a:extLst>
                 <a:ext uri="{FF2B5EF4-FFF2-40B4-BE49-F238E27FC236}">
-                  <a16:creationId xmlns:a16="http://schemas.microsoft.com/office/drawing/2014/main" xmlns="" id="{9761A5B5-8B79-4CB0-9610-B0945574A3CD}"/>
+                  <a16:creationId xmlns:a16="http://schemas.microsoft.com/office/drawing/2014/main" id="{9761A5B5-8B79-4CB0-9610-B0945574A3CD}"/>
                 </a:ext>
               </a:extLst>
             </p:cNvPr>
@@ -7417,7 +9044,7 @@
             <p:cNvPr id="57" name="矩形 56">
               <a:extLst>
                 <a:ext uri="{FF2B5EF4-FFF2-40B4-BE49-F238E27FC236}">
-                  <a16:creationId xmlns:a16="http://schemas.microsoft.com/office/drawing/2014/main" xmlns="" id="{95879320-EAF1-4165-8958-AC2CC706F87A}"/>
+                  <a16:creationId xmlns:a16="http://schemas.microsoft.com/office/drawing/2014/main" id="{95879320-EAF1-4165-8958-AC2CC706F87A}"/>
                 </a:ext>
               </a:extLst>
             </p:cNvPr>
@@ -7479,7 +9106,7 @@
             <p:cNvPr id="58" name="矩形 57">
               <a:extLst>
                 <a:ext uri="{FF2B5EF4-FFF2-40B4-BE49-F238E27FC236}">
-                  <a16:creationId xmlns:a16="http://schemas.microsoft.com/office/drawing/2014/main" xmlns="" id="{984D3028-87FA-44FE-8A0C-4FB23C1CAFDA}"/>
+                  <a16:creationId xmlns:a16="http://schemas.microsoft.com/office/drawing/2014/main" id="{984D3028-87FA-44FE-8A0C-4FB23C1CAFDA}"/>
                 </a:ext>
               </a:extLst>
             </p:cNvPr>
@@ -7534,7 +9161,7 @@
             <p:cNvPr id="59" name="矩形 58">
               <a:extLst>
                 <a:ext uri="{FF2B5EF4-FFF2-40B4-BE49-F238E27FC236}">
-                  <a16:creationId xmlns:a16="http://schemas.microsoft.com/office/drawing/2014/main" xmlns="" id="{0BC7CC37-80B8-4BFC-A2BB-B1E3FB879995}"/>
+                  <a16:creationId xmlns:a16="http://schemas.microsoft.com/office/drawing/2014/main" id="{0BC7CC37-80B8-4BFC-A2BB-B1E3FB879995}"/>
                 </a:ext>
               </a:extLst>
             </p:cNvPr>
@@ -7587,7 +9214,7 @@
             <p:cNvPr id="60" name="矩形 59">
               <a:extLst>
                 <a:ext uri="{FF2B5EF4-FFF2-40B4-BE49-F238E27FC236}">
-                  <a16:creationId xmlns:a16="http://schemas.microsoft.com/office/drawing/2014/main" xmlns="" id="{280D64A1-FC7F-4250-B5FA-2A69F56BC1A5}"/>
+                  <a16:creationId xmlns:a16="http://schemas.microsoft.com/office/drawing/2014/main" id="{280D64A1-FC7F-4250-B5FA-2A69F56BC1A5}"/>
                 </a:ext>
               </a:extLst>
             </p:cNvPr>
@@ -7640,7 +9267,7 @@
             <p:cNvPr id="61" name="矩形 60">
               <a:extLst>
                 <a:ext uri="{FF2B5EF4-FFF2-40B4-BE49-F238E27FC236}">
-                  <a16:creationId xmlns:a16="http://schemas.microsoft.com/office/drawing/2014/main" xmlns="" id="{A20A47A2-84D0-434E-8F48-F5E548F022D1}"/>
+                  <a16:creationId xmlns:a16="http://schemas.microsoft.com/office/drawing/2014/main" id="{A20A47A2-84D0-434E-8F48-F5E548F022D1}"/>
                 </a:ext>
               </a:extLst>
             </p:cNvPr>
@@ -7693,7 +9320,7 @@
             <p:cNvPr id="62" name="矩形 61">
               <a:extLst>
                 <a:ext uri="{FF2B5EF4-FFF2-40B4-BE49-F238E27FC236}">
-                  <a16:creationId xmlns:a16="http://schemas.microsoft.com/office/drawing/2014/main" xmlns="" id="{66BD98F8-7F60-4F8A-9E2C-0D6DC5B071EF}"/>
+                  <a16:creationId xmlns:a16="http://schemas.microsoft.com/office/drawing/2014/main" id="{66BD98F8-7F60-4F8A-9E2C-0D6DC5B071EF}"/>
                 </a:ext>
               </a:extLst>
             </p:cNvPr>
@@ -7746,7 +9373,7 @@
             <p:cNvPr id="63" name="矩形 62">
               <a:extLst>
                 <a:ext uri="{FF2B5EF4-FFF2-40B4-BE49-F238E27FC236}">
-                  <a16:creationId xmlns:a16="http://schemas.microsoft.com/office/drawing/2014/main" xmlns="" id="{F2289512-E015-44A7-98D1-8BB8B2C79772}"/>
+                  <a16:creationId xmlns:a16="http://schemas.microsoft.com/office/drawing/2014/main" id="{F2289512-E015-44A7-98D1-8BB8B2C79772}"/>
                 </a:ext>
               </a:extLst>
             </p:cNvPr>
@@ -7799,7 +9426,7 @@
             <p:cNvPr id="64" name="矩形 63">
               <a:extLst>
                 <a:ext uri="{FF2B5EF4-FFF2-40B4-BE49-F238E27FC236}">
-                  <a16:creationId xmlns:a16="http://schemas.microsoft.com/office/drawing/2014/main" xmlns="" id="{6D13F013-B444-40B8-A694-88045E01D662}"/>
+                  <a16:creationId xmlns:a16="http://schemas.microsoft.com/office/drawing/2014/main" id="{6D13F013-B444-40B8-A694-88045E01D662}"/>
                 </a:ext>
               </a:extLst>
             </p:cNvPr>
@@ -7883,7 +9510,7 @@
           <p:cNvPr id="139" name="组合 138">
             <a:extLst>
               <a:ext uri="{FF2B5EF4-FFF2-40B4-BE49-F238E27FC236}">
-                <a16:creationId xmlns:a16="http://schemas.microsoft.com/office/drawing/2014/main" xmlns="" id="{0BCC26FD-0401-4111-B7E4-1E6C171D757D}"/>
+                <a16:creationId xmlns:a16="http://schemas.microsoft.com/office/drawing/2014/main" id="{0BCC26FD-0401-4111-B7E4-1E6C171D757D}"/>
               </a:ext>
             </a:extLst>
           </p:cNvPr>
@@ -7903,7 +9530,7 @@
             <p:cNvPr id="4" name="矩形 3">
               <a:extLst>
                 <a:ext uri="{FF2B5EF4-FFF2-40B4-BE49-F238E27FC236}">
-                  <a16:creationId xmlns:a16="http://schemas.microsoft.com/office/drawing/2014/main" xmlns="" id="{EEC3B93D-1ED7-4FC9-8F54-8B8A448B789C}"/>
+                  <a16:creationId xmlns:a16="http://schemas.microsoft.com/office/drawing/2014/main" id="{EEC3B93D-1ED7-4FC9-8F54-8B8A448B789C}"/>
                 </a:ext>
               </a:extLst>
             </p:cNvPr>
@@ -7959,7 +9586,7 @@
             <p:cNvPr id="41" name="组合 40">
               <a:extLst>
                 <a:ext uri="{FF2B5EF4-FFF2-40B4-BE49-F238E27FC236}">
-                  <a16:creationId xmlns:a16="http://schemas.microsoft.com/office/drawing/2014/main" xmlns="" id="{7F97DE97-937A-498A-A949-B0F1096ED142}"/>
+                  <a16:creationId xmlns:a16="http://schemas.microsoft.com/office/drawing/2014/main" id="{7F97DE97-937A-498A-A949-B0F1096ED142}"/>
                 </a:ext>
               </a:extLst>
             </p:cNvPr>
@@ -7979,7 +9606,7 @@
               <p:cNvPr id="6" name="矩形 5">
                 <a:extLst>
                   <a:ext uri="{FF2B5EF4-FFF2-40B4-BE49-F238E27FC236}">
-                    <a16:creationId xmlns:a16="http://schemas.microsoft.com/office/drawing/2014/main" xmlns="" id="{12E0ECCC-5B88-472C-A4BE-9F15CA2C4DE2}"/>
+                    <a16:creationId xmlns:a16="http://schemas.microsoft.com/office/drawing/2014/main" id="{12E0ECCC-5B88-472C-A4BE-9F15CA2C4DE2}"/>
                   </a:ext>
                 </a:extLst>
               </p:cNvPr>
@@ -8035,7 +9662,7 @@
               <p:cNvPr id="8" name="矩形 7">
                 <a:extLst>
                   <a:ext uri="{FF2B5EF4-FFF2-40B4-BE49-F238E27FC236}">
-                    <a16:creationId xmlns:a16="http://schemas.microsoft.com/office/drawing/2014/main" xmlns="" id="{34255F1D-8506-4968-8084-9F9F133109FD}"/>
+                    <a16:creationId xmlns:a16="http://schemas.microsoft.com/office/drawing/2014/main" id="{34255F1D-8506-4968-8084-9F9F133109FD}"/>
                   </a:ext>
                 </a:extLst>
               </p:cNvPr>
@@ -8091,7 +9718,7 @@
               <p:cNvPr id="9" name="矩形 8">
                 <a:extLst>
                   <a:ext uri="{FF2B5EF4-FFF2-40B4-BE49-F238E27FC236}">
-                    <a16:creationId xmlns:a16="http://schemas.microsoft.com/office/drawing/2014/main" xmlns="" id="{3095CD57-778B-481D-BE82-EBEB2D2CB0F8}"/>
+                    <a16:creationId xmlns:a16="http://schemas.microsoft.com/office/drawing/2014/main" id="{3095CD57-778B-481D-BE82-EBEB2D2CB0F8}"/>
                   </a:ext>
                 </a:extLst>
               </p:cNvPr>
@@ -8148,7 +9775,7 @@
             <p:cNvPr id="40" name="组合 39">
               <a:extLst>
                 <a:ext uri="{FF2B5EF4-FFF2-40B4-BE49-F238E27FC236}">
-                  <a16:creationId xmlns:a16="http://schemas.microsoft.com/office/drawing/2014/main" xmlns="" id="{74E793BE-C308-4A6B-A573-8A41AF9DDCA6}"/>
+                  <a16:creationId xmlns:a16="http://schemas.microsoft.com/office/drawing/2014/main" id="{74E793BE-C308-4A6B-A573-8A41AF9DDCA6}"/>
                 </a:ext>
               </a:extLst>
             </p:cNvPr>
@@ -8168,7 +9795,7 @@
               <p:cNvPr id="10" name="矩形 9">
                 <a:extLst>
                   <a:ext uri="{FF2B5EF4-FFF2-40B4-BE49-F238E27FC236}">
-                    <a16:creationId xmlns:a16="http://schemas.microsoft.com/office/drawing/2014/main" xmlns="" id="{67260778-3029-471A-A12B-6913C57820BB}"/>
+                    <a16:creationId xmlns:a16="http://schemas.microsoft.com/office/drawing/2014/main" id="{67260778-3029-471A-A12B-6913C57820BB}"/>
                   </a:ext>
                 </a:extLst>
               </p:cNvPr>
@@ -8224,7 +9851,7 @@
               <p:cNvPr id="11" name="矩形 10">
                 <a:extLst>
                   <a:ext uri="{FF2B5EF4-FFF2-40B4-BE49-F238E27FC236}">
-                    <a16:creationId xmlns:a16="http://schemas.microsoft.com/office/drawing/2014/main" xmlns="" id="{8D5E6C43-3E70-44C0-AFCF-B28B4930A456}"/>
+                    <a16:creationId xmlns:a16="http://schemas.microsoft.com/office/drawing/2014/main" id="{8D5E6C43-3E70-44C0-AFCF-B28B4930A456}"/>
                   </a:ext>
                 </a:extLst>
               </p:cNvPr>
@@ -8281,7 +9908,7 @@
             <p:cNvPr id="39" name="组合 38">
               <a:extLst>
                 <a:ext uri="{FF2B5EF4-FFF2-40B4-BE49-F238E27FC236}">
-                  <a16:creationId xmlns:a16="http://schemas.microsoft.com/office/drawing/2014/main" xmlns="" id="{D3D7C9DF-9947-43EC-9C2B-A7CF3B4DD9E2}"/>
+                  <a16:creationId xmlns:a16="http://schemas.microsoft.com/office/drawing/2014/main" id="{D3D7C9DF-9947-43EC-9C2B-A7CF3B4DD9E2}"/>
                 </a:ext>
               </a:extLst>
             </p:cNvPr>
@@ -8301,7 +9928,7 @@
               <p:cNvPr id="13" name="矩形 12">
                 <a:extLst>
                   <a:ext uri="{FF2B5EF4-FFF2-40B4-BE49-F238E27FC236}">
-                    <a16:creationId xmlns:a16="http://schemas.microsoft.com/office/drawing/2014/main" xmlns="" id="{08A5BACC-2B1D-438B-AABE-FED558E92BA1}"/>
+                    <a16:creationId xmlns:a16="http://schemas.microsoft.com/office/drawing/2014/main" id="{08A5BACC-2B1D-438B-AABE-FED558E92BA1}"/>
                   </a:ext>
                 </a:extLst>
               </p:cNvPr>
@@ -8357,7 +9984,7 @@
               <p:cNvPr id="14" name="矩形 13">
                 <a:extLst>
                   <a:ext uri="{FF2B5EF4-FFF2-40B4-BE49-F238E27FC236}">
-                    <a16:creationId xmlns:a16="http://schemas.microsoft.com/office/drawing/2014/main" xmlns="" id="{3B06C211-CC5F-42A3-8328-DE7606AB3DCE}"/>
+                    <a16:creationId xmlns:a16="http://schemas.microsoft.com/office/drawing/2014/main" id="{3B06C211-CC5F-42A3-8328-DE7606AB3DCE}"/>
                   </a:ext>
                 </a:extLst>
               </p:cNvPr>
@@ -8414,7 +10041,7 @@
             <p:cNvPr id="38" name="组合 37">
               <a:extLst>
                 <a:ext uri="{FF2B5EF4-FFF2-40B4-BE49-F238E27FC236}">
-                  <a16:creationId xmlns:a16="http://schemas.microsoft.com/office/drawing/2014/main" xmlns="" id="{76CABD0D-F016-409C-8B0F-55E685A4BD78}"/>
+                  <a16:creationId xmlns:a16="http://schemas.microsoft.com/office/drawing/2014/main" id="{76CABD0D-F016-409C-8B0F-55E685A4BD78}"/>
                 </a:ext>
               </a:extLst>
             </p:cNvPr>
@@ -8434,7 +10061,7 @@
               <p:cNvPr id="15" name="矩形 14">
                 <a:extLst>
                   <a:ext uri="{FF2B5EF4-FFF2-40B4-BE49-F238E27FC236}">
-                    <a16:creationId xmlns:a16="http://schemas.microsoft.com/office/drawing/2014/main" xmlns="" id="{C5992213-7DD9-450C-9F6E-50BF0F8FCB44}"/>
+                    <a16:creationId xmlns:a16="http://schemas.microsoft.com/office/drawing/2014/main" id="{C5992213-7DD9-450C-9F6E-50BF0F8FCB44}"/>
                   </a:ext>
                 </a:extLst>
               </p:cNvPr>
@@ -8490,7 +10117,7 @@
               <p:cNvPr id="16" name="矩形 15">
                 <a:extLst>
                   <a:ext uri="{FF2B5EF4-FFF2-40B4-BE49-F238E27FC236}">
-                    <a16:creationId xmlns:a16="http://schemas.microsoft.com/office/drawing/2014/main" xmlns="" id="{DEA795CC-36FB-442E-B95A-E421FDE2FD41}"/>
+                    <a16:creationId xmlns:a16="http://schemas.microsoft.com/office/drawing/2014/main" id="{DEA795CC-36FB-442E-B95A-E421FDE2FD41}"/>
                   </a:ext>
                 </a:extLst>
               </p:cNvPr>
@@ -8543,7 +10170,7 @@
             <p:cNvPr id="37" name="组合 36">
               <a:extLst>
                 <a:ext uri="{FF2B5EF4-FFF2-40B4-BE49-F238E27FC236}">
-                  <a16:creationId xmlns:a16="http://schemas.microsoft.com/office/drawing/2014/main" xmlns="" id="{33ACB9F3-88F4-4037-96A2-0F4224A6573D}"/>
+                  <a16:creationId xmlns:a16="http://schemas.microsoft.com/office/drawing/2014/main" id="{33ACB9F3-88F4-4037-96A2-0F4224A6573D}"/>
                 </a:ext>
               </a:extLst>
             </p:cNvPr>
@@ -8563,7 +10190,7 @@
               <p:cNvPr id="17" name="矩形 16">
                 <a:extLst>
                   <a:ext uri="{FF2B5EF4-FFF2-40B4-BE49-F238E27FC236}">
-                    <a16:creationId xmlns:a16="http://schemas.microsoft.com/office/drawing/2014/main" xmlns="" id="{9841CE9A-0440-46D5-BEA8-2374B4DECC17}"/>
+                    <a16:creationId xmlns:a16="http://schemas.microsoft.com/office/drawing/2014/main" id="{9841CE9A-0440-46D5-BEA8-2374B4DECC17}"/>
                   </a:ext>
                 </a:extLst>
               </p:cNvPr>
@@ -8619,7 +10246,7 @@
               <p:cNvPr id="18" name="矩形 17">
                 <a:extLst>
                   <a:ext uri="{FF2B5EF4-FFF2-40B4-BE49-F238E27FC236}">
-                    <a16:creationId xmlns:a16="http://schemas.microsoft.com/office/drawing/2014/main" xmlns="" id="{35CC91B7-89D0-4100-8B94-9DCB5C24F726}"/>
+                    <a16:creationId xmlns:a16="http://schemas.microsoft.com/office/drawing/2014/main" id="{35CC91B7-89D0-4100-8B94-9DCB5C24F726}"/>
                   </a:ext>
                 </a:extLst>
               </p:cNvPr>
@@ -8672,7 +10299,7 @@
             <p:cNvPr id="36" name="组合 35">
               <a:extLst>
                 <a:ext uri="{FF2B5EF4-FFF2-40B4-BE49-F238E27FC236}">
-                  <a16:creationId xmlns:a16="http://schemas.microsoft.com/office/drawing/2014/main" xmlns="" id="{7AD42322-1F8C-4120-81EC-41D5C3083458}"/>
+                  <a16:creationId xmlns:a16="http://schemas.microsoft.com/office/drawing/2014/main" id="{7AD42322-1F8C-4120-81EC-41D5C3083458}"/>
                 </a:ext>
               </a:extLst>
             </p:cNvPr>
@@ -8692,7 +10319,7 @@
               <p:cNvPr id="19" name="矩形 18">
                 <a:extLst>
                   <a:ext uri="{FF2B5EF4-FFF2-40B4-BE49-F238E27FC236}">
-                    <a16:creationId xmlns:a16="http://schemas.microsoft.com/office/drawing/2014/main" xmlns="" id="{071EB790-9DC6-4F7C-845C-4DB80B0FAAB7}"/>
+                    <a16:creationId xmlns:a16="http://schemas.microsoft.com/office/drawing/2014/main" id="{071EB790-9DC6-4F7C-845C-4DB80B0FAAB7}"/>
                   </a:ext>
                 </a:extLst>
               </p:cNvPr>
@@ -8748,7 +10375,7 @@
               <p:cNvPr id="20" name="矩形 19">
                 <a:extLst>
                   <a:ext uri="{FF2B5EF4-FFF2-40B4-BE49-F238E27FC236}">
-                    <a16:creationId xmlns:a16="http://schemas.microsoft.com/office/drawing/2014/main" xmlns="" id="{DCE91617-2513-4C3F-9D78-3EE8B7365FE0}"/>
+                    <a16:creationId xmlns:a16="http://schemas.microsoft.com/office/drawing/2014/main" id="{DCE91617-2513-4C3F-9D78-3EE8B7365FE0}"/>
                   </a:ext>
                 </a:extLst>
               </p:cNvPr>
@@ -8801,7 +10428,7 @@
             <p:cNvPr id="21" name="矩形 20">
               <a:extLst>
                 <a:ext uri="{FF2B5EF4-FFF2-40B4-BE49-F238E27FC236}">
-                  <a16:creationId xmlns:a16="http://schemas.microsoft.com/office/drawing/2014/main" xmlns="" id="{ED1538C1-D4C2-499D-AB33-1A3DF2E84E51}"/>
+                  <a16:creationId xmlns:a16="http://schemas.microsoft.com/office/drawing/2014/main" id="{ED1538C1-D4C2-499D-AB33-1A3DF2E84E51}"/>
                 </a:ext>
               </a:extLst>
             </p:cNvPr>
@@ -8853,7 +10480,7 @@
             <p:cNvPr id="22" name="矩形 21">
               <a:extLst>
                 <a:ext uri="{FF2B5EF4-FFF2-40B4-BE49-F238E27FC236}">
-                  <a16:creationId xmlns:a16="http://schemas.microsoft.com/office/drawing/2014/main" xmlns="" id="{756CF4B9-D473-4328-8229-4237A0139B37}"/>
+                  <a16:creationId xmlns:a16="http://schemas.microsoft.com/office/drawing/2014/main" id="{756CF4B9-D473-4328-8229-4237A0139B37}"/>
                 </a:ext>
               </a:extLst>
             </p:cNvPr>
@@ -8912,7 +10539,7 @@
             <p:cNvPr id="23" name="矩形 22">
               <a:extLst>
                 <a:ext uri="{FF2B5EF4-FFF2-40B4-BE49-F238E27FC236}">
-                  <a16:creationId xmlns:a16="http://schemas.microsoft.com/office/drawing/2014/main" xmlns="" id="{433629B6-9CBC-4E16-8A04-12C7198F3E87}"/>
+                  <a16:creationId xmlns:a16="http://schemas.microsoft.com/office/drawing/2014/main" id="{433629B6-9CBC-4E16-8A04-12C7198F3E87}"/>
                 </a:ext>
               </a:extLst>
             </p:cNvPr>
@@ -8970,7 +10597,7 @@
             <p:cNvPr id="25" name="直接箭头连接符 24">
               <a:extLst>
                 <a:ext uri="{FF2B5EF4-FFF2-40B4-BE49-F238E27FC236}">
-                  <a16:creationId xmlns:a16="http://schemas.microsoft.com/office/drawing/2014/main" xmlns="" id="{A40152A9-A215-4168-A644-8F0727D406E5}"/>
+                  <a16:creationId xmlns:a16="http://schemas.microsoft.com/office/drawing/2014/main" id="{A40152A9-A215-4168-A644-8F0727D406E5}"/>
                 </a:ext>
               </a:extLst>
             </p:cNvPr>
@@ -9012,7 +10639,7 @@
             <p:cNvPr id="26" name="文本框 25">
               <a:extLst>
                 <a:ext uri="{FF2B5EF4-FFF2-40B4-BE49-F238E27FC236}">
-                  <a16:creationId xmlns:a16="http://schemas.microsoft.com/office/drawing/2014/main" xmlns="" id="{151A9938-FA8A-4876-AB97-3B20F824AC38}"/>
+                  <a16:creationId xmlns:a16="http://schemas.microsoft.com/office/drawing/2014/main" id="{151A9938-FA8A-4876-AB97-3B20F824AC38}"/>
                 </a:ext>
               </a:extLst>
             </p:cNvPr>
@@ -9048,7 +10675,7 @@
             <p:cNvPr id="32" name="直接箭头连接符 31">
               <a:extLst>
                 <a:ext uri="{FF2B5EF4-FFF2-40B4-BE49-F238E27FC236}">
-                  <a16:creationId xmlns:a16="http://schemas.microsoft.com/office/drawing/2014/main" xmlns="" id="{2144D9F5-8828-4EF3-B8F5-0F262693CB6F}"/>
+                  <a16:creationId xmlns:a16="http://schemas.microsoft.com/office/drawing/2014/main" id="{2144D9F5-8828-4EF3-B8F5-0F262693CB6F}"/>
                 </a:ext>
               </a:extLst>
             </p:cNvPr>
@@ -9092,7 +10719,7 @@
             <p:cNvPr id="43" name="直接箭头连接符 42">
               <a:extLst>
                 <a:ext uri="{FF2B5EF4-FFF2-40B4-BE49-F238E27FC236}">
-                  <a16:creationId xmlns:a16="http://schemas.microsoft.com/office/drawing/2014/main" xmlns="" id="{78420197-19D5-4C60-A744-9E40D3F377B5}"/>
+                  <a16:creationId xmlns:a16="http://schemas.microsoft.com/office/drawing/2014/main" id="{78420197-19D5-4C60-A744-9E40D3F377B5}"/>
                 </a:ext>
               </a:extLst>
             </p:cNvPr>
@@ -9136,7 +10763,7 @@
             <p:cNvPr id="44" name="直接箭头连接符 43">
               <a:extLst>
                 <a:ext uri="{FF2B5EF4-FFF2-40B4-BE49-F238E27FC236}">
-                  <a16:creationId xmlns:a16="http://schemas.microsoft.com/office/drawing/2014/main" xmlns="" id="{A2300EFB-A4A3-44BC-8684-7306BA4CE658}"/>
+                  <a16:creationId xmlns:a16="http://schemas.microsoft.com/office/drawing/2014/main" id="{A2300EFB-A4A3-44BC-8684-7306BA4CE658}"/>
                 </a:ext>
               </a:extLst>
             </p:cNvPr>
@@ -9180,7 +10807,7 @@
             <p:cNvPr id="45" name="直接箭头连接符 44">
               <a:extLst>
                 <a:ext uri="{FF2B5EF4-FFF2-40B4-BE49-F238E27FC236}">
-                  <a16:creationId xmlns:a16="http://schemas.microsoft.com/office/drawing/2014/main" xmlns="" id="{89FFF3CB-13FF-4E8A-96C2-C698DC09D99E}"/>
+                  <a16:creationId xmlns:a16="http://schemas.microsoft.com/office/drawing/2014/main" id="{89FFF3CB-13FF-4E8A-96C2-C698DC09D99E}"/>
                 </a:ext>
               </a:extLst>
             </p:cNvPr>
@@ -9224,7 +10851,7 @@
             <p:cNvPr id="46" name="直接箭头连接符 45">
               <a:extLst>
                 <a:ext uri="{FF2B5EF4-FFF2-40B4-BE49-F238E27FC236}">
-                  <a16:creationId xmlns:a16="http://schemas.microsoft.com/office/drawing/2014/main" xmlns="" id="{76398AFF-D50B-4CE4-B9E2-23663D13FC2A}"/>
+                  <a16:creationId xmlns:a16="http://schemas.microsoft.com/office/drawing/2014/main" id="{76398AFF-D50B-4CE4-B9E2-23663D13FC2A}"/>
                 </a:ext>
               </a:extLst>
             </p:cNvPr>
@@ -9268,7 +10895,7 @@
             <p:cNvPr id="47" name="直接箭头连接符 46">
               <a:extLst>
                 <a:ext uri="{FF2B5EF4-FFF2-40B4-BE49-F238E27FC236}">
-                  <a16:creationId xmlns:a16="http://schemas.microsoft.com/office/drawing/2014/main" xmlns="" id="{7CB7F7B8-0527-4E02-A44B-05F2CD1C6138}"/>
+                  <a16:creationId xmlns:a16="http://schemas.microsoft.com/office/drawing/2014/main" id="{7CB7F7B8-0527-4E02-A44B-05F2CD1C6138}"/>
                 </a:ext>
               </a:extLst>
             </p:cNvPr>
@@ -9312,7 +10939,7 @@
             <p:cNvPr id="48" name="直接箭头连接符 47">
               <a:extLst>
                 <a:ext uri="{FF2B5EF4-FFF2-40B4-BE49-F238E27FC236}">
-                  <a16:creationId xmlns:a16="http://schemas.microsoft.com/office/drawing/2014/main" xmlns="" id="{EAE191E5-73A8-4951-9A8B-6EEF86690407}"/>
+                  <a16:creationId xmlns:a16="http://schemas.microsoft.com/office/drawing/2014/main" id="{EAE191E5-73A8-4951-9A8B-6EEF86690407}"/>
                 </a:ext>
               </a:extLst>
             </p:cNvPr>
@@ -9356,7 +10983,7 @@
             <p:cNvPr id="50" name="直接箭头连接符 49">
               <a:extLst>
                 <a:ext uri="{FF2B5EF4-FFF2-40B4-BE49-F238E27FC236}">
-                  <a16:creationId xmlns:a16="http://schemas.microsoft.com/office/drawing/2014/main" xmlns="" id="{6F0F2227-CD11-43E2-A7B2-A0F8AA258630}"/>
+                  <a16:creationId xmlns:a16="http://schemas.microsoft.com/office/drawing/2014/main" id="{6F0F2227-CD11-43E2-A7B2-A0F8AA258630}"/>
                 </a:ext>
               </a:extLst>
             </p:cNvPr>
@@ -9400,7 +11027,7 @@
             <p:cNvPr id="61" name="直接箭头连接符 60">
               <a:extLst>
                 <a:ext uri="{FF2B5EF4-FFF2-40B4-BE49-F238E27FC236}">
-                  <a16:creationId xmlns:a16="http://schemas.microsoft.com/office/drawing/2014/main" xmlns="" id="{F43BE90D-2967-4835-BD7A-9B8FB5151897}"/>
+                  <a16:creationId xmlns:a16="http://schemas.microsoft.com/office/drawing/2014/main" id="{F43BE90D-2967-4835-BD7A-9B8FB5151897}"/>
                 </a:ext>
               </a:extLst>
             </p:cNvPr>
@@ -9444,7 +11071,7 @@
             <p:cNvPr id="63" name="矩形 62">
               <a:extLst>
                 <a:ext uri="{FF2B5EF4-FFF2-40B4-BE49-F238E27FC236}">
-                  <a16:creationId xmlns:a16="http://schemas.microsoft.com/office/drawing/2014/main" xmlns="" id="{983E946E-44A5-418D-A899-18F3E4BA0EDB}"/>
+                  <a16:creationId xmlns:a16="http://schemas.microsoft.com/office/drawing/2014/main" id="{983E946E-44A5-418D-A899-18F3E4BA0EDB}"/>
                 </a:ext>
               </a:extLst>
             </p:cNvPr>
@@ -9500,7 +11127,7 @@
             <p:cNvPr id="64" name="组合 63">
               <a:extLst>
                 <a:ext uri="{FF2B5EF4-FFF2-40B4-BE49-F238E27FC236}">
-                  <a16:creationId xmlns:a16="http://schemas.microsoft.com/office/drawing/2014/main" xmlns="" id="{99804F35-88BD-4BD1-AB6E-5F4241F0F47D}"/>
+                  <a16:creationId xmlns:a16="http://schemas.microsoft.com/office/drawing/2014/main" id="{99804F35-88BD-4BD1-AB6E-5F4241F0F47D}"/>
                 </a:ext>
               </a:extLst>
             </p:cNvPr>
@@ -9520,7 +11147,7 @@
               <p:cNvPr id="65" name="矩形 64">
                 <a:extLst>
                   <a:ext uri="{FF2B5EF4-FFF2-40B4-BE49-F238E27FC236}">
-                    <a16:creationId xmlns:a16="http://schemas.microsoft.com/office/drawing/2014/main" xmlns="" id="{3B8875A5-5FF5-4264-8AC0-ED14BBD0EE63}"/>
+                    <a16:creationId xmlns:a16="http://schemas.microsoft.com/office/drawing/2014/main" id="{3B8875A5-5FF5-4264-8AC0-ED14BBD0EE63}"/>
                   </a:ext>
                 </a:extLst>
               </p:cNvPr>
@@ -9576,7 +11203,7 @@
               <p:cNvPr id="66" name="矩形 65">
                 <a:extLst>
                   <a:ext uri="{FF2B5EF4-FFF2-40B4-BE49-F238E27FC236}">
-                    <a16:creationId xmlns:a16="http://schemas.microsoft.com/office/drawing/2014/main" xmlns="" id="{A357DC4E-B199-4CBA-890D-DFF2A4D3879B}"/>
+                    <a16:creationId xmlns:a16="http://schemas.microsoft.com/office/drawing/2014/main" id="{A357DC4E-B199-4CBA-890D-DFF2A4D3879B}"/>
                   </a:ext>
                 </a:extLst>
               </p:cNvPr>
@@ -9632,7 +11259,7 @@
               <p:cNvPr id="67" name="矩形 66">
                 <a:extLst>
                   <a:ext uri="{FF2B5EF4-FFF2-40B4-BE49-F238E27FC236}">
-                    <a16:creationId xmlns:a16="http://schemas.microsoft.com/office/drawing/2014/main" xmlns="" id="{4DA27D6E-75F8-41B0-B55A-3A8D2206CE18}"/>
+                    <a16:creationId xmlns:a16="http://schemas.microsoft.com/office/drawing/2014/main" id="{4DA27D6E-75F8-41B0-B55A-3A8D2206CE18}"/>
                   </a:ext>
                 </a:extLst>
               </p:cNvPr>
@@ -9689,7 +11316,7 @@
             <p:cNvPr id="68" name="组合 67">
               <a:extLst>
                 <a:ext uri="{FF2B5EF4-FFF2-40B4-BE49-F238E27FC236}">
-                  <a16:creationId xmlns:a16="http://schemas.microsoft.com/office/drawing/2014/main" xmlns="" id="{021F3A10-10FA-44D1-ABAF-F5675909EA5D}"/>
+                  <a16:creationId xmlns:a16="http://schemas.microsoft.com/office/drawing/2014/main" id="{021F3A10-10FA-44D1-ABAF-F5675909EA5D}"/>
                 </a:ext>
               </a:extLst>
             </p:cNvPr>
@@ -9709,7 +11336,7 @@
               <p:cNvPr id="69" name="矩形 68">
                 <a:extLst>
                   <a:ext uri="{FF2B5EF4-FFF2-40B4-BE49-F238E27FC236}">
-                    <a16:creationId xmlns:a16="http://schemas.microsoft.com/office/drawing/2014/main" xmlns="" id="{65F24C17-7F70-4932-8261-F2C926C3F437}"/>
+                    <a16:creationId xmlns:a16="http://schemas.microsoft.com/office/drawing/2014/main" id="{65F24C17-7F70-4932-8261-F2C926C3F437}"/>
                   </a:ext>
                 </a:extLst>
               </p:cNvPr>
@@ -9765,7 +11392,7 @@
               <p:cNvPr id="70" name="矩形 69">
                 <a:extLst>
                   <a:ext uri="{FF2B5EF4-FFF2-40B4-BE49-F238E27FC236}">
-                    <a16:creationId xmlns:a16="http://schemas.microsoft.com/office/drawing/2014/main" xmlns="" id="{3A34AC29-0503-4304-8863-E21C69CE50CD}"/>
+                    <a16:creationId xmlns:a16="http://schemas.microsoft.com/office/drawing/2014/main" id="{3A34AC29-0503-4304-8863-E21C69CE50CD}"/>
                   </a:ext>
                 </a:extLst>
               </p:cNvPr>
@@ -9822,7 +11449,7 @@
             <p:cNvPr id="71" name="组合 70">
               <a:extLst>
                 <a:ext uri="{FF2B5EF4-FFF2-40B4-BE49-F238E27FC236}">
-                  <a16:creationId xmlns:a16="http://schemas.microsoft.com/office/drawing/2014/main" xmlns="" id="{163EDBAE-F4FE-4A84-96DF-CE905895CF72}"/>
+                  <a16:creationId xmlns:a16="http://schemas.microsoft.com/office/drawing/2014/main" id="{163EDBAE-F4FE-4A84-96DF-CE905895CF72}"/>
                 </a:ext>
               </a:extLst>
             </p:cNvPr>
@@ -9842,7 +11469,7 @@
               <p:cNvPr id="72" name="矩形 71">
                 <a:extLst>
                   <a:ext uri="{FF2B5EF4-FFF2-40B4-BE49-F238E27FC236}">
-                    <a16:creationId xmlns:a16="http://schemas.microsoft.com/office/drawing/2014/main" xmlns="" id="{A32CBBBF-FE4D-45FA-8A0A-541B1252733C}"/>
+                    <a16:creationId xmlns:a16="http://schemas.microsoft.com/office/drawing/2014/main" id="{A32CBBBF-FE4D-45FA-8A0A-541B1252733C}"/>
                   </a:ext>
                 </a:extLst>
               </p:cNvPr>
@@ -9898,7 +11525,7 @@
               <p:cNvPr id="73" name="矩形 72">
                 <a:extLst>
                   <a:ext uri="{FF2B5EF4-FFF2-40B4-BE49-F238E27FC236}">
-                    <a16:creationId xmlns:a16="http://schemas.microsoft.com/office/drawing/2014/main" xmlns="" id="{C5A761F8-5414-4719-BEF2-09281FDB54ED}"/>
+                    <a16:creationId xmlns:a16="http://schemas.microsoft.com/office/drawing/2014/main" id="{C5A761F8-5414-4719-BEF2-09281FDB54ED}"/>
                   </a:ext>
                 </a:extLst>
               </p:cNvPr>
@@ -9955,7 +11582,7 @@
             <p:cNvPr id="74" name="组合 73">
               <a:extLst>
                 <a:ext uri="{FF2B5EF4-FFF2-40B4-BE49-F238E27FC236}">
-                  <a16:creationId xmlns:a16="http://schemas.microsoft.com/office/drawing/2014/main" xmlns="" id="{10E15A34-BF90-46AE-8703-C46A586DCFAB}"/>
+                  <a16:creationId xmlns:a16="http://schemas.microsoft.com/office/drawing/2014/main" id="{10E15A34-BF90-46AE-8703-C46A586DCFAB}"/>
                 </a:ext>
               </a:extLst>
             </p:cNvPr>
@@ -9975,7 +11602,7 @@
               <p:cNvPr id="75" name="矩形 74">
                 <a:extLst>
                   <a:ext uri="{FF2B5EF4-FFF2-40B4-BE49-F238E27FC236}">
-                    <a16:creationId xmlns:a16="http://schemas.microsoft.com/office/drawing/2014/main" xmlns="" id="{BE6A9484-C4BA-4A38-85BF-E32257547303}"/>
+                    <a16:creationId xmlns:a16="http://schemas.microsoft.com/office/drawing/2014/main" id="{BE6A9484-C4BA-4A38-85BF-E32257547303}"/>
                   </a:ext>
                 </a:extLst>
               </p:cNvPr>
@@ -10031,7 +11658,7 @@
               <p:cNvPr id="76" name="矩形 75">
                 <a:extLst>
                   <a:ext uri="{FF2B5EF4-FFF2-40B4-BE49-F238E27FC236}">
-                    <a16:creationId xmlns:a16="http://schemas.microsoft.com/office/drawing/2014/main" xmlns="" id="{1B72D1D1-510F-4DA7-89B0-102D1E3C62AA}"/>
+                    <a16:creationId xmlns:a16="http://schemas.microsoft.com/office/drawing/2014/main" id="{1B72D1D1-510F-4DA7-89B0-102D1E3C62AA}"/>
                   </a:ext>
                 </a:extLst>
               </p:cNvPr>
@@ -10084,7 +11711,7 @@
             <p:cNvPr id="77" name="组合 76">
               <a:extLst>
                 <a:ext uri="{FF2B5EF4-FFF2-40B4-BE49-F238E27FC236}">
-                  <a16:creationId xmlns:a16="http://schemas.microsoft.com/office/drawing/2014/main" xmlns="" id="{8B1070A5-0080-44C6-AADC-30356ED35B64}"/>
+                  <a16:creationId xmlns:a16="http://schemas.microsoft.com/office/drawing/2014/main" id="{8B1070A5-0080-44C6-AADC-30356ED35B64}"/>
                 </a:ext>
               </a:extLst>
             </p:cNvPr>
@@ -10104,7 +11731,7 @@
               <p:cNvPr id="78" name="矩形 77">
                 <a:extLst>
                   <a:ext uri="{FF2B5EF4-FFF2-40B4-BE49-F238E27FC236}">
-                    <a16:creationId xmlns:a16="http://schemas.microsoft.com/office/drawing/2014/main" xmlns="" id="{36634DFA-B1F5-43F7-959B-0F070BA30D52}"/>
+                    <a16:creationId xmlns:a16="http://schemas.microsoft.com/office/drawing/2014/main" id="{36634DFA-B1F5-43F7-959B-0F070BA30D52}"/>
                   </a:ext>
                 </a:extLst>
               </p:cNvPr>
@@ -10160,7 +11787,7 @@
               <p:cNvPr id="79" name="矩形 78">
                 <a:extLst>
                   <a:ext uri="{FF2B5EF4-FFF2-40B4-BE49-F238E27FC236}">
-                    <a16:creationId xmlns:a16="http://schemas.microsoft.com/office/drawing/2014/main" xmlns="" id="{4A708D80-60EC-4BA6-ACBD-C61BA534B026}"/>
+                    <a16:creationId xmlns:a16="http://schemas.microsoft.com/office/drawing/2014/main" id="{4A708D80-60EC-4BA6-ACBD-C61BA534B026}"/>
                   </a:ext>
                 </a:extLst>
               </p:cNvPr>
@@ -10213,7 +11840,7 @@
             <p:cNvPr id="80" name="组合 79">
               <a:extLst>
                 <a:ext uri="{FF2B5EF4-FFF2-40B4-BE49-F238E27FC236}">
-                  <a16:creationId xmlns:a16="http://schemas.microsoft.com/office/drawing/2014/main" xmlns="" id="{D8B26AF3-F3DA-416E-8C23-09254C3CA1FE}"/>
+                  <a16:creationId xmlns:a16="http://schemas.microsoft.com/office/drawing/2014/main" id="{D8B26AF3-F3DA-416E-8C23-09254C3CA1FE}"/>
                 </a:ext>
               </a:extLst>
             </p:cNvPr>
@@ -10233,7 +11860,7 @@
               <p:cNvPr id="81" name="矩形 80">
                 <a:extLst>
                   <a:ext uri="{FF2B5EF4-FFF2-40B4-BE49-F238E27FC236}">
-                    <a16:creationId xmlns:a16="http://schemas.microsoft.com/office/drawing/2014/main" xmlns="" id="{6AD16F53-2D2C-4D1D-B4C4-32AE48D3C0B6}"/>
+                    <a16:creationId xmlns:a16="http://schemas.microsoft.com/office/drawing/2014/main" id="{6AD16F53-2D2C-4D1D-B4C4-32AE48D3C0B6}"/>
                   </a:ext>
                 </a:extLst>
               </p:cNvPr>
@@ -10289,7 +11916,7 @@
               <p:cNvPr id="82" name="矩形 81">
                 <a:extLst>
                   <a:ext uri="{FF2B5EF4-FFF2-40B4-BE49-F238E27FC236}">
-                    <a16:creationId xmlns:a16="http://schemas.microsoft.com/office/drawing/2014/main" xmlns="" id="{3582704D-2065-4030-9276-DB2C888FDE19}"/>
+                    <a16:creationId xmlns:a16="http://schemas.microsoft.com/office/drawing/2014/main" id="{3582704D-2065-4030-9276-DB2C888FDE19}"/>
                   </a:ext>
                 </a:extLst>
               </p:cNvPr>
@@ -10342,7 +11969,7 @@
             <p:cNvPr id="83" name="矩形 82">
               <a:extLst>
                 <a:ext uri="{FF2B5EF4-FFF2-40B4-BE49-F238E27FC236}">
-                  <a16:creationId xmlns:a16="http://schemas.microsoft.com/office/drawing/2014/main" xmlns="" id="{F61023E8-78EA-4910-AFD4-E80528C93CA6}"/>
+                  <a16:creationId xmlns:a16="http://schemas.microsoft.com/office/drawing/2014/main" id="{F61023E8-78EA-4910-AFD4-E80528C93CA6}"/>
                 </a:ext>
               </a:extLst>
             </p:cNvPr>
@@ -10394,7 +12021,7 @@
             <p:cNvPr id="84" name="矩形 83">
               <a:extLst>
                 <a:ext uri="{FF2B5EF4-FFF2-40B4-BE49-F238E27FC236}">
-                  <a16:creationId xmlns:a16="http://schemas.microsoft.com/office/drawing/2014/main" xmlns="" id="{36E6A0CD-8458-411C-A494-5D545C87DC45}"/>
+                  <a16:creationId xmlns:a16="http://schemas.microsoft.com/office/drawing/2014/main" id="{36E6A0CD-8458-411C-A494-5D545C87DC45}"/>
                 </a:ext>
               </a:extLst>
             </p:cNvPr>
@@ -10453,7 +12080,7 @@
             <p:cNvPr id="85" name="矩形 84">
               <a:extLst>
                 <a:ext uri="{FF2B5EF4-FFF2-40B4-BE49-F238E27FC236}">
-                  <a16:creationId xmlns:a16="http://schemas.microsoft.com/office/drawing/2014/main" xmlns="" id="{198B395A-2372-4468-BF67-7146DA23EEF6}"/>
+                  <a16:creationId xmlns:a16="http://schemas.microsoft.com/office/drawing/2014/main" id="{198B395A-2372-4468-BF67-7146DA23EEF6}"/>
                 </a:ext>
               </a:extLst>
             </p:cNvPr>
@@ -10507,7 +12134,7 @@
             <p:cNvPr id="86" name="直接箭头连接符 85">
               <a:extLst>
                 <a:ext uri="{FF2B5EF4-FFF2-40B4-BE49-F238E27FC236}">
-                  <a16:creationId xmlns:a16="http://schemas.microsoft.com/office/drawing/2014/main" xmlns="" id="{E564AC90-774E-43C3-8C98-8B868EDBF12D}"/>
+                  <a16:creationId xmlns:a16="http://schemas.microsoft.com/office/drawing/2014/main" id="{E564AC90-774E-43C3-8C98-8B868EDBF12D}"/>
                 </a:ext>
               </a:extLst>
             </p:cNvPr>
@@ -10549,7 +12176,7 @@
             <p:cNvPr id="87" name="文本框 86">
               <a:extLst>
                 <a:ext uri="{FF2B5EF4-FFF2-40B4-BE49-F238E27FC236}">
-                  <a16:creationId xmlns:a16="http://schemas.microsoft.com/office/drawing/2014/main" xmlns="" id="{1E27E306-3C6E-4928-B9FD-0A8D9580E645}"/>
+                  <a16:creationId xmlns:a16="http://schemas.microsoft.com/office/drawing/2014/main" id="{1E27E306-3C6E-4928-B9FD-0A8D9580E645}"/>
                 </a:ext>
               </a:extLst>
             </p:cNvPr>
@@ -10585,7 +12212,7 @@
             <p:cNvPr id="88" name="直接箭头连接符 87">
               <a:extLst>
                 <a:ext uri="{FF2B5EF4-FFF2-40B4-BE49-F238E27FC236}">
-                  <a16:creationId xmlns:a16="http://schemas.microsoft.com/office/drawing/2014/main" xmlns="" id="{94F73913-7D05-447C-A8AF-DF84C906B74E}"/>
+                  <a16:creationId xmlns:a16="http://schemas.microsoft.com/office/drawing/2014/main" id="{94F73913-7D05-447C-A8AF-DF84C906B74E}"/>
                 </a:ext>
               </a:extLst>
             </p:cNvPr>
@@ -10629,7 +12256,7 @@
             <p:cNvPr id="89" name="直接箭头连接符 88">
               <a:extLst>
                 <a:ext uri="{FF2B5EF4-FFF2-40B4-BE49-F238E27FC236}">
-                  <a16:creationId xmlns:a16="http://schemas.microsoft.com/office/drawing/2014/main" xmlns="" id="{6F147ABA-0F49-4A8B-AC35-5432839E603E}"/>
+                  <a16:creationId xmlns:a16="http://schemas.microsoft.com/office/drawing/2014/main" id="{6F147ABA-0F49-4A8B-AC35-5432839E603E}"/>
                 </a:ext>
               </a:extLst>
             </p:cNvPr>
@@ -10673,7 +12300,7 @@
             <p:cNvPr id="90" name="直接箭头连接符 89">
               <a:extLst>
                 <a:ext uri="{FF2B5EF4-FFF2-40B4-BE49-F238E27FC236}">
-                  <a16:creationId xmlns:a16="http://schemas.microsoft.com/office/drawing/2014/main" xmlns="" id="{BD43F130-5B97-4551-B865-B2CBEA8F6844}"/>
+                  <a16:creationId xmlns:a16="http://schemas.microsoft.com/office/drawing/2014/main" id="{BD43F130-5B97-4551-B865-B2CBEA8F6844}"/>
                 </a:ext>
               </a:extLst>
             </p:cNvPr>
@@ -10717,7 +12344,7 @@
             <p:cNvPr id="91" name="直接箭头连接符 90">
               <a:extLst>
                 <a:ext uri="{FF2B5EF4-FFF2-40B4-BE49-F238E27FC236}">
-                  <a16:creationId xmlns:a16="http://schemas.microsoft.com/office/drawing/2014/main" xmlns="" id="{9887F249-2298-453C-AC4A-92CC3129D6AA}"/>
+                  <a16:creationId xmlns:a16="http://schemas.microsoft.com/office/drawing/2014/main" id="{9887F249-2298-453C-AC4A-92CC3129D6AA}"/>
                 </a:ext>
               </a:extLst>
             </p:cNvPr>
@@ -10761,7 +12388,7 @@
             <p:cNvPr id="92" name="直接箭头连接符 91">
               <a:extLst>
                 <a:ext uri="{FF2B5EF4-FFF2-40B4-BE49-F238E27FC236}">
-                  <a16:creationId xmlns:a16="http://schemas.microsoft.com/office/drawing/2014/main" xmlns="" id="{E6EE71BF-BF01-4C55-9012-880062514C1D}"/>
+                  <a16:creationId xmlns:a16="http://schemas.microsoft.com/office/drawing/2014/main" id="{E6EE71BF-BF01-4C55-9012-880062514C1D}"/>
                 </a:ext>
               </a:extLst>
             </p:cNvPr>
@@ -10805,7 +12432,7 @@
             <p:cNvPr id="93" name="直接箭头连接符 92">
               <a:extLst>
                 <a:ext uri="{FF2B5EF4-FFF2-40B4-BE49-F238E27FC236}">
-                  <a16:creationId xmlns:a16="http://schemas.microsoft.com/office/drawing/2014/main" xmlns="" id="{63380E1F-1DC5-40D9-98E4-F839A7D72B30}"/>
+                  <a16:creationId xmlns:a16="http://schemas.microsoft.com/office/drawing/2014/main" id="{63380E1F-1DC5-40D9-98E4-F839A7D72B30}"/>
                 </a:ext>
               </a:extLst>
             </p:cNvPr>
@@ -10849,7 +12476,7 @@
             <p:cNvPr id="98" name="直接箭头连接符 97">
               <a:extLst>
                 <a:ext uri="{FF2B5EF4-FFF2-40B4-BE49-F238E27FC236}">
-                  <a16:creationId xmlns:a16="http://schemas.microsoft.com/office/drawing/2014/main" xmlns="" id="{5CD021DD-F90B-4D1D-9BF6-1E1CE705353B}"/>
+                  <a16:creationId xmlns:a16="http://schemas.microsoft.com/office/drawing/2014/main" id="{5CD021DD-F90B-4D1D-9BF6-1E1CE705353B}"/>
                 </a:ext>
               </a:extLst>
             </p:cNvPr>
@@ -10893,7 +12520,7 @@
             <p:cNvPr id="99" name="直接箭头连接符 98">
               <a:extLst>
                 <a:ext uri="{FF2B5EF4-FFF2-40B4-BE49-F238E27FC236}">
-                  <a16:creationId xmlns:a16="http://schemas.microsoft.com/office/drawing/2014/main" xmlns="" id="{6D117CFD-6C37-41C6-9957-AF67ADE6DC53}"/>
+                  <a16:creationId xmlns:a16="http://schemas.microsoft.com/office/drawing/2014/main" id="{6D117CFD-6C37-41C6-9957-AF67ADE6DC53}"/>
                 </a:ext>
               </a:extLst>
             </p:cNvPr>
@@ -10937,7 +12564,7 @@
             <p:cNvPr id="102" name="直接箭头连接符 101">
               <a:extLst>
                 <a:ext uri="{FF2B5EF4-FFF2-40B4-BE49-F238E27FC236}">
-                  <a16:creationId xmlns:a16="http://schemas.microsoft.com/office/drawing/2014/main" xmlns="" id="{00671126-F310-4617-9036-C4619335A647}"/>
+                  <a16:creationId xmlns:a16="http://schemas.microsoft.com/office/drawing/2014/main" id="{00671126-F310-4617-9036-C4619335A647}"/>
                 </a:ext>
               </a:extLst>
             </p:cNvPr>
@@ -10981,7 +12608,7 @@
             <p:cNvPr id="104" name="文本框 103">
               <a:extLst>
                 <a:ext uri="{FF2B5EF4-FFF2-40B4-BE49-F238E27FC236}">
-                  <a16:creationId xmlns:a16="http://schemas.microsoft.com/office/drawing/2014/main" xmlns="" id="{BC2F8613-3DF0-4849-8EEE-44FCD2D46222}"/>
+                  <a16:creationId xmlns:a16="http://schemas.microsoft.com/office/drawing/2014/main" id="{BC2F8613-3DF0-4849-8EEE-44FCD2D46222}"/>
                 </a:ext>
               </a:extLst>
             </p:cNvPr>
@@ -11017,7 +12644,7 @@
             <p:cNvPr id="111" name="直接箭头连接符 110">
               <a:extLst>
                 <a:ext uri="{FF2B5EF4-FFF2-40B4-BE49-F238E27FC236}">
-                  <a16:creationId xmlns:a16="http://schemas.microsoft.com/office/drawing/2014/main" xmlns="" id="{2F401782-D3D5-45AD-B0F8-2A0DBE918C2A}"/>
+                  <a16:creationId xmlns:a16="http://schemas.microsoft.com/office/drawing/2014/main" id="{2F401782-D3D5-45AD-B0F8-2A0DBE918C2A}"/>
                 </a:ext>
               </a:extLst>
             </p:cNvPr>
@@ -11061,7 +12688,7 @@
             <p:cNvPr id="112" name="文本框 111">
               <a:extLst>
                 <a:ext uri="{FF2B5EF4-FFF2-40B4-BE49-F238E27FC236}">
-                  <a16:creationId xmlns:a16="http://schemas.microsoft.com/office/drawing/2014/main" xmlns="" id="{62EFAD0D-533D-4055-8996-0378D4B21553}"/>
+                  <a16:creationId xmlns:a16="http://schemas.microsoft.com/office/drawing/2014/main" id="{62EFAD0D-533D-4055-8996-0378D4B21553}"/>
                 </a:ext>
               </a:extLst>
             </p:cNvPr>
@@ -11097,7 +12724,7 @@
             <p:cNvPr id="118" name="直接箭头连接符 117">
               <a:extLst>
                 <a:ext uri="{FF2B5EF4-FFF2-40B4-BE49-F238E27FC236}">
-                  <a16:creationId xmlns:a16="http://schemas.microsoft.com/office/drawing/2014/main" xmlns="" id="{C0137676-3001-44B7-9CCE-B00AC655122A}"/>
+                  <a16:creationId xmlns:a16="http://schemas.microsoft.com/office/drawing/2014/main" id="{C0137676-3001-44B7-9CCE-B00AC655122A}"/>
                 </a:ext>
               </a:extLst>
             </p:cNvPr>
@@ -11141,7 +12768,7 @@
             <p:cNvPr id="120" name="直接箭头连接符 119">
               <a:extLst>
                 <a:ext uri="{FF2B5EF4-FFF2-40B4-BE49-F238E27FC236}">
-                  <a16:creationId xmlns:a16="http://schemas.microsoft.com/office/drawing/2014/main" xmlns="" id="{11888D61-A9A7-446B-BB3A-25596DFF1036}"/>
+                  <a16:creationId xmlns:a16="http://schemas.microsoft.com/office/drawing/2014/main" id="{11888D61-A9A7-446B-BB3A-25596DFF1036}"/>
                 </a:ext>
               </a:extLst>
             </p:cNvPr>
@@ -11185,7 +12812,7 @@
             <p:cNvPr id="121" name="直接箭头连接符 120">
               <a:extLst>
                 <a:ext uri="{FF2B5EF4-FFF2-40B4-BE49-F238E27FC236}">
-                  <a16:creationId xmlns:a16="http://schemas.microsoft.com/office/drawing/2014/main" xmlns="" id="{C367361C-D0AD-411F-816B-D47681549BE5}"/>
+                  <a16:creationId xmlns:a16="http://schemas.microsoft.com/office/drawing/2014/main" id="{C367361C-D0AD-411F-816B-D47681549BE5}"/>
                 </a:ext>
               </a:extLst>
             </p:cNvPr>
@@ -11229,7 +12856,7 @@
             <p:cNvPr id="122" name="文本框 121">
               <a:extLst>
                 <a:ext uri="{FF2B5EF4-FFF2-40B4-BE49-F238E27FC236}">
-                  <a16:creationId xmlns:a16="http://schemas.microsoft.com/office/drawing/2014/main" xmlns="" id="{CA28DC4C-E5A4-40F9-9ABD-55B2CC945572}"/>
+                  <a16:creationId xmlns:a16="http://schemas.microsoft.com/office/drawing/2014/main" id="{CA28DC4C-E5A4-40F9-9ABD-55B2CC945572}"/>
                 </a:ext>
               </a:extLst>
             </p:cNvPr>
@@ -11265,7 +12892,7 @@
             <p:cNvPr id="127" name="直接箭头连接符 126">
               <a:extLst>
                 <a:ext uri="{FF2B5EF4-FFF2-40B4-BE49-F238E27FC236}">
-                  <a16:creationId xmlns:a16="http://schemas.microsoft.com/office/drawing/2014/main" xmlns="" id="{52F62BD0-F9A1-444A-AE0B-81F75C626E76}"/>
+                  <a16:creationId xmlns:a16="http://schemas.microsoft.com/office/drawing/2014/main" id="{52F62BD0-F9A1-444A-AE0B-81F75C626E76}"/>
                 </a:ext>
               </a:extLst>
             </p:cNvPr>
@@ -11309,7 +12936,7 @@
             <p:cNvPr id="128" name="直接箭头连接符 127">
               <a:extLst>
                 <a:ext uri="{FF2B5EF4-FFF2-40B4-BE49-F238E27FC236}">
-                  <a16:creationId xmlns:a16="http://schemas.microsoft.com/office/drawing/2014/main" xmlns="" id="{F20B2371-0A9D-421F-AD1A-FAEE1A7F6B42}"/>
+                  <a16:creationId xmlns:a16="http://schemas.microsoft.com/office/drawing/2014/main" id="{F20B2371-0A9D-421F-AD1A-FAEE1A7F6B42}"/>
                 </a:ext>
               </a:extLst>
             </p:cNvPr>
@@ -11353,7 +12980,7 @@
             <p:cNvPr id="129" name="文本框 128">
               <a:extLst>
                 <a:ext uri="{FF2B5EF4-FFF2-40B4-BE49-F238E27FC236}">
-                  <a16:creationId xmlns:a16="http://schemas.microsoft.com/office/drawing/2014/main" xmlns="" id="{529122A4-66E4-4658-8DB1-9116E32C3DA5}"/>
+                  <a16:creationId xmlns:a16="http://schemas.microsoft.com/office/drawing/2014/main" id="{529122A4-66E4-4658-8DB1-9116E32C3DA5}"/>
                 </a:ext>
               </a:extLst>
             </p:cNvPr>
@@ -11389,7 +13016,7 @@
             <p:cNvPr id="133" name="直接箭头连接符 132">
               <a:extLst>
                 <a:ext uri="{FF2B5EF4-FFF2-40B4-BE49-F238E27FC236}">
-                  <a16:creationId xmlns:a16="http://schemas.microsoft.com/office/drawing/2014/main" xmlns="" id="{167EEA90-B249-4FF5-BFA3-CD3373BB2026}"/>
+                  <a16:creationId xmlns:a16="http://schemas.microsoft.com/office/drawing/2014/main" id="{167EEA90-B249-4FF5-BFA3-CD3373BB2026}"/>
                 </a:ext>
               </a:extLst>
             </p:cNvPr>
@@ -11433,7 +13060,7 @@
             <p:cNvPr id="136" name="直接箭头连接符 135">
               <a:extLst>
                 <a:ext uri="{FF2B5EF4-FFF2-40B4-BE49-F238E27FC236}">
-                  <a16:creationId xmlns:a16="http://schemas.microsoft.com/office/drawing/2014/main" xmlns="" id="{0A399FE5-5ADC-43F2-9E03-330B5121EB94}"/>
+                  <a16:creationId xmlns:a16="http://schemas.microsoft.com/office/drawing/2014/main" id="{0A399FE5-5ADC-43F2-9E03-330B5121EB94}"/>
                 </a:ext>
               </a:extLst>
             </p:cNvPr>
@@ -11477,7 +13104,7 @@
             <p:cNvPr id="137" name="文本框 136">
               <a:extLst>
                 <a:ext uri="{FF2B5EF4-FFF2-40B4-BE49-F238E27FC236}">
-                  <a16:creationId xmlns:a16="http://schemas.microsoft.com/office/drawing/2014/main" xmlns="" id="{8B6F0B77-C5CE-45F0-8928-7727A35E904F}"/>
+                  <a16:creationId xmlns:a16="http://schemas.microsoft.com/office/drawing/2014/main" id="{8B6F0B77-C5CE-45F0-8928-7727A35E904F}"/>
                 </a:ext>
               </a:extLst>
             </p:cNvPr>
@@ -11544,7 +13171,7 @@
           <p:cNvPr id="6" name="组合 5">
             <a:extLst>
               <a:ext uri="{FF2B5EF4-FFF2-40B4-BE49-F238E27FC236}">
-                <a16:creationId xmlns:a16="http://schemas.microsoft.com/office/drawing/2014/main" xmlns="" id="{B7DF7374-C6D6-4F65-AC42-8F74FE342BD9}"/>
+                <a16:creationId xmlns:a16="http://schemas.microsoft.com/office/drawing/2014/main" id="{B7DF7374-C6D6-4F65-AC42-8F74FE342BD9}"/>
               </a:ext>
             </a:extLst>
           </p:cNvPr>
@@ -11564,7 +13191,7 @@
             <p:cNvPr id="28" name="组合 27">
               <a:extLst>
                 <a:ext uri="{FF2B5EF4-FFF2-40B4-BE49-F238E27FC236}">
-                  <a16:creationId xmlns:a16="http://schemas.microsoft.com/office/drawing/2014/main" xmlns="" id="{038D84A5-8C3C-4D56-A38D-F4275A55BE67}"/>
+                  <a16:creationId xmlns:a16="http://schemas.microsoft.com/office/drawing/2014/main" id="{038D84A5-8C3C-4D56-A38D-F4275A55BE67}"/>
                 </a:ext>
               </a:extLst>
             </p:cNvPr>
@@ -11584,7 +13211,7 @@
               <p:cNvPr id="5" name="图形 4" descr="监视器">
                 <a:extLst>
                   <a:ext uri="{FF2B5EF4-FFF2-40B4-BE49-F238E27FC236}">
-                    <a16:creationId xmlns:a16="http://schemas.microsoft.com/office/drawing/2014/main" xmlns="" id="{706B8FAF-2392-4339-B934-DD56DB6DA83C}"/>
+                    <a16:creationId xmlns:a16="http://schemas.microsoft.com/office/drawing/2014/main" id="{706B8FAF-2392-4339-B934-DD56DB6DA83C}"/>
                   </a:ext>
                 </a:extLst>
               </p:cNvPr>
@@ -11600,7 +13227,7 @@
                     <a14:useLocalDpi xmlns:a14="http://schemas.microsoft.com/office/drawing/2010/main" val="0"/>
                   </a:ext>
                   <a:ext uri="{96DAC541-7B7A-43D3-8B79-37D633B846F1}">
-                    <asvg:svgBlip xmlns:asvg="http://schemas.microsoft.com/office/drawing/2016/SVG/main" xmlns="" r:embed="rId3"/>
+                    <asvg:svgBlip xmlns:asvg="http://schemas.microsoft.com/office/drawing/2016/SVG/main" r:embed="rId3"/>
                   </a:ext>
                 </a:extLst>
               </a:blip>
@@ -11623,7 +13250,7 @@
               <p:cNvPr id="7" name="图形 6" descr="遥控">
                 <a:extLst>
                   <a:ext uri="{FF2B5EF4-FFF2-40B4-BE49-F238E27FC236}">
-                    <a16:creationId xmlns:a16="http://schemas.microsoft.com/office/drawing/2014/main" xmlns="" id="{2A8B6BCA-9127-4F11-8F97-B80B97DC467C}"/>
+                    <a16:creationId xmlns:a16="http://schemas.microsoft.com/office/drawing/2014/main" id="{2A8B6BCA-9127-4F11-8F97-B80B97DC467C}"/>
                   </a:ext>
                 </a:extLst>
               </p:cNvPr>
@@ -11639,7 +13266,7 @@
                     <a14:useLocalDpi xmlns:a14="http://schemas.microsoft.com/office/drawing/2010/main" val="0"/>
                   </a:ext>
                   <a:ext uri="{96DAC541-7B7A-43D3-8B79-37D633B846F1}">
-                    <asvg:svgBlip xmlns:asvg="http://schemas.microsoft.com/office/drawing/2016/SVG/main" xmlns="" r:embed="rId5"/>
+                    <asvg:svgBlip xmlns:asvg="http://schemas.microsoft.com/office/drawing/2016/SVG/main" r:embed="rId5"/>
                   </a:ext>
                 </a:extLst>
               </a:blip>
@@ -11662,7 +13289,7 @@
               <p:cNvPr id="8" name="矩形 7">
                 <a:extLst>
                   <a:ext uri="{FF2B5EF4-FFF2-40B4-BE49-F238E27FC236}">
-                    <a16:creationId xmlns:a16="http://schemas.microsoft.com/office/drawing/2014/main" xmlns="" id="{C6B2C05A-2169-4CB0-86B6-2D545D0B2ACA}"/>
+                    <a16:creationId xmlns:a16="http://schemas.microsoft.com/office/drawing/2014/main" id="{C6B2C05A-2169-4CB0-86B6-2D545D0B2ACA}"/>
                   </a:ext>
                 </a:extLst>
               </p:cNvPr>
@@ -11744,7 +13371,7 @@
               <p:cNvPr id="9" name="矩形 8">
                 <a:extLst>
                   <a:ext uri="{FF2B5EF4-FFF2-40B4-BE49-F238E27FC236}">
-                    <a16:creationId xmlns:a16="http://schemas.microsoft.com/office/drawing/2014/main" xmlns="" id="{78DA9EFC-8EDA-4E4A-A147-5463986F0F5D}"/>
+                    <a16:creationId xmlns:a16="http://schemas.microsoft.com/office/drawing/2014/main" id="{78DA9EFC-8EDA-4E4A-A147-5463986F0F5D}"/>
                   </a:ext>
                 </a:extLst>
               </p:cNvPr>
@@ -11823,7 +13450,7 @@
               <p:cNvPr id="10" name="矩形 9">
                 <a:extLst>
                   <a:ext uri="{FF2B5EF4-FFF2-40B4-BE49-F238E27FC236}">
-                    <a16:creationId xmlns:a16="http://schemas.microsoft.com/office/drawing/2014/main" xmlns="" id="{2D3059FF-C436-4097-992B-55EB12FEE651}"/>
+                    <a16:creationId xmlns:a16="http://schemas.microsoft.com/office/drawing/2014/main" id="{2D3059FF-C436-4097-992B-55EB12FEE651}"/>
                   </a:ext>
                 </a:extLst>
               </p:cNvPr>
@@ -11918,7 +13545,7 @@
               <p:cNvPr id="11" name="矩形 10">
                 <a:extLst>
                   <a:ext uri="{FF2B5EF4-FFF2-40B4-BE49-F238E27FC236}">
-                    <a16:creationId xmlns:a16="http://schemas.microsoft.com/office/drawing/2014/main" xmlns="" id="{9A31B366-ADE3-47BD-8CE7-BE46F81A8D5A}"/>
+                    <a16:creationId xmlns:a16="http://schemas.microsoft.com/office/drawing/2014/main" id="{9A31B366-ADE3-47BD-8CE7-BE46F81A8D5A}"/>
                   </a:ext>
                 </a:extLst>
               </p:cNvPr>
@@ -11997,7 +13624,7 @@
               <p:cNvPr id="12" name="矩形 11">
                 <a:extLst>
                   <a:ext uri="{FF2B5EF4-FFF2-40B4-BE49-F238E27FC236}">
-                    <a16:creationId xmlns:a16="http://schemas.microsoft.com/office/drawing/2014/main" xmlns="" id="{7D29CA6D-2760-4CD9-8936-50B72AC77435}"/>
+                    <a16:creationId xmlns:a16="http://schemas.microsoft.com/office/drawing/2014/main" id="{7D29CA6D-2760-4CD9-8936-50B72AC77435}"/>
                   </a:ext>
                 </a:extLst>
               </p:cNvPr>
@@ -12076,7 +13703,7 @@
               <p:cNvPr id="13" name="矩形 12">
                 <a:extLst>
                   <a:ext uri="{FF2B5EF4-FFF2-40B4-BE49-F238E27FC236}">
-                    <a16:creationId xmlns:a16="http://schemas.microsoft.com/office/drawing/2014/main" xmlns="" id="{DC641AC1-0ACA-4750-96E4-CB9E007E5200}"/>
+                    <a16:creationId xmlns:a16="http://schemas.microsoft.com/office/drawing/2014/main" id="{DC641AC1-0ACA-4750-96E4-CB9E007E5200}"/>
                   </a:ext>
                 </a:extLst>
               </p:cNvPr>
@@ -12155,7 +13782,7 @@
               <p:cNvPr id="14" name="矩形 13">
                 <a:extLst>
                   <a:ext uri="{FF2B5EF4-FFF2-40B4-BE49-F238E27FC236}">
-                    <a16:creationId xmlns:a16="http://schemas.microsoft.com/office/drawing/2014/main" xmlns="" id="{CACFBEF5-D0A1-42AA-AF32-007E254CE2C9}"/>
+                    <a16:creationId xmlns:a16="http://schemas.microsoft.com/office/drawing/2014/main" id="{CACFBEF5-D0A1-42AA-AF32-007E254CE2C9}"/>
                   </a:ext>
                 </a:extLst>
               </p:cNvPr>
@@ -12258,7 +13885,7 @@
               <p:cNvPr id="15" name="矩形 14">
                 <a:extLst>
                   <a:ext uri="{FF2B5EF4-FFF2-40B4-BE49-F238E27FC236}">
-                    <a16:creationId xmlns:a16="http://schemas.microsoft.com/office/drawing/2014/main" xmlns="" id="{A8D1157B-FA54-42F5-9105-AED2148B51A5}"/>
+                    <a16:creationId xmlns:a16="http://schemas.microsoft.com/office/drawing/2014/main" id="{A8D1157B-FA54-42F5-9105-AED2148B51A5}"/>
                   </a:ext>
                 </a:extLst>
               </p:cNvPr>
@@ -12324,7 +13951,7 @@
               <p:cNvPr id="16" name="矩形 15">
                 <a:extLst>
                   <a:ext uri="{FF2B5EF4-FFF2-40B4-BE49-F238E27FC236}">
-                    <a16:creationId xmlns:a16="http://schemas.microsoft.com/office/drawing/2014/main" xmlns="" id="{2E3D9ADE-5902-4898-8498-9B4B5D181E48}"/>
+                    <a16:creationId xmlns:a16="http://schemas.microsoft.com/office/drawing/2014/main" id="{2E3D9ADE-5902-4898-8498-9B4B5D181E48}"/>
                   </a:ext>
                 </a:extLst>
               </p:cNvPr>
@@ -12403,7 +14030,7 @@
               <p:cNvPr id="17" name="矩形 16">
                 <a:extLst>
                   <a:ext uri="{FF2B5EF4-FFF2-40B4-BE49-F238E27FC236}">
-                    <a16:creationId xmlns:a16="http://schemas.microsoft.com/office/drawing/2014/main" xmlns="" id="{A1B5D1A0-629D-40C6-84A9-48CC84BAAEC4}"/>
+                    <a16:creationId xmlns:a16="http://schemas.microsoft.com/office/drawing/2014/main" id="{A1B5D1A0-629D-40C6-84A9-48CC84BAAEC4}"/>
                   </a:ext>
                 </a:extLst>
               </p:cNvPr>
@@ -12469,7 +14096,7 @@
               <p:cNvPr id="18" name="矩形 17">
                 <a:extLst>
                   <a:ext uri="{FF2B5EF4-FFF2-40B4-BE49-F238E27FC236}">
-                    <a16:creationId xmlns:a16="http://schemas.microsoft.com/office/drawing/2014/main" xmlns="" id="{44ECA1AA-D978-48C2-A9F6-92C0546137CB}"/>
+                    <a16:creationId xmlns:a16="http://schemas.microsoft.com/office/drawing/2014/main" id="{44ECA1AA-D978-48C2-A9F6-92C0546137CB}"/>
                   </a:ext>
                 </a:extLst>
               </p:cNvPr>
@@ -12564,7 +14191,7 @@
               <p:cNvPr id="19" name="矩形 18">
                 <a:extLst>
                   <a:ext uri="{FF2B5EF4-FFF2-40B4-BE49-F238E27FC236}">
-                    <a16:creationId xmlns:a16="http://schemas.microsoft.com/office/drawing/2014/main" xmlns="" id="{32A2264F-1EBF-4D71-995F-6042F2A57E47}"/>
+                    <a16:creationId xmlns:a16="http://schemas.microsoft.com/office/drawing/2014/main" id="{32A2264F-1EBF-4D71-995F-6042F2A57E47}"/>
                   </a:ext>
                 </a:extLst>
               </p:cNvPr>
@@ -12659,7 +14286,7 @@
               <p:cNvPr id="20" name="矩形 19">
                 <a:extLst>
                   <a:ext uri="{FF2B5EF4-FFF2-40B4-BE49-F238E27FC236}">
-                    <a16:creationId xmlns:a16="http://schemas.microsoft.com/office/drawing/2014/main" xmlns="" id="{878F77A7-8F34-4506-B7D7-C3AAEB1B49B4}"/>
+                    <a16:creationId xmlns:a16="http://schemas.microsoft.com/office/drawing/2014/main" id="{878F77A7-8F34-4506-B7D7-C3AAEB1B49B4}"/>
                   </a:ext>
                 </a:extLst>
               </p:cNvPr>
@@ -12741,7 +14368,7 @@
               <p:cNvPr id="21" name="矩形 20">
                 <a:extLst>
                   <a:ext uri="{FF2B5EF4-FFF2-40B4-BE49-F238E27FC236}">
-                    <a16:creationId xmlns:a16="http://schemas.microsoft.com/office/drawing/2014/main" xmlns="" id="{F8937441-12C9-4300-A3F8-60FA2D5BB6FB}"/>
+                    <a16:creationId xmlns:a16="http://schemas.microsoft.com/office/drawing/2014/main" id="{F8937441-12C9-4300-A3F8-60FA2D5BB6FB}"/>
                   </a:ext>
                 </a:extLst>
               </p:cNvPr>
@@ -12836,7 +14463,7 @@
               <p:cNvPr id="22" name="矩形 21">
                 <a:extLst>
                   <a:ext uri="{FF2B5EF4-FFF2-40B4-BE49-F238E27FC236}">
-                    <a16:creationId xmlns:a16="http://schemas.microsoft.com/office/drawing/2014/main" xmlns="" id="{8A14C3A7-F2E2-4B53-AB63-5B46D30E08FE}"/>
+                    <a16:creationId xmlns:a16="http://schemas.microsoft.com/office/drawing/2014/main" id="{8A14C3A7-F2E2-4B53-AB63-5B46D30E08FE}"/>
                   </a:ext>
                 </a:extLst>
               </p:cNvPr>
@@ -12918,7 +14545,7 @@
               <p:cNvPr id="23" name="矩形 22">
                 <a:extLst>
                   <a:ext uri="{FF2B5EF4-FFF2-40B4-BE49-F238E27FC236}">
-                    <a16:creationId xmlns:a16="http://schemas.microsoft.com/office/drawing/2014/main" xmlns="" id="{DE08F505-99E6-41FB-BFE0-861A8771E2AC}"/>
+                    <a16:creationId xmlns:a16="http://schemas.microsoft.com/office/drawing/2014/main" id="{DE08F505-99E6-41FB-BFE0-861A8771E2AC}"/>
                   </a:ext>
                 </a:extLst>
               </p:cNvPr>
@@ -12997,7 +14624,7 @@
               <p:cNvPr id="24" name="矩形 23">
                 <a:extLst>
                   <a:ext uri="{FF2B5EF4-FFF2-40B4-BE49-F238E27FC236}">
-                    <a16:creationId xmlns:a16="http://schemas.microsoft.com/office/drawing/2014/main" xmlns="" id="{B7FCAB2E-8136-4F27-A6DE-7E066D3C7E90}"/>
+                    <a16:creationId xmlns:a16="http://schemas.microsoft.com/office/drawing/2014/main" id="{B7FCAB2E-8136-4F27-A6DE-7E066D3C7E90}"/>
                   </a:ext>
                 </a:extLst>
               </p:cNvPr>
@@ -13076,7 +14703,7 @@
               <p:cNvPr id="25" name="文本框 24">
                 <a:extLst>
                   <a:ext uri="{FF2B5EF4-FFF2-40B4-BE49-F238E27FC236}">
-                    <a16:creationId xmlns:a16="http://schemas.microsoft.com/office/drawing/2014/main" xmlns="" id="{4FA472D0-2F35-432F-883E-A8FEA6BE9139}"/>
+                    <a16:creationId xmlns:a16="http://schemas.microsoft.com/office/drawing/2014/main" id="{4FA472D0-2F35-432F-883E-A8FEA6BE9139}"/>
                   </a:ext>
                 </a:extLst>
               </p:cNvPr>
@@ -13111,7 +14738,7 @@
               <p:cNvPr id="27" name="文本框 26">
                 <a:extLst>
                   <a:ext uri="{FF2B5EF4-FFF2-40B4-BE49-F238E27FC236}">
-                    <a16:creationId xmlns:a16="http://schemas.microsoft.com/office/drawing/2014/main" xmlns="" id="{3AD4EFF5-9B65-4931-9FF1-1A568E808C73}"/>
+                    <a16:creationId xmlns:a16="http://schemas.microsoft.com/office/drawing/2014/main" id="{3AD4EFF5-9B65-4931-9FF1-1A568E808C73}"/>
                   </a:ext>
                 </a:extLst>
               </p:cNvPr>
@@ -13147,7 +14774,7 @@
             <p:cNvPr id="3" name="直接连接符 2">
               <a:extLst>
                 <a:ext uri="{FF2B5EF4-FFF2-40B4-BE49-F238E27FC236}">
-                  <a16:creationId xmlns:a16="http://schemas.microsoft.com/office/drawing/2014/main" xmlns="" id="{2A9E6179-18A9-4B04-A098-F5B45CA8F2B2}"/>
+                  <a16:creationId xmlns:a16="http://schemas.microsoft.com/office/drawing/2014/main" id="{2A9E6179-18A9-4B04-A098-F5B45CA8F2B2}"/>
                 </a:ext>
               </a:extLst>
             </p:cNvPr>
@@ -13191,7 +14818,7 @@
             <p:cNvPr id="29" name="直接连接符 28">
               <a:extLst>
                 <a:ext uri="{FF2B5EF4-FFF2-40B4-BE49-F238E27FC236}">
-                  <a16:creationId xmlns:a16="http://schemas.microsoft.com/office/drawing/2014/main" xmlns="" id="{6D970244-4298-4296-9195-A46D745D3D59}"/>
+                  <a16:creationId xmlns:a16="http://schemas.microsoft.com/office/drawing/2014/main" id="{6D970244-4298-4296-9195-A46D745D3D59}"/>
                 </a:ext>
               </a:extLst>
             </p:cNvPr>
@@ -13235,7 +14862,7 @@
             <p:cNvPr id="30" name="直接连接符 29">
               <a:extLst>
                 <a:ext uri="{FF2B5EF4-FFF2-40B4-BE49-F238E27FC236}">
-                  <a16:creationId xmlns:a16="http://schemas.microsoft.com/office/drawing/2014/main" xmlns="" id="{83C38AF5-F909-4C79-A3C0-DFC716D60185}"/>
+                  <a16:creationId xmlns:a16="http://schemas.microsoft.com/office/drawing/2014/main" id="{83C38AF5-F909-4C79-A3C0-DFC716D60185}"/>
                 </a:ext>
               </a:extLst>
             </p:cNvPr>
@@ -13279,7 +14906,7 @@
             <p:cNvPr id="31" name="直接连接符 30">
               <a:extLst>
                 <a:ext uri="{FF2B5EF4-FFF2-40B4-BE49-F238E27FC236}">
-                  <a16:creationId xmlns:a16="http://schemas.microsoft.com/office/drawing/2014/main" xmlns="" id="{9805940C-8745-447C-B7A0-25DE528531F3}"/>
+                  <a16:creationId xmlns:a16="http://schemas.microsoft.com/office/drawing/2014/main" id="{9805940C-8745-447C-B7A0-25DE528531F3}"/>
                 </a:ext>
               </a:extLst>
             </p:cNvPr>
@@ -13323,7 +14950,7 @@
             <p:cNvPr id="32" name="直接连接符 31">
               <a:extLst>
                 <a:ext uri="{FF2B5EF4-FFF2-40B4-BE49-F238E27FC236}">
-                  <a16:creationId xmlns:a16="http://schemas.microsoft.com/office/drawing/2014/main" xmlns="" id="{F984E670-10ED-4A98-9C83-E3870BEFB1A2}"/>
+                  <a16:creationId xmlns:a16="http://schemas.microsoft.com/office/drawing/2014/main" id="{F984E670-10ED-4A98-9C83-E3870BEFB1A2}"/>
                 </a:ext>
               </a:extLst>
             </p:cNvPr>
@@ -13367,7 +14994,7 @@
             <p:cNvPr id="33" name="直接连接符 32">
               <a:extLst>
                 <a:ext uri="{FF2B5EF4-FFF2-40B4-BE49-F238E27FC236}">
-                  <a16:creationId xmlns:a16="http://schemas.microsoft.com/office/drawing/2014/main" xmlns="" id="{1B47A3EC-5E8B-477F-9524-88DA04B7BCB2}"/>
+                  <a16:creationId xmlns:a16="http://schemas.microsoft.com/office/drawing/2014/main" id="{1B47A3EC-5E8B-477F-9524-88DA04B7BCB2}"/>
                 </a:ext>
               </a:extLst>
             </p:cNvPr>
@@ -13411,7 +15038,7 @@
             <p:cNvPr id="34" name="直接连接符 33">
               <a:extLst>
                 <a:ext uri="{FF2B5EF4-FFF2-40B4-BE49-F238E27FC236}">
-                  <a16:creationId xmlns:a16="http://schemas.microsoft.com/office/drawing/2014/main" xmlns="" id="{4578361F-8964-4A8C-9FA5-D7B451553967}"/>
+                  <a16:creationId xmlns:a16="http://schemas.microsoft.com/office/drawing/2014/main" id="{4578361F-8964-4A8C-9FA5-D7B451553967}"/>
                 </a:ext>
               </a:extLst>
             </p:cNvPr>
@@ -13483,10 +15110,1758 @@
       </p:grpSpPr>
       <p:grpSp>
         <p:nvGrpSpPr>
+          <p:cNvPr id="69" name="组合 68">
+            <a:extLst>
+              <a:ext uri="{FF2B5EF4-FFF2-40B4-BE49-F238E27FC236}">
+                <a16:creationId xmlns:a16="http://schemas.microsoft.com/office/drawing/2014/main" id="{7C6E85F0-2A14-461B-87E1-E7660BEFAE75}"/>
+              </a:ext>
+            </a:extLst>
+          </p:cNvPr>
+          <p:cNvGrpSpPr/>
+          <p:nvPr/>
+        </p:nvGrpSpPr>
+        <p:grpSpPr>
+          <a:xfrm>
+            <a:off x="1575847" y="151613"/>
+            <a:ext cx="8115302" cy="2670757"/>
+            <a:chOff x="1575847" y="151613"/>
+            <a:chExt cx="8115302" cy="2670757"/>
+          </a:xfrm>
+        </p:grpSpPr>
+        <p:grpSp>
+          <p:nvGrpSpPr>
+            <p:cNvPr id="44" name="组合 43">
+              <a:extLst>
+                <a:ext uri="{FF2B5EF4-FFF2-40B4-BE49-F238E27FC236}">
+                  <a16:creationId xmlns:a16="http://schemas.microsoft.com/office/drawing/2014/main" id="{9529EED4-78A6-418B-8584-C711A015E119}"/>
+                </a:ext>
+              </a:extLst>
+            </p:cNvPr>
+            <p:cNvGrpSpPr/>
+            <p:nvPr/>
+          </p:nvGrpSpPr>
+          <p:grpSpPr>
+            <a:xfrm>
+              <a:off x="1575847" y="742832"/>
+              <a:ext cx="5834603" cy="2079538"/>
+              <a:chOff x="1509172" y="1260492"/>
+              <a:chExt cx="5834603" cy="2079538"/>
+            </a:xfrm>
+          </p:grpSpPr>
+          <p:sp>
+            <p:nvSpPr>
+              <p:cNvPr id="8" name="矩形 7">
+                <a:extLst>
+                  <a:ext uri="{FF2B5EF4-FFF2-40B4-BE49-F238E27FC236}">
+                    <a16:creationId xmlns:a16="http://schemas.microsoft.com/office/drawing/2014/main" id="{C6B2C05A-2169-4CB0-86B6-2D545D0B2ACA}"/>
+                  </a:ext>
+                </a:extLst>
+              </p:cNvPr>
+              <p:cNvSpPr/>
+              <p:nvPr/>
+            </p:nvSpPr>
+            <p:spPr>
+              <a:xfrm>
+                <a:off x="1509173" y="1260492"/>
+                <a:ext cx="1862677" cy="682607"/>
+              </a:xfrm>
+              <a:prstGeom prst="rect">
+                <a:avLst/>
+              </a:prstGeom>
+              <a:solidFill>
+                <a:schemeClr val="accent1">
+                  <a:lumMod val="40000"/>
+                  <a:lumOff val="60000"/>
+                </a:schemeClr>
+              </a:solidFill>
+              <a:ln w="19050">
+                <a:solidFill>
+                  <a:srgbClr val="0070C0"/>
+                </a:solidFill>
+              </a:ln>
+            </p:spPr>
+            <p:style>
+              <a:lnRef idx="2">
+                <a:schemeClr val="accent1">
+                  <a:shade val="50000"/>
+                </a:schemeClr>
+              </a:lnRef>
+              <a:fillRef idx="1">
+                <a:schemeClr val="accent1"/>
+              </a:fillRef>
+              <a:effectRef idx="0">
+                <a:schemeClr val="accent1"/>
+              </a:effectRef>
+              <a:fontRef idx="minor">
+                <a:schemeClr val="lt1"/>
+              </a:fontRef>
+            </p:style>
+            <p:txBody>
+              <a:bodyPr rtlCol="0" anchor="ctr"/>
+              <a:lstStyle/>
+              <a:p>
+                <a:pPr algn="ctr"/>
+                <a:r>
+                  <a:rPr lang="zh-CN" altLang="en-US" dirty="0">
+                    <a:solidFill>
+                      <a:schemeClr val="tx1"/>
+                    </a:solidFill>
+                  </a:rPr>
+                  <a:t>报文首部</a:t>
+                </a:r>
+              </a:p>
+            </p:txBody>
+          </p:sp>
+          <p:sp>
+            <p:nvSpPr>
+              <p:cNvPr id="35" name="矩形 34">
+                <a:extLst>
+                  <a:ext uri="{FF2B5EF4-FFF2-40B4-BE49-F238E27FC236}">
+                    <a16:creationId xmlns:a16="http://schemas.microsoft.com/office/drawing/2014/main" id="{8028A9A2-9990-4663-82AC-E579F3016E2F}"/>
+                  </a:ext>
+                </a:extLst>
+              </p:cNvPr>
+              <p:cNvSpPr/>
+              <p:nvPr/>
+            </p:nvSpPr>
+            <p:spPr>
+              <a:xfrm>
+                <a:off x="1509172" y="1943099"/>
+                <a:ext cx="1862677" cy="508017"/>
+              </a:xfrm>
+              <a:prstGeom prst="rect">
+                <a:avLst/>
+              </a:prstGeom>
+              <a:solidFill>
+                <a:schemeClr val="accent1">
+                  <a:lumMod val="20000"/>
+                  <a:lumOff val="80000"/>
+                </a:schemeClr>
+              </a:solidFill>
+              <a:ln w="19050">
+                <a:solidFill>
+                  <a:srgbClr val="0070C0"/>
+                </a:solidFill>
+              </a:ln>
+            </p:spPr>
+            <p:style>
+              <a:lnRef idx="2">
+                <a:schemeClr val="accent1">
+                  <a:shade val="50000"/>
+                </a:schemeClr>
+              </a:lnRef>
+              <a:fillRef idx="1">
+                <a:schemeClr val="accent1"/>
+              </a:fillRef>
+              <a:effectRef idx="0">
+                <a:schemeClr val="accent1"/>
+              </a:effectRef>
+              <a:fontRef idx="minor">
+                <a:schemeClr val="lt1"/>
+              </a:fontRef>
+            </p:style>
+            <p:txBody>
+              <a:bodyPr rtlCol="0" anchor="ctr"/>
+              <a:lstStyle/>
+              <a:p>
+                <a:pPr algn="ctr"/>
+                <a:r>
+                  <a:rPr lang="zh-CN" altLang="en-US" dirty="0">
+                    <a:solidFill>
+                      <a:schemeClr val="tx1"/>
+                    </a:solidFill>
+                  </a:rPr>
+                  <a:t>空行</a:t>
+                </a:r>
+                <a:r>
+                  <a:rPr lang="en-US" altLang="zh-CN" dirty="0">
+                    <a:solidFill>
+                      <a:schemeClr val="tx1"/>
+                    </a:solidFill>
+                  </a:rPr>
+                  <a:t>(CR+LF)</a:t>
+                </a:r>
+                <a:endParaRPr lang="zh-CN" altLang="en-US" dirty="0">
+                  <a:solidFill>
+                    <a:schemeClr val="tx1"/>
+                  </a:solidFill>
+                </a:endParaRPr>
+              </a:p>
+            </p:txBody>
+          </p:sp>
+          <p:sp>
+            <p:nvSpPr>
+              <p:cNvPr id="36" name="矩形 35">
+                <a:extLst>
+                  <a:ext uri="{FF2B5EF4-FFF2-40B4-BE49-F238E27FC236}">
+                    <a16:creationId xmlns:a16="http://schemas.microsoft.com/office/drawing/2014/main" id="{50B468DF-6904-454B-B38A-74D2EBB827A0}"/>
+                  </a:ext>
+                </a:extLst>
+              </p:cNvPr>
+              <p:cNvSpPr/>
+              <p:nvPr/>
+            </p:nvSpPr>
+            <p:spPr>
+              <a:xfrm>
+                <a:off x="1509173" y="2451117"/>
+                <a:ext cx="1862677" cy="888913"/>
+              </a:xfrm>
+              <a:prstGeom prst="rect">
+                <a:avLst/>
+              </a:prstGeom>
+              <a:solidFill>
+                <a:schemeClr val="tx2">
+                  <a:lumMod val="20000"/>
+                  <a:lumOff val="80000"/>
+                </a:schemeClr>
+              </a:solidFill>
+              <a:ln w="19050">
+                <a:solidFill>
+                  <a:srgbClr val="0070C0"/>
+                </a:solidFill>
+              </a:ln>
+            </p:spPr>
+            <p:style>
+              <a:lnRef idx="2">
+                <a:schemeClr val="accent1">
+                  <a:shade val="50000"/>
+                </a:schemeClr>
+              </a:lnRef>
+              <a:fillRef idx="1">
+                <a:schemeClr val="accent1"/>
+              </a:fillRef>
+              <a:effectRef idx="0">
+                <a:schemeClr val="accent1"/>
+              </a:effectRef>
+              <a:fontRef idx="minor">
+                <a:schemeClr val="lt1"/>
+              </a:fontRef>
+            </p:style>
+            <p:txBody>
+              <a:bodyPr rtlCol="0" anchor="ctr"/>
+              <a:lstStyle/>
+              <a:p>
+                <a:pPr algn="ctr"/>
+                <a:r>
+                  <a:rPr lang="zh-CN" altLang="en-US" dirty="0">
+                    <a:solidFill>
+                      <a:schemeClr val="tx1"/>
+                    </a:solidFill>
+                  </a:rPr>
+                  <a:t>报文主体</a:t>
+                </a:r>
+              </a:p>
+            </p:txBody>
+          </p:sp>
+          <p:sp>
+            <p:nvSpPr>
+              <p:cNvPr id="37" name="矩形 36">
+                <a:extLst>
+                  <a:ext uri="{FF2B5EF4-FFF2-40B4-BE49-F238E27FC236}">
+                    <a16:creationId xmlns:a16="http://schemas.microsoft.com/office/drawing/2014/main" id="{8BD5824E-B19F-44F1-9016-6BCFB663171D}"/>
+                  </a:ext>
+                </a:extLst>
+              </p:cNvPr>
+              <p:cNvSpPr/>
+              <p:nvPr/>
+            </p:nvSpPr>
+            <p:spPr>
+              <a:xfrm>
+                <a:off x="5481098" y="1260492"/>
+                <a:ext cx="1862677" cy="415908"/>
+              </a:xfrm>
+              <a:prstGeom prst="rect">
+                <a:avLst/>
+              </a:prstGeom>
+              <a:solidFill>
+                <a:schemeClr val="accent1">
+                  <a:lumMod val="40000"/>
+                  <a:lumOff val="60000"/>
+                </a:schemeClr>
+              </a:solidFill>
+              <a:ln w="19050">
+                <a:solidFill>
+                  <a:srgbClr val="0070C0"/>
+                </a:solidFill>
+              </a:ln>
+            </p:spPr>
+            <p:style>
+              <a:lnRef idx="2">
+                <a:schemeClr val="accent1">
+                  <a:shade val="50000"/>
+                </a:schemeClr>
+              </a:lnRef>
+              <a:fillRef idx="1">
+                <a:schemeClr val="accent1"/>
+              </a:fillRef>
+              <a:effectRef idx="0">
+                <a:schemeClr val="accent1"/>
+              </a:effectRef>
+              <a:fontRef idx="minor">
+                <a:schemeClr val="lt1"/>
+              </a:fontRef>
+            </p:style>
+            <p:txBody>
+              <a:bodyPr rtlCol="0" anchor="ctr"/>
+              <a:lstStyle/>
+              <a:p>
+                <a:pPr algn="ctr"/>
+                <a:r>
+                  <a:rPr lang="zh-CN" altLang="en-US" dirty="0">
+                    <a:solidFill>
+                      <a:schemeClr val="tx1"/>
+                    </a:solidFill>
+                  </a:rPr>
+                  <a:t>请求行</a:t>
+                </a:r>
+              </a:p>
+            </p:txBody>
+          </p:sp>
+          <p:cxnSp>
+            <p:nvCxnSpPr>
+              <p:cNvPr id="4" name="直接连接符 3">
+                <a:extLst>
+                  <a:ext uri="{FF2B5EF4-FFF2-40B4-BE49-F238E27FC236}">
+                    <a16:creationId xmlns:a16="http://schemas.microsoft.com/office/drawing/2014/main" id="{33B71C87-DD26-46B4-9B81-B2ACA5D2ED77}"/>
+                  </a:ext>
+                </a:extLst>
+              </p:cNvPr>
+              <p:cNvCxnSpPr>
+                <a:cxnSpLocks/>
+              </p:cNvCxnSpPr>
+              <p:nvPr/>
+            </p:nvCxnSpPr>
+            <p:spPr>
+              <a:xfrm>
+                <a:off x="3371849" y="1260492"/>
+                <a:ext cx="2109249" cy="0"/>
+              </a:xfrm>
+              <a:prstGeom prst="line">
+                <a:avLst/>
+              </a:prstGeom>
+              <a:ln w="19050">
+                <a:solidFill>
+                  <a:schemeClr val="tx1"/>
+                </a:solidFill>
+                <a:prstDash val="dashDot"/>
+              </a:ln>
+            </p:spPr>
+            <p:style>
+              <a:lnRef idx="1">
+                <a:schemeClr val="accent1"/>
+              </a:lnRef>
+              <a:fillRef idx="0">
+                <a:schemeClr val="accent1"/>
+              </a:fillRef>
+              <a:effectRef idx="0">
+                <a:schemeClr val="accent1"/>
+              </a:effectRef>
+              <a:fontRef idx="minor">
+                <a:schemeClr val="tx1"/>
+              </a:fontRef>
+            </p:style>
+          </p:cxnSp>
+          <p:sp>
+            <p:nvSpPr>
+              <p:cNvPr id="38" name="矩形 37">
+                <a:extLst>
+                  <a:ext uri="{FF2B5EF4-FFF2-40B4-BE49-F238E27FC236}">
+                    <a16:creationId xmlns:a16="http://schemas.microsoft.com/office/drawing/2014/main" id="{5173A06B-ED8A-42EC-950D-1EDDBBA15DC7}"/>
+                  </a:ext>
+                </a:extLst>
+              </p:cNvPr>
+              <p:cNvSpPr/>
+              <p:nvPr/>
+            </p:nvSpPr>
+            <p:spPr>
+              <a:xfrm>
+                <a:off x="5481098" y="1676400"/>
+                <a:ext cx="1862677" cy="415908"/>
+              </a:xfrm>
+              <a:prstGeom prst="rect">
+                <a:avLst/>
+              </a:prstGeom>
+              <a:solidFill>
+                <a:schemeClr val="accent1">
+                  <a:lumMod val="40000"/>
+                  <a:lumOff val="60000"/>
+                </a:schemeClr>
+              </a:solidFill>
+              <a:ln w="19050">
+                <a:solidFill>
+                  <a:srgbClr val="0070C0"/>
+                </a:solidFill>
+              </a:ln>
+            </p:spPr>
+            <p:style>
+              <a:lnRef idx="2">
+                <a:schemeClr val="accent1">
+                  <a:shade val="50000"/>
+                </a:schemeClr>
+              </a:lnRef>
+              <a:fillRef idx="1">
+                <a:schemeClr val="accent1"/>
+              </a:fillRef>
+              <a:effectRef idx="0">
+                <a:schemeClr val="accent1"/>
+              </a:effectRef>
+              <a:fontRef idx="minor">
+                <a:schemeClr val="lt1"/>
+              </a:fontRef>
+            </p:style>
+            <p:txBody>
+              <a:bodyPr rtlCol="0" anchor="ctr"/>
+              <a:lstStyle/>
+              <a:p>
+                <a:pPr algn="ctr"/>
+                <a:r>
+                  <a:rPr lang="zh-CN" altLang="en-US" dirty="0">
+                    <a:solidFill>
+                      <a:schemeClr val="tx1"/>
+                    </a:solidFill>
+                  </a:rPr>
+                  <a:t>请求首部字段</a:t>
+                </a:r>
+              </a:p>
+            </p:txBody>
+          </p:sp>
+          <p:sp>
+            <p:nvSpPr>
+              <p:cNvPr id="39" name="矩形 38">
+                <a:extLst>
+                  <a:ext uri="{FF2B5EF4-FFF2-40B4-BE49-F238E27FC236}">
+                    <a16:creationId xmlns:a16="http://schemas.microsoft.com/office/drawing/2014/main" id="{378E8BE0-841B-4DB8-BA60-CD123F242D38}"/>
+                  </a:ext>
+                </a:extLst>
+              </p:cNvPr>
+              <p:cNvSpPr/>
+              <p:nvPr/>
+            </p:nvSpPr>
+            <p:spPr>
+              <a:xfrm>
+                <a:off x="5481098" y="2092307"/>
+                <a:ext cx="1862677" cy="415908"/>
+              </a:xfrm>
+              <a:prstGeom prst="rect">
+                <a:avLst/>
+              </a:prstGeom>
+              <a:solidFill>
+                <a:schemeClr val="accent1">
+                  <a:lumMod val="40000"/>
+                  <a:lumOff val="60000"/>
+                </a:schemeClr>
+              </a:solidFill>
+              <a:ln w="19050">
+                <a:solidFill>
+                  <a:srgbClr val="0070C0"/>
+                </a:solidFill>
+              </a:ln>
+            </p:spPr>
+            <p:style>
+              <a:lnRef idx="2">
+                <a:schemeClr val="accent1">
+                  <a:shade val="50000"/>
+                </a:schemeClr>
+              </a:lnRef>
+              <a:fillRef idx="1">
+                <a:schemeClr val="accent1"/>
+              </a:fillRef>
+              <a:effectRef idx="0">
+                <a:schemeClr val="accent1"/>
+              </a:effectRef>
+              <a:fontRef idx="minor">
+                <a:schemeClr val="lt1"/>
+              </a:fontRef>
+            </p:style>
+            <p:txBody>
+              <a:bodyPr rtlCol="0" anchor="ctr"/>
+              <a:lstStyle/>
+              <a:p>
+                <a:pPr algn="ctr"/>
+                <a:r>
+                  <a:rPr lang="zh-CN" altLang="en-US" dirty="0">
+                    <a:solidFill>
+                      <a:schemeClr val="tx1"/>
+                    </a:solidFill>
+                  </a:rPr>
+                  <a:t>通用首部字段</a:t>
+                </a:r>
+              </a:p>
+            </p:txBody>
+          </p:sp>
+          <p:sp>
+            <p:nvSpPr>
+              <p:cNvPr id="40" name="矩形 39">
+                <a:extLst>
+                  <a:ext uri="{FF2B5EF4-FFF2-40B4-BE49-F238E27FC236}">
+                    <a16:creationId xmlns:a16="http://schemas.microsoft.com/office/drawing/2014/main" id="{C4A1DD9E-C47D-4693-A1A3-3DE2471F619F}"/>
+                  </a:ext>
+                </a:extLst>
+              </p:cNvPr>
+              <p:cNvSpPr/>
+              <p:nvPr/>
+            </p:nvSpPr>
+            <p:spPr>
+              <a:xfrm>
+                <a:off x="5481098" y="2508215"/>
+                <a:ext cx="1862677" cy="415908"/>
+              </a:xfrm>
+              <a:prstGeom prst="rect">
+                <a:avLst/>
+              </a:prstGeom>
+              <a:solidFill>
+                <a:schemeClr val="accent1">
+                  <a:lumMod val="40000"/>
+                  <a:lumOff val="60000"/>
+                </a:schemeClr>
+              </a:solidFill>
+              <a:ln w="19050">
+                <a:solidFill>
+                  <a:srgbClr val="0070C0"/>
+                </a:solidFill>
+              </a:ln>
+            </p:spPr>
+            <p:style>
+              <a:lnRef idx="2">
+                <a:schemeClr val="accent1">
+                  <a:shade val="50000"/>
+                </a:schemeClr>
+              </a:lnRef>
+              <a:fillRef idx="1">
+                <a:schemeClr val="accent1"/>
+              </a:fillRef>
+              <a:effectRef idx="0">
+                <a:schemeClr val="accent1"/>
+              </a:effectRef>
+              <a:fontRef idx="minor">
+                <a:schemeClr val="lt1"/>
+              </a:fontRef>
+            </p:style>
+            <p:txBody>
+              <a:bodyPr rtlCol="0" anchor="ctr"/>
+              <a:lstStyle/>
+              <a:p>
+                <a:pPr algn="ctr"/>
+                <a:r>
+                  <a:rPr lang="zh-CN" altLang="en-US" dirty="0">
+                    <a:solidFill>
+                      <a:schemeClr val="tx1"/>
+                    </a:solidFill>
+                  </a:rPr>
+                  <a:t>实体首部字段</a:t>
+                </a:r>
+              </a:p>
+            </p:txBody>
+          </p:sp>
+          <p:sp>
+            <p:nvSpPr>
+              <p:cNvPr id="41" name="矩形 40">
+                <a:extLst>
+                  <a:ext uri="{FF2B5EF4-FFF2-40B4-BE49-F238E27FC236}">
+                    <a16:creationId xmlns:a16="http://schemas.microsoft.com/office/drawing/2014/main" id="{240BC9B8-89D6-4539-B66F-D7FED4FB2D10}"/>
+                  </a:ext>
+                </a:extLst>
+              </p:cNvPr>
+              <p:cNvSpPr/>
+              <p:nvPr/>
+            </p:nvSpPr>
+            <p:spPr>
+              <a:xfrm>
+                <a:off x="5481098" y="2924122"/>
+                <a:ext cx="1862677" cy="415908"/>
+              </a:xfrm>
+              <a:prstGeom prst="rect">
+                <a:avLst/>
+              </a:prstGeom>
+              <a:solidFill>
+                <a:schemeClr val="bg1"/>
+              </a:solidFill>
+              <a:ln w="19050">
+                <a:solidFill>
+                  <a:srgbClr val="0070C0"/>
+                </a:solidFill>
+              </a:ln>
+            </p:spPr>
+            <p:style>
+              <a:lnRef idx="2">
+                <a:schemeClr val="accent1">
+                  <a:shade val="50000"/>
+                </a:schemeClr>
+              </a:lnRef>
+              <a:fillRef idx="1">
+                <a:schemeClr val="accent1"/>
+              </a:fillRef>
+              <a:effectRef idx="0">
+                <a:schemeClr val="accent1"/>
+              </a:effectRef>
+              <a:fontRef idx="minor">
+                <a:schemeClr val="lt1"/>
+              </a:fontRef>
+            </p:style>
+            <p:txBody>
+              <a:bodyPr rtlCol="0" anchor="ctr"/>
+              <a:lstStyle/>
+              <a:p>
+                <a:pPr algn="ctr"/>
+                <a:r>
+                  <a:rPr lang="zh-CN" altLang="en-US" dirty="0">
+                    <a:solidFill>
+                      <a:schemeClr val="tx1"/>
+                    </a:solidFill>
+                  </a:rPr>
+                  <a:t>其他</a:t>
+                </a:r>
+              </a:p>
+            </p:txBody>
+          </p:sp>
+          <p:cxnSp>
+            <p:nvCxnSpPr>
+              <p:cNvPr id="42" name="直接连接符 41">
+                <a:extLst>
+                  <a:ext uri="{FF2B5EF4-FFF2-40B4-BE49-F238E27FC236}">
+                    <a16:creationId xmlns:a16="http://schemas.microsoft.com/office/drawing/2014/main" id="{59860404-3B48-45A3-9C1E-85A9F5B7F11C}"/>
+                  </a:ext>
+                </a:extLst>
+              </p:cNvPr>
+              <p:cNvCxnSpPr>
+                <a:cxnSpLocks/>
+              </p:cNvCxnSpPr>
+              <p:nvPr/>
+            </p:nvCxnSpPr>
+            <p:spPr>
+              <a:xfrm>
+                <a:off x="3371849" y="1943099"/>
+                <a:ext cx="2109249" cy="1396931"/>
+              </a:xfrm>
+              <a:prstGeom prst="line">
+                <a:avLst/>
+              </a:prstGeom>
+              <a:ln w="19050">
+                <a:solidFill>
+                  <a:schemeClr val="tx1"/>
+                </a:solidFill>
+                <a:prstDash val="dashDot"/>
+              </a:ln>
+            </p:spPr>
+            <p:style>
+              <a:lnRef idx="1">
+                <a:schemeClr val="accent1"/>
+              </a:lnRef>
+              <a:fillRef idx="0">
+                <a:schemeClr val="accent1"/>
+              </a:fillRef>
+              <a:effectRef idx="0">
+                <a:schemeClr val="accent1"/>
+              </a:effectRef>
+              <a:fontRef idx="minor">
+                <a:schemeClr val="tx1"/>
+              </a:fontRef>
+            </p:style>
+          </p:cxnSp>
+        </p:grpSp>
+        <p:sp>
+          <p:nvSpPr>
+            <p:cNvPr id="56" name="文本框 55">
+              <a:extLst>
+                <a:ext uri="{FF2B5EF4-FFF2-40B4-BE49-F238E27FC236}">
+                  <a16:creationId xmlns:a16="http://schemas.microsoft.com/office/drawing/2014/main" id="{016BBBE7-D40D-44D1-9FF9-F65E77996865}"/>
+                </a:ext>
+              </a:extLst>
+            </p:cNvPr>
+            <p:cNvSpPr txBox="1"/>
+            <p:nvPr/>
+          </p:nvSpPr>
+          <p:spPr>
+            <a:xfrm>
+              <a:off x="4647526" y="151613"/>
+              <a:ext cx="1800493" cy="369332"/>
+            </a:xfrm>
+            <a:prstGeom prst="rect">
+              <a:avLst/>
+            </a:prstGeom>
+            <a:noFill/>
+          </p:spPr>
+          <p:txBody>
+            <a:bodyPr wrap="none" rtlCol="0">
+              <a:spAutoFit/>
+            </a:bodyPr>
+            <a:lstStyle/>
+            <a:p>
+              <a:r>
+                <a:rPr lang="zh-CN" altLang="en-US" b="1" dirty="0"/>
+                <a:t>请求报文的结构</a:t>
+              </a:r>
+            </a:p>
+          </p:txBody>
+        </p:sp>
+        <p:sp>
+          <p:nvSpPr>
+            <p:cNvPr id="60" name="文本框 59">
+              <a:extLst>
+                <a:ext uri="{FF2B5EF4-FFF2-40B4-BE49-F238E27FC236}">
+                  <a16:creationId xmlns:a16="http://schemas.microsoft.com/office/drawing/2014/main" id="{4F75E6DF-E351-4DE3-BFDD-A482D0200D89}"/>
+                </a:ext>
+              </a:extLst>
+            </p:cNvPr>
+            <p:cNvSpPr txBox="1"/>
+            <p:nvPr/>
+          </p:nvSpPr>
+          <p:spPr>
+            <a:xfrm>
+              <a:off x="7677150" y="777667"/>
+              <a:ext cx="2013999" cy="307777"/>
+            </a:xfrm>
+            <a:prstGeom prst="rect">
+              <a:avLst/>
+            </a:prstGeom>
+            <a:noFill/>
+          </p:spPr>
+          <p:txBody>
+            <a:bodyPr wrap="square" rtlCol="0">
+              <a:spAutoFit/>
+            </a:bodyPr>
+            <a:lstStyle/>
+            <a:p>
+              <a:r>
+                <a:rPr lang="zh-CN" altLang="en-US" sz="1400" dirty="0"/>
+                <a:t>方法、</a:t>
+              </a:r>
+              <a:r>
+                <a:rPr lang="en-US" altLang="zh-CN" sz="1400" dirty="0"/>
+                <a:t>URI</a:t>
+              </a:r>
+              <a:r>
+                <a:rPr lang="zh-CN" altLang="en-US" sz="1400" dirty="0"/>
+                <a:t>、</a:t>
+              </a:r>
+              <a:r>
+                <a:rPr lang="en-US" altLang="zh-CN" sz="1400" dirty="0"/>
+                <a:t>HTTP </a:t>
+              </a:r>
+              <a:r>
+                <a:rPr lang="zh-CN" altLang="en-US" sz="1400" dirty="0"/>
+                <a:t>版本</a:t>
+              </a:r>
+            </a:p>
+          </p:txBody>
+        </p:sp>
+        <p:sp>
+          <p:nvSpPr>
+            <p:cNvPr id="62" name="右大括号 61">
+              <a:extLst>
+                <a:ext uri="{FF2B5EF4-FFF2-40B4-BE49-F238E27FC236}">
+                  <a16:creationId xmlns:a16="http://schemas.microsoft.com/office/drawing/2014/main" id="{486B88AF-CF46-4C80-A8E3-C4C3FE10CC00}"/>
+                </a:ext>
+              </a:extLst>
+            </p:cNvPr>
+            <p:cNvSpPr/>
+            <p:nvPr/>
+          </p:nvSpPr>
+          <p:spPr>
+            <a:xfrm>
+              <a:off x="7410450" y="738152"/>
+              <a:ext cx="266700" cy="411231"/>
+            </a:xfrm>
+            <a:prstGeom prst="rightBrace">
+              <a:avLst/>
+            </a:prstGeom>
+          </p:spPr>
+          <p:style>
+            <a:lnRef idx="1">
+              <a:schemeClr val="accent1"/>
+            </a:lnRef>
+            <a:fillRef idx="0">
+              <a:schemeClr val="accent1"/>
+            </a:fillRef>
+            <a:effectRef idx="0">
+              <a:schemeClr val="accent1"/>
+            </a:effectRef>
+            <a:fontRef idx="minor">
+              <a:schemeClr val="tx1"/>
+            </a:fontRef>
+          </p:style>
+          <p:txBody>
+            <a:bodyPr rtlCol="0" anchor="ctr"/>
+            <a:lstStyle/>
+            <a:p>
+              <a:pPr algn="ctr"/>
+              <a:endParaRPr lang="zh-CN" altLang="en-US"/>
+            </a:p>
+          </p:txBody>
+        </p:sp>
+        <p:sp>
+          <p:nvSpPr>
+            <p:cNvPr id="63" name="右大括号 62">
+              <a:extLst>
+                <a:ext uri="{FF2B5EF4-FFF2-40B4-BE49-F238E27FC236}">
+                  <a16:creationId xmlns:a16="http://schemas.microsoft.com/office/drawing/2014/main" id="{998298CE-9BC5-4D75-9FED-0B28EC6F85F3}"/>
+                </a:ext>
+              </a:extLst>
+            </p:cNvPr>
+            <p:cNvSpPr/>
+            <p:nvPr/>
+          </p:nvSpPr>
+          <p:spPr>
+            <a:xfrm>
+              <a:off x="7410450" y="1175970"/>
+              <a:ext cx="266700" cy="1221138"/>
+            </a:xfrm>
+            <a:prstGeom prst="rightBrace">
+              <a:avLst/>
+            </a:prstGeom>
+          </p:spPr>
+          <p:style>
+            <a:lnRef idx="1">
+              <a:schemeClr val="accent1"/>
+            </a:lnRef>
+            <a:fillRef idx="0">
+              <a:schemeClr val="accent1"/>
+            </a:fillRef>
+            <a:effectRef idx="0">
+              <a:schemeClr val="accent1"/>
+            </a:effectRef>
+            <a:fontRef idx="minor">
+              <a:schemeClr val="tx1"/>
+            </a:fontRef>
+          </p:style>
+          <p:txBody>
+            <a:bodyPr rtlCol="0" anchor="ctr"/>
+            <a:lstStyle/>
+            <a:p>
+              <a:pPr algn="ctr"/>
+              <a:endParaRPr lang="zh-CN" altLang="en-US"/>
+            </a:p>
+          </p:txBody>
+        </p:sp>
+        <p:sp>
+          <p:nvSpPr>
+            <p:cNvPr id="64" name="文本框 63">
+              <a:extLst>
+                <a:ext uri="{FF2B5EF4-FFF2-40B4-BE49-F238E27FC236}">
+                  <a16:creationId xmlns:a16="http://schemas.microsoft.com/office/drawing/2014/main" id="{04A3C793-0B43-4367-A093-5995BBAED02E}"/>
+                </a:ext>
+              </a:extLst>
+            </p:cNvPr>
+            <p:cNvSpPr txBox="1"/>
+            <p:nvPr/>
+          </p:nvSpPr>
+          <p:spPr>
+            <a:xfrm>
+              <a:off x="7677150" y="1628712"/>
+              <a:ext cx="2013999" cy="307777"/>
+            </a:xfrm>
+            <a:prstGeom prst="rect">
+              <a:avLst/>
+            </a:prstGeom>
+            <a:noFill/>
+          </p:spPr>
+          <p:txBody>
+            <a:bodyPr wrap="square" rtlCol="0">
+              <a:spAutoFit/>
+            </a:bodyPr>
+            <a:lstStyle/>
+            <a:p>
+              <a:r>
+                <a:rPr lang="en-US" altLang="zh-CN" sz="1400" dirty="0"/>
+                <a:t>HTTP </a:t>
+              </a:r>
+              <a:r>
+                <a:rPr lang="zh-CN" altLang="en-US" sz="1400" dirty="0"/>
+                <a:t>首部字段</a:t>
+              </a:r>
+            </a:p>
+          </p:txBody>
+        </p:sp>
+      </p:grpSp>
+      <p:grpSp>
+        <p:nvGrpSpPr>
+          <p:cNvPr id="71" name="组合 70">
+            <a:extLst>
+              <a:ext uri="{FF2B5EF4-FFF2-40B4-BE49-F238E27FC236}">
+                <a16:creationId xmlns:a16="http://schemas.microsoft.com/office/drawing/2014/main" id="{7F6C60EF-F2CD-4FC2-9E4B-4FF20ED2AB87}"/>
+              </a:ext>
+            </a:extLst>
+          </p:cNvPr>
+          <p:cNvGrpSpPr/>
+          <p:nvPr/>
+        </p:nvGrpSpPr>
+        <p:grpSpPr>
+          <a:xfrm>
+            <a:off x="1575847" y="3958211"/>
+            <a:ext cx="8115302" cy="2582219"/>
+            <a:chOff x="1575847" y="3958211"/>
+            <a:chExt cx="8115302" cy="2582219"/>
+          </a:xfrm>
+        </p:grpSpPr>
+        <p:grpSp>
+          <p:nvGrpSpPr>
+            <p:cNvPr id="45" name="组合 44">
+              <a:extLst>
+                <a:ext uri="{FF2B5EF4-FFF2-40B4-BE49-F238E27FC236}">
+                  <a16:creationId xmlns:a16="http://schemas.microsoft.com/office/drawing/2014/main" id="{4C6B91B6-558A-45E9-9291-98CD46E01C53}"/>
+                </a:ext>
+              </a:extLst>
+            </p:cNvPr>
+            <p:cNvGrpSpPr/>
+            <p:nvPr/>
+          </p:nvGrpSpPr>
+          <p:grpSpPr>
+            <a:xfrm>
+              <a:off x="1575847" y="4460892"/>
+              <a:ext cx="5834603" cy="2079538"/>
+              <a:chOff x="1509172" y="1260492"/>
+              <a:chExt cx="5834603" cy="2079538"/>
+            </a:xfrm>
+          </p:grpSpPr>
+          <p:sp>
+            <p:nvSpPr>
+              <p:cNvPr id="46" name="矩形 45">
+                <a:extLst>
+                  <a:ext uri="{FF2B5EF4-FFF2-40B4-BE49-F238E27FC236}">
+                    <a16:creationId xmlns:a16="http://schemas.microsoft.com/office/drawing/2014/main" id="{D4ED6E91-22AE-4C32-83A3-595D2644393F}"/>
+                  </a:ext>
+                </a:extLst>
+              </p:cNvPr>
+              <p:cNvSpPr/>
+              <p:nvPr/>
+            </p:nvSpPr>
+            <p:spPr>
+              <a:xfrm>
+                <a:off x="1509173" y="1260492"/>
+                <a:ext cx="1862677" cy="682607"/>
+              </a:xfrm>
+              <a:prstGeom prst="rect">
+                <a:avLst/>
+              </a:prstGeom>
+              <a:solidFill>
+                <a:schemeClr val="accent1">
+                  <a:lumMod val="40000"/>
+                  <a:lumOff val="60000"/>
+                </a:schemeClr>
+              </a:solidFill>
+              <a:ln w="19050">
+                <a:solidFill>
+                  <a:srgbClr val="0070C0"/>
+                </a:solidFill>
+              </a:ln>
+            </p:spPr>
+            <p:style>
+              <a:lnRef idx="2">
+                <a:schemeClr val="accent1">
+                  <a:shade val="50000"/>
+                </a:schemeClr>
+              </a:lnRef>
+              <a:fillRef idx="1">
+                <a:schemeClr val="accent1"/>
+              </a:fillRef>
+              <a:effectRef idx="0">
+                <a:schemeClr val="accent1"/>
+              </a:effectRef>
+              <a:fontRef idx="minor">
+                <a:schemeClr val="lt1"/>
+              </a:fontRef>
+            </p:style>
+            <p:txBody>
+              <a:bodyPr rtlCol="0" anchor="ctr"/>
+              <a:lstStyle/>
+              <a:p>
+                <a:pPr algn="ctr"/>
+                <a:r>
+                  <a:rPr lang="zh-CN" altLang="en-US" dirty="0">
+                    <a:solidFill>
+                      <a:schemeClr val="tx1"/>
+                    </a:solidFill>
+                  </a:rPr>
+                  <a:t>报文首部</a:t>
+                </a:r>
+              </a:p>
+            </p:txBody>
+          </p:sp>
+          <p:sp>
+            <p:nvSpPr>
+              <p:cNvPr id="47" name="矩形 46">
+                <a:extLst>
+                  <a:ext uri="{FF2B5EF4-FFF2-40B4-BE49-F238E27FC236}">
+                    <a16:creationId xmlns:a16="http://schemas.microsoft.com/office/drawing/2014/main" id="{2895C8E2-EFB8-4D10-9396-4D3B00E290F6}"/>
+                  </a:ext>
+                </a:extLst>
+              </p:cNvPr>
+              <p:cNvSpPr/>
+              <p:nvPr/>
+            </p:nvSpPr>
+            <p:spPr>
+              <a:xfrm>
+                <a:off x="1509172" y="1943099"/>
+                <a:ext cx="1862677" cy="508017"/>
+              </a:xfrm>
+              <a:prstGeom prst="rect">
+                <a:avLst/>
+              </a:prstGeom>
+              <a:solidFill>
+                <a:schemeClr val="accent1">
+                  <a:lumMod val="20000"/>
+                  <a:lumOff val="80000"/>
+                </a:schemeClr>
+              </a:solidFill>
+              <a:ln w="19050">
+                <a:solidFill>
+                  <a:srgbClr val="0070C0"/>
+                </a:solidFill>
+              </a:ln>
+            </p:spPr>
+            <p:style>
+              <a:lnRef idx="2">
+                <a:schemeClr val="accent1">
+                  <a:shade val="50000"/>
+                </a:schemeClr>
+              </a:lnRef>
+              <a:fillRef idx="1">
+                <a:schemeClr val="accent1"/>
+              </a:fillRef>
+              <a:effectRef idx="0">
+                <a:schemeClr val="accent1"/>
+              </a:effectRef>
+              <a:fontRef idx="minor">
+                <a:schemeClr val="lt1"/>
+              </a:fontRef>
+            </p:style>
+            <p:txBody>
+              <a:bodyPr rtlCol="0" anchor="ctr"/>
+              <a:lstStyle/>
+              <a:p>
+                <a:pPr algn="ctr"/>
+                <a:r>
+                  <a:rPr lang="zh-CN" altLang="en-US" dirty="0">
+                    <a:solidFill>
+                      <a:schemeClr val="tx1"/>
+                    </a:solidFill>
+                  </a:rPr>
+                  <a:t>空行</a:t>
+                </a:r>
+                <a:r>
+                  <a:rPr lang="en-US" altLang="zh-CN" dirty="0">
+                    <a:solidFill>
+                      <a:schemeClr val="tx1"/>
+                    </a:solidFill>
+                  </a:rPr>
+                  <a:t>(CR+LF)</a:t>
+                </a:r>
+                <a:endParaRPr lang="zh-CN" altLang="en-US" dirty="0">
+                  <a:solidFill>
+                    <a:schemeClr val="tx1"/>
+                  </a:solidFill>
+                </a:endParaRPr>
+              </a:p>
+            </p:txBody>
+          </p:sp>
+          <p:sp>
+            <p:nvSpPr>
+              <p:cNvPr id="48" name="矩形 47">
+                <a:extLst>
+                  <a:ext uri="{FF2B5EF4-FFF2-40B4-BE49-F238E27FC236}">
+                    <a16:creationId xmlns:a16="http://schemas.microsoft.com/office/drawing/2014/main" id="{D0755D22-0270-4065-B72E-D11AA348F22C}"/>
+                  </a:ext>
+                </a:extLst>
+              </p:cNvPr>
+              <p:cNvSpPr/>
+              <p:nvPr/>
+            </p:nvSpPr>
+            <p:spPr>
+              <a:xfrm>
+                <a:off x="1509173" y="2451117"/>
+                <a:ext cx="1862677" cy="888913"/>
+              </a:xfrm>
+              <a:prstGeom prst="rect">
+                <a:avLst/>
+              </a:prstGeom>
+              <a:solidFill>
+                <a:schemeClr val="tx2">
+                  <a:lumMod val="20000"/>
+                  <a:lumOff val="80000"/>
+                </a:schemeClr>
+              </a:solidFill>
+              <a:ln w="19050">
+                <a:solidFill>
+                  <a:srgbClr val="0070C0"/>
+                </a:solidFill>
+              </a:ln>
+            </p:spPr>
+            <p:style>
+              <a:lnRef idx="2">
+                <a:schemeClr val="accent1">
+                  <a:shade val="50000"/>
+                </a:schemeClr>
+              </a:lnRef>
+              <a:fillRef idx="1">
+                <a:schemeClr val="accent1"/>
+              </a:fillRef>
+              <a:effectRef idx="0">
+                <a:schemeClr val="accent1"/>
+              </a:effectRef>
+              <a:fontRef idx="minor">
+                <a:schemeClr val="lt1"/>
+              </a:fontRef>
+            </p:style>
+            <p:txBody>
+              <a:bodyPr rtlCol="0" anchor="ctr"/>
+              <a:lstStyle/>
+              <a:p>
+                <a:pPr algn="ctr"/>
+                <a:r>
+                  <a:rPr lang="zh-CN" altLang="en-US" dirty="0">
+                    <a:solidFill>
+                      <a:schemeClr val="tx1"/>
+                    </a:solidFill>
+                  </a:rPr>
+                  <a:t>报文主体</a:t>
+                </a:r>
+              </a:p>
+            </p:txBody>
+          </p:sp>
+          <p:sp>
+            <p:nvSpPr>
+              <p:cNvPr id="49" name="矩形 48">
+                <a:extLst>
+                  <a:ext uri="{FF2B5EF4-FFF2-40B4-BE49-F238E27FC236}">
+                    <a16:creationId xmlns:a16="http://schemas.microsoft.com/office/drawing/2014/main" id="{47E67F6D-5FBE-4C0E-BFAC-9AB4DFCE2F47}"/>
+                  </a:ext>
+                </a:extLst>
+              </p:cNvPr>
+              <p:cNvSpPr/>
+              <p:nvPr/>
+            </p:nvSpPr>
+            <p:spPr>
+              <a:xfrm>
+                <a:off x="5481098" y="1260492"/>
+                <a:ext cx="1862677" cy="415908"/>
+              </a:xfrm>
+              <a:prstGeom prst="rect">
+                <a:avLst/>
+              </a:prstGeom>
+              <a:solidFill>
+                <a:schemeClr val="accent1">
+                  <a:lumMod val="40000"/>
+                  <a:lumOff val="60000"/>
+                </a:schemeClr>
+              </a:solidFill>
+              <a:ln w="19050">
+                <a:solidFill>
+                  <a:srgbClr val="0070C0"/>
+                </a:solidFill>
+              </a:ln>
+            </p:spPr>
+            <p:style>
+              <a:lnRef idx="2">
+                <a:schemeClr val="accent1">
+                  <a:shade val="50000"/>
+                </a:schemeClr>
+              </a:lnRef>
+              <a:fillRef idx="1">
+                <a:schemeClr val="accent1"/>
+              </a:fillRef>
+              <a:effectRef idx="0">
+                <a:schemeClr val="accent1"/>
+              </a:effectRef>
+              <a:fontRef idx="minor">
+                <a:schemeClr val="lt1"/>
+              </a:fontRef>
+            </p:style>
+            <p:txBody>
+              <a:bodyPr rtlCol="0" anchor="ctr"/>
+              <a:lstStyle/>
+              <a:p>
+                <a:pPr algn="ctr"/>
+                <a:r>
+                  <a:rPr lang="zh-CN" altLang="en-US" dirty="0">
+                    <a:solidFill>
+                      <a:schemeClr val="tx1"/>
+                    </a:solidFill>
+                  </a:rPr>
+                  <a:t>状态行</a:t>
+                </a:r>
+              </a:p>
+            </p:txBody>
+          </p:sp>
+          <p:cxnSp>
+            <p:nvCxnSpPr>
+              <p:cNvPr id="50" name="直接连接符 49">
+                <a:extLst>
+                  <a:ext uri="{FF2B5EF4-FFF2-40B4-BE49-F238E27FC236}">
+                    <a16:creationId xmlns:a16="http://schemas.microsoft.com/office/drawing/2014/main" id="{824F3D68-1679-4370-AD95-DB12C927B4DF}"/>
+                  </a:ext>
+                </a:extLst>
+              </p:cNvPr>
+              <p:cNvCxnSpPr>
+                <a:cxnSpLocks/>
+              </p:cNvCxnSpPr>
+              <p:nvPr/>
+            </p:nvCxnSpPr>
+            <p:spPr>
+              <a:xfrm>
+                <a:off x="3371849" y="1260492"/>
+                <a:ext cx="2109249" cy="0"/>
+              </a:xfrm>
+              <a:prstGeom prst="line">
+                <a:avLst/>
+              </a:prstGeom>
+              <a:ln w="19050">
+                <a:solidFill>
+                  <a:schemeClr val="tx1"/>
+                </a:solidFill>
+                <a:prstDash val="dashDot"/>
+              </a:ln>
+            </p:spPr>
+            <p:style>
+              <a:lnRef idx="1">
+                <a:schemeClr val="accent1"/>
+              </a:lnRef>
+              <a:fillRef idx="0">
+                <a:schemeClr val="accent1"/>
+              </a:fillRef>
+              <a:effectRef idx="0">
+                <a:schemeClr val="accent1"/>
+              </a:effectRef>
+              <a:fontRef idx="minor">
+                <a:schemeClr val="tx1"/>
+              </a:fontRef>
+            </p:style>
+          </p:cxnSp>
+          <p:sp>
+            <p:nvSpPr>
+              <p:cNvPr id="51" name="矩形 50">
+                <a:extLst>
+                  <a:ext uri="{FF2B5EF4-FFF2-40B4-BE49-F238E27FC236}">
+                    <a16:creationId xmlns:a16="http://schemas.microsoft.com/office/drawing/2014/main" id="{563BE012-F7F8-4271-A719-175F843B77F3}"/>
+                  </a:ext>
+                </a:extLst>
+              </p:cNvPr>
+              <p:cNvSpPr/>
+              <p:nvPr/>
+            </p:nvSpPr>
+            <p:spPr>
+              <a:xfrm>
+                <a:off x="5481098" y="1676400"/>
+                <a:ext cx="1862677" cy="415908"/>
+              </a:xfrm>
+              <a:prstGeom prst="rect">
+                <a:avLst/>
+              </a:prstGeom>
+              <a:solidFill>
+                <a:schemeClr val="accent1">
+                  <a:lumMod val="40000"/>
+                  <a:lumOff val="60000"/>
+                </a:schemeClr>
+              </a:solidFill>
+              <a:ln w="19050">
+                <a:solidFill>
+                  <a:srgbClr val="0070C0"/>
+                </a:solidFill>
+              </a:ln>
+            </p:spPr>
+            <p:style>
+              <a:lnRef idx="2">
+                <a:schemeClr val="accent1">
+                  <a:shade val="50000"/>
+                </a:schemeClr>
+              </a:lnRef>
+              <a:fillRef idx="1">
+                <a:schemeClr val="accent1"/>
+              </a:fillRef>
+              <a:effectRef idx="0">
+                <a:schemeClr val="accent1"/>
+              </a:effectRef>
+              <a:fontRef idx="minor">
+                <a:schemeClr val="lt1"/>
+              </a:fontRef>
+            </p:style>
+            <p:txBody>
+              <a:bodyPr rtlCol="0" anchor="ctr"/>
+              <a:lstStyle/>
+              <a:p>
+                <a:pPr algn="ctr"/>
+                <a:r>
+                  <a:rPr lang="zh-CN" altLang="en-US" dirty="0">
+                    <a:solidFill>
+                      <a:schemeClr val="tx1"/>
+                    </a:solidFill>
+                  </a:rPr>
+                  <a:t>响应首部字段</a:t>
+                </a:r>
+              </a:p>
+            </p:txBody>
+          </p:sp>
+          <p:sp>
+            <p:nvSpPr>
+              <p:cNvPr id="52" name="矩形 51">
+                <a:extLst>
+                  <a:ext uri="{FF2B5EF4-FFF2-40B4-BE49-F238E27FC236}">
+                    <a16:creationId xmlns:a16="http://schemas.microsoft.com/office/drawing/2014/main" id="{B18AF369-5E09-47DE-A60B-856D5C46BE90}"/>
+                  </a:ext>
+                </a:extLst>
+              </p:cNvPr>
+              <p:cNvSpPr/>
+              <p:nvPr/>
+            </p:nvSpPr>
+            <p:spPr>
+              <a:xfrm>
+                <a:off x="5481098" y="2092307"/>
+                <a:ext cx="1862677" cy="415908"/>
+              </a:xfrm>
+              <a:prstGeom prst="rect">
+                <a:avLst/>
+              </a:prstGeom>
+              <a:solidFill>
+                <a:schemeClr val="accent1">
+                  <a:lumMod val="40000"/>
+                  <a:lumOff val="60000"/>
+                </a:schemeClr>
+              </a:solidFill>
+              <a:ln w="19050">
+                <a:solidFill>
+                  <a:srgbClr val="0070C0"/>
+                </a:solidFill>
+              </a:ln>
+            </p:spPr>
+            <p:style>
+              <a:lnRef idx="2">
+                <a:schemeClr val="accent1">
+                  <a:shade val="50000"/>
+                </a:schemeClr>
+              </a:lnRef>
+              <a:fillRef idx="1">
+                <a:schemeClr val="accent1"/>
+              </a:fillRef>
+              <a:effectRef idx="0">
+                <a:schemeClr val="accent1"/>
+              </a:effectRef>
+              <a:fontRef idx="minor">
+                <a:schemeClr val="lt1"/>
+              </a:fontRef>
+            </p:style>
+            <p:txBody>
+              <a:bodyPr rtlCol="0" anchor="ctr"/>
+              <a:lstStyle/>
+              <a:p>
+                <a:pPr algn="ctr"/>
+                <a:r>
+                  <a:rPr lang="zh-CN" altLang="en-US" dirty="0">
+                    <a:solidFill>
+                      <a:schemeClr val="tx1"/>
+                    </a:solidFill>
+                  </a:rPr>
+                  <a:t>通用首部字段</a:t>
+                </a:r>
+              </a:p>
+            </p:txBody>
+          </p:sp>
+          <p:sp>
+            <p:nvSpPr>
+              <p:cNvPr id="53" name="矩形 52">
+                <a:extLst>
+                  <a:ext uri="{FF2B5EF4-FFF2-40B4-BE49-F238E27FC236}">
+                    <a16:creationId xmlns:a16="http://schemas.microsoft.com/office/drawing/2014/main" id="{6271FB5B-9E53-4A0F-A1BA-C1201FF55B2A}"/>
+                  </a:ext>
+                </a:extLst>
+              </p:cNvPr>
+              <p:cNvSpPr/>
+              <p:nvPr/>
+            </p:nvSpPr>
+            <p:spPr>
+              <a:xfrm>
+                <a:off x="5481098" y="2508215"/>
+                <a:ext cx="1862677" cy="415908"/>
+              </a:xfrm>
+              <a:prstGeom prst="rect">
+                <a:avLst/>
+              </a:prstGeom>
+              <a:solidFill>
+                <a:schemeClr val="accent1">
+                  <a:lumMod val="40000"/>
+                  <a:lumOff val="60000"/>
+                </a:schemeClr>
+              </a:solidFill>
+              <a:ln w="19050">
+                <a:solidFill>
+                  <a:srgbClr val="0070C0"/>
+                </a:solidFill>
+              </a:ln>
+            </p:spPr>
+            <p:style>
+              <a:lnRef idx="2">
+                <a:schemeClr val="accent1">
+                  <a:shade val="50000"/>
+                </a:schemeClr>
+              </a:lnRef>
+              <a:fillRef idx="1">
+                <a:schemeClr val="accent1"/>
+              </a:fillRef>
+              <a:effectRef idx="0">
+                <a:schemeClr val="accent1"/>
+              </a:effectRef>
+              <a:fontRef idx="minor">
+                <a:schemeClr val="lt1"/>
+              </a:fontRef>
+            </p:style>
+            <p:txBody>
+              <a:bodyPr rtlCol="0" anchor="ctr"/>
+              <a:lstStyle/>
+              <a:p>
+                <a:pPr algn="ctr"/>
+                <a:r>
+                  <a:rPr lang="zh-CN" altLang="en-US" dirty="0">
+                    <a:solidFill>
+                      <a:schemeClr val="tx1"/>
+                    </a:solidFill>
+                  </a:rPr>
+                  <a:t>实体首部字段</a:t>
+                </a:r>
+              </a:p>
+            </p:txBody>
+          </p:sp>
+          <p:sp>
+            <p:nvSpPr>
+              <p:cNvPr id="54" name="矩形 53">
+                <a:extLst>
+                  <a:ext uri="{FF2B5EF4-FFF2-40B4-BE49-F238E27FC236}">
+                    <a16:creationId xmlns:a16="http://schemas.microsoft.com/office/drawing/2014/main" id="{F5A5026B-E9ED-48F2-B72C-DBCA628063AC}"/>
+                  </a:ext>
+                </a:extLst>
+              </p:cNvPr>
+              <p:cNvSpPr/>
+              <p:nvPr/>
+            </p:nvSpPr>
+            <p:spPr>
+              <a:xfrm>
+                <a:off x="5481098" y="2924122"/>
+                <a:ext cx="1862677" cy="415908"/>
+              </a:xfrm>
+              <a:prstGeom prst="rect">
+                <a:avLst/>
+              </a:prstGeom>
+              <a:solidFill>
+                <a:schemeClr val="bg1"/>
+              </a:solidFill>
+              <a:ln w="19050">
+                <a:solidFill>
+                  <a:srgbClr val="0070C0"/>
+                </a:solidFill>
+              </a:ln>
+            </p:spPr>
+            <p:style>
+              <a:lnRef idx="2">
+                <a:schemeClr val="accent1">
+                  <a:shade val="50000"/>
+                </a:schemeClr>
+              </a:lnRef>
+              <a:fillRef idx="1">
+                <a:schemeClr val="accent1"/>
+              </a:fillRef>
+              <a:effectRef idx="0">
+                <a:schemeClr val="accent1"/>
+              </a:effectRef>
+              <a:fontRef idx="minor">
+                <a:schemeClr val="lt1"/>
+              </a:fontRef>
+            </p:style>
+            <p:txBody>
+              <a:bodyPr rtlCol="0" anchor="ctr"/>
+              <a:lstStyle/>
+              <a:p>
+                <a:pPr algn="ctr"/>
+                <a:r>
+                  <a:rPr lang="zh-CN" altLang="en-US" dirty="0">
+                    <a:solidFill>
+                      <a:schemeClr val="tx1"/>
+                    </a:solidFill>
+                  </a:rPr>
+                  <a:t>其他</a:t>
+                </a:r>
+              </a:p>
+            </p:txBody>
+          </p:sp>
+          <p:cxnSp>
+            <p:nvCxnSpPr>
+              <p:cNvPr id="55" name="直接连接符 54">
+                <a:extLst>
+                  <a:ext uri="{FF2B5EF4-FFF2-40B4-BE49-F238E27FC236}">
+                    <a16:creationId xmlns:a16="http://schemas.microsoft.com/office/drawing/2014/main" id="{479E3775-9D31-46E1-BA4E-E438ADCF189D}"/>
+                  </a:ext>
+                </a:extLst>
+              </p:cNvPr>
+              <p:cNvCxnSpPr>
+                <a:cxnSpLocks/>
+              </p:cNvCxnSpPr>
+              <p:nvPr/>
+            </p:nvCxnSpPr>
+            <p:spPr>
+              <a:xfrm>
+                <a:off x="3371849" y="1943099"/>
+                <a:ext cx="2109249" cy="1396931"/>
+              </a:xfrm>
+              <a:prstGeom prst="line">
+                <a:avLst/>
+              </a:prstGeom>
+              <a:ln w="19050">
+                <a:solidFill>
+                  <a:schemeClr val="tx1"/>
+                </a:solidFill>
+                <a:prstDash val="dashDot"/>
+              </a:ln>
+            </p:spPr>
+            <p:style>
+              <a:lnRef idx="1">
+                <a:schemeClr val="accent1"/>
+              </a:lnRef>
+              <a:fillRef idx="0">
+                <a:schemeClr val="accent1"/>
+              </a:fillRef>
+              <a:effectRef idx="0">
+                <a:schemeClr val="accent1"/>
+              </a:effectRef>
+              <a:fontRef idx="minor">
+                <a:schemeClr val="tx1"/>
+              </a:fontRef>
+            </p:style>
+          </p:cxnSp>
+        </p:grpSp>
+        <p:sp>
+          <p:nvSpPr>
+            <p:cNvPr id="57" name="文本框 56">
+              <a:extLst>
+                <a:ext uri="{FF2B5EF4-FFF2-40B4-BE49-F238E27FC236}">
+                  <a16:creationId xmlns:a16="http://schemas.microsoft.com/office/drawing/2014/main" id="{6A9E0BE7-FAF6-4942-ABA7-E42D8A9137F9}"/>
+                </a:ext>
+              </a:extLst>
+            </p:cNvPr>
+            <p:cNvSpPr txBox="1"/>
+            <p:nvPr/>
+          </p:nvSpPr>
+          <p:spPr>
+            <a:xfrm>
+              <a:off x="4647526" y="3958211"/>
+              <a:ext cx="1800493" cy="369332"/>
+            </a:xfrm>
+            <a:prstGeom prst="rect">
+              <a:avLst/>
+            </a:prstGeom>
+            <a:noFill/>
+          </p:spPr>
+          <p:txBody>
+            <a:bodyPr wrap="none" rtlCol="0">
+              <a:spAutoFit/>
+            </a:bodyPr>
+            <a:lstStyle/>
+            <a:p>
+              <a:r>
+                <a:rPr lang="zh-CN" altLang="en-US" b="1" dirty="0"/>
+                <a:t>响应报文的结构</a:t>
+              </a:r>
+            </a:p>
+          </p:txBody>
+        </p:sp>
+        <p:sp>
+          <p:nvSpPr>
+            <p:cNvPr id="61" name="文本框 60">
+              <a:extLst>
+                <a:ext uri="{FF2B5EF4-FFF2-40B4-BE49-F238E27FC236}">
+                  <a16:creationId xmlns:a16="http://schemas.microsoft.com/office/drawing/2014/main" id="{60CC002E-EC9D-4240-972A-A3F3F68BB7C5}"/>
+                </a:ext>
+              </a:extLst>
+            </p:cNvPr>
+            <p:cNvSpPr txBox="1"/>
+            <p:nvPr/>
+          </p:nvSpPr>
+          <p:spPr>
+            <a:xfrm>
+              <a:off x="7677150" y="4503264"/>
+              <a:ext cx="2013999" cy="307777"/>
+            </a:xfrm>
+            <a:prstGeom prst="rect">
+              <a:avLst/>
+            </a:prstGeom>
+            <a:noFill/>
+          </p:spPr>
+          <p:txBody>
+            <a:bodyPr wrap="square" rtlCol="0">
+              <a:spAutoFit/>
+            </a:bodyPr>
+            <a:lstStyle/>
+            <a:p>
+              <a:r>
+                <a:rPr lang="en-US" altLang="zh-CN" sz="1400" dirty="0"/>
+                <a:t>HTTP </a:t>
+              </a:r>
+              <a:r>
+                <a:rPr lang="zh-CN" altLang="en-US" sz="1400" dirty="0"/>
+                <a:t>版本、状态码</a:t>
+              </a:r>
+            </a:p>
+          </p:txBody>
+        </p:sp>
+        <p:sp>
+          <p:nvSpPr>
+            <p:cNvPr id="65" name="右大括号 64">
+              <a:extLst>
+                <a:ext uri="{FF2B5EF4-FFF2-40B4-BE49-F238E27FC236}">
+                  <a16:creationId xmlns:a16="http://schemas.microsoft.com/office/drawing/2014/main" id="{D80BED9A-20EA-4424-8228-5FD4FCAF15AC}"/>
+                </a:ext>
+              </a:extLst>
+            </p:cNvPr>
+            <p:cNvSpPr/>
+            <p:nvPr/>
+          </p:nvSpPr>
+          <p:spPr>
+            <a:xfrm>
+              <a:off x="7399846" y="4451538"/>
+              <a:ext cx="266700" cy="411231"/>
+            </a:xfrm>
+            <a:prstGeom prst="rightBrace">
+              <a:avLst/>
+            </a:prstGeom>
+          </p:spPr>
+          <p:style>
+            <a:lnRef idx="1">
+              <a:schemeClr val="accent1"/>
+            </a:lnRef>
+            <a:fillRef idx="0">
+              <a:schemeClr val="accent1"/>
+            </a:fillRef>
+            <a:effectRef idx="0">
+              <a:schemeClr val="accent1"/>
+            </a:effectRef>
+            <a:fontRef idx="minor">
+              <a:schemeClr val="tx1"/>
+            </a:fontRef>
+          </p:style>
+          <p:txBody>
+            <a:bodyPr rtlCol="0" anchor="ctr"/>
+            <a:lstStyle/>
+            <a:p>
+              <a:pPr algn="ctr"/>
+              <a:endParaRPr lang="zh-CN" altLang="en-US"/>
+            </a:p>
+          </p:txBody>
+        </p:sp>
+        <p:sp>
+          <p:nvSpPr>
+            <p:cNvPr id="67" name="右大括号 66">
+              <a:extLst>
+                <a:ext uri="{FF2B5EF4-FFF2-40B4-BE49-F238E27FC236}">
+                  <a16:creationId xmlns:a16="http://schemas.microsoft.com/office/drawing/2014/main" id="{54163C0C-E350-44B8-A33E-FD8A7F8AC013}"/>
+                </a:ext>
+              </a:extLst>
+            </p:cNvPr>
+            <p:cNvSpPr/>
+            <p:nvPr/>
+          </p:nvSpPr>
+          <p:spPr>
+            <a:xfrm>
+              <a:off x="7410450" y="4883076"/>
+              <a:ext cx="266700" cy="1221138"/>
+            </a:xfrm>
+            <a:prstGeom prst="rightBrace">
+              <a:avLst/>
+            </a:prstGeom>
+          </p:spPr>
+          <p:style>
+            <a:lnRef idx="1">
+              <a:schemeClr val="accent1"/>
+            </a:lnRef>
+            <a:fillRef idx="0">
+              <a:schemeClr val="accent1"/>
+            </a:fillRef>
+            <a:effectRef idx="0">
+              <a:schemeClr val="accent1"/>
+            </a:effectRef>
+            <a:fontRef idx="minor">
+              <a:schemeClr val="tx1"/>
+            </a:fontRef>
+          </p:style>
+          <p:txBody>
+            <a:bodyPr rtlCol="0" anchor="ctr"/>
+            <a:lstStyle/>
+            <a:p>
+              <a:pPr algn="ctr"/>
+              <a:endParaRPr lang="zh-CN" altLang="en-US"/>
+            </a:p>
+          </p:txBody>
+        </p:sp>
+        <p:sp>
+          <p:nvSpPr>
+            <p:cNvPr id="68" name="文本框 67">
+              <a:extLst>
+                <a:ext uri="{FF2B5EF4-FFF2-40B4-BE49-F238E27FC236}">
+                  <a16:creationId xmlns:a16="http://schemas.microsoft.com/office/drawing/2014/main" id="{27CE8A94-3602-4949-A2CA-0E476780F414}"/>
+                </a:ext>
+              </a:extLst>
+            </p:cNvPr>
+            <p:cNvSpPr txBox="1"/>
+            <p:nvPr/>
+          </p:nvSpPr>
+          <p:spPr>
+            <a:xfrm>
+              <a:off x="7677150" y="5335818"/>
+              <a:ext cx="2013999" cy="307777"/>
+            </a:xfrm>
+            <a:prstGeom prst="rect">
+              <a:avLst/>
+            </a:prstGeom>
+            <a:noFill/>
+          </p:spPr>
+          <p:txBody>
+            <a:bodyPr wrap="square" rtlCol="0">
+              <a:spAutoFit/>
+            </a:bodyPr>
+            <a:lstStyle/>
+            <a:p>
+              <a:r>
+                <a:rPr lang="en-US" altLang="zh-CN" sz="1400" dirty="0"/>
+                <a:t>HTTP </a:t>
+              </a:r>
+              <a:r>
+                <a:rPr lang="zh-CN" altLang="en-US" sz="1400" dirty="0"/>
+                <a:t>首部字段</a:t>
+              </a:r>
+            </a:p>
+          </p:txBody>
+        </p:sp>
+      </p:grpSp>
+    </p:spTree>
+    <p:extLst>
+      <p:ext uri="{BB962C8B-B14F-4D97-AF65-F5344CB8AC3E}">
+        <p14:creationId xmlns:p14="http://schemas.microsoft.com/office/powerpoint/2010/main" val="4190291416"/>
+      </p:ext>
+    </p:extLst>
+  </p:cSld>
+  <p:clrMapOvr>
+    <a:masterClrMapping/>
+  </p:clrMapOvr>
+</p:sld>
+</file>
+
+<file path=ppt/slides/slide6.xml><?xml version="1.0" encoding="utf-8"?>
+<p:sld xmlns:a="http://schemas.openxmlformats.org/drawingml/2006/main" xmlns:r="http://schemas.openxmlformats.org/officeDocument/2006/relationships" xmlns:p="http://schemas.openxmlformats.org/presentationml/2006/main">
+  <p:cSld>
+    <p:spTree>
+      <p:nvGrpSpPr>
+        <p:cNvPr id="1" name=""/>
+        <p:cNvGrpSpPr/>
+        <p:nvPr/>
+      </p:nvGrpSpPr>
+      <p:grpSpPr>
+        <a:xfrm>
+          <a:off x="0" y="0"/>
+          <a:ext cx="0" cy="0"/>
+          <a:chOff x="0" y="0"/>
+          <a:chExt cx="0" cy="0"/>
+        </a:xfrm>
+      </p:grpSpPr>
+      <p:grpSp>
+        <p:nvGrpSpPr>
           <p:cNvPr id="52" name="组合 51">
             <a:extLst>
               <a:ext uri="{FF2B5EF4-FFF2-40B4-BE49-F238E27FC236}">
-                <a16:creationId xmlns:a16="http://schemas.microsoft.com/office/drawing/2014/main" xmlns="" id="{66DC62C2-4585-4B6C-9067-3ECA973EF4DB}"/>
+                <a16:creationId xmlns:a16="http://schemas.microsoft.com/office/drawing/2014/main" id="{66DC62C2-4585-4B6C-9067-3ECA973EF4DB}"/>
               </a:ext>
             </a:extLst>
           </p:cNvPr>
@@ -13506,7 +16881,7 @@
             <p:cNvPr id="4" name="矩形: 圆角 3">
               <a:extLst>
                 <a:ext uri="{FF2B5EF4-FFF2-40B4-BE49-F238E27FC236}">
-                  <a16:creationId xmlns:a16="http://schemas.microsoft.com/office/drawing/2014/main" xmlns="" id="{B9416EC6-DCCB-4CFB-833B-2F8A9E7C168D}"/>
+                  <a16:creationId xmlns:a16="http://schemas.microsoft.com/office/drawing/2014/main" id="{B9416EC6-DCCB-4CFB-833B-2F8A9E7C168D}"/>
                 </a:ext>
               </a:extLst>
             </p:cNvPr>
@@ -13565,7 +16940,7 @@
             <p:cNvPr id="6" name="矩形: 圆角 5">
               <a:extLst>
                 <a:ext uri="{FF2B5EF4-FFF2-40B4-BE49-F238E27FC236}">
-                  <a16:creationId xmlns:a16="http://schemas.microsoft.com/office/drawing/2014/main" xmlns="" id="{12F27A3A-6842-41E8-BCE4-E768330CF8EC}"/>
+                  <a16:creationId xmlns:a16="http://schemas.microsoft.com/office/drawing/2014/main" id="{12F27A3A-6842-41E8-BCE4-E768330CF8EC}"/>
                 </a:ext>
               </a:extLst>
             </p:cNvPr>
@@ -13624,7 +16999,7 @@
             <p:cNvPr id="9" name="直接箭头连接符 8">
               <a:extLst>
                 <a:ext uri="{FF2B5EF4-FFF2-40B4-BE49-F238E27FC236}">
-                  <a16:creationId xmlns:a16="http://schemas.microsoft.com/office/drawing/2014/main" xmlns="" id="{D04BC9D5-84AE-4824-AA31-40A172CBB6DC}"/>
+                  <a16:creationId xmlns:a16="http://schemas.microsoft.com/office/drawing/2014/main" id="{D04BC9D5-84AE-4824-AA31-40A172CBB6DC}"/>
                 </a:ext>
               </a:extLst>
             </p:cNvPr>
@@ -13669,7 +17044,7 @@
             <p:cNvPr id="10" name="文本框 9">
               <a:extLst>
                 <a:ext uri="{FF2B5EF4-FFF2-40B4-BE49-F238E27FC236}">
-                  <a16:creationId xmlns:a16="http://schemas.microsoft.com/office/drawing/2014/main" xmlns="" id="{0005FDBB-48C8-43B1-A8FB-8D353C2017AC}"/>
+                  <a16:creationId xmlns:a16="http://schemas.microsoft.com/office/drawing/2014/main" id="{0005FDBB-48C8-43B1-A8FB-8D353C2017AC}"/>
                 </a:ext>
               </a:extLst>
             </p:cNvPr>
@@ -13705,7 +17080,7 @@
             <p:cNvPr id="12" name="图形 11" descr="数据库">
               <a:extLst>
                 <a:ext uri="{FF2B5EF4-FFF2-40B4-BE49-F238E27FC236}">
-                  <a16:creationId xmlns:a16="http://schemas.microsoft.com/office/drawing/2014/main" xmlns="" id="{123DFAC4-F50C-4E3B-9AB3-50B89A450578}"/>
+                  <a16:creationId xmlns:a16="http://schemas.microsoft.com/office/drawing/2014/main" id="{123DFAC4-F50C-4E3B-9AB3-50B89A450578}"/>
                 </a:ext>
               </a:extLst>
             </p:cNvPr>
@@ -13721,7 +17096,7 @@
                   <a14:useLocalDpi xmlns:a14="http://schemas.microsoft.com/office/drawing/2010/main" val="0"/>
                 </a:ext>
                 <a:ext uri="{96DAC541-7B7A-43D3-8B79-37D633B846F1}">
-                  <asvg:svgBlip xmlns:asvg="http://schemas.microsoft.com/office/drawing/2016/SVG/main" xmlns="" r:embed="rId3"/>
+                  <asvg:svgBlip xmlns:asvg="http://schemas.microsoft.com/office/drawing/2016/SVG/main" r:embed="rId3"/>
                 </a:ext>
               </a:extLst>
             </a:blip>
@@ -13744,7 +17119,7 @@
             <p:cNvPr id="14" name="图形 13" descr="数据库">
               <a:extLst>
                 <a:ext uri="{FF2B5EF4-FFF2-40B4-BE49-F238E27FC236}">
-                  <a16:creationId xmlns:a16="http://schemas.microsoft.com/office/drawing/2014/main" xmlns="" id="{5E1CD84B-930D-4D5D-8D5C-07406D7790CF}"/>
+                  <a16:creationId xmlns:a16="http://schemas.microsoft.com/office/drawing/2014/main" id="{5E1CD84B-930D-4D5D-8D5C-07406D7790CF}"/>
                 </a:ext>
               </a:extLst>
             </p:cNvPr>
@@ -13760,7 +17135,7 @@
                   <a14:useLocalDpi xmlns:a14="http://schemas.microsoft.com/office/drawing/2010/main" val="0"/>
                 </a:ext>
                 <a:ext uri="{96DAC541-7B7A-43D3-8B79-37D633B846F1}">
-                  <asvg:svgBlip xmlns:asvg="http://schemas.microsoft.com/office/drawing/2016/SVG/main" xmlns="" r:embed="rId5"/>
+                  <asvg:svgBlip xmlns:asvg="http://schemas.microsoft.com/office/drawing/2016/SVG/main" r:embed="rId5"/>
                 </a:ext>
               </a:extLst>
             </a:blip>
@@ -13783,7 +17158,7 @@
             <p:cNvPr id="15" name="文本框 14">
               <a:extLst>
                 <a:ext uri="{FF2B5EF4-FFF2-40B4-BE49-F238E27FC236}">
-                  <a16:creationId xmlns:a16="http://schemas.microsoft.com/office/drawing/2014/main" xmlns="" id="{B0FC5D70-92DC-4CF6-A45B-3B62C04E507C}"/>
+                  <a16:creationId xmlns:a16="http://schemas.microsoft.com/office/drawing/2014/main" id="{B0FC5D70-92DC-4CF6-A45B-3B62C04E507C}"/>
                 </a:ext>
               </a:extLst>
             </p:cNvPr>
@@ -13822,7 +17197,7 @@
             <p:cNvPr id="16" name="直接箭头连接符 15">
               <a:extLst>
                 <a:ext uri="{FF2B5EF4-FFF2-40B4-BE49-F238E27FC236}">
-                  <a16:creationId xmlns:a16="http://schemas.microsoft.com/office/drawing/2014/main" xmlns="" id="{C9512225-9062-4721-9939-1D5F26B841EA}"/>
+                  <a16:creationId xmlns:a16="http://schemas.microsoft.com/office/drawing/2014/main" id="{C9512225-9062-4721-9939-1D5F26B841EA}"/>
                 </a:ext>
               </a:extLst>
             </p:cNvPr>
@@ -13867,7 +17242,7 @@
             <p:cNvPr id="18" name="文本框 17">
               <a:extLst>
                 <a:ext uri="{FF2B5EF4-FFF2-40B4-BE49-F238E27FC236}">
-                  <a16:creationId xmlns:a16="http://schemas.microsoft.com/office/drawing/2014/main" xmlns="" id="{8A372A82-FB20-445C-82D1-D3B0AD28DA8F}"/>
+                  <a16:creationId xmlns:a16="http://schemas.microsoft.com/office/drawing/2014/main" id="{8A372A82-FB20-445C-82D1-D3B0AD28DA8F}"/>
                 </a:ext>
               </a:extLst>
             </p:cNvPr>
@@ -13902,7 +17277,7 @@
             <p:cNvPr id="19" name="文本框 18">
               <a:extLst>
                 <a:ext uri="{FF2B5EF4-FFF2-40B4-BE49-F238E27FC236}">
-                  <a16:creationId xmlns:a16="http://schemas.microsoft.com/office/drawing/2014/main" xmlns="" id="{E46D39FC-BB60-4333-80C9-E907B5B172C0}"/>
+                  <a16:creationId xmlns:a16="http://schemas.microsoft.com/office/drawing/2014/main" id="{E46D39FC-BB60-4333-80C9-E907B5B172C0}"/>
                 </a:ext>
               </a:extLst>
             </p:cNvPr>
@@ -13937,7 +17312,7 @@
             <p:cNvPr id="20" name="文本框 19">
               <a:extLst>
                 <a:ext uri="{FF2B5EF4-FFF2-40B4-BE49-F238E27FC236}">
-                  <a16:creationId xmlns:a16="http://schemas.microsoft.com/office/drawing/2014/main" xmlns="" id="{2174E009-5106-45EB-B252-EDED3DA41E35}"/>
+                  <a16:creationId xmlns:a16="http://schemas.microsoft.com/office/drawing/2014/main" id="{2174E009-5106-45EB-B252-EDED3DA41E35}"/>
                 </a:ext>
               </a:extLst>
             </p:cNvPr>
@@ -13976,7 +17351,7 @@
             <p:cNvPr id="21" name="直接箭头连接符 20">
               <a:extLst>
                 <a:ext uri="{FF2B5EF4-FFF2-40B4-BE49-F238E27FC236}">
-                  <a16:creationId xmlns:a16="http://schemas.microsoft.com/office/drawing/2014/main" xmlns="" id="{E01719B1-01D9-4348-AF3D-4C50D0AFB947}"/>
+                  <a16:creationId xmlns:a16="http://schemas.microsoft.com/office/drawing/2014/main" id="{E01719B1-01D9-4348-AF3D-4C50D0AFB947}"/>
                 </a:ext>
               </a:extLst>
             </p:cNvPr>
@@ -14021,7 +17396,7 @@
             <p:cNvPr id="23" name="直接箭头连接符 22">
               <a:extLst>
                 <a:ext uri="{FF2B5EF4-FFF2-40B4-BE49-F238E27FC236}">
-                  <a16:creationId xmlns:a16="http://schemas.microsoft.com/office/drawing/2014/main" xmlns="" id="{A5EDBEFE-0D32-48EC-BB2C-B026C076BA59}"/>
+                  <a16:creationId xmlns:a16="http://schemas.microsoft.com/office/drawing/2014/main" id="{A5EDBEFE-0D32-48EC-BB2C-B026C076BA59}"/>
                 </a:ext>
               </a:extLst>
             </p:cNvPr>
@@ -14066,7 +17441,7 @@
             <p:cNvPr id="24" name="文本框 23">
               <a:extLst>
                 <a:ext uri="{FF2B5EF4-FFF2-40B4-BE49-F238E27FC236}">
-                  <a16:creationId xmlns:a16="http://schemas.microsoft.com/office/drawing/2014/main" xmlns="" id="{166973DB-744E-450A-9E94-6F6C090CB525}"/>
+                  <a16:creationId xmlns:a16="http://schemas.microsoft.com/office/drawing/2014/main" id="{166973DB-744E-450A-9E94-6F6C090CB525}"/>
                 </a:ext>
               </a:extLst>
             </p:cNvPr>
@@ -14108,7 +17483,7 @@
             <p:cNvPr id="34" name="文本框 33">
               <a:extLst>
                 <a:ext uri="{FF2B5EF4-FFF2-40B4-BE49-F238E27FC236}">
-                  <a16:creationId xmlns:a16="http://schemas.microsoft.com/office/drawing/2014/main" xmlns="" id="{B3B95748-2536-4865-B0C4-4013FE3C0E83}"/>
+                  <a16:creationId xmlns:a16="http://schemas.microsoft.com/office/drawing/2014/main" id="{B3B95748-2536-4865-B0C4-4013FE3C0E83}"/>
                 </a:ext>
               </a:extLst>
             </p:cNvPr>
@@ -14152,7 +17527,7 @@
             <p:cNvPr id="42" name="组合 41">
               <a:extLst>
                 <a:ext uri="{FF2B5EF4-FFF2-40B4-BE49-F238E27FC236}">
-                  <a16:creationId xmlns:a16="http://schemas.microsoft.com/office/drawing/2014/main" xmlns="" id="{88CB8662-A35D-4EA9-BF7A-3F84951CEC03}"/>
+                  <a16:creationId xmlns:a16="http://schemas.microsoft.com/office/drawing/2014/main" id="{88CB8662-A35D-4EA9-BF7A-3F84951CEC03}"/>
                 </a:ext>
               </a:extLst>
             </p:cNvPr>
@@ -14172,7 +17547,7 @@
               <p:cNvPr id="33" name="直接箭头连接符 32">
                 <a:extLst>
                   <a:ext uri="{FF2B5EF4-FFF2-40B4-BE49-F238E27FC236}">
-                    <a16:creationId xmlns:a16="http://schemas.microsoft.com/office/drawing/2014/main" xmlns="" id="{DECAFB85-24CA-4D4B-B6C4-8024088047F9}"/>
+                    <a16:creationId xmlns:a16="http://schemas.microsoft.com/office/drawing/2014/main" id="{DECAFB85-24CA-4D4B-B6C4-8024088047F9}"/>
                   </a:ext>
                 </a:extLst>
               </p:cNvPr>
@@ -14217,7 +17592,7 @@
               <p:cNvPr id="37" name="直接箭头连接符 36">
                 <a:extLst>
                   <a:ext uri="{FF2B5EF4-FFF2-40B4-BE49-F238E27FC236}">
-                    <a16:creationId xmlns:a16="http://schemas.microsoft.com/office/drawing/2014/main" xmlns="" id="{0F0E5BFD-70B5-46B0-9C4E-6BD5536E6918}"/>
+                    <a16:creationId xmlns:a16="http://schemas.microsoft.com/office/drawing/2014/main" id="{0F0E5BFD-70B5-46B0-9C4E-6BD5536E6918}"/>
                   </a:ext>
                 </a:extLst>
               </p:cNvPr>
@@ -14262,7 +17637,7 @@
               <p:cNvPr id="38" name="直接箭头连接符 37">
                 <a:extLst>
                   <a:ext uri="{FF2B5EF4-FFF2-40B4-BE49-F238E27FC236}">
-                    <a16:creationId xmlns:a16="http://schemas.microsoft.com/office/drawing/2014/main" xmlns="" id="{862BEFAF-54EA-40DB-B7CC-99336E4EDDE4}"/>
+                    <a16:creationId xmlns:a16="http://schemas.microsoft.com/office/drawing/2014/main" id="{862BEFAF-54EA-40DB-B7CC-99336E4EDDE4}"/>
                   </a:ext>
                 </a:extLst>
               </p:cNvPr>
@@ -14308,7 +17683,7 @@
             <p:cNvPr id="39" name="文本框 38">
               <a:extLst>
                 <a:ext uri="{FF2B5EF4-FFF2-40B4-BE49-F238E27FC236}">
-                  <a16:creationId xmlns:a16="http://schemas.microsoft.com/office/drawing/2014/main" xmlns="" id="{5FB560FB-F71C-4800-AF62-584A62112C72}"/>
+                  <a16:creationId xmlns:a16="http://schemas.microsoft.com/office/drawing/2014/main" id="{5FB560FB-F71C-4800-AF62-584A62112C72}"/>
                 </a:ext>
               </a:extLst>
             </p:cNvPr>
@@ -14350,7 +17725,7 @@
             <p:cNvPr id="41" name="直接箭头连接符 40">
               <a:extLst>
                 <a:ext uri="{FF2B5EF4-FFF2-40B4-BE49-F238E27FC236}">
-                  <a16:creationId xmlns:a16="http://schemas.microsoft.com/office/drawing/2014/main" xmlns="" id="{36536F00-8DF5-4BCB-98FC-0D8EC41CBFF9}"/>
+                  <a16:creationId xmlns:a16="http://schemas.microsoft.com/office/drawing/2014/main" id="{36536F00-8DF5-4BCB-98FC-0D8EC41CBFF9}"/>
                 </a:ext>
               </a:extLst>
             </p:cNvPr>
@@ -14395,7 +17770,7 @@
             <p:cNvPr id="43" name="组合 42">
               <a:extLst>
                 <a:ext uri="{FF2B5EF4-FFF2-40B4-BE49-F238E27FC236}">
-                  <a16:creationId xmlns:a16="http://schemas.microsoft.com/office/drawing/2014/main" xmlns="" id="{FE01B023-392F-4F06-A034-9F2013C6319E}"/>
+                  <a16:creationId xmlns:a16="http://schemas.microsoft.com/office/drawing/2014/main" id="{FE01B023-392F-4F06-A034-9F2013C6319E}"/>
                 </a:ext>
               </a:extLst>
             </p:cNvPr>
@@ -14415,7 +17790,7 @@
               <p:cNvPr id="44" name="直接箭头连接符 43">
                 <a:extLst>
                   <a:ext uri="{FF2B5EF4-FFF2-40B4-BE49-F238E27FC236}">
-                    <a16:creationId xmlns:a16="http://schemas.microsoft.com/office/drawing/2014/main" xmlns="" id="{86E7A655-12FE-4497-8530-7EDC31D1DBE3}"/>
+                    <a16:creationId xmlns:a16="http://schemas.microsoft.com/office/drawing/2014/main" id="{86E7A655-12FE-4497-8530-7EDC31D1DBE3}"/>
                   </a:ext>
                 </a:extLst>
               </p:cNvPr>
@@ -14460,7 +17835,7 @@
               <p:cNvPr id="45" name="直接箭头连接符 44">
                 <a:extLst>
                   <a:ext uri="{FF2B5EF4-FFF2-40B4-BE49-F238E27FC236}">
-                    <a16:creationId xmlns:a16="http://schemas.microsoft.com/office/drawing/2014/main" xmlns="" id="{916EF9E7-AE1D-4802-B4AF-CA285BFCCA7E}"/>
+                    <a16:creationId xmlns:a16="http://schemas.microsoft.com/office/drawing/2014/main" id="{916EF9E7-AE1D-4802-B4AF-CA285BFCCA7E}"/>
                   </a:ext>
                 </a:extLst>
               </p:cNvPr>
@@ -14505,7 +17880,7 @@
               <p:cNvPr id="46" name="直接箭头连接符 45">
                 <a:extLst>
                   <a:ext uri="{FF2B5EF4-FFF2-40B4-BE49-F238E27FC236}">
-                    <a16:creationId xmlns:a16="http://schemas.microsoft.com/office/drawing/2014/main" xmlns="" id="{1126BEB6-22D4-4581-A775-C5B7D19BE96B}"/>
+                    <a16:creationId xmlns:a16="http://schemas.microsoft.com/office/drawing/2014/main" id="{1126BEB6-22D4-4581-A775-C5B7D19BE96B}"/>
                   </a:ext>
                 </a:extLst>
               </p:cNvPr>
@@ -14551,7 +17926,7 @@
             <p:cNvPr id="47" name="文本框 46">
               <a:extLst>
                 <a:ext uri="{FF2B5EF4-FFF2-40B4-BE49-F238E27FC236}">
-                  <a16:creationId xmlns:a16="http://schemas.microsoft.com/office/drawing/2014/main" xmlns="" id="{1C5A761F-D577-4B11-8828-D85B69953D4C}"/>
+                  <a16:creationId xmlns:a16="http://schemas.microsoft.com/office/drawing/2014/main" id="{1C5A761F-D577-4B11-8828-D85B69953D4C}"/>
                 </a:ext>
               </a:extLst>
             </p:cNvPr>
@@ -14600,7 +17975,7 @@
             <p:cNvPr id="48" name="直接箭头连接符 47">
               <a:extLst>
                 <a:ext uri="{FF2B5EF4-FFF2-40B4-BE49-F238E27FC236}">
-                  <a16:creationId xmlns:a16="http://schemas.microsoft.com/office/drawing/2014/main" xmlns="" id="{8C7B39AC-324B-47CE-AD3E-D845F8F16075}"/>
+                  <a16:creationId xmlns:a16="http://schemas.microsoft.com/office/drawing/2014/main" id="{8C7B39AC-324B-47CE-AD3E-D845F8F16075}"/>
                 </a:ext>
               </a:extLst>
             </p:cNvPr>
@@ -14645,7 +18020,7 @@
             <p:cNvPr id="49" name="文本框 48">
               <a:extLst>
                 <a:ext uri="{FF2B5EF4-FFF2-40B4-BE49-F238E27FC236}">
-                  <a16:creationId xmlns:a16="http://schemas.microsoft.com/office/drawing/2014/main" xmlns="" id="{CB9AC155-BFE6-42CE-A25D-75F0BCADB8F8}"/>
+                  <a16:creationId xmlns:a16="http://schemas.microsoft.com/office/drawing/2014/main" id="{CB9AC155-BFE6-42CE-A25D-75F0BCADB8F8}"/>
                 </a:ext>
               </a:extLst>
             </p:cNvPr>
@@ -14693,7 +18068,7 @@
 </p:sld>
 </file>
 
-<file path=ppt/slides/slide6.xml><?xml version="1.0" encoding="utf-8"?>
+<file path=ppt/slides/slide7.xml><?xml version="1.0" encoding="utf-8"?>
 <p:sld xmlns:a="http://schemas.openxmlformats.org/drawingml/2006/main" xmlns:r="http://schemas.openxmlformats.org/officeDocument/2006/relationships" xmlns:p="http://schemas.openxmlformats.org/presentationml/2006/main">
   <p:cSld>
     <p:spTree>
@@ -14715,7 +18090,7 @@
           <p:cNvPr id="100" name="组合 99">
             <a:extLst>
               <a:ext uri="{FF2B5EF4-FFF2-40B4-BE49-F238E27FC236}">
-                <a16:creationId xmlns:a16="http://schemas.microsoft.com/office/drawing/2014/main" xmlns="" id="{DA579F23-171D-462B-96B3-41244FDE80A4}"/>
+                <a16:creationId xmlns:a16="http://schemas.microsoft.com/office/drawing/2014/main" id="{DA579F23-171D-462B-96B3-41244FDE80A4}"/>
               </a:ext>
             </a:extLst>
           </p:cNvPr>
@@ -14735,7 +18110,7 @@
             <p:cNvPr id="4" name="矩形 3">
               <a:extLst>
                 <a:ext uri="{FF2B5EF4-FFF2-40B4-BE49-F238E27FC236}">
-                  <a16:creationId xmlns:a16="http://schemas.microsoft.com/office/drawing/2014/main" xmlns="" id="{4AF3FF26-0E6B-4B9C-A30F-C3F3CEAB8867}"/>
+                  <a16:creationId xmlns:a16="http://schemas.microsoft.com/office/drawing/2014/main" id="{4AF3FF26-0E6B-4B9C-A30F-C3F3CEAB8867}"/>
                 </a:ext>
               </a:extLst>
             </p:cNvPr>
@@ -14792,7 +18167,7 @@
             <p:cNvPr id="6" name="直接箭头连接符 5">
               <a:extLst>
                 <a:ext uri="{FF2B5EF4-FFF2-40B4-BE49-F238E27FC236}">
-                  <a16:creationId xmlns:a16="http://schemas.microsoft.com/office/drawing/2014/main" xmlns="" id="{62164988-5744-4656-B7EA-AB4C5795E7A6}"/>
+                  <a16:creationId xmlns:a16="http://schemas.microsoft.com/office/drawing/2014/main" id="{62164988-5744-4656-B7EA-AB4C5795E7A6}"/>
                 </a:ext>
               </a:extLst>
             </p:cNvPr>
@@ -14837,7 +18212,7 @@
             <p:cNvPr id="11" name="矩形 10">
               <a:extLst>
                 <a:ext uri="{FF2B5EF4-FFF2-40B4-BE49-F238E27FC236}">
-                  <a16:creationId xmlns:a16="http://schemas.microsoft.com/office/drawing/2014/main" xmlns="" id="{537D6F74-DB58-441F-978D-85D5E93188C4}"/>
+                  <a16:creationId xmlns:a16="http://schemas.microsoft.com/office/drawing/2014/main" id="{537D6F74-DB58-441F-978D-85D5E93188C4}"/>
                 </a:ext>
               </a:extLst>
             </p:cNvPr>
@@ -14894,7 +18269,7 @@
             <p:cNvPr id="12" name="菱形 11">
               <a:extLst>
                 <a:ext uri="{FF2B5EF4-FFF2-40B4-BE49-F238E27FC236}">
-                  <a16:creationId xmlns:a16="http://schemas.microsoft.com/office/drawing/2014/main" xmlns="" id="{1E88D479-26DF-4E86-B4CA-BBD85E09AA92}"/>
+                  <a16:creationId xmlns:a16="http://schemas.microsoft.com/office/drawing/2014/main" id="{1E88D479-26DF-4E86-B4CA-BBD85E09AA92}"/>
                 </a:ext>
               </a:extLst>
             </p:cNvPr>
@@ -14940,7 +18315,7 @@
             <p:cNvPr id="17" name="直接箭头连接符 16">
               <a:extLst>
                 <a:ext uri="{FF2B5EF4-FFF2-40B4-BE49-F238E27FC236}">
-                  <a16:creationId xmlns:a16="http://schemas.microsoft.com/office/drawing/2014/main" xmlns="" id="{F639E5C9-654B-47FC-8969-AFFD54957B56}"/>
+                  <a16:creationId xmlns:a16="http://schemas.microsoft.com/office/drawing/2014/main" id="{F639E5C9-654B-47FC-8969-AFFD54957B56}"/>
                 </a:ext>
               </a:extLst>
             </p:cNvPr>
@@ -14985,7 +18360,7 @@
             <p:cNvPr id="19" name="文本框 18">
               <a:extLst>
                 <a:ext uri="{FF2B5EF4-FFF2-40B4-BE49-F238E27FC236}">
-                  <a16:creationId xmlns:a16="http://schemas.microsoft.com/office/drawing/2014/main" xmlns="" id="{9D1E9F76-33B8-4C09-8AB5-B7A88179273A}"/>
+                  <a16:creationId xmlns:a16="http://schemas.microsoft.com/office/drawing/2014/main" id="{9D1E9F76-33B8-4C09-8AB5-B7A88179273A}"/>
                 </a:ext>
               </a:extLst>
             </p:cNvPr>
@@ -15020,7 +18395,7 @@
             <p:cNvPr id="20" name="菱形 19">
               <a:extLst>
                 <a:ext uri="{FF2B5EF4-FFF2-40B4-BE49-F238E27FC236}">
-                  <a16:creationId xmlns:a16="http://schemas.microsoft.com/office/drawing/2014/main" xmlns="" id="{C8408C6F-8623-4571-9633-060F684A3209}"/>
+                  <a16:creationId xmlns:a16="http://schemas.microsoft.com/office/drawing/2014/main" id="{C8408C6F-8623-4571-9633-060F684A3209}"/>
                 </a:ext>
               </a:extLst>
             </p:cNvPr>
@@ -15066,7 +18441,7 @@
             <p:cNvPr id="21" name="直接箭头连接符 20">
               <a:extLst>
                 <a:ext uri="{FF2B5EF4-FFF2-40B4-BE49-F238E27FC236}">
-                  <a16:creationId xmlns:a16="http://schemas.microsoft.com/office/drawing/2014/main" xmlns="" id="{EC5FA8B5-3A34-40B3-BA41-19E7C01677EC}"/>
+                  <a16:creationId xmlns:a16="http://schemas.microsoft.com/office/drawing/2014/main" id="{EC5FA8B5-3A34-40B3-BA41-19E7C01677EC}"/>
                 </a:ext>
               </a:extLst>
             </p:cNvPr>
@@ -15111,7 +18486,7 @@
             <p:cNvPr id="22" name="直接箭头连接符 21">
               <a:extLst>
                 <a:ext uri="{FF2B5EF4-FFF2-40B4-BE49-F238E27FC236}">
-                  <a16:creationId xmlns:a16="http://schemas.microsoft.com/office/drawing/2014/main" xmlns="" id="{002C1C1E-5FC8-48C7-B58D-EED88B1992D9}"/>
+                  <a16:creationId xmlns:a16="http://schemas.microsoft.com/office/drawing/2014/main" id="{002C1C1E-5FC8-48C7-B58D-EED88B1992D9}"/>
                 </a:ext>
               </a:extLst>
             </p:cNvPr>
@@ -15156,7 +18531,7 @@
             <p:cNvPr id="24" name="文本框 23">
               <a:extLst>
                 <a:ext uri="{FF2B5EF4-FFF2-40B4-BE49-F238E27FC236}">
-                  <a16:creationId xmlns:a16="http://schemas.microsoft.com/office/drawing/2014/main" xmlns="" id="{BA77D926-BC74-4475-92EF-691DD84C5A86}"/>
+                  <a16:creationId xmlns:a16="http://schemas.microsoft.com/office/drawing/2014/main" id="{BA77D926-BC74-4475-92EF-691DD84C5A86}"/>
                 </a:ext>
               </a:extLst>
             </p:cNvPr>
@@ -15191,7 +18566,7 @@
             <p:cNvPr id="25" name="矩形 24">
               <a:extLst>
                 <a:ext uri="{FF2B5EF4-FFF2-40B4-BE49-F238E27FC236}">
-                  <a16:creationId xmlns:a16="http://schemas.microsoft.com/office/drawing/2014/main" xmlns="" id="{A8652F11-493E-48BE-A57A-4E47D56472A7}"/>
+                  <a16:creationId xmlns:a16="http://schemas.microsoft.com/office/drawing/2014/main" id="{A8652F11-493E-48BE-A57A-4E47D56472A7}"/>
                 </a:ext>
               </a:extLst>
             </p:cNvPr>
@@ -15263,7 +18638,7 @@
             <p:cNvPr id="26" name="文本框 25">
               <a:extLst>
                 <a:ext uri="{FF2B5EF4-FFF2-40B4-BE49-F238E27FC236}">
-                  <a16:creationId xmlns:a16="http://schemas.microsoft.com/office/drawing/2014/main" xmlns="" id="{C71CFAD4-5A40-46D6-BA60-A8C11AAE164B}"/>
+                  <a16:creationId xmlns:a16="http://schemas.microsoft.com/office/drawing/2014/main" id="{C71CFAD4-5A40-46D6-BA60-A8C11AAE164B}"/>
                 </a:ext>
               </a:extLst>
             </p:cNvPr>
@@ -15298,7 +18673,7 @@
             <p:cNvPr id="27" name="直接箭头连接符 26">
               <a:extLst>
                 <a:ext uri="{FF2B5EF4-FFF2-40B4-BE49-F238E27FC236}">
-                  <a16:creationId xmlns:a16="http://schemas.microsoft.com/office/drawing/2014/main" xmlns="" id="{5AAC67F4-C475-459E-AB98-F29440B36CF8}"/>
+                  <a16:creationId xmlns:a16="http://schemas.microsoft.com/office/drawing/2014/main" id="{5AAC67F4-C475-459E-AB98-F29440B36CF8}"/>
                 </a:ext>
               </a:extLst>
             </p:cNvPr>
@@ -15343,7 +18718,7 @@
             <p:cNvPr id="30" name="直接箭头连接符 29">
               <a:extLst>
                 <a:ext uri="{FF2B5EF4-FFF2-40B4-BE49-F238E27FC236}">
-                  <a16:creationId xmlns:a16="http://schemas.microsoft.com/office/drawing/2014/main" xmlns="" id="{CC2763FA-EBE3-4F06-BEE5-2B2BE90DFED0}"/>
+                  <a16:creationId xmlns:a16="http://schemas.microsoft.com/office/drawing/2014/main" id="{CC2763FA-EBE3-4F06-BEE5-2B2BE90DFED0}"/>
                 </a:ext>
               </a:extLst>
             </p:cNvPr>
@@ -15388,7 +18763,7 @@
             <p:cNvPr id="32" name="直接箭头连接符 31">
               <a:extLst>
                 <a:ext uri="{FF2B5EF4-FFF2-40B4-BE49-F238E27FC236}">
-                  <a16:creationId xmlns:a16="http://schemas.microsoft.com/office/drawing/2014/main" xmlns="" id="{2FF26E0D-BDE3-4855-9592-1410F8E1B5E1}"/>
+                  <a16:creationId xmlns:a16="http://schemas.microsoft.com/office/drawing/2014/main" id="{2FF26E0D-BDE3-4855-9592-1410F8E1B5E1}"/>
                 </a:ext>
               </a:extLst>
             </p:cNvPr>
@@ -15433,7 +18808,7 @@
             <p:cNvPr id="36" name="文本框 35">
               <a:extLst>
                 <a:ext uri="{FF2B5EF4-FFF2-40B4-BE49-F238E27FC236}">
-                  <a16:creationId xmlns:a16="http://schemas.microsoft.com/office/drawing/2014/main" xmlns="" id="{C6805A88-FF3B-44CA-83AE-99E7466CB8A6}"/>
+                  <a16:creationId xmlns:a16="http://schemas.microsoft.com/office/drawing/2014/main" id="{C6805A88-FF3B-44CA-83AE-99E7466CB8A6}"/>
                 </a:ext>
               </a:extLst>
             </p:cNvPr>
@@ -15468,7 +18843,7 @@
             <p:cNvPr id="37" name="矩形 36">
               <a:extLst>
                 <a:ext uri="{FF2B5EF4-FFF2-40B4-BE49-F238E27FC236}">
-                  <a16:creationId xmlns:a16="http://schemas.microsoft.com/office/drawing/2014/main" xmlns="" id="{2F312EC0-5D0C-4224-B58F-B146A1DD04C4}"/>
+                  <a16:creationId xmlns:a16="http://schemas.microsoft.com/office/drawing/2014/main" id="{2F312EC0-5D0C-4224-B58F-B146A1DD04C4}"/>
                 </a:ext>
               </a:extLst>
             </p:cNvPr>
@@ -15525,7 +18900,7 @@
             <p:cNvPr id="38" name="菱形 37">
               <a:extLst>
                 <a:ext uri="{FF2B5EF4-FFF2-40B4-BE49-F238E27FC236}">
-                  <a16:creationId xmlns:a16="http://schemas.microsoft.com/office/drawing/2014/main" xmlns="" id="{9CE29ADC-8787-4A01-A09F-E37977081854}"/>
+                  <a16:creationId xmlns:a16="http://schemas.microsoft.com/office/drawing/2014/main" id="{9CE29ADC-8787-4A01-A09F-E37977081854}"/>
                 </a:ext>
               </a:extLst>
             </p:cNvPr>
@@ -15571,7 +18946,7 @@
             <p:cNvPr id="39" name="直接箭头连接符 38">
               <a:extLst>
                 <a:ext uri="{FF2B5EF4-FFF2-40B4-BE49-F238E27FC236}">
-                  <a16:creationId xmlns:a16="http://schemas.microsoft.com/office/drawing/2014/main" xmlns="" id="{D4C78127-EB0F-4EA0-AD25-3BDE5799D1B5}"/>
+                  <a16:creationId xmlns:a16="http://schemas.microsoft.com/office/drawing/2014/main" id="{D4C78127-EB0F-4EA0-AD25-3BDE5799D1B5}"/>
                 </a:ext>
               </a:extLst>
             </p:cNvPr>
@@ -15616,7 +18991,7 @@
             <p:cNvPr id="40" name="文本框 39">
               <a:extLst>
                 <a:ext uri="{FF2B5EF4-FFF2-40B4-BE49-F238E27FC236}">
-                  <a16:creationId xmlns:a16="http://schemas.microsoft.com/office/drawing/2014/main" xmlns="" id="{54926C31-E1DB-4B34-96F2-682969AF50D3}"/>
+                  <a16:creationId xmlns:a16="http://schemas.microsoft.com/office/drawing/2014/main" id="{54926C31-E1DB-4B34-96F2-682969AF50D3}"/>
                 </a:ext>
               </a:extLst>
             </p:cNvPr>
@@ -15663,7 +19038,7 @@
             <p:cNvPr id="41" name="文本框 40">
               <a:extLst>
                 <a:ext uri="{FF2B5EF4-FFF2-40B4-BE49-F238E27FC236}">
-                  <a16:creationId xmlns:a16="http://schemas.microsoft.com/office/drawing/2014/main" xmlns="" id="{E869EA8E-A19E-4AAE-8411-C02F0F4BE28E}"/>
+                  <a16:creationId xmlns:a16="http://schemas.microsoft.com/office/drawing/2014/main" id="{E869EA8E-A19E-4AAE-8411-C02F0F4BE28E}"/>
                 </a:ext>
               </a:extLst>
             </p:cNvPr>
@@ -15698,7 +19073,7 @@
             <p:cNvPr id="42" name="直接箭头连接符 41">
               <a:extLst>
                 <a:ext uri="{FF2B5EF4-FFF2-40B4-BE49-F238E27FC236}">
-                  <a16:creationId xmlns:a16="http://schemas.microsoft.com/office/drawing/2014/main" xmlns="" id="{34E7E193-0E3B-4223-9E8F-DD02B5B93E75}"/>
+                  <a16:creationId xmlns:a16="http://schemas.microsoft.com/office/drawing/2014/main" id="{34E7E193-0E3B-4223-9E8F-DD02B5B93E75}"/>
                 </a:ext>
               </a:extLst>
             </p:cNvPr>
@@ -15743,7 +19118,7 @@
             <p:cNvPr id="43" name="矩形 42">
               <a:extLst>
                 <a:ext uri="{FF2B5EF4-FFF2-40B4-BE49-F238E27FC236}">
-                  <a16:creationId xmlns:a16="http://schemas.microsoft.com/office/drawing/2014/main" xmlns="" id="{38387764-CAF8-4D99-8810-4D6968DAC565}"/>
+                  <a16:creationId xmlns:a16="http://schemas.microsoft.com/office/drawing/2014/main" id="{38387764-CAF8-4D99-8810-4D6968DAC565}"/>
                 </a:ext>
               </a:extLst>
             </p:cNvPr>
@@ -15800,7 +19175,7 @@
             <p:cNvPr id="44" name="直接箭头连接符 43">
               <a:extLst>
                 <a:ext uri="{FF2B5EF4-FFF2-40B4-BE49-F238E27FC236}">
-                  <a16:creationId xmlns:a16="http://schemas.microsoft.com/office/drawing/2014/main" xmlns="" id="{E7D05EE4-012D-41CB-87CC-E311E5AD5B87}"/>
+                  <a16:creationId xmlns:a16="http://schemas.microsoft.com/office/drawing/2014/main" id="{E7D05EE4-012D-41CB-87CC-E311E5AD5B87}"/>
                 </a:ext>
               </a:extLst>
             </p:cNvPr>
@@ -15845,7 +19220,7 @@
             <p:cNvPr id="45" name="菱形 44">
               <a:extLst>
                 <a:ext uri="{FF2B5EF4-FFF2-40B4-BE49-F238E27FC236}">
-                  <a16:creationId xmlns:a16="http://schemas.microsoft.com/office/drawing/2014/main" xmlns="" id="{63CA8F00-BEC6-40A3-B284-C3F8BCC2B0C7}"/>
+                  <a16:creationId xmlns:a16="http://schemas.microsoft.com/office/drawing/2014/main" id="{63CA8F00-BEC6-40A3-B284-C3F8BCC2B0C7}"/>
                 </a:ext>
               </a:extLst>
             </p:cNvPr>
@@ -15891,7 +19266,7 @@
             <p:cNvPr id="46" name="文本框 45">
               <a:extLst>
                 <a:ext uri="{FF2B5EF4-FFF2-40B4-BE49-F238E27FC236}">
-                  <a16:creationId xmlns:a16="http://schemas.microsoft.com/office/drawing/2014/main" xmlns="" id="{274A1B04-2454-4062-8D28-3C6113466162}"/>
+                  <a16:creationId xmlns:a16="http://schemas.microsoft.com/office/drawing/2014/main" id="{274A1B04-2454-4062-8D28-3C6113466162}"/>
                 </a:ext>
               </a:extLst>
             </p:cNvPr>
@@ -15926,7 +19301,7 @@
             <p:cNvPr id="47" name="直接箭头连接符 46">
               <a:extLst>
                 <a:ext uri="{FF2B5EF4-FFF2-40B4-BE49-F238E27FC236}">
-                  <a16:creationId xmlns:a16="http://schemas.microsoft.com/office/drawing/2014/main" xmlns="" id="{E6445D26-E4E7-449B-9803-E1DCA0D516DD}"/>
+                  <a16:creationId xmlns:a16="http://schemas.microsoft.com/office/drawing/2014/main" id="{E6445D26-E4E7-449B-9803-E1DCA0D516DD}"/>
                 </a:ext>
               </a:extLst>
             </p:cNvPr>
@@ -15971,7 +19346,7 @@
             <p:cNvPr id="49" name="直接箭头连接符 48">
               <a:extLst>
                 <a:ext uri="{FF2B5EF4-FFF2-40B4-BE49-F238E27FC236}">
-                  <a16:creationId xmlns:a16="http://schemas.microsoft.com/office/drawing/2014/main" xmlns="" id="{076F4BDF-F730-4C40-9283-E1A37E04CE34}"/>
+                  <a16:creationId xmlns:a16="http://schemas.microsoft.com/office/drawing/2014/main" id="{076F4BDF-F730-4C40-9283-E1A37E04CE34}"/>
                 </a:ext>
               </a:extLst>
             </p:cNvPr>
@@ -16016,7 +19391,7 @@
             <p:cNvPr id="51" name="文本框 50">
               <a:extLst>
                 <a:ext uri="{FF2B5EF4-FFF2-40B4-BE49-F238E27FC236}">
-                  <a16:creationId xmlns:a16="http://schemas.microsoft.com/office/drawing/2014/main" xmlns="" id="{9FE0D3AA-C348-43B0-A775-D8D7E8208F8F}"/>
+                  <a16:creationId xmlns:a16="http://schemas.microsoft.com/office/drawing/2014/main" id="{9FE0D3AA-C348-43B0-A775-D8D7E8208F8F}"/>
                 </a:ext>
               </a:extLst>
             </p:cNvPr>
@@ -16051,7 +19426,7 @@
             <p:cNvPr id="52" name="直接箭头连接符 51">
               <a:extLst>
                 <a:ext uri="{FF2B5EF4-FFF2-40B4-BE49-F238E27FC236}">
-                  <a16:creationId xmlns:a16="http://schemas.microsoft.com/office/drawing/2014/main" xmlns="" id="{D5DA6385-3F3D-4E83-B8AA-159E22203902}"/>
+                  <a16:creationId xmlns:a16="http://schemas.microsoft.com/office/drawing/2014/main" id="{D5DA6385-3F3D-4E83-B8AA-159E22203902}"/>
                 </a:ext>
               </a:extLst>
             </p:cNvPr>
@@ -16096,7 +19471,7 @@
             <p:cNvPr id="53" name="直接箭头连接符 52">
               <a:extLst>
                 <a:ext uri="{FF2B5EF4-FFF2-40B4-BE49-F238E27FC236}">
-                  <a16:creationId xmlns:a16="http://schemas.microsoft.com/office/drawing/2014/main" xmlns="" id="{D2F16A96-50E3-4944-8CFE-F1116A78887F}"/>
+                  <a16:creationId xmlns:a16="http://schemas.microsoft.com/office/drawing/2014/main" id="{D2F16A96-50E3-4944-8CFE-F1116A78887F}"/>
                 </a:ext>
               </a:extLst>
             </p:cNvPr>
@@ -16141,7 +19516,7 @@
             <p:cNvPr id="55" name="直接箭头连接符 54">
               <a:extLst>
                 <a:ext uri="{FF2B5EF4-FFF2-40B4-BE49-F238E27FC236}">
-                  <a16:creationId xmlns:a16="http://schemas.microsoft.com/office/drawing/2014/main" xmlns="" id="{C54AB567-9ECD-4B39-943A-5D598535B4B1}"/>
+                  <a16:creationId xmlns:a16="http://schemas.microsoft.com/office/drawing/2014/main" id="{C54AB567-9ECD-4B39-943A-5D598535B4B1}"/>
                 </a:ext>
               </a:extLst>
             </p:cNvPr>
@@ -16186,7 +19561,7 @@
             <p:cNvPr id="58" name="矩形 57">
               <a:extLst>
                 <a:ext uri="{FF2B5EF4-FFF2-40B4-BE49-F238E27FC236}">
-                  <a16:creationId xmlns:a16="http://schemas.microsoft.com/office/drawing/2014/main" xmlns="" id="{3480DEB5-61DD-4902-B26F-5A6EDC4E358B}"/>
+                  <a16:creationId xmlns:a16="http://schemas.microsoft.com/office/drawing/2014/main" id="{3480DEB5-61DD-4902-B26F-5A6EDC4E358B}"/>
                 </a:ext>
               </a:extLst>
             </p:cNvPr>
@@ -16251,7 +19626,7 @@
             <p:cNvPr id="59" name="直接箭头连接符 58">
               <a:extLst>
                 <a:ext uri="{FF2B5EF4-FFF2-40B4-BE49-F238E27FC236}">
-                  <a16:creationId xmlns:a16="http://schemas.microsoft.com/office/drawing/2014/main" xmlns="" id="{4CB39EE7-E218-486B-BF4F-B29BDFC8D099}"/>
+                  <a16:creationId xmlns:a16="http://schemas.microsoft.com/office/drawing/2014/main" id="{4CB39EE7-E218-486B-BF4F-B29BDFC8D099}"/>
                 </a:ext>
               </a:extLst>
             </p:cNvPr>
@@ -16296,7 +19671,7 @@
             <p:cNvPr id="60" name="菱形 59">
               <a:extLst>
                 <a:ext uri="{FF2B5EF4-FFF2-40B4-BE49-F238E27FC236}">
-                  <a16:creationId xmlns:a16="http://schemas.microsoft.com/office/drawing/2014/main" xmlns="" id="{4E9BBEC4-04BE-4E39-A0E5-49FE361DB7CF}"/>
+                  <a16:creationId xmlns:a16="http://schemas.microsoft.com/office/drawing/2014/main" id="{4E9BBEC4-04BE-4E39-A0E5-49FE361DB7CF}"/>
                 </a:ext>
               </a:extLst>
             </p:cNvPr>
@@ -16342,7 +19717,7 @@
             <p:cNvPr id="61" name="文本框 60">
               <a:extLst>
                 <a:ext uri="{FF2B5EF4-FFF2-40B4-BE49-F238E27FC236}">
-                  <a16:creationId xmlns:a16="http://schemas.microsoft.com/office/drawing/2014/main" xmlns="" id="{F59BCF46-2C05-4C57-A452-3458D53A08D1}"/>
+                  <a16:creationId xmlns:a16="http://schemas.microsoft.com/office/drawing/2014/main" id="{F59BCF46-2C05-4C57-A452-3458D53A08D1}"/>
                 </a:ext>
               </a:extLst>
             </p:cNvPr>
@@ -16377,7 +19752,7 @@
             <p:cNvPr id="62" name="直接箭头连接符 61">
               <a:extLst>
                 <a:ext uri="{FF2B5EF4-FFF2-40B4-BE49-F238E27FC236}">
-                  <a16:creationId xmlns:a16="http://schemas.microsoft.com/office/drawing/2014/main" xmlns="" id="{DB2A87F3-5889-4CD0-82C6-0E95D2BAFA4E}"/>
+                  <a16:creationId xmlns:a16="http://schemas.microsoft.com/office/drawing/2014/main" id="{DB2A87F3-5889-4CD0-82C6-0E95D2BAFA4E}"/>
                 </a:ext>
               </a:extLst>
             </p:cNvPr>
@@ -16422,7 +19797,7 @@
             <p:cNvPr id="64" name="矩形 63">
               <a:extLst>
                 <a:ext uri="{FF2B5EF4-FFF2-40B4-BE49-F238E27FC236}">
-                  <a16:creationId xmlns:a16="http://schemas.microsoft.com/office/drawing/2014/main" xmlns="" id="{AC52FCFE-2B11-428B-99AE-EBF1C5F5D574}"/>
+                  <a16:creationId xmlns:a16="http://schemas.microsoft.com/office/drawing/2014/main" id="{AC52FCFE-2B11-428B-99AE-EBF1C5F5D574}"/>
                 </a:ext>
               </a:extLst>
             </p:cNvPr>
@@ -16494,7 +19869,7 @@
             <p:cNvPr id="65" name="直接箭头连接符 64">
               <a:extLst>
                 <a:ext uri="{FF2B5EF4-FFF2-40B4-BE49-F238E27FC236}">
-                  <a16:creationId xmlns:a16="http://schemas.microsoft.com/office/drawing/2014/main" xmlns="" id="{102759E4-8F6C-4FA2-883A-C450B5D5F729}"/>
+                  <a16:creationId xmlns:a16="http://schemas.microsoft.com/office/drawing/2014/main" id="{102759E4-8F6C-4FA2-883A-C450B5D5F729}"/>
                 </a:ext>
               </a:extLst>
             </p:cNvPr>
@@ -16539,7 +19914,7 @@
             <p:cNvPr id="66" name="文本框 65">
               <a:extLst>
                 <a:ext uri="{FF2B5EF4-FFF2-40B4-BE49-F238E27FC236}">
-                  <a16:creationId xmlns:a16="http://schemas.microsoft.com/office/drawing/2014/main" xmlns="" id="{6AF1D1C4-F2C4-453F-9646-D2ABD0C99720}"/>
+                  <a16:creationId xmlns:a16="http://schemas.microsoft.com/office/drawing/2014/main" id="{6AF1D1C4-F2C4-453F-9646-D2ABD0C99720}"/>
                 </a:ext>
               </a:extLst>
             </p:cNvPr>
@@ -16574,7 +19949,7 @@
             <p:cNvPr id="67" name="文本框 66">
               <a:extLst>
                 <a:ext uri="{FF2B5EF4-FFF2-40B4-BE49-F238E27FC236}">
-                  <a16:creationId xmlns:a16="http://schemas.microsoft.com/office/drawing/2014/main" xmlns="" id="{19534005-E27C-4D9A-9996-C1CE9FF2DE8D}"/>
+                  <a16:creationId xmlns:a16="http://schemas.microsoft.com/office/drawing/2014/main" id="{19534005-E27C-4D9A-9996-C1CE9FF2DE8D}"/>
                 </a:ext>
               </a:extLst>
             </p:cNvPr>
@@ -16609,7 +19984,7 @@
             <p:cNvPr id="69" name="矩形 68">
               <a:extLst>
                 <a:ext uri="{FF2B5EF4-FFF2-40B4-BE49-F238E27FC236}">
-                  <a16:creationId xmlns:a16="http://schemas.microsoft.com/office/drawing/2014/main" xmlns="" id="{DDEC68E7-C1A4-4E89-8AEE-A88840384C8A}"/>
+                  <a16:creationId xmlns:a16="http://schemas.microsoft.com/office/drawing/2014/main" id="{DDEC68E7-C1A4-4E89-8AEE-A88840384C8A}"/>
                 </a:ext>
               </a:extLst>
             </p:cNvPr>
@@ -16690,7 +20065,7 @@
             <p:cNvPr id="70" name="菱形 69">
               <a:extLst>
                 <a:ext uri="{FF2B5EF4-FFF2-40B4-BE49-F238E27FC236}">
-                  <a16:creationId xmlns:a16="http://schemas.microsoft.com/office/drawing/2014/main" xmlns="" id="{2E9150B0-9AEA-4D2A-8837-208C1EA3D857}"/>
+                  <a16:creationId xmlns:a16="http://schemas.microsoft.com/office/drawing/2014/main" id="{2E9150B0-9AEA-4D2A-8837-208C1EA3D857}"/>
                 </a:ext>
               </a:extLst>
             </p:cNvPr>
@@ -16736,7 +20111,7 @@
             <p:cNvPr id="71" name="直接箭头连接符 70">
               <a:extLst>
                 <a:ext uri="{FF2B5EF4-FFF2-40B4-BE49-F238E27FC236}">
-                  <a16:creationId xmlns:a16="http://schemas.microsoft.com/office/drawing/2014/main" xmlns="" id="{CEAB77C4-CBD4-42F9-B37C-05374431B8F0}"/>
+                  <a16:creationId xmlns:a16="http://schemas.microsoft.com/office/drawing/2014/main" id="{CEAB77C4-CBD4-42F9-B37C-05374431B8F0}"/>
                 </a:ext>
               </a:extLst>
             </p:cNvPr>
@@ -16781,7 +20156,7 @@
             <p:cNvPr id="72" name="直接箭头连接符 71">
               <a:extLst>
                 <a:ext uri="{FF2B5EF4-FFF2-40B4-BE49-F238E27FC236}">
-                  <a16:creationId xmlns:a16="http://schemas.microsoft.com/office/drawing/2014/main" xmlns="" id="{0BC66351-9256-4B6D-A778-3E4740CC476D}"/>
+                  <a16:creationId xmlns:a16="http://schemas.microsoft.com/office/drawing/2014/main" id="{0BC66351-9256-4B6D-A778-3E4740CC476D}"/>
                 </a:ext>
               </a:extLst>
             </p:cNvPr>
@@ -16826,7 +20201,7 @@
             <p:cNvPr id="73" name="文本框 72">
               <a:extLst>
                 <a:ext uri="{FF2B5EF4-FFF2-40B4-BE49-F238E27FC236}">
-                  <a16:creationId xmlns:a16="http://schemas.microsoft.com/office/drawing/2014/main" xmlns="" id="{B64DB721-8AFF-4716-812D-B3F4DED94907}"/>
+                  <a16:creationId xmlns:a16="http://schemas.microsoft.com/office/drawing/2014/main" id="{B64DB721-8AFF-4716-812D-B3F4DED94907}"/>
                 </a:ext>
               </a:extLst>
             </p:cNvPr>
@@ -16879,7 +20254,7 @@
             <p:cNvPr id="75" name="直接箭头连接符 74">
               <a:extLst>
                 <a:ext uri="{FF2B5EF4-FFF2-40B4-BE49-F238E27FC236}">
-                  <a16:creationId xmlns:a16="http://schemas.microsoft.com/office/drawing/2014/main" xmlns="" id="{622B9117-32C7-451B-9BB2-DEC9F5780060}"/>
+                  <a16:creationId xmlns:a16="http://schemas.microsoft.com/office/drawing/2014/main" id="{622B9117-32C7-451B-9BB2-DEC9F5780060}"/>
                 </a:ext>
               </a:extLst>
             </p:cNvPr>
@@ -16924,7 +20299,7 @@
             <p:cNvPr id="76" name="直接箭头连接符 75">
               <a:extLst>
                 <a:ext uri="{FF2B5EF4-FFF2-40B4-BE49-F238E27FC236}">
-                  <a16:creationId xmlns:a16="http://schemas.microsoft.com/office/drawing/2014/main" xmlns="" id="{B34B22B2-6AB8-47EF-B5AA-58CF7BCF0EE2}"/>
+                  <a16:creationId xmlns:a16="http://schemas.microsoft.com/office/drawing/2014/main" id="{B34B22B2-6AB8-47EF-B5AA-58CF7BCF0EE2}"/>
                 </a:ext>
               </a:extLst>
             </p:cNvPr>
@@ -16969,7 +20344,7 @@
             <p:cNvPr id="80" name="矩形 79">
               <a:extLst>
                 <a:ext uri="{FF2B5EF4-FFF2-40B4-BE49-F238E27FC236}">
-                  <a16:creationId xmlns:a16="http://schemas.microsoft.com/office/drawing/2014/main" xmlns="" id="{B3A4000B-E53B-4A3B-928A-A0719AD3C497}"/>
+                  <a16:creationId xmlns:a16="http://schemas.microsoft.com/office/drawing/2014/main" id="{B3A4000B-E53B-4A3B-928A-A0719AD3C497}"/>
                 </a:ext>
               </a:extLst>
             </p:cNvPr>
@@ -17041,7 +20416,7 @@
             <p:cNvPr id="82" name="直接箭头连接符 81">
               <a:extLst>
                 <a:ext uri="{FF2B5EF4-FFF2-40B4-BE49-F238E27FC236}">
-                  <a16:creationId xmlns:a16="http://schemas.microsoft.com/office/drawing/2014/main" xmlns="" id="{D9C27E84-F0BA-4DB1-87B0-BAAF36D2B138}"/>
+                  <a16:creationId xmlns:a16="http://schemas.microsoft.com/office/drawing/2014/main" id="{D9C27E84-F0BA-4DB1-87B0-BAAF36D2B138}"/>
                 </a:ext>
               </a:extLst>
             </p:cNvPr>
@@ -17086,7 +20461,7 @@
             <p:cNvPr id="85" name="菱形 84">
               <a:extLst>
                 <a:ext uri="{FF2B5EF4-FFF2-40B4-BE49-F238E27FC236}">
-                  <a16:creationId xmlns:a16="http://schemas.microsoft.com/office/drawing/2014/main" xmlns="" id="{F50435F3-D2BE-48F2-9FD1-EEA1F186432A}"/>
+                  <a16:creationId xmlns:a16="http://schemas.microsoft.com/office/drawing/2014/main" id="{F50435F3-D2BE-48F2-9FD1-EEA1F186432A}"/>
                 </a:ext>
               </a:extLst>
             </p:cNvPr>
@@ -17132,7 +20507,7 @@
             <p:cNvPr id="86" name="直接箭头连接符 85">
               <a:extLst>
                 <a:ext uri="{FF2B5EF4-FFF2-40B4-BE49-F238E27FC236}">
-                  <a16:creationId xmlns:a16="http://schemas.microsoft.com/office/drawing/2014/main" xmlns="" id="{1EA41CD9-60E1-4E4D-93C5-8336F7F100CD}"/>
+                  <a16:creationId xmlns:a16="http://schemas.microsoft.com/office/drawing/2014/main" id="{1EA41CD9-60E1-4E4D-93C5-8336F7F100CD}"/>
                 </a:ext>
               </a:extLst>
             </p:cNvPr>
@@ -17177,7 +20552,7 @@
             <p:cNvPr id="87" name="直接箭头连接符 86">
               <a:extLst>
                 <a:ext uri="{FF2B5EF4-FFF2-40B4-BE49-F238E27FC236}">
-                  <a16:creationId xmlns:a16="http://schemas.microsoft.com/office/drawing/2014/main" xmlns="" id="{EB84AFFB-72C8-4389-B84C-6DA6D3A46A61}"/>
+                  <a16:creationId xmlns:a16="http://schemas.microsoft.com/office/drawing/2014/main" id="{EB84AFFB-72C8-4389-B84C-6DA6D3A46A61}"/>
                 </a:ext>
               </a:extLst>
             </p:cNvPr>
@@ -17222,7 +20597,7 @@
             <p:cNvPr id="88" name="直接箭头连接符 87">
               <a:extLst>
                 <a:ext uri="{FF2B5EF4-FFF2-40B4-BE49-F238E27FC236}">
-                  <a16:creationId xmlns:a16="http://schemas.microsoft.com/office/drawing/2014/main" xmlns="" id="{C23FE7B5-CEF3-4606-93AD-A554EE1C809A}"/>
+                  <a16:creationId xmlns:a16="http://schemas.microsoft.com/office/drawing/2014/main" id="{C23FE7B5-CEF3-4606-93AD-A554EE1C809A}"/>
                 </a:ext>
               </a:extLst>
             </p:cNvPr>
@@ -17267,7 +20642,7 @@
             <p:cNvPr id="90" name="文本框 89">
               <a:extLst>
                 <a:ext uri="{FF2B5EF4-FFF2-40B4-BE49-F238E27FC236}">
-                  <a16:creationId xmlns:a16="http://schemas.microsoft.com/office/drawing/2014/main" xmlns="" id="{87246DDD-C134-4BC3-818B-F49D931BA1E8}"/>
+                  <a16:creationId xmlns:a16="http://schemas.microsoft.com/office/drawing/2014/main" id="{87246DDD-C134-4BC3-818B-F49D931BA1E8}"/>
                 </a:ext>
               </a:extLst>
             </p:cNvPr>
@@ -17302,7 +20677,7 @@
             <p:cNvPr id="91" name="文本框 90">
               <a:extLst>
                 <a:ext uri="{FF2B5EF4-FFF2-40B4-BE49-F238E27FC236}">
-                  <a16:creationId xmlns:a16="http://schemas.microsoft.com/office/drawing/2014/main" xmlns="" id="{8401A120-4FDD-4BD3-B0E3-BC45B4E5528F}"/>
+                  <a16:creationId xmlns:a16="http://schemas.microsoft.com/office/drawing/2014/main" id="{8401A120-4FDD-4BD3-B0E3-BC45B4E5528F}"/>
                 </a:ext>
               </a:extLst>
             </p:cNvPr>
@@ -17337,7 +20712,7 @@
             <p:cNvPr id="92" name="直接箭头连接符 91">
               <a:extLst>
                 <a:ext uri="{FF2B5EF4-FFF2-40B4-BE49-F238E27FC236}">
-                  <a16:creationId xmlns:a16="http://schemas.microsoft.com/office/drawing/2014/main" xmlns="" id="{057495C1-B2E9-4ECE-9191-49746E2CB2C5}"/>
+                  <a16:creationId xmlns:a16="http://schemas.microsoft.com/office/drawing/2014/main" id="{057495C1-B2E9-4ECE-9191-49746E2CB2C5}"/>
                 </a:ext>
               </a:extLst>
             </p:cNvPr>
@@ -17382,7 +20757,7 @@
             <p:cNvPr id="93" name="直接箭头连接符 92">
               <a:extLst>
                 <a:ext uri="{FF2B5EF4-FFF2-40B4-BE49-F238E27FC236}">
-                  <a16:creationId xmlns:a16="http://schemas.microsoft.com/office/drawing/2014/main" xmlns="" id="{795C348F-9331-4882-AD05-69BAE5607AA5}"/>
+                  <a16:creationId xmlns:a16="http://schemas.microsoft.com/office/drawing/2014/main" id="{795C348F-9331-4882-AD05-69BAE5607AA5}"/>
                 </a:ext>
               </a:extLst>
             </p:cNvPr>
@@ -17427,7 +20802,7 @@
             <p:cNvPr id="95" name="直接箭头连接符 94">
               <a:extLst>
                 <a:ext uri="{FF2B5EF4-FFF2-40B4-BE49-F238E27FC236}">
-                  <a16:creationId xmlns:a16="http://schemas.microsoft.com/office/drawing/2014/main" xmlns="" id="{75B2A8D8-CBDB-4156-93BA-E398CAD8C2E5}"/>
+                  <a16:creationId xmlns:a16="http://schemas.microsoft.com/office/drawing/2014/main" id="{75B2A8D8-CBDB-4156-93BA-E398CAD8C2E5}"/>
                 </a:ext>
               </a:extLst>
             </p:cNvPr>
@@ -17472,7 +20847,7 @@
             <p:cNvPr id="98" name="矩形 97">
               <a:extLst>
                 <a:ext uri="{FF2B5EF4-FFF2-40B4-BE49-F238E27FC236}">
-                  <a16:creationId xmlns:a16="http://schemas.microsoft.com/office/drawing/2014/main" xmlns="" id="{2DDAE847-93FF-436E-A641-46F5996A0FA7}"/>
+                  <a16:creationId xmlns:a16="http://schemas.microsoft.com/office/drawing/2014/main" id="{2DDAE847-93FF-436E-A641-46F5996A0FA7}"/>
                 </a:ext>
               </a:extLst>
             </p:cNvPr>
@@ -17544,7 +20919,7 @@
             <p:cNvPr id="99" name="文本框 98">
               <a:extLst>
                 <a:ext uri="{FF2B5EF4-FFF2-40B4-BE49-F238E27FC236}">
-                  <a16:creationId xmlns:a16="http://schemas.microsoft.com/office/drawing/2014/main" xmlns="" id="{F2E86B31-A5A1-43BF-AB5F-B3BFD4CC242B}"/>
+                  <a16:creationId xmlns:a16="http://schemas.microsoft.com/office/drawing/2014/main" id="{F2E86B31-A5A1-43BF-AB5F-B3BFD4CC242B}"/>
                 </a:ext>
               </a:extLst>
             </p:cNvPr>
@@ -17628,7 +21003,7 @@
 </p:sld>
 </file>
 
-<file path=ppt/slides/slide7.xml><?xml version="1.0" encoding="utf-8"?>
+<file path=ppt/slides/slide8.xml><?xml version="1.0" encoding="utf-8"?>
 <p:sld xmlns:a="http://schemas.openxmlformats.org/drawingml/2006/main" xmlns:r="http://schemas.openxmlformats.org/officeDocument/2006/relationships" xmlns:p="http://schemas.openxmlformats.org/presentationml/2006/main">
   <p:cSld>
     <p:spTree>
@@ -17664,7 +21039,7 @@
             <p:cNvPr id="4" name="矩形 3">
               <a:extLst>
                 <a:ext uri="{FF2B5EF4-FFF2-40B4-BE49-F238E27FC236}">
-                  <a16:creationId xmlns:a16="http://schemas.microsoft.com/office/drawing/2014/main" xmlns="" id="{4AF3FF26-0E6B-4B9C-A30F-C3F3CEAB8867}"/>
+                  <a16:creationId xmlns:a16="http://schemas.microsoft.com/office/drawing/2014/main" id="{4AF3FF26-0E6B-4B9C-A30F-C3F3CEAB8867}"/>
                 </a:ext>
               </a:extLst>
             </p:cNvPr>
@@ -17705,7 +21080,7 @@
             <a:p>
               <a:pPr algn="ctr"/>
               <a:r>
-                <a:rPr lang="en-US" altLang="zh-CN" sz="2400" dirty="0" smtClean="0"/>
+                <a:rPr lang="en-US" altLang="zh-CN" sz="2400" dirty="0"/>
                 <a:t>Client Browser</a:t>
               </a:r>
               <a:endParaRPr lang="zh-CN" altLang="en-US" sz="2400" dirty="0"/>
@@ -17717,7 +21092,7 @@
             <p:cNvPr id="5" name="直接箭头连接符 4">
               <a:extLst>
                 <a:ext uri="{FF2B5EF4-FFF2-40B4-BE49-F238E27FC236}">
-                  <a16:creationId xmlns:a16="http://schemas.microsoft.com/office/drawing/2014/main" xmlns="" id="{CC2763FA-EBE3-4F06-BEE5-2B2BE90DFED0}"/>
+                  <a16:creationId xmlns:a16="http://schemas.microsoft.com/office/drawing/2014/main" id="{CC2763FA-EBE3-4F06-BEE5-2B2BE90DFED0}"/>
                 </a:ext>
               </a:extLst>
             </p:cNvPr>
@@ -17762,7 +21137,7 @@
             <p:cNvPr id="7" name="矩形 6">
               <a:extLst>
                 <a:ext uri="{FF2B5EF4-FFF2-40B4-BE49-F238E27FC236}">
-                  <a16:creationId xmlns:a16="http://schemas.microsoft.com/office/drawing/2014/main" xmlns="" id="{4AF3FF26-0E6B-4B9C-A30F-C3F3CEAB8867}"/>
+                  <a16:creationId xmlns:a16="http://schemas.microsoft.com/office/drawing/2014/main" id="{4AF3FF26-0E6B-4B9C-A30F-C3F3CEAB8867}"/>
                 </a:ext>
               </a:extLst>
             </p:cNvPr>
@@ -17803,7 +21178,7 @@
             <a:p>
               <a:pPr algn="ctr"/>
               <a:r>
-                <a:rPr lang="en-US" altLang="zh-CN" sz="2400" dirty="0" smtClean="0"/>
+                <a:rPr lang="en-US" altLang="zh-CN" sz="2400" dirty="0"/>
                 <a:t>Web Server</a:t>
               </a:r>
               <a:endParaRPr lang="zh-CN" altLang="en-US" sz="2400" dirty="0"/>
@@ -17815,7 +21190,7 @@
             <p:cNvPr id="8" name="直接箭头连接符 7">
               <a:extLst>
                 <a:ext uri="{FF2B5EF4-FFF2-40B4-BE49-F238E27FC236}">
-                  <a16:creationId xmlns:a16="http://schemas.microsoft.com/office/drawing/2014/main" xmlns="" id="{CC2763FA-EBE3-4F06-BEE5-2B2BE90DFED0}"/>
+                  <a16:creationId xmlns:a16="http://schemas.microsoft.com/office/drawing/2014/main" id="{CC2763FA-EBE3-4F06-BEE5-2B2BE90DFED0}"/>
                 </a:ext>
               </a:extLst>
             </p:cNvPr>
@@ -17860,7 +21235,7 @@
             <p:cNvPr id="9" name="文本框 8">
               <a:extLst>
                 <a:ext uri="{FF2B5EF4-FFF2-40B4-BE49-F238E27FC236}">
-                  <a16:creationId xmlns:a16="http://schemas.microsoft.com/office/drawing/2014/main" xmlns="" id="{BA77D926-BC74-4475-92EF-691DD84C5A86}"/>
+                  <a16:creationId xmlns:a16="http://schemas.microsoft.com/office/drawing/2014/main" id="{BA77D926-BC74-4475-92EF-691DD84C5A86}"/>
                 </a:ext>
               </a:extLst>
             </p:cNvPr>
@@ -17884,7 +21259,7 @@
             <a:lstStyle/>
             <a:p>
               <a:r>
-                <a:rPr lang="en-US" altLang="zh-CN" sz="2800" dirty="0" smtClean="0"/>
+                <a:rPr lang="en-US" altLang="zh-CN" sz="2800" dirty="0"/>
                 <a:t>Request</a:t>
               </a:r>
               <a:endParaRPr lang="zh-CN" altLang="en-US" sz="2800" dirty="0"/>
@@ -17896,7 +21271,7 @@
             <p:cNvPr id="10" name="文本框 9">
               <a:extLst>
                 <a:ext uri="{FF2B5EF4-FFF2-40B4-BE49-F238E27FC236}">
-                  <a16:creationId xmlns:a16="http://schemas.microsoft.com/office/drawing/2014/main" xmlns="" id="{BA77D926-BC74-4475-92EF-691DD84C5A86}"/>
+                  <a16:creationId xmlns:a16="http://schemas.microsoft.com/office/drawing/2014/main" id="{BA77D926-BC74-4475-92EF-691DD84C5A86}"/>
                 </a:ext>
               </a:extLst>
             </p:cNvPr>
@@ -17920,7 +21295,7 @@
             <a:lstStyle/>
             <a:p>
               <a:r>
-                <a:rPr lang="en-US" altLang="zh-CN" sz="2800" dirty="0" smtClean="0"/>
+                <a:rPr lang="en-US" altLang="zh-CN" sz="2800" dirty="0"/>
                 <a:t>Response</a:t>
               </a:r>
               <a:endParaRPr lang="zh-CN" altLang="en-US" sz="2800" dirty="0"/>
@@ -17932,7 +21307,7 @@
             <p:cNvPr id="11" name="直接箭头连接符 10">
               <a:extLst>
                 <a:ext uri="{FF2B5EF4-FFF2-40B4-BE49-F238E27FC236}">
-                  <a16:creationId xmlns:a16="http://schemas.microsoft.com/office/drawing/2014/main" xmlns="" id="{62164988-5744-4656-B7EA-AB4C5795E7A6}"/>
+                  <a16:creationId xmlns:a16="http://schemas.microsoft.com/office/drawing/2014/main" id="{62164988-5744-4656-B7EA-AB4C5795E7A6}"/>
                 </a:ext>
               </a:extLst>
             </p:cNvPr>
@@ -18009,14 +21384,14 @@
             <a:p>
               <a:pPr algn="ctr"/>
               <a:r>
-                <a:rPr lang="en-US" altLang="zh-CN" sz="2000" dirty="0" smtClean="0"/>
+                <a:rPr lang="en-US" altLang="zh-CN" sz="2000" dirty="0"/>
                 <a:t>Local Browser</a:t>
               </a:r>
             </a:p>
             <a:p>
               <a:pPr algn="ctr"/>
               <a:r>
-                <a:rPr lang="en-US" altLang="zh-CN" sz="2000" dirty="0" smtClean="0"/>
+                <a:rPr lang="en-US" altLang="zh-CN" sz="2000" dirty="0"/>
                 <a:t>Cache</a:t>
               </a:r>
               <a:endParaRPr lang="zh-CN" altLang="en-US" sz="2000" dirty="0"/>
@@ -18028,7 +21403,7 @@
             <p:cNvPr id="15" name="文本框 14">
               <a:extLst>
                 <a:ext uri="{FF2B5EF4-FFF2-40B4-BE49-F238E27FC236}">
-                  <a16:creationId xmlns:a16="http://schemas.microsoft.com/office/drawing/2014/main" xmlns="" id="{BA77D926-BC74-4475-92EF-691DD84C5A86}"/>
+                  <a16:creationId xmlns:a16="http://schemas.microsoft.com/office/drawing/2014/main" id="{BA77D926-BC74-4475-92EF-691DD84C5A86}"/>
                 </a:ext>
               </a:extLst>
             </p:cNvPr>
@@ -18052,7 +21427,7 @@
             <a:lstStyle/>
             <a:p>
               <a:r>
-                <a:rPr lang="en-US" altLang="zh-CN" sz="2800" dirty="0" smtClean="0"/>
+                <a:rPr lang="en-US" altLang="zh-CN" sz="2800" dirty="0"/>
                 <a:t>Store for later use</a:t>
               </a:r>
               <a:endParaRPr lang="zh-CN" altLang="en-US" sz="2800" dirty="0"/>
@@ -18064,7 +21439,7 @@
             <p:cNvPr id="16" name="文本框 15">
               <a:extLst>
                 <a:ext uri="{FF2B5EF4-FFF2-40B4-BE49-F238E27FC236}">
-                  <a16:creationId xmlns:a16="http://schemas.microsoft.com/office/drawing/2014/main" xmlns="" id="{BA77D926-BC74-4475-92EF-691DD84C5A86}"/>
+                  <a16:creationId xmlns:a16="http://schemas.microsoft.com/office/drawing/2014/main" id="{BA77D926-BC74-4475-92EF-691DD84C5A86}"/>
                 </a:ext>
               </a:extLst>
             </p:cNvPr>
@@ -18088,7 +21463,7 @@
             <a:lstStyle/>
             <a:p>
               <a:r>
-                <a:rPr lang="en-US" altLang="zh-CN" sz="2000" dirty="0" smtClean="0"/>
+                <a:rPr lang="en-US" altLang="zh-CN" sz="2000" dirty="0"/>
                 <a:t>Headers dictate cache policy</a:t>
               </a:r>
               <a:endParaRPr lang="zh-CN" altLang="en-US" sz="2000" dirty="0"/>
@@ -18109,7 +21484,7 @@
 </p:sld>
 </file>
 
-<file path=ppt/slides/slide8.xml><?xml version="1.0" encoding="utf-8"?>
+<file path=ppt/slides/slide9.xml><?xml version="1.0" encoding="utf-8"?>
 <p:sld xmlns:a="http://schemas.openxmlformats.org/drawingml/2006/main" xmlns:r="http://schemas.openxmlformats.org/officeDocument/2006/relationships" xmlns:p="http://schemas.openxmlformats.org/presentationml/2006/main">
   <p:cSld>
     <p:spTree>
@@ -18145,7 +21520,7 @@
             <p:cNvPr id="5" name="矩形 4">
               <a:extLst>
                 <a:ext uri="{FF2B5EF4-FFF2-40B4-BE49-F238E27FC236}">
-                  <a16:creationId xmlns:a16="http://schemas.microsoft.com/office/drawing/2014/main" xmlns="" id="{2680BBF1-88D3-4BBA-9FD4-AA28E479CA5A}"/>
+                  <a16:creationId xmlns:a16="http://schemas.microsoft.com/office/drawing/2014/main" id="{2680BBF1-88D3-4BBA-9FD4-AA28E479CA5A}"/>
                 </a:ext>
               </a:extLst>
             </p:cNvPr>
@@ -18189,7 +21564,7 @@
             <a:p>
               <a:pPr algn="ctr"/>
               <a:r>
-                <a:rPr lang="en-US" altLang="zh-CN" dirty="0" err="1" smtClean="0">
+                <a:rPr lang="en-US" altLang="zh-CN" dirty="0" err="1">
                   <a:solidFill>
                     <a:schemeClr val="tx1"/>
                   </a:solidFill>
@@ -18223,7 +21598,7 @@
               <p:cNvPr id="4" name="矩形 3">
                 <a:extLst>
                   <a:ext uri="{FF2B5EF4-FFF2-40B4-BE49-F238E27FC236}">
-                    <a16:creationId xmlns:a16="http://schemas.microsoft.com/office/drawing/2014/main" xmlns="" id="{2680BBF1-88D3-4BBA-9FD4-AA28E479CA5A}"/>
+                    <a16:creationId xmlns:a16="http://schemas.microsoft.com/office/drawing/2014/main" id="{2680BBF1-88D3-4BBA-9FD4-AA28E479CA5A}"/>
                   </a:ext>
                 </a:extLst>
               </p:cNvPr>
@@ -18267,7 +21642,7 @@
               <a:p>
                 <a:pPr algn="ctr"/>
                 <a:r>
-                  <a:rPr lang="en-US" altLang="zh-CN" dirty="0" smtClean="0">
+                  <a:rPr lang="en-US" altLang="zh-CN" dirty="0">
                     <a:solidFill>
                       <a:schemeClr val="tx1"/>
                     </a:solidFill>
@@ -18287,7 +21662,7 @@
               <p:cNvPr id="6" name="矩形: 圆角 3">
                 <a:extLst>
                   <a:ext uri="{FF2B5EF4-FFF2-40B4-BE49-F238E27FC236}">
-                    <a16:creationId xmlns:a16="http://schemas.microsoft.com/office/drawing/2014/main" xmlns="" id="{B9416EC6-DCCB-4CFB-833B-2F8A9E7C168D}"/>
+                    <a16:creationId xmlns:a16="http://schemas.microsoft.com/office/drawing/2014/main" id="{B9416EC6-DCCB-4CFB-833B-2F8A9E7C168D}"/>
                   </a:ext>
                 </a:extLst>
               </p:cNvPr>
@@ -18383,7 +21758,7 @@
               <a:p>
                 <a:pPr algn="ctr"/>
                 <a:r>
-                  <a:rPr lang="en-US" altLang="zh-CN" dirty="0" smtClean="0"/>
+                  <a:rPr lang="en-US" altLang="zh-CN" dirty="0"/>
                   <a:t>Client</a:t>
                 </a:r>
                 <a:endParaRPr lang="zh-CN" altLang="en-US" dirty="0"/>
@@ -18433,7 +21808,7 @@
               <a:p>
                 <a:pPr algn="ctr"/>
                 <a:r>
-                  <a:rPr lang="en-US" altLang="zh-CN" dirty="0" smtClean="0"/>
+                  <a:rPr lang="en-US" altLang="zh-CN" dirty="0"/>
                   <a:t>Server</a:t>
                 </a:r>
                 <a:endParaRPr lang="zh-CN" altLang="en-US" dirty="0"/>
@@ -18445,7 +21820,7 @@
               <p:cNvPr id="9" name="直接箭头连接符 8">
                 <a:extLst>
                   <a:ext uri="{FF2B5EF4-FFF2-40B4-BE49-F238E27FC236}">
-                    <a16:creationId xmlns:a16="http://schemas.microsoft.com/office/drawing/2014/main" xmlns="" id="{0F0E5BFD-70B5-46B0-9C4E-6BD5536E6918}"/>
+                    <a16:creationId xmlns:a16="http://schemas.microsoft.com/office/drawing/2014/main" id="{0F0E5BFD-70B5-46B0-9C4E-6BD5536E6918}"/>
                   </a:ext>
                 </a:extLst>
               </p:cNvPr>
@@ -18490,7 +21865,7 @@
               <p:cNvPr id="11" name="直接箭头连接符 10">
                 <a:extLst>
                   <a:ext uri="{FF2B5EF4-FFF2-40B4-BE49-F238E27FC236}">
-                    <a16:creationId xmlns:a16="http://schemas.microsoft.com/office/drawing/2014/main" xmlns="" id="{0F0E5BFD-70B5-46B0-9C4E-6BD5536E6918}"/>
+                    <a16:creationId xmlns:a16="http://schemas.microsoft.com/office/drawing/2014/main" id="{0F0E5BFD-70B5-46B0-9C4E-6BD5536E6918}"/>
                   </a:ext>
                 </a:extLst>
               </p:cNvPr>
@@ -18549,7 +21924,7 @@
                 <p:cNvPr id="12" name="直接箭头连接符 11">
                   <a:extLst>
                     <a:ext uri="{FF2B5EF4-FFF2-40B4-BE49-F238E27FC236}">
-                      <a16:creationId xmlns:a16="http://schemas.microsoft.com/office/drawing/2014/main" xmlns="" id="{0F0E5BFD-70B5-46B0-9C4E-6BD5536E6918}"/>
+                      <a16:creationId xmlns:a16="http://schemas.microsoft.com/office/drawing/2014/main" id="{0F0E5BFD-70B5-46B0-9C4E-6BD5536E6918}"/>
                     </a:ext>
                   </a:extLst>
                 </p:cNvPr>
@@ -18595,7 +21970,7 @@
                 <p:cNvPr id="21" name="直接箭头连接符 20">
                   <a:extLst>
                     <a:ext uri="{FF2B5EF4-FFF2-40B4-BE49-F238E27FC236}">
-                      <a16:creationId xmlns:a16="http://schemas.microsoft.com/office/drawing/2014/main" xmlns="" id="{0F0E5BFD-70B5-46B0-9C4E-6BD5536E6918}"/>
+                      <a16:creationId xmlns:a16="http://schemas.microsoft.com/office/drawing/2014/main" id="{0F0E5BFD-70B5-46B0-9C4E-6BD5536E6918}"/>
                     </a:ext>
                   </a:extLst>
                 </p:cNvPr>
@@ -18659,7 +22034,7 @@
                 <a:lstStyle/>
                 <a:p>
                   <a:r>
-                    <a:rPr lang="en-US" altLang="zh-CN" dirty="0" smtClean="0">
+                    <a:rPr lang="en-US" altLang="zh-CN" dirty="0">
                       <a:solidFill>
                         <a:schemeClr val="bg1"/>
                       </a:solidFill>
@@ -18697,7 +22072,7 @@
                 <a:lstStyle/>
                 <a:p>
                   <a:r>
-                    <a:rPr lang="en-US" altLang="zh-CN" dirty="0" smtClean="0">
+                    <a:rPr lang="en-US" altLang="zh-CN" dirty="0">
                       <a:solidFill>
                         <a:schemeClr val="bg1"/>
                       </a:solidFill>
@@ -18781,7 +22156,7 @@
                 <p:cNvPr id="29" name="直接箭头连接符 28">
                   <a:extLst>
                     <a:ext uri="{FF2B5EF4-FFF2-40B4-BE49-F238E27FC236}">
-                      <a16:creationId xmlns:a16="http://schemas.microsoft.com/office/drawing/2014/main" xmlns="" id="{0F0E5BFD-70B5-46B0-9C4E-6BD5536E6918}"/>
+                      <a16:creationId xmlns:a16="http://schemas.microsoft.com/office/drawing/2014/main" id="{0F0E5BFD-70B5-46B0-9C4E-6BD5536E6918}"/>
                     </a:ext>
                   </a:extLst>
                 </p:cNvPr>
@@ -18827,7 +22202,7 @@
                 <p:cNvPr id="30" name="直接箭头连接符 29">
                   <a:extLst>
                     <a:ext uri="{FF2B5EF4-FFF2-40B4-BE49-F238E27FC236}">
-                      <a16:creationId xmlns:a16="http://schemas.microsoft.com/office/drawing/2014/main" xmlns="" id="{0F0E5BFD-70B5-46B0-9C4E-6BD5536E6918}"/>
+                      <a16:creationId xmlns:a16="http://schemas.microsoft.com/office/drawing/2014/main" id="{0F0E5BFD-70B5-46B0-9C4E-6BD5536E6918}"/>
                     </a:ext>
                   </a:extLst>
                 </p:cNvPr>
@@ -18891,7 +22266,7 @@
                 <a:lstStyle/>
                 <a:p>
                   <a:r>
-                    <a:rPr lang="en-US" altLang="zh-CN" dirty="0" smtClean="0">
+                    <a:rPr lang="en-US" altLang="zh-CN" dirty="0">
                       <a:solidFill>
                         <a:schemeClr val="bg1"/>
                       </a:solidFill>
@@ -18929,7 +22304,7 @@
                 <a:lstStyle/>
                 <a:p>
                   <a:r>
-                    <a:rPr lang="en-US" altLang="zh-CN" dirty="0" smtClean="0">
+                    <a:rPr lang="en-US" altLang="zh-CN" dirty="0">
                       <a:solidFill>
                         <a:schemeClr val="bg1"/>
                       </a:solidFill>
@@ -19000,7 +22375,7 @@
             <p:cNvPr id="34" name="矩形: 圆角 3">
               <a:extLst>
                 <a:ext uri="{FF2B5EF4-FFF2-40B4-BE49-F238E27FC236}">
-                  <a16:creationId xmlns:a16="http://schemas.microsoft.com/office/drawing/2014/main" xmlns="" id="{B9416EC6-DCCB-4CFB-833B-2F8A9E7C168D}"/>
+                  <a16:creationId xmlns:a16="http://schemas.microsoft.com/office/drawing/2014/main" id="{B9416EC6-DCCB-4CFB-833B-2F8A9E7C168D}"/>
                 </a:ext>
               </a:extLst>
             </p:cNvPr>
@@ -19096,7 +22471,7 @@
             <a:p>
               <a:pPr algn="ctr"/>
               <a:r>
-                <a:rPr lang="en-US" altLang="zh-CN" dirty="0" smtClean="0"/>
+                <a:rPr lang="en-US" altLang="zh-CN" dirty="0"/>
                 <a:t>Client</a:t>
               </a:r>
               <a:endParaRPr lang="zh-CN" altLang="en-US" dirty="0"/>
@@ -19146,7 +22521,7 @@
             <a:p>
               <a:pPr algn="ctr"/>
               <a:r>
-                <a:rPr lang="en-US" altLang="zh-CN" dirty="0" smtClean="0"/>
+                <a:rPr lang="en-US" altLang="zh-CN" dirty="0"/>
                 <a:t>Server</a:t>
               </a:r>
               <a:endParaRPr lang="zh-CN" altLang="en-US" dirty="0"/>
@@ -19158,7 +22533,7 @@
             <p:cNvPr id="37" name="直接箭头连接符 36">
               <a:extLst>
                 <a:ext uri="{FF2B5EF4-FFF2-40B4-BE49-F238E27FC236}">
-                  <a16:creationId xmlns:a16="http://schemas.microsoft.com/office/drawing/2014/main" xmlns="" id="{0F0E5BFD-70B5-46B0-9C4E-6BD5536E6918}"/>
+                  <a16:creationId xmlns:a16="http://schemas.microsoft.com/office/drawing/2014/main" id="{0F0E5BFD-70B5-46B0-9C4E-6BD5536E6918}"/>
                 </a:ext>
               </a:extLst>
             </p:cNvPr>
@@ -19203,7 +22578,7 @@
             <p:cNvPr id="38" name="直接箭头连接符 37">
               <a:extLst>
                 <a:ext uri="{FF2B5EF4-FFF2-40B4-BE49-F238E27FC236}">
-                  <a16:creationId xmlns:a16="http://schemas.microsoft.com/office/drawing/2014/main" xmlns="" id="{0F0E5BFD-70B5-46B0-9C4E-6BD5536E6918}"/>
+                  <a16:creationId xmlns:a16="http://schemas.microsoft.com/office/drawing/2014/main" id="{0F0E5BFD-70B5-46B0-9C4E-6BD5536E6918}"/>
                 </a:ext>
               </a:extLst>
             </p:cNvPr>
@@ -19248,7 +22623,7 @@
             <p:cNvPr id="40" name="直接箭头连接符 39">
               <a:extLst>
                 <a:ext uri="{FF2B5EF4-FFF2-40B4-BE49-F238E27FC236}">
-                  <a16:creationId xmlns:a16="http://schemas.microsoft.com/office/drawing/2014/main" xmlns="" id="{0F0E5BFD-70B5-46B0-9C4E-6BD5536E6918}"/>
+                  <a16:creationId xmlns:a16="http://schemas.microsoft.com/office/drawing/2014/main" id="{0F0E5BFD-70B5-46B0-9C4E-6BD5536E6918}"/>
                 </a:ext>
               </a:extLst>
             </p:cNvPr>
@@ -19294,7 +22669,7 @@
             <p:cNvPr id="41" name="直接箭头连接符 40">
               <a:extLst>
                 <a:ext uri="{FF2B5EF4-FFF2-40B4-BE49-F238E27FC236}">
-                  <a16:creationId xmlns:a16="http://schemas.microsoft.com/office/drawing/2014/main" xmlns="" id="{0F0E5BFD-70B5-46B0-9C4E-6BD5536E6918}"/>
+                  <a16:creationId xmlns:a16="http://schemas.microsoft.com/office/drawing/2014/main" id="{0F0E5BFD-70B5-46B0-9C4E-6BD5536E6918}"/>
                 </a:ext>
               </a:extLst>
             </p:cNvPr>
@@ -19358,7 +22733,7 @@
             <a:lstStyle/>
             <a:p>
               <a:r>
-                <a:rPr lang="en-US" altLang="zh-CN" dirty="0" smtClean="0">
+                <a:rPr lang="en-US" altLang="zh-CN" dirty="0">
                   <a:solidFill>
                     <a:schemeClr val="bg1"/>
                   </a:solidFill>
@@ -19396,7 +22771,7 @@
             <a:lstStyle/>
             <a:p>
               <a:r>
-                <a:rPr lang="en-US" altLang="zh-CN" dirty="0" smtClean="0">
+                <a:rPr lang="en-US" altLang="zh-CN" dirty="0">
                   <a:solidFill>
                     <a:schemeClr val="bg1"/>
                   </a:solidFill>
@@ -19465,7 +22840,7 @@
             <p:cNvPr id="52" name="直接箭头连接符 51">
               <a:extLst>
                 <a:ext uri="{FF2B5EF4-FFF2-40B4-BE49-F238E27FC236}">
-                  <a16:creationId xmlns:a16="http://schemas.microsoft.com/office/drawing/2014/main" xmlns="" id="{0F0E5BFD-70B5-46B0-9C4E-6BD5536E6918}"/>
+                  <a16:creationId xmlns:a16="http://schemas.microsoft.com/office/drawing/2014/main" id="{0F0E5BFD-70B5-46B0-9C4E-6BD5536E6918}"/>
                 </a:ext>
               </a:extLst>
             </p:cNvPr>
@@ -19511,7 +22886,7 @@
             <p:cNvPr id="55" name="直接箭头连接符 54">
               <a:extLst>
                 <a:ext uri="{FF2B5EF4-FFF2-40B4-BE49-F238E27FC236}">
-                  <a16:creationId xmlns:a16="http://schemas.microsoft.com/office/drawing/2014/main" xmlns="" id="{0F0E5BFD-70B5-46B0-9C4E-6BD5536E6918}"/>
+                  <a16:creationId xmlns:a16="http://schemas.microsoft.com/office/drawing/2014/main" id="{0F0E5BFD-70B5-46B0-9C4E-6BD5536E6918}"/>
                 </a:ext>
               </a:extLst>
             </p:cNvPr>
@@ -19575,7 +22950,7 @@
             <a:lstStyle/>
             <a:p>
               <a:r>
-                <a:rPr lang="en-US" altLang="zh-CN" dirty="0" smtClean="0">
+                <a:rPr lang="en-US" altLang="zh-CN" dirty="0">
                   <a:solidFill>
                     <a:schemeClr val="bg1"/>
                   </a:solidFill>
@@ -19595,7 +22970,7 @@
             <p:cNvPr id="57" name="直接箭头连接符 56">
               <a:extLst>
                 <a:ext uri="{FF2B5EF4-FFF2-40B4-BE49-F238E27FC236}">
-                  <a16:creationId xmlns:a16="http://schemas.microsoft.com/office/drawing/2014/main" xmlns="" id="{0F0E5BFD-70B5-46B0-9C4E-6BD5536E6918}"/>
+                  <a16:creationId xmlns:a16="http://schemas.microsoft.com/office/drawing/2014/main" id="{0F0E5BFD-70B5-46B0-9C4E-6BD5536E6918}"/>
                 </a:ext>
               </a:extLst>
             </p:cNvPr>
@@ -19659,7 +23034,7 @@
             <a:lstStyle/>
             <a:p>
               <a:r>
-                <a:rPr lang="en-US" altLang="zh-CN" dirty="0" smtClean="0">
+                <a:rPr lang="en-US" altLang="zh-CN" dirty="0">
                   <a:solidFill>
                     <a:schemeClr val="bg1"/>
                   </a:solidFill>
@@ -19685,1727 +23060,6 @@
   <p:clrMapOvr>
     <a:masterClrMapping/>
   </p:clrMapOvr>
-</p:sld>
-</file>
-
-<file path=ppt/slides/slide9.xml><?xml version="1.0" encoding="utf-8"?>
-<p:sld xmlns:a="http://schemas.openxmlformats.org/drawingml/2006/main" xmlns:r="http://schemas.openxmlformats.org/officeDocument/2006/relationships" xmlns:p="http://schemas.openxmlformats.org/presentationml/2006/main">
-  <p:cSld>
-    <p:spTree>
-      <p:nvGrpSpPr>
-        <p:cNvPr id="1" name=""/>
-        <p:cNvGrpSpPr/>
-        <p:nvPr/>
-      </p:nvGrpSpPr>
-      <p:grpSpPr>
-        <a:xfrm>
-          <a:off x="0" y="0"/>
-          <a:ext cx="0" cy="0"/>
-          <a:chOff x="0" y="0"/>
-          <a:chExt cx="0" cy="0"/>
-        </a:xfrm>
-      </p:grpSpPr>
-      <p:grpSp>
-        <p:nvGrpSpPr>
-          <p:cNvPr id="64" name="组合 63"/>
-          <p:cNvGrpSpPr/>
-          <p:nvPr/>
-        </p:nvGrpSpPr>
-        <p:grpSpPr>
-          <a:xfrm>
-            <a:off x="721810" y="261248"/>
-            <a:ext cx="8292909" cy="6264555"/>
-            <a:chOff x="721810" y="261248"/>
-            <a:chExt cx="8292909" cy="6264555"/>
-          </a:xfrm>
-        </p:grpSpPr>
-        <p:grpSp>
-          <p:nvGrpSpPr>
-            <p:cNvPr id="59" name="组合 58"/>
-            <p:cNvGrpSpPr/>
-            <p:nvPr/>
-          </p:nvGrpSpPr>
-          <p:grpSpPr>
-            <a:xfrm>
-              <a:off x="721810" y="1984504"/>
-              <a:ext cx="3172763" cy="2888992"/>
-              <a:chOff x="426389" y="492871"/>
-              <a:chExt cx="3172763" cy="2888992"/>
-            </a:xfrm>
-          </p:grpSpPr>
-          <p:sp>
-            <p:nvSpPr>
-              <p:cNvPr id="4" name="矩形 3">
-                <a:extLst>
-                  <a:ext uri="{FF2B5EF4-FFF2-40B4-BE49-F238E27FC236}">
-                    <a16:creationId xmlns:a16="http://schemas.microsoft.com/office/drawing/2014/main" xmlns="" id="{2680BBF1-88D3-4BBA-9FD4-AA28E479CA5A}"/>
-                  </a:ext>
-                </a:extLst>
-              </p:cNvPr>
-              <p:cNvSpPr/>
-              <p:nvPr/>
-            </p:nvSpPr>
-            <p:spPr>
-              <a:xfrm>
-                <a:off x="1465220" y="492871"/>
-                <a:ext cx="1137304" cy="443060"/>
-              </a:xfrm>
-              <a:prstGeom prst="rect">
-                <a:avLst/>
-              </a:prstGeom>
-              <a:noFill/>
-              <a:ln w="19050">
-                <a:solidFill>
-                  <a:srgbClr val="0070C0"/>
-                </a:solidFill>
-              </a:ln>
-            </p:spPr>
-            <p:style>
-              <a:lnRef idx="2">
-                <a:schemeClr val="accent1">
-                  <a:shade val="50000"/>
-                </a:schemeClr>
-              </a:lnRef>
-              <a:fillRef idx="1">
-                <a:schemeClr val="accent1"/>
-              </a:fillRef>
-              <a:effectRef idx="0">
-                <a:schemeClr val="accent1"/>
-              </a:effectRef>
-              <a:fontRef idx="minor">
-                <a:schemeClr val="lt1"/>
-              </a:fontRef>
-            </p:style>
-            <p:txBody>
-              <a:bodyPr rtlCol="0" anchor="ctr"/>
-              <a:lstStyle/>
-              <a:p>
-                <a:pPr algn="ctr"/>
-                <a:r>
-                  <a:rPr lang="zh-CN" altLang="en-US" dirty="0" smtClean="0">
-                    <a:solidFill>
-                      <a:schemeClr val="tx1"/>
-                    </a:solidFill>
-                  </a:rPr>
-                  <a:t>客户端</a:t>
-                </a:r>
-                <a:endParaRPr lang="zh-CN" altLang="en-US" dirty="0">
-                  <a:solidFill>
-                    <a:schemeClr val="tx1"/>
-                  </a:solidFill>
-                </a:endParaRPr>
-              </a:p>
-            </p:txBody>
-          </p:sp>
-          <p:sp>
-            <p:nvSpPr>
-              <p:cNvPr id="5" name="矩形 4">
-                <a:extLst>
-                  <a:ext uri="{FF2B5EF4-FFF2-40B4-BE49-F238E27FC236}">
-                    <a16:creationId xmlns:a16="http://schemas.microsoft.com/office/drawing/2014/main" xmlns="" id="{2680BBF1-88D3-4BBA-9FD4-AA28E479CA5A}"/>
-                  </a:ext>
-                </a:extLst>
-              </p:cNvPr>
-              <p:cNvSpPr/>
-              <p:nvPr/>
-            </p:nvSpPr>
-            <p:spPr>
-              <a:xfrm>
-                <a:off x="1029123" y="1729722"/>
-                <a:ext cx="2009498" cy="443060"/>
-              </a:xfrm>
-              <a:prstGeom prst="rect">
-                <a:avLst/>
-              </a:prstGeom>
-              <a:noFill/>
-              <a:ln w="19050">
-                <a:solidFill>
-                  <a:srgbClr val="0070C0"/>
-                </a:solidFill>
-              </a:ln>
-            </p:spPr>
-            <p:style>
-              <a:lnRef idx="2">
-                <a:schemeClr val="accent1">
-                  <a:shade val="50000"/>
-                </a:schemeClr>
-              </a:lnRef>
-              <a:fillRef idx="1">
-                <a:schemeClr val="accent1"/>
-              </a:fillRef>
-              <a:effectRef idx="0">
-                <a:schemeClr val="accent1"/>
-              </a:effectRef>
-              <a:fontRef idx="minor">
-                <a:schemeClr val="lt1"/>
-              </a:fontRef>
-            </p:style>
-            <p:txBody>
-              <a:bodyPr rtlCol="0" anchor="ctr"/>
-              <a:lstStyle/>
-              <a:p>
-                <a:pPr algn="ctr"/>
-                <a:r>
-                  <a:rPr lang="zh-CN" altLang="en-US" dirty="0" smtClean="0">
-                    <a:solidFill>
-                      <a:schemeClr val="tx1"/>
-                    </a:solidFill>
-                  </a:rPr>
-                  <a:t>负载均衡</a:t>
-                </a:r>
-                <a:endParaRPr lang="zh-CN" altLang="en-US" dirty="0">
-                  <a:solidFill>
-                    <a:schemeClr val="tx1"/>
-                  </a:solidFill>
-                </a:endParaRPr>
-              </a:p>
-            </p:txBody>
-          </p:sp>
-          <p:sp>
-            <p:nvSpPr>
-              <p:cNvPr id="6" name="矩形 5">
-                <a:extLst>
-                  <a:ext uri="{FF2B5EF4-FFF2-40B4-BE49-F238E27FC236}">
-                    <a16:creationId xmlns:a16="http://schemas.microsoft.com/office/drawing/2014/main" xmlns="" id="{2680BBF1-88D3-4BBA-9FD4-AA28E479CA5A}"/>
-                  </a:ext>
-                </a:extLst>
-              </p:cNvPr>
-              <p:cNvSpPr/>
-              <p:nvPr/>
-            </p:nvSpPr>
-            <p:spPr>
-              <a:xfrm>
-                <a:off x="426389" y="2938803"/>
-                <a:ext cx="1388342" cy="443060"/>
-              </a:xfrm>
-              <a:prstGeom prst="rect">
-                <a:avLst/>
-              </a:prstGeom>
-              <a:noFill/>
-              <a:ln w="19050">
-                <a:solidFill>
-                  <a:srgbClr val="0070C0"/>
-                </a:solidFill>
-              </a:ln>
-            </p:spPr>
-            <p:style>
-              <a:lnRef idx="2">
-                <a:schemeClr val="accent1">
-                  <a:shade val="50000"/>
-                </a:schemeClr>
-              </a:lnRef>
-              <a:fillRef idx="1">
-                <a:schemeClr val="accent1"/>
-              </a:fillRef>
-              <a:effectRef idx="0">
-                <a:schemeClr val="accent1"/>
-              </a:effectRef>
-              <a:fontRef idx="minor">
-                <a:schemeClr val="lt1"/>
-              </a:fontRef>
-            </p:style>
-            <p:txBody>
-              <a:bodyPr rtlCol="0" anchor="ctr"/>
-              <a:lstStyle/>
-              <a:p>
-                <a:pPr algn="ctr"/>
-                <a:r>
-                  <a:rPr lang="en-US" altLang="zh-CN" dirty="0" smtClean="0">
-                    <a:solidFill>
-                      <a:schemeClr val="tx1"/>
-                    </a:solidFill>
-                  </a:rPr>
-                  <a:t>HttpServer1</a:t>
-                </a:r>
-                <a:endParaRPr lang="zh-CN" altLang="en-US" dirty="0">
-                  <a:solidFill>
-                    <a:schemeClr val="tx1"/>
-                  </a:solidFill>
-                </a:endParaRPr>
-              </a:p>
-            </p:txBody>
-          </p:sp>
-          <p:sp>
-            <p:nvSpPr>
-              <p:cNvPr id="7" name="矩形 6">
-                <a:extLst>
-                  <a:ext uri="{FF2B5EF4-FFF2-40B4-BE49-F238E27FC236}">
-                    <a16:creationId xmlns:a16="http://schemas.microsoft.com/office/drawing/2014/main" xmlns="" id="{2680BBF1-88D3-4BBA-9FD4-AA28E479CA5A}"/>
-                  </a:ext>
-                </a:extLst>
-              </p:cNvPr>
-              <p:cNvSpPr/>
-              <p:nvPr/>
-            </p:nvSpPr>
-            <p:spPr>
-              <a:xfrm>
-                <a:off x="2222696" y="2938803"/>
-                <a:ext cx="1376456" cy="443060"/>
-              </a:xfrm>
-              <a:prstGeom prst="rect">
-                <a:avLst/>
-              </a:prstGeom>
-              <a:noFill/>
-              <a:ln w="19050">
-                <a:solidFill>
-                  <a:srgbClr val="0070C0"/>
-                </a:solidFill>
-              </a:ln>
-            </p:spPr>
-            <p:style>
-              <a:lnRef idx="2">
-                <a:schemeClr val="accent1">
-                  <a:shade val="50000"/>
-                </a:schemeClr>
-              </a:lnRef>
-              <a:fillRef idx="1">
-                <a:schemeClr val="accent1"/>
-              </a:fillRef>
-              <a:effectRef idx="0">
-                <a:schemeClr val="accent1"/>
-              </a:effectRef>
-              <a:fontRef idx="minor">
-                <a:schemeClr val="lt1"/>
-              </a:fontRef>
-            </p:style>
-            <p:txBody>
-              <a:bodyPr rtlCol="0" anchor="ctr"/>
-              <a:lstStyle/>
-              <a:p>
-                <a:pPr algn="ctr"/>
-                <a:r>
-                  <a:rPr lang="en-US" altLang="zh-CN" dirty="0" smtClean="0">
-                    <a:solidFill>
-                      <a:schemeClr val="tx1"/>
-                    </a:solidFill>
-                  </a:rPr>
-                  <a:t>HttpServer2</a:t>
-                </a:r>
-                <a:endParaRPr lang="zh-CN" altLang="en-US" dirty="0">
-                  <a:solidFill>
-                    <a:schemeClr val="tx1"/>
-                  </a:solidFill>
-                </a:endParaRPr>
-              </a:p>
-            </p:txBody>
-          </p:sp>
-          <p:sp>
-            <p:nvSpPr>
-              <p:cNvPr id="8" name="文本框 7"/>
-              <p:cNvSpPr txBox="1"/>
-              <p:nvPr/>
-            </p:nvSpPr>
-            <p:spPr>
-              <a:xfrm>
-                <a:off x="984738" y="1127729"/>
-                <a:ext cx="1139483" cy="369332"/>
-              </a:xfrm>
-              <a:prstGeom prst="rect">
-                <a:avLst/>
-              </a:prstGeom>
-              <a:noFill/>
-            </p:spPr>
-            <p:txBody>
-              <a:bodyPr wrap="square" rtlCol="0">
-                <a:spAutoFit/>
-              </a:bodyPr>
-              <a:lstStyle/>
-              <a:p>
-                <a:r>
-                  <a:rPr lang="zh-CN" altLang="en-US" dirty="0" smtClean="0"/>
-                  <a:t>请求</a:t>
-                </a:r>
-                <a:r>
-                  <a:rPr lang="en-US" altLang="zh-CN" dirty="0" smtClean="0"/>
-                  <a:t>1</a:t>
-                </a:r>
-                <a:endParaRPr lang="zh-CN" altLang="en-US" dirty="0"/>
-              </a:p>
-            </p:txBody>
-          </p:sp>
-          <p:sp>
-            <p:nvSpPr>
-              <p:cNvPr id="9" name="文本框 8"/>
-              <p:cNvSpPr txBox="1"/>
-              <p:nvPr/>
-            </p:nvSpPr>
-            <p:spPr>
-              <a:xfrm>
-                <a:off x="2375259" y="1132559"/>
-                <a:ext cx="1139483" cy="369332"/>
-              </a:xfrm>
-              <a:prstGeom prst="rect">
-                <a:avLst/>
-              </a:prstGeom>
-              <a:noFill/>
-            </p:spPr>
-            <p:txBody>
-              <a:bodyPr wrap="square" rtlCol="0">
-                <a:spAutoFit/>
-              </a:bodyPr>
-              <a:lstStyle/>
-              <a:p>
-                <a:r>
-                  <a:rPr lang="zh-CN" altLang="en-US" dirty="0" smtClean="0"/>
-                  <a:t>请求</a:t>
-                </a:r>
-                <a:r>
-                  <a:rPr lang="en-US" altLang="zh-CN" dirty="0" smtClean="0"/>
-                  <a:t>2</a:t>
-                </a:r>
-                <a:endParaRPr lang="zh-CN" altLang="en-US" dirty="0"/>
-              </a:p>
-            </p:txBody>
-          </p:sp>
-          <p:cxnSp>
-            <p:nvCxnSpPr>
-              <p:cNvPr id="12" name="直接箭头连接符 11">
-                <a:extLst>
-                  <a:ext uri="{FF2B5EF4-FFF2-40B4-BE49-F238E27FC236}">
-                    <a16:creationId xmlns:a16="http://schemas.microsoft.com/office/drawing/2014/main" xmlns="" id="{0F0E5BFD-70B5-46B0-9C4E-6BD5536E6918}"/>
-                  </a:ext>
-                </a:extLst>
-              </p:cNvPr>
-              <p:cNvCxnSpPr>
-                <a:cxnSpLocks/>
-              </p:cNvCxnSpPr>
-              <p:nvPr/>
-            </p:nvCxnSpPr>
-            <p:spPr>
-              <a:xfrm>
-                <a:off x="1716258" y="2172782"/>
-                <a:ext cx="0" cy="763244"/>
-              </a:xfrm>
-              <a:prstGeom prst="straightConnector1">
-                <a:avLst/>
-              </a:prstGeom>
-              <a:ln w="28575">
-                <a:solidFill>
-                  <a:srgbClr val="FF0000"/>
-                </a:solidFill>
-                <a:headEnd type="none" w="med" len="med"/>
-                <a:tailEnd type="arrow" w="med" len="med"/>
-              </a:ln>
-            </p:spPr>
-            <p:style>
-              <a:lnRef idx="1">
-                <a:schemeClr val="accent1"/>
-              </a:lnRef>
-              <a:fillRef idx="0">
-                <a:schemeClr val="accent1"/>
-              </a:fillRef>
-              <a:effectRef idx="0">
-                <a:schemeClr val="accent1"/>
-              </a:effectRef>
-              <a:fontRef idx="minor">
-                <a:schemeClr val="tx1"/>
-              </a:fontRef>
-            </p:style>
-          </p:cxnSp>
-          <p:cxnSp>
-            <p:nvCxnSpPr>
-              <p:cNvPr id="15" name="直接箭头连接符 14">
-                <a:extLst>
-                  <a:ext uri="{FF2B5EF4-FFF2-40B4-BE49-F238E27FC236}">
-                    <a16:creationId xmlns:a16="http://schemas.microsoft.com/office/drawing/2014/main" xmlns="" id="{0F0E5BFD-70B5-46B0-9C4E-6BD5536E6918}"/>
-                  </a:ext>
-                </a:extLst>
-              </p:cNvPr>
-              <p:cNvCxnSpPr>
-                <a:cxnSpLocks/>
-              </p:cNvCxnSpPr>
-              <p:nvPr/>
-            </p:nvCxnSpPr>
-            <p:spPr>
-              <a:xfrm>
-                <a:off x="2363372" y="2172782"/>
-                <a:ext cx="0" cy="763244"/>
-              </a:xfrm>
-              <a:prstGeom prst="straightConnector1">
-                <a:avLst/>
-              </a:prstGeom>
-              <a:ln w="28575">
-                <a:solidFill>
-                  <a:srgbClr val="00B050"/>
-                </a:solidFill>
-                <a:headEnd type="none" w="med" len="med"/>
-                <a:tailEnd type="arrow" w="med" len="med"/>
-              </a:ln>
-            </p:spPr>
-            <p:style>
-              <a:lnRef idx="1">
-                <a:schemeClr val="accent1"/>
-              </a:lnRef>
-              <a:fillRef idx="0">
-                <a:schemeClr val="accent1"/>
-              </a:fillRef>
-              <a:effectRef idx="0">
-                <a:schemeClr val="accent1"/>
-              </a:effectRef>
-              <a:fontRef idx="minor">
-                <a:schemeClr val="tx1"/>
-              </a:fontRef>
-            </p:style>
-          </p:cxnSp>
-          <p:cxnSp>
-            <p:nvCxnSpPr>
-              <p:cNvPr id="42" name="直接箭头连接符 41">
-                <a:extLst>
-                  <a:ext uri="{FF2B5EF4-FFF2-40B4-BE49-F238E27FC236}">
-                    <a16:creationId xmlns:a16="http://schemas.microsoft.com/office/drawing/2014/main" xmlns="" id="{0F0E5BFD-70B5-46B0-9C4E-6BD5536E6918}"/>
-                  </a:ext>
-                </a:extLst>
-              </p:cNvPr>
-              <p:cNvCxnSpPr>
-                <a:cxnSpLocks/>
-              </p:cNvCxnSpPr>
-              <p:nvPr/>
-            </p:nvCxnSpPr>
-            <p:spPr>
-              <a:xfrm>
-                <a:off x="1716258" y="957257"/>
-                <a:ext cx="0" cy="763244"/>
-              </a:xfrm>
-              <a:prstGeom prst="straightConnector1">
-                <a:avLst/>
-              </a:prstGeom>
-              <a:ln w="28575">
-                <a:solidFill>
-                  <a:srgbClr val="FF0000"/>
-                </a:solidFill>
-                <a:headEnd type="none" w="med" len="med"/>
-                <a:tailEnd type="arrow" w="med" len="med"/>
-              </a:ln>
-            </p:spPr>
-            <p:style>
-              <a:lnRef idx="1">
-                <a:schemeClr val="accent1"/>
-              </a:lnRef>
-              <a:fillRef idx="0">
-                <a:schemeClr val="accent1"/>
-              </a:fillRef>
-              <a:effectRef idx="0">
-                <a:schemeClr val="accent1"/>
-              </a:effectRef>
-              <a:fontRef idx="minor">
-                <a:schemeClr val="tx1"/>
-              </a:fontRef>
-            </p:style>
-          </p:cxnSp>
-          <p:cxnSp>
-            <p:nvCxnSpPr>
-              <p:cNvPr id="43" name="直接箭头连接符 42">
-                <a:extLst>
-                  <a:ext uri="{FF2B5EF4-FFF2-40B4-BE49-F238E27FC236}">
-                    <a16:creationId xmlns:a16="http://schemas.microsoft.com/office/drawing/2014/main" xmlns="" id="{0F0E5BFD-70B5-46B0-9C4E-6BD5536E6918}"/>
-                  </a:ext>
-                </a:extLst>
-              </p:cNvPr>
-              <p:cNvCxnSpPr>
-                <a:cxnSpLocks/>
-              </p:cNvCxnSpPr>
-              <p:nvPr/>
-            </p:nvCxnSpPr>
-            <p:spPr>
-              <a:xfrm>
-                <a:off x="2363372" y="957257"/>
-                <a:ext cx="0" cy="763244"/>
-              </a:xfrm>
-              <a:prstGeom prst="straightConnector1">
-                <a:avLst/>
-              </a:prstGeom>
-              <a:ln w="28575">
-                <a:solidFill>
-                  <a:srgbClr val="00B050"/>
-                </a:solidFill>
-                <a:headEnd type="none" w="med" len="med"/>
-                <a:tailEnd type="arrow" w="med" len="med"/>
-              </a:ln>
-            </p:spPr>
-            <p:style>
-              <a:lnRef idx="1">
-                <a:schemeClr val="accent1"/>
-              </a:lnRef>
-              <a:fillRef idx="0">
-                <a:schemeClr val="accent1"/>
-              </a:fillRef>
-              <a:effectRef idx="0">
-                <a:schemeClr val="accent1"/>
-              </a:effectRef>
-              <a:fontRef idx="minor">
-                <a:schemeClr val="tx1"/>
-              </a:fontRef>
-            </p:style>
-          </p:cxnSp>
-        </p:grpSp>
-        <p:grpSp>
-          <p:nvGrpSpPr>
-            <p:cNvPr id="58" name="组合 57"/>
-            <p:cNvGrpSpPr/>
-            <p:nvPr/>
-          </p:nvGrpSpPr>
-          <p:grpSpPr>
-            <a:xfrm>
-              <a:off x="5755863" y="1168120"/>
-              <a:ext cx="3258856" cy="5357683"/>
-              <a:chOff x="4897734" y="492871"/>
-              <a:chExt cx="3258856" cy="5357683"/>
-            </a:xfrm>
-          </p:grpSpPr>
-          <p:sp>
-            <p:nvSpPr>
-              <p:cNvPr id="16" name="矩形 15">
-                <a:extLst>
-                  <a:ext uri="{FF2B5EF4-FFF2-40B4-BE49-F238E27FC236}">
-                    <a16:creationId xmlns:a16="http://schemas.microsoft.com/office/drawing/2014/main" xmlns="" id="{2680BBF1-88D3-4BBA-9FD4-AA28E479CA5A}"/>
-                  </a:ext>
-                </a:extLst>
-              </p:cNvPr>
-              <p:cNvSpPr/>
-              <p:nvPr/>
-            </p:nvSpPr>
-            <p:spPr>
-              <a:xfrm>
-                <a:off x="5924679" y="492871"/>
-                <a:ext cx="1137304" cy="443060"/>
-              </a:xfrm>
-              <a:prstGeom prst="rect">
-                <a:avLst/>
-              </a:prstGeom>
-              <a:noFill/>
-              <a:ln w="19050">
-                <a:solidFill>
-                  <a:srgbClr val="0070C0"/>
-                </a:solidFill>
-              </a:ln>
-            </p:spPr>
-            <p:style>
-              <a:lnRef idx="2">
-                <a:schemeClr val="accent1">
-                  <a:shade val="50000"/>
-                </a:schemeClr>
-              </a:lnRef>
-              <a:fillRef idx="1">
-                <a:schemeClr val="accent1"/>
-              </a:fillRef>
-              <a:effectRef idx="0">
-                <a:schemeClr val="accent1"/>
-              </a:effectRef>
-              <a:fontRef idx="minor">
-                <a:schemeClr val="lt1"/>
-              </a:fontRef>
-            </p:style>
-            <p:txBody>
-              <a:bodyPr rtlCol="0" anchor="ctr"/>
-              <a:lstStyle/>
-              <a:p>
-                <a:pPr algn="ctr"/>
-                <a:r>
-                  <a:rPr lang="zh-CN" altLang="en-US" dirty="0" smtClean="0">
-                    <a:solidFill>
-                      <a:schemeClr val="tx1"/>
-                    </a:solidFill>
-                  </a:rPr>
-                  <a:t>客户端</a:t>
-                </a:r>
-                <a:endParaRPr lang="zh-CN" altLang="en-US" dirty="0">
-                  <a:solidFill>
-                    <a:schemeClr val="tx1"/>
-                  </a:solidFill>
-                </a:endParaRPr>
-              </a:p>
-            </p:txBody>
-          </p:sp>
-          <p:sp>
-            <p:nvSpPr>
-              <p:cNvPr id="17" name="矩形 16">
-                <a:extLst>
-                  <a:ext uri="{FF2B5EF4-FFF2-40B4-BE49-F238E27FC236}">
-                    <a16:creationId xmlns:a16="http://schemas.microsoft.com/office/drawing/2014/main" xmlns="" id="{2680BBF1-88D3-4BBA-9FD4-AA28E479CA5A}"/>
-                  </a:ext>
-                </a:extLst>
-              </p:cNvPr>
-              <p:cNvSpPr/>
-              <p:nvPr/>
-            </p:nvSpPr>
-            <p:spPr>
-              <a:xfrm>
-                <a:off x="5488582" y="1747017"/>
-                <a:ext cx="2009498" cy="443060"/>
-              </a:xfrm>
-              <a:prstGeom prst="rect">
-                <a:avLst/>
-              </a:prstGeom>
-              <a:noFill/>
-              <a:ln w="19050">
-                <a:solidFill>
-                  <a:srgbClr val="0070C0"/>
-                </a:solidFill>
-              </a:ln>
-            </p:spPr>
-            <p:style>
-              <a:lnRef idx="2">
-                <a:schemeClr val="accent1">
-                  <a:shade val="50000"/>
-                </a:schemeClr>
-              </a:lnRef>
-              <a:fillRef idx="1">
-                <a:schemeClr val="accent1"/>
-              </a:fillRef>
-              <a:effectRef idx="0">
-                <a:schemeClr val="accent1"/>
-              </a:effectRef>
-              <a:fontRef idx="minor">
-                <a:schemeClr val="lt1"/>
-              </a:fontRef>
-            </p:style>
-            <p:txBody>
-              <a:bodyPr rtlCol="0" anchor="ctr"/>
-              <a:lstStyle/>
-              <a:p>
-                <a:pPr algn="ctr"/>
-                <a:r>
-                  <a:rPr lang="zh-CN" altLang="en-US" dirty="0" smtClean="0">
-                    <a:solidFill>
-                      <a:schemeClr val="tx1"/>
-                    </a:solidFill>
-                  </a:rPr>
-                  <a:t>负载均衡</a:t>
-                </a:r>
-                <a:endParaRPr lang="zh-CN" altLang="en-US" dirty="0">
-                  <a:solidFill>
-                    <a:schemeClr val="tx1"/>
-                  </a:solidFill>
-                </a:endParaRPr>
-              </a:p>
-            </p:txBody>
-          </p:sp>
-          <p:sp>
-            <p:nvSpPr>
-              <p:cNvPr id="18" name="矩形 17">
-                <a:extLst>
-                  <a:ext uri="{FF2B5EF4-FFF2-40B4-BE49-F238E27FC236}">
-                    <a16:creationId xmlns:a16="http://schemas.microsoft.com/office/drawing/2014/main" xmlns="" id="{2680BBF1-88D3-4BBA-9FD4-AA28E479CA5A}"/>
-                  </a:ext>
-                </a:extLst>
-              </p:cNvPr>
-              <p:cNvSpPr/>
-              <p:nvPr/>
-            </p:nvSpPr>
-            <p:spPr>
-              <a:xfrm>
-                <a:off x="4897734" y="2995201"/>
-                <a:ext cx="1474928" cy="774224"/>
-              </a:xfrm>
-              <a:prstGeom prst="rect">
-                <a:avLst/>
-              </a:prstGeom>
-              <a:noFill/>
-              <a:ln w="19050">
-                <a:solidFill>
-                  <a:srgbClr val="0070C0"/>
-                </a:solidFill>
-              </a:ln>
-            </p:spPr>
-            <p:style>
-              <a:lnRef idx="2">
-                <a:schemeClr val="accent1">
-                  <a:shade val="50000"/>
-                </a:schemeClr>
-              </a:lnRef>
-              <a:fillRef idx="1">
-                <a:schemeClr val="accent1"/>
-              </a:fillRef>
-              <a:effectRef idx="0">
-                <a:schemeClr val="accent1"/>
-              </a:effectRef>
-              <a:fontRef idx="minor">
-                <a:schemeClr val="lt1"/>
-              </a:fontRef>
-            </p:style>
-            <p:txBody>
-              <a:bodyPr rtlCol="0" anchor="ctr"/>
-              <a:lstStyle/>
-              <a:p>
-                <a:pPr algn="ctr"/>
-                <a:r>
-                  <a:rPr lang="en-US" altLang="zh-CN" dirty="0" err="1" smtClean="0">
-                    <a:solidFill>
-                      <a:schemeClr val="tx1"/>
-                    </a:solidFill>
-                  </a:rPr>
-                  <a:t>WebSocket</a:t>
-                </a:r>
-                <a:endParaRPr lang="en-US" altLang="zh-CN" dirty="0" smtClean="0">
-                  <a:solidFill>
-                    <a:schemeClr val="tx1"/>
-                  </a:solidFill>
-                </a:endParaRPr>
-              </a:p>
-              <a:p>
-                <a:pPr algn="ctr"/>
-                <a:r>
-                  <a:rPr lang="zh-CN" altLang="en-US" dirty="0" smtClean="0">
-                    <a:solidFill>
-                      <a:schemeClr val="tx1"/>
-                    </a:solidFill>
-                  </a:rPr>
-                  <a:t>接入 </a:t>
-                </a:r>
-                <a:r>
-                  <a:rPr lang="en-US" altLang="zh-CN" dirty="0" smtClean="0">
-                    <a:solidFill>
-                      <a:schemeClr val="tx1"/>
-                    </a:solidFill>
-                  </a:rPr>
-                  <a:t>Server1</a:t>
-                </a:r>
-                <a:endParaRPr lang="zh-CN" altLang="en-US" dirty="0">
-                  <a:solidFill>
-                    <a:schemeClr val="tx1"/>
-                  </a:solidFill>
-                </a:endParaRPr>
-              </a:p>
-            </p:txBody>
-          </p:sp>
-          <p:sp>
-            <p:nvSpPr>
-              <p:cNvPr id="20" name="文本框 19"/>
-              <p:cNvSpPr txBox="1"/>
-              <p:nvPr/>
-            </p:nvSpPr>
-            <p:spPr>
-              <a:xfrm>
-                <a:off x="5707121" y="1000148"/>
-                <a:ext cx="1139483" cy="369332"/>
-              </a:xfrm>
-              <a:prstGeom prst="rect">
-                <a:avLst/>
-              </a:prstGeom>
-              <a:noFill/>
-            </p:spPr>
-            <p:txBody>
-              <a:bodyPr wrap="square" rtlCol="0">
-                <a:spAutoFit/>
-              </a:bodyPr>
-              <a:lstStyle/>
-              <a:p>
-                <a:r>
-                  <a:rPr lang="zh-CN" altLang="en-US" dirty="0" smtClean="0"/>
-                  <a:t>请求</a:t>
-                </a:r>
-                <a:r>
-                  <a:rPr lang="en-US" altLang="zh-CN" dirty="0" smtClean="0"/>
-                  <a:t>1</a:t>
-                </a:r>
-                <a:endParaRPr lang="zh-CN" altLang="en-US" dirty="0"/>
-              </a:p>
-            </p:txBody>
-          </p:sp>
-          <p:sp>
-            <p:nvSpPr>
-              <p:cNvPr id="21" name="文本框 20"/>
-              <p:cNvSpPr txBox="1"/>
-              <p:nvPr/>
-            </p:nvSpPr>
-            <p:spPr>
-              <a:xfrm>
-                <a:off x="5699597" y="1263808"/>
-                <a:ext cx="1139483" cy="369332"/>
-              </a:xfrm>
-              <a:prstGeom prst="rect">
-                <a:avLst/>
-              </a:prstGeom>
-              <a:noFill/>
-            </p:spPr>
-            <p:txBody>
-              <a:bodyPr wrap="square" rtlCol="0">
-                <a:spAutoFit/>
-              </a:bodyPr>
-              <a:lstStyle/>
-              <a:p>
-                <a:r>
-                  <a:rPr lang="zh-CN" altLang="en-US" dirty="0" smtClean="0"/>
-                  <a:t>请求</a:t>
-                </a:r>
-                <a:r>
-                  <a:rPr lang="en-US" altLang="zh-CN" dirty="0" smtClean="0"/>
-                  <a:t>2</a:t>
-                </a:r>
-                <a:endParaRPr lang="zh-CN" altLang="en-US" dirty="0"/>
-              </a:p>
-            </p:txBody>
-          </p:sp>
-          <p:sp>
-            <p:nvSpPr>
-              <p:cNvPr id="26" name="文本框 25"/>
-              <p:cNvSpPr txBox="1"/>
-              <p:nvPr/>
-            </p:nvSpPr>
-            <p:spPr>
-              <a:xfrm>
-                <a:off x="5167697" y="2382948"/>
-                <a:ext cx="1139483" cy="369332"/>
-              </a:xfrm>
-              <a:prstGeom prst="rect">
-                <a:avLst/>
-              </a:prstGeom>
-              <a:noFill/>
-            </p:spPr>
-            <p:txBody>
-              <a:bodyPr wrap="square" rtlCol="0">
-                <a:spAutoFit/>
-              </a:bodyPr>
-              <a:lstStyle/>
-              <a:p>
-                <a:r>
-                  <a:rPr lang="zh-CN" altLang="en-US" dirty="0" smtClean="0"/>
-                  <a:t>请求</a:t>
-                </a:r>
-                <a:r>
-                  <a:rPr lang="en-US" altLang="zh-CN" dirty="0" smtClean="0"/>
-                  <a:t>1</a:t>
-                </a:r>
-                <a:endParaRPr lang="zh-CN" altLang="en-US" dirty="0"/>
-              </a:p>
-            </p:txBody>
-          </p:sp>
-          <p:sp>
-            <p:nvSpPr>
-              <p:cNvPr id="27" name="文本框 26"/>
-              <p:cNvSpPr txBox="1"/>
-              <p:nvPr/>
-            </p:nvSpPr>
-            <p:spPr>
-              <a:xfrm>
-                <a:off x="6975068" y="2363893"/>
-                <a:ext cx="1139483" cy="369332"/>
-              </a:xfrm>
-              <a:prstGeom prst="rect">
-                <a:avLst/>
-              </a:prstGeom>
-              <a:noFill/>
-            </p:spPr>
-            <p:txBody>
-              <a:bodyPr wrap="square" rtlCol="0">
-                <a:spAutoFit/>
-              </a:bodyPr>
-              <a:lstStyle/>
-              <a:p>
-                <a:r>
-                  <a:rPr lang="zh-CN" altLang="en-US" dirty="0" smtClean="0"/>
-                  <a:t>请求</a:t>
-                </a:r>
-                <a:r>
-                  <a:rPr lang="en-US" altLang="zh-CN" dirty="0" smtClean="0"/>
-                  <a:t>2</a:t>
-                </a:r>
-                <a:endParaRPr lang="zh-CN" altLang="en-US" dirty="0"/>
-              </a:p>
-            </p:txBody>
-          </p:sp>
-          <p:sp>
-            <p:nvSpPr>
-              <p:cNvPr id="28" name="矩形 27">
-                <a:extLst>
-                  <a:ext uri="{FF2B5EF4-FFF2-40B4-BE49-F238E27FC236}">
-                    <a16:creationId xmlns:a16="http://schemas.microsoft.com/office/drawing/2014/main" xmlns="" id="{2680BBF1-88D3-4BBA-9FD4-AA28E479CA5A}"/>
-                  </a:ext>
-                </a:extLst>
-              </p:cNvPr>
-              <p:cNvSpPr/>
-              <p:nvPr/>
-            </p:nvSpPr>
-            <p:spPr>
-              <a:xfrm>
-                <a:off x="6681662" y="2995201"/>
-                <a:ext cx="1474928" cy="774224"/>
-              </a:xfrm>
-              <a:prstGeom prst="rect">
-                <a:avLst/>
-              </a:prstGeom>
-              <a:noFill/>
-              <a:ln w="19050">
-                <a:solidFill>
-                  <a:srgbClr val="0070C0"/>
-                </a:solidFill>
-              </a:ln>
-            </p:spPr>
-            <p:style>
-              <a:lnRef idx="2">
-                <a:schemeClr val="accent1">
-                  <a:shade val="50000"/>
-                </a:schemeClr>
-              </a:lnRef>
-              <a:fillRef idx="1">
-                <a:schemeClr val="accent1"/>
-              </a:fillRef>
-              <a:effectRef idx="0">
-                <a:schemeClr val="accent1"/>
-              </a:effectRef>
-              <a:fontRef idx="minor">
-                <a:schemeClr val="lt1"/>
-              </a:fontRef>
-            </p:style>
-            <p:txBody>
-              <a:bodyPr rtlCol="0" anchor="ctr"/>
-              <a:lstStyle/>
-              <a:p>
-                <a:pPr algn="ctr"/>
-                <a:r>
-                  <a:rPr lang="en-US" altLang="zh-CN" dirty="0" err="1" smtClean="0">
-                    <a:solidFill>
-                      <a:schemeClr val="tx1"/>
-                    </a:solidFill>
-                  </a:rPr>
-                  <a:t>WebSocket</a:t>
-                </a:r>
-                <a:endParaRPr lang="en-US" altLang="zh-CN" dirty="0" smtClean="0">
-                  <a:solidFill>
-                    <a:schemeClr val="tx1"/>
-                  </a:solidFill>
-                </a:endParaRPr>
-              </a:p>
-              <a:p>
-                <a:pPr algn="ctr"/>
-                <a:r>
-                  <a:rPr lang="zh-CN" altLang="en-US" dirty="0" smtClean="0">
-                    <a:solidFill>
-                      <a:schemeClr val="tx1"/>
-                    </a:solidFill>
-                  </a:rPr>
-                  <a:t>接入 </a:t>
-                </a:r>
-                <a:r>
-                  <a:rPr lang="en-US" altLang="zh-CN" dirty="0" smtClean="0">
-                    <a:solidFill>
-                      <a:schemeClr val="tx1"/>
-                    </a:solidFill>
-                  </a:rPr>
-                  <a:t>Server2</a:t>
-                </a:r>
-                <a:endParaRPr lang="zh-CN" altLang="en-US" dirty="0">
-                  <a:solidFill>
-                    <a:schemeClr val="tx1"/>
-                  </a:solidFill>
-                </a:endParaRPr>
-              </a:p>
-            </p:txBody>
-          </p:sp>
-          <p:sp>
-            <p:nvSpPr>
-              <p:cNvPr id="29" name="矩形 28">
-                <a:extLst>
-                  <a:ext uri="{FF2B5EF4-FFF2-40B4-BE49-F238E27FC236}">
-                    <a16:creationId xmlns:a16="http://schemas.microsoft.com/office/drawing/2014/main" xmlns="" id="{2680BBF1-88D3-4BBA-9FD4-AA28E479CA5A}"/>
-                  </a:ext>
-                </a:extLst>
-              </p:cNvPr>
-              <p:cNvSpPr/>
-              <p:nvPr/>
-            </p:nvSpPr>
-            <p:spPr>
-              <a:xfrm>
-                <a:off x="5535311" y="4210847"/>
-                <a:ext cx="2009498" cy="443060"/>
-              </a:xfrm>
-              <a:prstGeom prst="rect">
-                <a:avLst/>
-              </a:prstGeom>
-              <a:noFill/>
-              <a:ln w="19050">
-                <a:solidFill>
-                  <a:srgbClr val="0070C0"/>
-                </a:solidFill>
-              </a:ln>
-            </p:spPr>
-            <p:style>
-              <a:lnRef idx="2">
-                <a:schemeClr val="accent1">
-                  <a:shade val="50000"/>
-                </a:schemeClr>
-              </a:lnRef>
-              <a:fillRef idx="1">
-                <a:schemeClr val="accent1"/>
-              </a:fillRef>
-              <a:effectRef idx="0">
-                <a:schemeClr val="accent1"/>
-              </a:effectRef>
-              <a:fontRef idx="minor">
-                <a:schemeClr val="lt1"/>
-              </a:fontRef>
-            </p:style>
-            <p:txBody>
-              <a:bodyPr rtlCol="0" anchor="ctr"/>
-              <a:lstStyle/>
-              <a:p>
-                <a:pPr algn="ctr"/>
-                <a:r>
-                  <a:rPr lang="zh-CN" altLang="en-US" dirty="0" smtClean="0">
-                    <a:solidFill>
-                      <a:schemeClr val="tx1"/>
-                    </a:solidFill>
-                  </a:rPr>
-                  <a:t>消息分发系统</a:t>
-                </a:r>
-                <a:endParaRPr lang="zh-CN" altLang="en-US" dirty="0">
-                  <a:solidFill>
-                    <a:schemeClr val="tx1"/>
-                  </a:solidFill>
-                </a:endParaRPr>
-              </a:p>
-            </p:txBody>
-          </p:sp>
-          <p:cxnSp>
-            <p:nvCxnSpPr>
-              <p:cNvPr id="44" name="直接箭头连接符 43">
-                <a:extLst>
-                  <a:ext uri="{FF2B5EF4-FFF2-40B4-BE49-F238E27FC236}">
-                    <a16:creationId xmlns:a16="http://schemas.microsoft.com/office/drawing/2014/main" xmlns="" id="{0F0E5BFD-70B5-46B0-9C4E-6BD5536E6918}"/>
-                  </a:ext>
-                </a:extLst>
-              </p:cNvPr>
-              <p:cNvCxnSpPr>
-                <a:cxnSpLocks/>
-              </p:cNvCxnSpPr>
-              <p:nvPr/>
-            </p:nvCxnSpPr>
-            <p:spPr>
-              <a:xfrm>
-                <a:off x="6485207" y="966478"/>
-                <a:ext cx="0" cy="763244"/>
-              </a:xfrm>
-              <a:prstGeom prst="straightConnector1">
-                <a:avLst/>
-              </a:prstGeom>
-              <a:ln w="28575">
-                <a:solidFill>
-                  <a:srgbClr val="00B050"/>
-                </a:solidFill>
-                <a:headEnd type="none" w="med" len="med"/>
-                <a:tailEnd type="arrow" w="med" len="med"/>
-              </a:ln>
-            </p:spPr>
-            <p:style>
-              <a:lnRef idx="1">
-                <a:schemeClr val="accent1"/>
-              </a:lnRef>
-              <a:fillRef idx="0">
-                <a:schemeClr val="accent1"/>
-              </a:fillRef>
-              <a:effectRef idx="0">
-                <a:schemeClr val="accent1"/>
-              </a:effectRef>
-              <a:fontRef idx="minor">
-                <a:schemeClr val="tx1"/>
-              </a:fontRef>
-            </p:style>
-          </p:cxnSp>
-          <p:cxnSp>
-            <p:nvCxnSpPr>
-              <p:cNvPr id="45" name="直接箭头连接符 44">
-                <a:extLst>
-                  <a:ext uri="{FF2B5EF4-FFF2-40B4-BE49-F238E27FC236}">
-                    <a16:creationId xmlns:a16="http://schemas.microsoft.com/office/drawing/2014/main" xmlns="" id="{0F0E5BFD-70B5-46B0-9C4E-6BD5536E6918}"/>
-                  </a:ext>
-                </a:extLst>
-              </p:cNvPr>
-              <p:cNvCxnSpPr>
-                <a:cxnSpLocks/>
-              </p:cNvCxnSpPr>
-              <p:nvPr/>
-            </p:nvCxnSpPr>
-            <p:spPr>
-              <a:xfrm>
-                <a:off x="7003368" y="2190077"/>
-                <a:ext cx="0" cy="781919"/>
-              </a:xfrm>
-              <a:prstGeom prst="straightConnector1">
-                <a:avLst/>
-              </a:prstGeom>
-              <a:ln w="28575">
-                <a:solidFill>
-                  <a:srgbClr val="00B050"/>
-                </a:solidFill>
-                <a:headEnd type="none" w="med" len="med"/>
-                <a:tailEnd type="arrow" w="med" len="med"/>
-              </a:ln>
-            </p:spPr>
-            <p:style>
-              <a:lnRef idx="1">
-                <a:schemeClr val="accent1"/>
-              </a:lnRef>
-              <a:fillRef idx="0">
-                <a:schemeClr val="accent1"/>
-              </a:fillRef>
-              <a:effectRef idx="0">
-                <a:schemeClr val="accent1"/>
-              </a:effectRef>
-              <a:fontRef idx="minor">
-                <a:schemeClr val="tx1"/>
-              </a:fontRef>
-            </p:style>
-          </p:cxnSp>
-          <p:cxnSp>
-            <p:nvCxnSpPr>
-              <p:cNvPr id="46" name="直接箭头连接符 45">
-                <a:extLst>
-                  <a:ext uri="{FF2B5EF4-FFF2-40B4-BE49-F238E27FC236}">
-                    <a16:creationId xmlns:a16="http://schemas.microsoft.com/office/drawing/2014/main" xmlns="" id="{0F0E5BFD-70B5-46B0-9C4E-6BD5536E6918}"/>
-                  </a:ext>
-                </a:extLst>
-              </p:cNvPr>
-              <p:cNvCxnSpPr>
-                <a:cxnSpLocks/>
-              </p:cNvCxnSpPr>
-              <p:nvPr/>
-            </p:nvCxnSpPr>
-            <p:spPr>
-              <a:xfrm>
-                <a:off x="5891856" y="2208752"/>
-                <a:ext cx="0" cy="763244"/>
-              </a:xfrm>
-              <a:prstGeom prst="straightConnector1">
-                <a:avLst/>
-              </a:prstGeom>
-              <a:ln w="28575">
-                <a:solidFill>
-                  <a:srgbClr val="FF0000"/>
-                </a:solidFill>
-                <a:headEnd type="none" w="med" len="med"/>
-                <a:tailEnd type="arrow" w="med" len="med"/>
-              </a:ln>
-            </p:spPr>
-            <p:style>
-              <a:lnRef idx="1">
-                <a:schemeClr val="accent1"/>
-              </a:lnRef>
-              <a:fillRef idx="0">
-                <a:schemeClr val="accent1"/>
-              </a:fillRef>
-              <a:effectRef idx="0">
-                <a:schemeClr val="accent1"/>
-              </a:effectRef>
-              <a:fontRef idx="minor">
-                <a:schemeClr val="tx1"/>
-              </a:fontRef>
-            </p:style>
-          </p:cxnSp>
-          <p:cxnSp>
-            <p:nvCxnSpPr>
-              <p:cNvPr id="48" name="直接箭头连接符 47">
-                <a:extLst>
-                  <a:ext uri="{FF2B5EF4-FFF2-40B4-BE49-F238E27FC236}">
-                    <a16:creationId xmlns:a16="http://schemas.microsoft.com/office/drawing/2014/main" xmlns="" id="{0F0E5BFD-70B5-46B0-9C4E-6BD5536E6918}"/>
-                  </a:ext>
-                </a:extLst>
-              </p:cNvPr>
-              <p:cNvCxnSpPr>
-                <a:cxnSpLocks/>
-              </p:cNvCxnSpPr>
-              <p:nvPr/>
-            </p:nvCxnSpPr>
-            <p:spPr>
-              <a:xfrm>
-                <a:off x="7003368" y="3769425"/>
-                <a:ext cx="0" cy="422747"/>
-              </a:xfrm>
-              <a:prstGeom prst="straightConnector1">
-                <a:avLst/>
-              </a:prstGeom>
-              <a:ln w="28575">
-                <a:solidFill>
-                  <a:srgbClr val="00B050"/>
-                </a:solidFill>
-                <a:headEnd type="none" w="med" len="med"/>
-                <a:tailEnd type="arrow" w="med" len="med"/>
-              </a:ln>
-            </p:spPr>
-            <p:style>
-              <a:lnRef idx="1">
-                <a:schemeClr val="accent1"/>
-              </a:lnRef>
-              <a:fillRef idx="0">
-                <a:schemeClr val="accent1"/>
-              </a:fillRef>
-              <a:effectRef idx="0">
-                <a:schemeClr val="accent1"/>
-              </a:effectRef>
-              <a:fontRef idx="minor">
-                <a:schemeClr val="tx1"/>
-              </a:fontRef>
-            </p:style>
-          </p:cxnSp>
-          <p:cxnSp>
-            <p:nvCxnSpPr>
-              <p:cNvPr id="49" name="直接箭头连接符 48">
-                <a:extLst>
-                  <a:ext uri="{FF2B5EF4-FFF2-40B4-BE49-F238E27FC236}">
-                    <a16:creationId xmlns:a16="http://schemas.microsoft.com/office/drawing/2014/main" xmlns="" id="{0F0E5BFD-70B5-46B0-9C4E-6BD5536E6918}"/>
-                  </a:ext>
-                </a:extLst>
-              </p:cNvPr>
-              <p:cNvCxnSpPr>
-                <a:cxnSpLocks/>
-              </p:cNvCxnSpPr>
-              <p:nvPr/>
-            </p:nvCxnSpPr>
-            <p:spPr>
-              <a:xfrm>
-                <a:off x="5891856" y="3788100"/>
-                <a:ext cx="0" cy="404072"/>
-              </a:xfrm>
-              <a:prstGeom prst="straightConnector1">
-                <a:avLst/>
-              </a:prstGeom>
-              <a:ln w="28575">
-                <a:solidFill>
-                  <a:srgbClr val="FF0000"/>
-                </a:solidFill>
-                <a:headEnd type="none" w="med" len="med"/>
-                <a:tailEnd type="arrow" w="med" len="med"/>
-              </a:ln>
-            </p:spPr>
-            <p:style>
-              <a:lnRef idx="1">
-                <a:schemeClr val="accent1"/>
-              </a:lnRef>
-              <a:fillRef idx="0">
-                <a:schemeClr val="accent1"/>
-              </a:fillRef>
-              <a:effectRef idx="0">
-                <a:schemeClr val="accent1"/>
-              </a:effectRef>
-              <a:fontRef idx="minor">
-                <a:schemeClr val="tx1"/>
-              </a:fontRef>
-            </p:style>
-          </p:cxnSp>
-          <p:sp>
-            <p:nvSpPr>
-              <p:cNvPr id="50" name="矩形 49">
-                <a:extLst>
-                  <a:ext uri="{FF2B5EF4-FFF2-40B4-BE49-F238E27FC236}">
-                    <a16:creationId xmlns:a16="http://schemas.microsoft.com/office/drawing/2014/main" xmlns="" id="{2680BBF1-88D3-4BBA-9FD4-AA28E479CA5A}"/>
-                  </a:ext>
-                </a:extLst>
-              </p:cNvPr>
-              <p:cNvSpPr/>
-              <p:nvPr/>
-            </p:nvSpPr>
-            <p:spPr>
-              <a:xfrm>
-                <a:off x="4897734" y="5076330"/>
-                <a:ext cx="1474928" cy="774224"/>
-              </a:xfrm>
-              <a:prstGeom prst="rect">
-                <a:avLst/>
-              </a:prstGeom>
-              <a:noFill/>
-              <a:ln w="19050">
-                <a:solidFill>
-                  <a:srgbClr val="0070C0"/>
-                </a:solidFill>
-              </a:ln>
-            </p:spPr>
-            <p:style>
-              <a:lnRef idx="2">
-                <a:schemeClr val="accent1">
-                  <a:shade val="50000"/>
-                </a:schemeClr>
-              </a:lnRef>
-              <a:fillRef idx="1">
-                <a:schemeClr val="accent1"/>
-              </a:fillRef>
-              <a:effectRef idx="0">
-                <a:schemeClr val="accent1"/>
-              </a:effectRef>
-              <a:fontRef idx="minor">
-                <a:schemeClr val="lt1"/>
-              </a:fontRef>
-            </p:style>
-            <p:txBody>
-              <a:bodyPr rtlCol="0" anchor="ctr"/>
-              <a:lstStyle/>
-              <a:p>
-                <a:pPr algn="ctr"/>
-                <a:r>
-                  <a:rPr lang="en-US" altLang="zh-CN" dirty="0" err="1" smtClean="0">
-                    <a:solidFill>
-                      <a:schemeClr val="tx1"/>
-                    </a:solidFill>
-                  </a:rPr>
-                  <a:t>WebSocket</a:t>
-                </a:r>
-                <a:endParaRPr lang="en-US" altLang="zh-CN" dirty="0" smtClean="0">
-                  <a:solidFill>
-                    <a:schemeClr val="tx1"/>
-                  </a:solidFill>
-                </a:endParaRPr>
-              </a:p>
-              <a:p>
-                <a:pPr algn="ctr"/>
-                <a:r>
-                  <a:rPr lang="zh-CN" altLang="en-US" dirty="0" smtClean="0">
-                    <a:solidFill>
-                      <a:schemeClr val="tx1"/>
-                    </a:solidFill>
-                  </a:rPr>
-                  <a:t>实现 </a:t>
-                </a:r>
-                <a:r>
-                  <a:rPr lang="en-US" altLang="zh-CN" dirty="0" smtClean="0">
-                    <a:solidFill>
-                      <a:schemeClr val="tx1"/>
-                    </a:solidFill>
-                  </a:rPr>
-                  <a:t>Server1</a:t>
-                </a:r>
-                <a:endParaRPr lang="zh-CN" altLang="en-US" dirty="0">
-                  <a:solidFill>
-                    <a:schemeClr val="tx1"/>
-                  </a:solidFill>
-                </a:endParaRPr>
-              </a:p>
-            </p:txBody>
-          </p:sp>
-          <p:sp>
-            <p:nvSpPr>
-              <p:cNvPr id="51" name="矩形 50">
-                <a:extLst>
-                  <a:ext uri="{FF2B5EF4-FFF2-40B4-BE49-F238E27FC236}">
-                    <a16:creationId xmlns:a16="http://schemas.microsoft.com/office/drawing/2014/main" xmlns="" id="{2680BBF1-88D3-4BBA-9FD4-AA28E479CA5A}"/>
-                  </a:ext>
-                </a:extLst>
-              </p:cNvPr>
-              <p:cNvSpPr/>
-              <p:nvPr/>
-            </p:nvSpPr>
-            <p:spPr>
-              <a:xfrm>
-                <a:off x="6681662" y="5076330"/>
-                <a:ext cx="1474928" cy="774224"/>
-              </a:xfrm>
-              <a:prstGeom prst="rect">
-                <a:avLst/>
-              </a:prstGeom>
-              <a:noFill/>
-              <a:ln w="19050">
-                <a:solidFill>
-                  <a:srgbClr val="0070C0"/>
-                </a:solidFill>
-              </a:ln>
-            </p:spPr>
-            <p:style>
-              <a:lnRef idx="2">
-                <a:schemeClr val="accent1">
-                  <a:shade val="50000"/>
-                </a:schemeClr>
-              </a:lnRef>
-              <a:fillRef idx="1">
-                <a:schemeClr val="accent1"/>
-              </a:fillRef>
-              <a:effectRef idx="0">
-                <a:schemeClr val="accent1"/>
-              </a:effectRef>
-              <a:fontRef idx="minor">
-                <a:schemeClr val="lt1"/>
-              </a:fontRef>
-            </p:style>
-            <p:txBody>
-              <a:bodyPr rtlCol="0" anchor="ctr"/>
-              <a:lstStyle/>
-              <a:p>
-                <a:pPr algn="ctr"/>
-                <a:r>
-                  <a:rPr lang="en-US" altLang="zh-CN" dirty="0" err="1" smtClean="0">
-                    <a:solidFill>
-                      <a:schemeClr val="tx1"/>
-                    </a:solidFill>
-                  </a:rPr>
-                  <a:t>WebSocket</a:t>
-                </a:r>
-                <a:endParaRPr lang="en-US" altLang="zh-CN" dirty="0" smtClean="0">
-                  <a:solidFill>
-                    <a:schemeClr val="tx1"/>
-                  </a:solidFill>
-                </a:endParaRPr>
-              </a:p>
-              <a:p>
-                <a:pPr algn="ctr"/>
-                <a:r>
-                  <a:rPr lang="zh-CN" altLang="en-US" dirty="0">
-                    <a:solidFill>
-                      <a:schemeClr val="tx1"/>
-                    </a:solidFill>
-                  </a:rPr>
-                  <a:t>实现</a:t>
-                </a:r>
-                <a:r>
-                  <a:rPr lang="zh-CN" altLang="en-US" dirty="0" smtClean="0">
-                    <a:solidFill>
-                      <a:schemeClr val="tx1"/>
-                    </a:solidFill>
-                  </a:rPr>
-                  <a:t> </a:t>
-                </a:r>
-                <a:r>
-                  <a:rPr lang="en-US" altLang="zh-CN" dirty="0" smtClean="0">
-                    <a:solidFill>
-                      <a:schemeClr val="tx1"/>
-                    </a:solidFill>
-                  </a:rPr>
-                  <a:t>Server2</a:t>
-                </a:r>
-                <a:endParaRPr lang="zh-CN" altLang="en-US" dirty="0">
-                  <a:solidFill>
-                    <a:schemeClr val="tx1"/>
-                  </a:solidFill>
-                </a:endParaRPr>
-              </a:p>
-            </p:txBody>
-          </p:sp>
-          <p:cxnSp>
-            <p:nvCxnSpPr>
-              <p:cNvPr id="56" name="直接箭头连接符 55">
-                <a:extLst>
-                  <a:ext uri="{FF2B5EF4-FFF2-40B4-BE49-F238E27FC236}">
-                    <a16:creationId xmlns:a16="http://schemas.microsoft.com/office/drawing/2014/main" xmlns="" id="{0F0E5BFD-70B5-46B0-9C4E-6BD5536E6918}"/>
-                  </a:ext>
-                </a:extLst>
-              </p:cNvPr>
-              <p:cNvCxnSpPr>
-                <a:cxnSpLocks/>
-              </p:cNvCxnSpPr>
-              <p:nvPr/>
-            </p:nvCxnSpPr>
-            <p:spPr>
-              <a:xfrm>
-                <a:off x="7003368" y="4653907"/>
-                <a:ext cx="0" cy="422747"/>
-              </a:xfrm>
-              <a:prstGeom prst="straightConnector1">
-                <a:avLst/>
-              </a:prstGeom>
-              <a:ln w="28575">
-                <a:solidFill>
-                  <a:srgbClr val="00B050"/>
-                </a:solidFill>
-                <a:headEnd type="none" w="med" len="med"/>
-                <a:tailEnd type="arrow" w="med" len="med"/>
-              </a:ln>
-            </p:spPr>
-            <p:style>
-              <a:lnRef idx="1">
-                <a:schemeClr val="accent1"/>
-              </a:lnRef>
-              <a:fillRef idx="0">
-                <a:schemeClr val="accent1"/>
-              </a:fillRef>
-              <a:effectRef idx="0">
-                <a:schemeClr val="accent1"/>
-              </a:effectRef>
-              <a:fontRef idx="minor">
-                <a:schemeClr val="tx1"/>
-              </a:fontRef>
-            </p:style>
-          </p:cxnSp>
-          <p:cxnSp>
-            <p:nvCxnSpPr>
-              <p:cNvPr id="57" name="直接箭头连接符 56">
-                <a:extLst>
-                  <a:ext uri="{FF2B5EF4-FFF2-40B4-BE49-F238E27FC236}">
-                    <a16:creationId xmlns:a16="http://schemas.microsoft.com/office/drawing/2014/main" xmlns="" id="{0F0E5BFD-70B5-46B0-9C4E-6BD5536E6918}"/>
-                  </a:ext>
-                </a:extLst>
-              </p:cNvPr>
-              <p:cNvCxnSpPr>
-                <a:cxnSpLocks/>
-              </p:cNvCxnSpPr>
-              <p:nvPr/>
-            </p:nvCxnSpPr>
-            <p:spPr>
-              <a:xfrm>
-                <a:off x="5891856" y="4672582"/>
-                <a:ext cx="0" cy="404072"/>
-              </a:xfrm>
-              <a:prstGeom prst="straightConnector1">
-                <a:avLst/>
-              </a:prstGeom>
-              <a:ln w="28575">
-                <a:solidFill>
-                  <a:srgbClr val="FF0000"/>
-                </a:solidFill>
-                <a:headEnd type="none" w="med" len="med"/>
-                <a:tailEnd type="arrow" w="med" len="med"/>
-              </a:ln>
-            </p:spPr>
-            <p:style>
-              <a:lnRef idx="1">
-                <a:schemeClr val="accent1"/>
-              </a:lnRef>
-              <a:fillRef idx="0">
-                <a:schemeClr val="accent1"/>
-              </a:fillRef>
-              <a:effectRef idx="0">
-                <a:schemeClr val="accent1"/>
-              </a:effectRef>
-              <a:fontRef idx="minor">
-                <a:schemeClr val="tx1"/>
-              </a:fontRef>
-            </p:style>
-          </p:cxnSp>
-        </p:grpSp>
-        <p:sp>
-          <p:nvSpPr>
-            <p:cNvPr id="62" name="矩形 61">
-              <a:extLst>
-                <a:ext uri="{FF2B5EF4-FFF2-40B4-BE49-F238E27FC236}">
-                  <a16:creationId xmlns:a16="http://schemas.microsoft.com/office/drawing/2014/main" xmlns="" id="{2680BBF1-88D3-4BBA-9FD4-AA28E479CA5A}"/>
-                </a:ext>
-              </a:extLst>
-            </p:cNvPr>
-            <p:cNvSpPr/>
-            <p:nvPr/>
-          </p:nvSpPr>
-          <p:spPr>
-            <a:xfrm>
-              <a:off x="6253237" y="261248"/>
-              <a:ext cx="2196445" cy="443060"/>
-            </a:xfrm>
-            <a:prstGeom prst="rect">
-              <a:avLst/>
-            </a:prstGeom>
-            <a:solidFill>
-              <a:srgbClr val="00B0F0"/>
-            </a:solidFill>
-            <a:ln w="19050">
-              <a:solidFill>
-                <a:srgbClr val="0070C0"/>
-              </a:solidFill>
-            </a:ln>
-          </p:spPr>
-          <p:style>
-            <a:lnRef idx="2">
-              <a:schemeClr val="accent1">
-                <a:shade val="50000"/>
-              </a:schemeClr>
-            </a:lnRef>
-            <a:fillRef idx="1">
-              <a:schemeClr val="accent1"/>
-            </a:fillRef>
-            <a:effectRef idx="0">
-              <a:schemeClr val="accent1"/>
-            </a:effectRef>
-            <a:fontRef idx="minor">
-              <a:schemeClr val="lt1"/>
-            </a:fontRef>
-          </p:style>
-          <p:txBody>
-            <a:bodyPr rtlCol="0" anchor="ctr"/>
-            <a:lstStyle/>
-            <a:p>
-              <a:pPr algn="ctr"/>
-              <a:r>
-                <a:rPr lang="en-US" altLang="zh-CN" dirty="0" err="1" smtClean="0">
-                  <a:solidFill>
-                    <a:schemeClr val="tx1"/>
-                  </a:solidFill>
-                </a:rPr>
-                <a:t>WebSocket</a:t>
-              </a:r>
-              <a:endParaRPr lang="zh-CN" altLang="en-US" dirty="0">
-                <a:solidFill>
-                  <a:schemeClr val="tx1"/>
-                </a:solidFill>
-              </a:endParaRPr>
-            </a:p>
-          </p:txBody>
-        </p:sp>
-        <p:sp>
-          <p:nvSpPr>
-            <p:cNvPr id="63" name="矩形 62">
-              <a:extLst>
-                <a:ext uri="{FF2B5EF4-FFF2-40B4-BE49-F238E27FC236}">
-                  <a16:creationId xmlns:a16="http://schemas.microsoft.com/office/drawing/2014/main" xmlns="" id="{2680BBF1-88D3-4BBA-9FD4-AA28E479CA5A}"/>
-                </a:ext>
-              </a:extLst>
-            </p:cNvPr>
-            <p:cNvSpPr/>
-            <p:nvPr/>
-          </p:nvSpPr>
-          <p:spPr>
-            <a:xfrm>
-              <a:off x="1321419" y="1102860"/>
-              <a:ext cx="2196445" cy="443060"/>
-            </a:xfrm>
-            <a:prstGeom prst="rect">
-              <a:avLst/>
-            </a:prstGeom>
-            <a:solidFill>
-              <a:srgbClr val="00B0F0"/>
-            </a:solidFill>
-            <a:ln w="19050">
-              <a:solidFill>
-                <a:srgbClr val="0070C0"/>
-              </a:solidFill>
-            </a:ln>
-          </p:spPr>
-          <p:style>
-            <a:lnRef idx="2">
-              <a:schemeClr val="accent1">
-                <a:shade val="50000"/>
-              </a:schemeClr>
-            </a:lnRef>
-            <a:fillRef idx="1">
-              <a:schemeClr val="accent1"/>
-            </a:fillRef>
-            <a:effectRef idx="0">
-              <a:schemeClr val="accent1"/>
-            </a:effectRef>
-            <a:fontRef idx="minor">
-              <a:schemeClr val="lt1"/>
-            </a:fontRef>
-          </p:style>
-          <p:txBody>
-            <a:bodyPr rtlCol="0" anchor="ctr"/>
-            <a:lstStyle/>
-            <a:p>
-              <a:pPr algn="ctr"/>
-              <a:r>
-                <a:rPr lang="en-US" altLang="zh-CN" dirty="0" smtClean="0">
-                  <a:solidFill>
-                    <a:schemeClr val="tx1"/>
-                  </a:solidFill>
-                </a:rPr>
-                <a:t>HTTP</a:t>
-              </a:r>
-              <a:endParaRPr lang="zh-CN" altLang="en-US" dirty="0">
-                <a:solidFill>
-                  <a:schemeClr val="tx1"/>
-                </a:solidFill>
-              </a:endParaRPr>
-            </a:p>
-          </p:txBody>
-        </p:sp>
-      </p:grpSp>
-    </p:spTree>
-    <p:extLst>
-      <p:ext uri="{BB962C8B-B14F-4D97-AF65-F5344CB8AC3E}">
-        <p14:creationId xmlns:p14="http://schemas.microsoft.com/office/powerpoint/2010/main" val="2858293147"/>
-      </p:ext>
-    </p:extLst>
-  </p:cSld>
-  <p:clrMapOvr>
-    <a:masterClrMapping/>
-  </p:clrMapOvr>
-  <p:timing>
-    <p:tnLst>
-      <p:par>
-        <p:cTn id="1" dur="indefinite" restart="never" nodeType="tmRoot"/>
-      </p:par>
-    </p:tnLst>
-  </p:timing>
 </p:sld>
 </file>
 
